--- a/软件实现.pptx
+++ b/软件实现.pptx
@@ -1,49 +1,50 @@
 
 <file path=ppt/presentation.xml><?xml version="1.0" encoding="utf-8"?>
-<p:presentation xmlns:a="http://schemas.openxmlformats.org/drawingml/2006/main" xmlns:r="http://schemas.openxmlformats.org/officeDocument/2006/relationships" xmlns:p="http://schemas.openxmlformats.org/presentationml/2006/main" xmlns:m="http://schemas.openxmlformats.org/officeDocument/2006/math" xmlns:a14="http://schemas.microsoft.com/office/drawing/2010/main">
+<p:presentation xmlns:a="http://schemas.openxmlformats.org/drawingml/2006/main" xmlns:r="http://schemas.openxmlformats.org/officeDocument/2006/relationships" xmlns:p="http://schemas.openxmlformats.org/presentationml/2006/main">
   <p:sldMasterIdLst>
-    <p:sldMasterId id="2147483648" r:id="rId5"/>
+    <p:sldMasterId id="2147483648" r:id="rId1"/>
   </p:sldMasterIdLst>
   <p:notesMasterIdLst>
-    <p:notesMasterId r:id="rId7"/>
+    <p:notesMasterId r:id="rId37"/>
   </p:notesMasterIdLst>
   <p:sldIdLst>
-    <p:sldId id="256" r:id="rId8"/>
-    <p:sldId id="257" r:id="rId9"/>
-    <p:sldId id="258" r:id="rId10"/>
-    <p:sldId id="259" r:id="rId11"/>
-    <p:sldId id="260" r:id="rId12"/>
-    <p:sldId id="261" r:id="rId13"/>
-    <p:sldId id="262" r:id="rId14"/>
-    <p:sldId id="263" r:id="rId15"/>
-    <p:sldId id="264" r:id="rId16"/>
-    <p:sldId id="265" r:id="rId17"/>
-    <p:sldId id="266" r:id="rId18"/>
-    <p:sldId id="267" r:id="rId19"/>
-    <p:sldId id="268" r:id="rId20"/>
-    <p:sldId id="269" r:id="rId21"/>
-    <p:sldId id="270" r:id="rId22"/>
-    <p:sldId id="271" r:id="rId23"/>
-    <p:sldId id="272" r:id="rId24"/>
-    <p:sldId id="273" r:id="rId25"/>
-    <p:sldId id="274" r:id="rId26"/>
-    <p:sldId id="275" r:id="rId27"/>
-    <p:sldId id="276" r:id="rId28"/>
-    <p:sldId id="277" r:id="rId29"/>
-    <p:sldId id="278" r:id="rId30"/>
-    <p:sldId id="279" r:id="rId31"/>
-    <p:sldId id="280" r:id="rId32"/>
-    <p:sldId id="281" r:id="rId33"/>
-    <p:sldId id="282" r:id="rId34"/>
-    <p:sldId id="283" r:id="rId35"/>
-    <p:sldId id="284" r:id="rId36"/>
-    <p:sldId id="285" r:id="rId37"/>
-    <p:sldId id="286" r:id="rId38"/>
-    <p:sldId id="287" r:id="rId39"/>
-    <p:sldId id="288" r:id="rId40"/>
-    <p:sldId id="289" r:id="rId41"/>
+    <p:sldId id="256" r:id="rId2"/>
+    <p:sldId id="257" r:id="rId3"/>
+    <p:sldId id="258" r:id="rId4"/>
+    <p:sldId id="259" r:id="rId5"/>
+    <p:sldId id="260" r:id="rId6"/>
+    <p:sldId id="261" r:id="rId7"/>
+    <p:sldId id="262" r:id="rId8"/>
+    <p:sldId id="263" r:id="rId9"/>
+    <p:sldId id="264" r:id="rId10"/>
+    <p:sldId id="290" r:id="rId11"/>
+    <p:sldId id="265" r:id="rId12"/>
+    <p:sldId id="266" r:id="rId13"/>
+    <p:sldId id="267" r:id="rId14"/>
+    <p:sldId id="268" r:id="rId15"/>
+    <p:sldId id="269" r:id="rId16"/>
+    <p:sldId id="270" r:id="rId17"/>
+    <p:sldId id="271" r:id="rId18"/>
+    <p:sldId id="272" r:id="rId19"/>
+    <p:sldId id="273" r:id="rId20"/>
+    <p:sldId id="274" r:id="rId21"/>
+    <p:sldId id="275" r:id="rId22"/>
+    <p:sldId id="276" r:id="rId23"/>
+    <p:sldId id="277" r:id="rId24"/>
+    <p:sldId id="278" r:id="rId25"/>
+    <p:sldId id="279" r:id="rId26"/>
+    <p:sldId id="280" r:id="rId27"/>
+    <p:sldId id="281" r:id="rId28"/>
+    <p:sldId id="282" r:id="rId29"/>
+    <p:sldId id="283" r:id="rId30"/>
+    <p:sldId id="284" r:id="rId31"/>
+    <p:sldId id="285" r:id="rId32"/>
+    <p:sldId id="286" r:id="rId33"/>
+    <p:sldId id="287" r:id="rId34"/>
+    <p:sldId id="288" r:id="rId35"/>
+    <p:sldId id="289" r:id="rId36"/>
   </p:sldIdLst>
-  <p:sldSz cx="9144000" cy="6858000"/>
+  <p:sldSz cx="9144000" cy="6858000" type="screen4x3"/>
   <p:notesSz cx="6858000" cy="9144000"/>
   <p:defaultTextStyle>
     <a:defPPr marL="0" marR="0" indent="0" algn="l" defTabSz="914400" rtl="0" fontAlgn="auto" latinLnBrk="1" hangingPunct="0">
@@ -61,7 +62,7 @@
       <a:buFontTx/>
       <a:buNone/>
       <a:tabLst/>
-      <a:defRPr b="0" baseline="0" cap="none" i="0" spc="0" strike="noStrike" sz="1800" u="none" kumimoji="0" normalizeH="0">
+      <a:defRPr kumimoji="0" sz="1800" b="0" i="0" u="none" strike="noStrike" cap="none" spc="0" normalizeH="0" baseline="0">
         <a:ln>
           <a:noFill/>
         </a:ln>
@@ -87,7 +88,7 @@
       <a:buFontTx/>
       <a:buNone/>
       <a:tabLst/>
-      <a:defRPr b="0" baseline="0" cap="none" i="0" spc="0" strike="noStrike" sz="1800" u="none" kumimoji="0" normalizeH="0">
+      <a:defRPr kumimoji="0" sz="1800" b="0" i="0" u="none" strike="noStrike" cap="none" spc="0" normalizeH="0" baseline="0">
         <a:ln>
           <a:noFill/>
         </a:ln>
@@ -117,7 +118,7 @@
       <a:buFontTx/>
       <a:buNone/>
       <a:tabLst/>
-      <a:defRPr b="0" baseline="0" cap="none" i="0" spc="0" strike="noStrike" sz="1800" u="none" kumimoji="0" normalizeH="0">
+      <a:defRPr kumimoji="0" sz="1800" b="0" i="0" u="none" strike="noStrike" cap="none" spc="0" normalizeH="0" baseline="0">
         <a:ln>
           <a:noFill/>
         </a:ln>
@@ -147,7 +148,7 @@
       <a:buFontTx/>
       <a:buNone/>
       <a:tabLst/>
-      <a:defRPr b="0" baseline="0" cap="none" i="0" spc="0" strike="noStrike" sz="1800" u="none" kumimoji="0" normalizeH="0">
+      <a:defRPr kumimoji="0" sz="1800" b="0" i="0" u="none" strike="noStrike" cap="none" spc="0" normalizeH="0" baseline="0">
         <a:ln>
           <a:noFill/>
         </a:ln>
@@ -177,7 +178,7 @@
       <a:buFontTx/>
       <a:buNone/>
       <a:tabLst/>
-      <a:defRPr b="0" baseline="0" cap="none" i="0" spc="0" strike="noStrike" sz="1800" u="none" kumimoji="0" normalizeH="0">
+      <a:defRPr kumimoji="0" sz="1800" b="0" i="0" u="none" strike="noStrike" cap="none" spc="0" normalizeH="0" baseline="0">
         <a:ln>
           <a:noFill/>
         </a:ln>
@@ -207,7 +208,7 @@
       <a:buFontTx/>
       <a:buNone/>
       <a:tabLst/>
-      <a:defRPr b="0" baseline="0" cap="none" i="0" spc="0" strike="noStrike" sz="1800" u="none" kumimoji="0" normalizeH="0">
+      <a:defRPr kumimoji="0" sz="1800" b="0" i="0" u="none" strike="noStrike" cap="none" spc="0" normalizeH="0" baseline="0">
         <a:ln>
           <a:noFill/>
         </a:ln>
@@ -237,7 +238,7 @@
       <a:buFontTx/>
       <a:buNone/>
       <a:tabLst/>
-      <a:defRPr b="0" baseline="0" cap="none" i="0" spc="0" strike="noStrike" sz="1800" u="none" kumimoji="0" normalizeH="0">
+      <a:defRPr kumimoji="0" sz="1800" b="0" i="0" u="none" strike="noStrike" cap="none" spc="0" normalizeH="0" baseline="0">
         <a:ln>
           <a:noFill/>
         </a:ln>
@@ -267,7 +268,7 @@
       <a:buFontTx/>
       <a:buNone/>
       <a:tabLst/>
-      <a:defRPr b="0" baseline="0" cap="none" i="0" spc="0" strike="noStrike" sz="1800" u="none" kumimoji="0" normalizeH="0">
+      <a:defRPr kumimoji="0" sz="1800" b="0" i="0" u="none" strike="noStrike" cap="none" spc="0" normalizeH="0" baseline="0">
         <a:ln>
           <a:noFill/>
         </a:ln>
@@ -297,7 +298,7 @@
       <a:buFontTx/>
       <a:buNone/>
       <a:tabLst/>
-      <a:defRPr b="0" baseline="0" cap="none" i="0" spc="0" strike="noStrike" sz="1800" u="none" kumimoji="0" normalizeH="0">
+      <a:defRPr kumimoji="0" sz="1800" b="0" i="0" u="none" strike="noStrike" cap="none" spc="0" normalizeH="0" baseline="0">
         <a:ln>
           <a:noFill/>
         </a:ln>
@@ -327,7 +328,7 @@
       <a:buFontTx/>
       <a:buNone/>
       <a:tabLst/>
-      <a:defRPr b="0" baseline="0" cap="none" i="0" spc="0" strike="noStrike" sz="1800" u="none" kumimoji="0" normalizeH="0">
+      <a:defRPr kumimoji="0" sz="1800" b="0" i="0" u="none" strike="noStrike" cap="none" spc="0" normalizeH="0" baseline="0">
         <a:ln>
           <a:noFill/>
         </a:ln>
@@ -346,13 +347,14 @@
 </p:presentation>
 </file>
 
-<file path=ppt/commentAuthors.xml><?xml version="1.0" encoding="utf-8"?>
-<p:cmAuthorLst xmlns:a="http://schemas.openxmlformats.org/drawingml/2006/main" xmlns:r="http://schemas.openxmlformats.org/officeDocument/2006/relationships" xmlns:p="http://schemas.openxmlformats.org/presentationml/2006/main" xmlns:m="http://schemas.openxmlformats.org/officeDocument/2006/math" xmlns:a14="http://schemas.microsoft.com/office/drawing/2010/main"/>
-</file>
-
 <file path=ppt/notesMasters/notesMaster1.xml><?xml version="1.0" encoding="utf-8"?>
-<p:notesMaster xmlns:a="http://schemas.openxmlformats.org/drawingml/2006/main" xmlns:r="http://schemas.openxmlformats.org/officeDocument/2006/relationships" xmlns:p="http://schemas.openxmlformats.org/presentationml/2006/main" xmlns:m="http://schemas.openxmlformats.org/officeDocument/2006/math" xmlns:a14="http://schemas.microsoft.com/office/drawing/2010/main">
+<p:notesMaster xmlns:a="http://schemas.openxmlformats.org/drawingml/2006/main" xmlns:r="http://schemas.openxmlformats.org/officeDocument/2006/relationships" xmlns:p="http://schemas.openxmlformats.org/presentationml/2006/main">
   <p:cSld>
+    <p:bg>
+      <p:bgRef idx="1001">
+        <a:schemeClr val="bg1"/>
+      </p:bgRef>
+    </p:bg>
     <p:spTree>
       <p:nvGrpSpPr>
         <p:cNvPr id="1" name=""/>
@@ -370,7 +372,9 @@
       <p:sp>
         <p:nvSpPr>
           <p:cNvPr id="97" name="Shape 97"/>
-          <p:cNvSpPr/>
+          <p:cNvSpPr>
+            <a:spLocks noGrp="1" noRot="1" noChangeAspect="1"/>
+          </p:cNvSpPr>
           <p:nvPr>
             <p:ph type="sldImg"/>
           </p:nvPr>
@@ -388,14 +392,16 @@
           <a:bodyPr/>
           <a:lstStyle/>
           <a:p>
-            <a:pPr/>
+            <a:endParaRPr/>
           </a:p>
         </p:txBody>
       </p:sp>
       <p:sp>
         <p:nvSpPr>
           <p:cNvPr id="98" name="Shape 98"/>
-          <p:cNvSpPr/>
+          <p:cNvSpPr>
+            <a:spLocks noGrp="1"/>
+          </p:cNvSpPr>
           <p:nvPr>
             <p:ph type="body" sz="quarter" idx="1"/>
           </p:nvPr>
@@ -413,11 +419,16 @@
           <a:bodyPr/>
           <a:lstStyle/>
           <a:p>
-            <a:pPr/>
+            <a:endParaRPr/>
           </a:p>
         </p:txBody>
       </p:sp>
     </p:spTree>
+    <p:extLst>
+      <p:ext uri="{BB962C8B-B14F-4D97-AF65-F5344CB8AC3E}">
+        <p14:creationId xmlns:p14="http://schemas.microsoft.com/office/powerpoint/2010/main" val="3704777446"/>
+      </p:ext>
+    </p:extLst>
   </p:cSld>
   <p:clrMap bg1="dk1" tx1="lt1" bg2="dk2" tx2="lt2" accent1="accent1" accent2="accent2" accent3="accent3" accent4="accent4" accent5="accent5" accent6="accent6" hlink="hlink" folHlink="folHlink"/>
   <p:notesStyle>
@@ -525,7 +536,7 @@
 </file>
 
 <file path=ppt/slideLayouts/slideLayout1.xml><?xml version="1.0" encoding="utf-8"?>
-<p:sldLayout xmlns:a="http://schemas.openxmlformats.org/drawingml/2006/main" xmlns:r="http://schemas.openxmlformats.org/officeDocument/2006/relationships" xmlns:p="http://schemas.openxmlformats.org/presentationml/2006/main" xmlns:m="http://schemas.openxmlformats.org/officeDocument/2006/math" xmlns:a14="http://schemas.microsoft.com/office/drawing/2010/main" type="title" showMasterSp="1" showMasterPhAnim="1">
+<p:sldLayout xmlns:a="http://schemas.openxmlformats.org/drawingml/2006/main" xmlns:r="http://schemas.openxmlformats.org/officeDocument/2006/relationships" xmlns:p="http://schemas.openxmlformats.org/presentationml/2006/main" type="title">
   <p:cSld name="标题幻灯片">
     <p:spTree>
       <p:nvGrpSpPr>
@@ -544,7 +555,9 @@
       <p:sp>
         <p:nvSpPr>
           <p:cNvPr id="11" name="正文级别 1…"/>
-          <p:cNvSpPr txBox="1"/>
+          <p:cNvSpPr txBox="1">
+            <a:spLocks noGrp="1"/>
+          </p:cNvSpPr>
           <p:nvPr>
             <p:ph type="body" sz="quarter" idx="1"/>
           </p:nvPr>
@@ -565,7 +578,7 @@
               <a:buClrTx/>
               <a:buSzTx/>
               <a:buNone/>
-              <a:defRPr spc="100" sz="2200">
+              <a:defRPr sz="2200" spc="100">
                 <a:solidFill>
                   <a:srgbClr val="FEFAC9"/>
                 </a:solidFill>
@@ -575,7 +588,7 @@
               <a:buClrTx/>
               <a:buSzTx/>
               <a:buNone/>
-              <a:defRPr spc="100" sz="2200">
+              <a:defRPr sz="2200" spc="100">
                 <a:solidFill>
                   <a:srgbClr val="FEFAC9"/>
                 </a:solidFill>
@@ -585,7 +598,7 @@
               <a:buClrTx/>
               <a:buSzTx/>
               <a:buNone/>
-              <a:defRPr spc="100" sz="2200">
+              <a:defRPr sz="2200" spc="100">
                 <a:solidFill>
                   <a:srgbClr val="FEFAC9"/>
                 </a:solidFill>
@@ -595,7 +608,7 @@
               <a:buClrTx/>
               <a:buSzTx/>
               <a:buNone/>
-              <a:defRPr spc="100" sz="2200">
+              <a:defRPr sz="2200" spc="100">
                 <a:solidFill>
                   <a:srgbClr val="FEFAC9"/>
                 </a:solidFill>
@@ -605,7 +618,7 @@
               <a:buClrTx/>
               <a:buSzTx/>
               <a:buNone/>
-              <a:defRPr spc="100" sz="2200">
+              <a:defRPr sz="2200" spc="100">
                 <a:solidFill>
                   <a:srgbClr val="FEFAC9"/>
                 </a:solidFill>
@@ -613,7 +626,6 @@
             </a:lvl5pPr>
           </a:lstStyle>
           <a:p>
-            <a:pPr/>
             <a:r>
               <a:t>正文级别 1</a:t>
             </a:r>
@@ -647,7 +659,9 @@
       <p:sp>
         <p:nvSpPr>
           <p:cNvPr id="12" name="标题文本"/>
-          <p:cNvSpPr txBox="1"/>
+          <p:cNvSpPr txBox="1">
+            <a:spLocks noGrp="1"/>
+          </p:cNvSpPr>
           <p:nvPr>
             <p:ph type="title"/>
           </p:nvPr>
@@ -677,7 +691,6 @@
             </a:lvl1pPr>
           </a:lstStyle>
           <a:p>
-            <a:pPr/>
             <a:r>
               <a:t>标题文本</a:t>
             </a:r>
@@ -704,7 +717,7 @@
             </a:solidFill>
           </a:ln>
           <a:effectLst>
-            <a:outerShdw sx="100000" sy="100000" kx="0" ky="0" algn="b" rotWithShape="0" blurRad="38100" dist="0" dir="2700000">
+            <a:outerShdw blurRad="38100" dir="2700000" rotWithShape="0">
               <a:srgbClr val="000000">
                 <a:alpha val="55000"/>
               </a:srgbClr>
@@ -722,6 +735,7 @@
                 </a:solidFill>
               </a:defRPr>
             </a:pPr>
+            <a:endParaRPr/>
           </a:p>
         </p:txBody>
       </p:sp>
@@ -745,7 +759,7 @@
             </a:solidFill>
           </a:ln>
           <a:effectLst>
-            <a:outerShdw sx="100000" sy="100000" kx="0" ky="0" algn="b" rotWithShape="0" blurRad="38100" dist="0" dir="2700000">
+            <a:outerShdw blurRad="38100" dir="2700000" rotWithShape="0">
               <a:srgbClr val="000000">
                 <a:alpha val="55000"/>
               </a:srgbClr>
@@ -763,6 +777,7 @@
                 </a:solidFill>
               </a:defRPr>
             </a:pPr>
+            <a:endParaRPr/>
           </a:p>
         </p:txBody>
       </p:sp>
@@ -789,7 +804,7 @@
             </a:solidFill>
           </a:ln>
           <a:effectLst>
-            <a:outerShdw sx="100000" sy="100000" kx="0" ky="0" algn="b" rotWithShape="0" blurRad="38100" dist="0" dir="2700000">
+            <a:outerShdw blurRad="38100" dir="2700000" rotWithShape="0">
               <a:srgbClr val="000000">
                 <a:alpha val="55000"/>
               </a:srgbClr>
@@ -807,13 +822,16 @@
                 </a:solidFill>
               </a:defRPr>
             </a:pPr>
+            <a:endParaRPr/>
           </a:p>
         </p:txBody>
       </p:sp>
       <p:sp>
         <p:nvSpPr>
           <p:cNvPr id="16" name="幻灯片编号"/>
-          <p:cNvSpPr txBox="1"/>
+          <p:cNvSpPr txBox="1">
+            <a:spLocks noGrp="1"/>
+          </p:cNvSpPr>
           <p:nvPr>
             <p:ph type="sldNum" sz="quarter" idx="2"/>
           </p:nvPr>
@@ -827,8 +845,10 @@
           <a:bodyPr/>
           <a:lstStyle/>
           <a:p>
-            <a:pPr/>
-            <a:fld id="{86CB4B4D-7CA3-9044-876B-883B54F8677D}" type="slidenum"/>
+            <a:fld id="{86CB4B4D-7CA3-9044-876B-883B54F8677D}" type="slidenum">
+              <a:t>‹#›</a:t>
+            </a:fld>
+            <a:endParaRPr/>
           </a:p>
         </p:txBody>
       </p:sp>
@@ -837,12 +857,12 @@
   <p:clrMapOvr>
     <a:masterClrMapping/>
   </p:clrMapOvr>
-  <p:transition xmlns:p14="http://schemas.microsoft.com/office/powerpoint/2010/main" spd="med" advClick="1"/>
+  <p:transition spd="med"/>
 </p:sldLayout>
 </file>
 
 <file path=ppt/slideLayouts/slideLayout2.xml><?xml version="1.0" encoding="utf-8"?>
-<p:sldLayout xmlns:a="http://schemas.openxmlformats.org/drawingml/2006/main" xmlns:r="http://schemas.openxmlformats.org/officeDocument/2006/relationships" xmlns:p="http://schemas.openxmlformats.org/presentationml/2006/main" xmlns:m="http://schemas.openxmlformats.org/officeDocument/2006/math" xmlns:a14="http://schemas.microsoft.com/office/drawing/2010/main" type="tx" showMasterSp="1" showMasterPhAnim="1">
+<p:sldLayout xmlns:a="http://schemas.openxmlformats.org/drawingml/2006/main" xmlns:r="http://schemas.openxmlformats.org/officeDocument/2006/relationships" xmlns:p="http://schemas.openxmlformats.org/presentationml/2006/main" type="tx">
   <p:cSld name="标题和内容">
     <p:spTree>
       <p:nvGrpSpPr>
@@ -861,7 +881,9 @@
       <p:sp>
         <p:nvSpPr>
           <p:cNvPr id="23" name="正文级别 1…"/>
-          <p:cNvSpPr txBox="1"/>
+          <p:cNvSpPr txBox="1">
+            <a:spLocks noGrp="1"/>
+          </p:cNvSpPr>
           <p:nvPr>
             <p:ph type="body" idx="1"/>
           </p:nvPr>
@@ -875,7 +897,6 @@
           <a:bodyPr/>
           <a:lstStyle/>
           <a:p>
-            <a:pPr/>
             <a:r>
               <a:t>正文级别 1</a:t>
             </a:r>
@@ -909,7 +930,9 @@
       <p:sp>
         <p:nvSpPr>
           <p:cNvPr id="24" name="标题文本"/>
-          <p:cNvSpPr txBox="1"/>
+          <p:cNvSpPr txBox="1">
+            <a:spLocks noGrp="1"/>
+          </p:cNvSpPr>
           <p:nvPr>
             <p:ph type="title"/>
           </p:nvPr>
@@ -923,7 +946,6 @@
           <a:bodyPr/>
           <a:lstStyle/>
           <a:p>
-            <a:pPr/>
             <a:r>
               <a:t>标题文本</a:t>
             </a:r>
@@ -933,7 +955,9 @@
       <p:sp>
         <p:nvSpPr>
           <p:cNvPr id="25" name="幻灯片编号"/>
-          <p:cNvSpPr txBox="1"/>
+          <p:cNvSpPr txBox="1">
+            <a:spLocks noGrp="1"/>
+          </p:cNvSpPr>
           <p:nvPr>
             <p:ph type="sldNum" sz="quarter" idx="2"/>
           </p:nvPr>
@@ -947,8 +971,10 @@
           <a:bodyPr/>
           <a:lstStyle/>
           <a:p>
-            <a:pPr/>
-            <a:fld id="{86CB4B4D-7CA3-9044-876B-883B54F8677D}" type="slidenum"/>
+            <a:fld id="{86CB4B4D-7CA3-9044-876B-883B54F8677D}" type="slidenum">
+              <a:t>‹#›</a:t>
+            </a:fld>
+            <a:endParaRPr/>
           </a:p>
         </p:txBody>
       </p:sp>
@@ -957,12 +983,12 @@
   <p:clrMapOvr>
     <a:masterClrMapping/>
   </p:clrMapOvr>
-  <p:transition xmlns:p14="http://schemas.microsoft.com/office/powerpoint/2010/main" spd="med" advClick="1"/>
+  <p:transition spd="med"/>
 </p:sldLayout>
 </file>
 
 <file path=ppt/slideLayouts/slideLayout3.xml><?xml version="1.0" encoding="utf-8"?>
-<p:sldLayout xmlns:a="http://schemas.openxmlformats.org/drawingml/2006/main" xmlns:r="http://schemas.openxmlformats.org/officeDocument/2006/relationships" xmlns:p="http://schemas.openxmlformats.org/presentationml/2006/main" xmlns:m="http://schemas.openxmlformats.org/officeDocument/2006/math" xmlns:a14="http://schemas.microsoft.com/office/drawing/2010/main" type="tx" showMasterSp="1" showMasterPhAnim="1">
+<p:sldLayout xmlns:a="http://schemas.openxmlformats.org/drawingml/2006/main" xmlns:r="http://schemas.openxmlformats.org/officeDocument/2006/relationships" xmlns:p="http://schemas.openxmlformats.org/presentationml/2006/main" type="tx">
   <p:cSld name="节标题">
     <p:spTree>
       <p:nvGrpSpPr>
@@ -981,7 +1007,9 @@
       <p:sp>
         <p:nvSpPr>
           <p:cNvPr id="32" name="标题文本"/>
-          <p:cNvSpPr txBox="1"/>
+          <p:cNvSpPr txBox="1">
+            <a:spLocks noGrp="1"/>
+          </p:cNvSpPr>
           <p:nvPr>
             <p:ph type="title"/>
           </p:nvPr>
@@ -1011,7 +1039,6 @@
             </a:lvl1pPr>
           </a:lstStyle>
           <a:p>
-            <a:pPr/>
             <a:r>
               <a:t>标题文本</a:t>
             </a:r>
@@ -1021,7 +1048,9 @@
       <p:sp>
         <p:nvSpPr>
           <p:cNvPr id="33" name="正文级别 1…"/>
-          <p:cNvSpPr txBox="1"/>
+          <p:cNvSpPr txBox="1">
+            <a:spLocks noGrp="1"/>
+          </p:cNvSpPr>
           <p:nvPr>
             <p:ph type="body" sz="quarter" idx="1"/>
           </p:nvPr>
@@ -1042,7 +1071,7 @@
               <a:buClrTx/>
               <a:buSzTx/>
               <a:buNone/>
-              <a:defRPr spc="100" sz="2000">
+              <a:defRPr sz="2000" spc="100">
                 <a:solidFill>
                   <a:srgbClr val="FEFAC9"/>
                 </a:solidFill>
@@ -1052,7 +1081,7 @@
               <a:buClrTx/>
               <a:buSzTx/>
               <a:buNone/>
-              <a:defRPr spc="100" sz="2000">
+              <a:defRPr sz="2000" spc="100">
                 <a:solidFill>
                   <a:srgbClr val="FEFAC9"/>
                 </a:solidFill>
@@ -1062,7 +1091,7 @@
               <a:buClrTx/>
               <a:buSzTx/>
               <a:buNone/>
-              <a:defRPr spc="100" sz="2000">
+              <a:defRPr sz="2000" spc="100">
                 <a:solidFill>
                   <a:srgbClr val="FEFAC9"/>
                 </a:solidFill>
@@ -1072,7 +1101,7 @@
               <a:buClrTx/>
               <a:buSzTx/>
               <a:buNone/>
-              <a:defRPr spc="100" sz="2000">
+              <a:defRPr sz="2000" spc="100">
                 <a:solidFill>
                   <a:srgbClr val="FEFAC9"/>
                 </a:solidFill>
@@ -1082,7 +1111,7 @@
               <a:buClrTx/>
               <a:buSzTx/>
               <a:buNone/>
-              <a:defRPr spc="100" sz="2000">
+              <a:defRPr sz="2000" spc="100">
                 <a:solidFill>
                   <a:srgbClr val="FEFAC9"/>
                 </a:solidFill>
@@ -1090,7 +1119,6 @@
             </a:lvl5pPr>
           </a:lstStyle>
           <a:p>
-            <a:pPr/>
             <a:r>
               <a:t>正文级别 1</a:t>
             </a:r>
@@ -1141,7 +1169,7 @@
             </a:solidFill>
           </a:ln>
           <a:effectLst>
-            <a:outerShdw sx="100000" sy="100000" kx="0" ky="0" algn="b" rotWithShape="0" blurRad="38100" dist="0" dir="2700000">
+            <a:outerShdw blurRad="38100" dir="2700000" rotWithShape="0">
               <a:srgbClr val="000000">
                 <a:alpha val="55000"/>
               </a:srgbClr>
@@ -1159,13 +1187,16 @@
                 </a:solidFill>
               </a:defRPr>
             </a:pPr>
+            <a:endParaRPr/>
           </a:p>
         </p:txBody>
       </p:sp>
       <p:sp>
         <p:nvSpPr>
           <p:cNvPr id="35" name="幻灯片编号"/>
-          <p:cNvSpPr txBox="1"/>
+          <p:cNvSpPr txBox="1">
+            <a:spLocks noGrp="1"/>
+          </p:cNvSpPr>
           <p:nvPr>
             <p:ph type="sldNum" sz="quarter" idx="2"/>
           </p:nvPr>
@@ -1179,8 +1210,10 @@
           <a:bodyPr/>
           <a:lstStyle/>
           <a:p>
-            <a:pPr/>
-            <a:fld id="{86CB4B4D-7CA3-9044-876B-883B54F8677D}" type="slidenum"/>
+            <a:fld id="{86CB4B4D-7CA3-9044-876B-883B54F8677D}" type="slidenum">
+              <a:t>‹#›</a:t>
+            </a:fld>
+            <a:endParaRPr/>
           </a:p>
         </p:txBody>
       </p:sp>
@@ -1189,12 +1222,12 @@
   <p:clrMapOvr>
     <a:masterClrMapping/>
   </p:clrMapOvr>
-  <p:transition xmlns:p14="http://schemas.microsoft.com/office/powerpoint/2010/main" spd="med" advClick="1"/>
+  <p:transition spd="med"/>
 </p:sldLayout>
 </file>
 
 <file path=ppt/slideLayouts/slideLayout4.xml><?xml version="1.0" encoding="utf-8"?>
-<p:sldLayout xmlns:a="http://schemas.openxmlformats.org/drawingml/2006/main" xmlns:r="http://schemas.openxmlformats.org/officeDocument/2006/relationships" xmlns:p="http://schemas.openxmlformats.org/presentationml/2006/main" xmlns:m="http://schemas.openxmlformats.org/officeDocument/2006/math" xmlns:a14="http://schemas.microsoft.com/office/drawing/2010/main" type="tx" showMasterSp="1" showMasterPhAnim="1">
+<p:sldLayout xmlns:a="http://schemas.openxmlformats.org/drawingml/2006/main" xmlns:r="http://schemas.openxmlformats.org/officeDocument/2006/relationships" xmlns:p="http://schemas.openxmlformats.org/presentationml/2006/main" type="tx">
   <p:cSld name="两栏内容">
     <p:spTree>
       <p:nvGrpSpPr>
@@ -1213,7 +1246,9 @@
       <p:sp>
         <p:nvSpPr>
           <p:cNvPr id="42" name="标题文本"/>
-          <p:cNvSpPr txBox="1"/>
+          <p:cNvSpPr txBox="1">
+            <a:spLocks noGrp="1"/>
+          </p:cNvSpPr>
           <p:nvPr>
             <p:ph type="title"/>
           </p:nvPr>
@@ -1227,7 +1262,6 @@
           <a:bodyPr/>
           <a:lstStyle/>
           <a:p>
-            <a:pPr/>
             <a:r>
               <a:t>标题文本</a:t>
             </a:r>
@@ -1237,7 +1271,9 @@
       <p:sp>
         <p:nvSpPr>
           <p:cNvPr id="43" name="正文级别 1…"/>
-          <p:cNvSpPr txBox="1"/>
+          <p:cNvSpPr txBox="1">
+            <a:spLocks noGrp="1"/>
+          </p:cNvSpPr>
           <p:nvPr>
             <p:ph type="body" sz="half" idx="1"/>
           </p:nvPr>
@@ -1255,7 +1291,6 @@
           <a:bodyPr/>
           <a:lstStyle/>
           <a:p>
-            <a:pPr/>
             <a:r>
               <a:t>正文级别 1</a:t>
             </a:r>
@@ -1289,7 +1324,9 @@
       <p:sp>
         <p:nvSpPr>
           <p:cNvPr id="44" name="幻灯片编号"/>
-          <p:cNvSpPr txBox="1"/>
+          <p:cNvSpPr txBox="1">
+            <a:spLocks noGrp="1"/>
+          </p:cNvSpPr>
           <p:nvPr>
             <p:ph type="sldNum" sz="quarter" idx="2"/>
           </p:nvPr>
@@ -1303,8 +1340,10 @@
           <a:bodyPr/>
           <a:lstStyle/>
           <a:p>
-            <a:pPr/>
-            <a:fld id="{86CB4B4D-7CA3-9044-876B-883B54F8677D}" type="slidenum"/>
+            <a:fld id="{86CB4B4D-7CA3-9044-876B-883B54F8677D}" type="slidenum">
+              <a:t>‹#›</a:t>
+            </a:fld>
+            <a:endParaRPr/>
           </a:p>
         </p:txBody>
       </p:sp>
@@ -1313,12 +1352,12 @@
   <p:clrMapOvr>
     <a:masterClrMapping/>
   </p:clrMapOvr>
-  <p:transition xmlns:p14="http://schemas.microsoft.com/office/powerpoint/2010/main" spd="med" advClick="1"/>
+  <p:transition spd="med"/>
 </p:sldLayout>
 </file>
 
 <file path=ppt/slideLayouts/slideLayout5.xml><?xml version="1.0" encoding="utf-8"?>
-<p:sldLayout xmlns:a="http://schemas.openxmlformats.org/drawingml/2006/main" xmlns:r="http://schemas.openxmlformats.org/officeDocument/2006/relationships" xmlns:p="http://schemas.openxmlformats.org/presentationml/2006/main" xmlns:m="http://schemas.openxmlformats.org/officeDocument/2006/math" xmlns:a14="http://schemas.microsoft.com/office/drawing/2010/main" type="tx" showMasterSp="1" showMasterPhAnim="1">
+<p:sldLayout xmlns:a="http://schemas.openxmlformats.org/drawingml/2006/main" xmlns:r="http://schemas.openxmlformats.org/officeDocument/2006/relationships" xmlns:p="http://schemas.openxmlformats.org/presentationml/2006/main" type="tx">
   <p:cSld name="比较">
     <p:spTree>
       <p:nvGrpSpPr>
@@ -1337,7 +1376,9 @@
       <p:sp>
         <p:nvSpPr>
           <p:cNvPr id="51" name="正文级别 1…"/>
-          <p:cNvSpPr txBox="1"/>
+          <p:cNvSpPr txBox="1">
+            <a:spLocks noGrp="1"/>
+          </p:cNvSpPr>
           <p:nvPr>
             <p:ph type="body" sz="quarter" idx="1"/>
           </p:nvPr>
@@ -1421,7 +1462,6 @@
             </a:lvl5pPr>
           </a:lstStyle>
           <a:p>
-            <a:pPr/>
             <a:r>
               <a:t>正文级别 1</a:t>
             </a:r>
@@ -1455,7 +1495,9 @@
       <p:sp>
         <p:nvSpPr>
           <p:cNvPr id="52" name="标题文本"/>
-          <p:cNvSpPr txBox="1"/>
+          <p:cNvSpPr txBox="1">
+            <a:spLocks noGrp="1"/>
+          </p:cNvSpPr>
           <p:nvPr>
             <p:ph type="title"/>
           </p:nvPr>
@@ -1473,7 +1515,6 @@
           <a:bodyPr/>
           <a:lstStyle/>
           <a:p>
-            <a:pPr/>
             <a:r>
               <a:t>标题文本</a:t>
             </a:r>
@@ -1483,7 +1524,9 @@
       <p:sp>
         <p:nvSpPr>
           <p:cNvPr id="53" name="文本占位符 11"/>
-          <p:cNvSpPr/>
+          <p:cNvSpPr>
+            <a:spLocks noGrp="1"/>
+          </p:cNvSpPr>
           <p:nvPr>
             <p:ph type="body" sz="quarter" idx="13"/>
           </p:nvPr>
@@ -1514,6 +1557,7 @@
                 </a:solidFill>
               </a:defRPr>
             </a:pPr>
+            <a:endParaRPr/>
           </a:p>
         </p:txBody>
       </p:sp>
@@ -1537,7 +1581,7 @@
             </a:solidFill>
           </a:ln>
           <a:effectLst>
-            <a:outerShdw sx="100000" sy="100000" kx="0" ky="0" algn="b" rotWithShape="0" blurRad="38100" dist="0" dir="2700000">
+            <a:outerShdw blurRad="38100" dir="2700000" rotWithShape="0">
               <a:srgbClr val="000000">
                 <a:alpha val="55000"/>
               </a:srgbClr>
@@ -1555,6 +1599,7 @@
                 </a:solidFill>
               </a:defRPr>
             </a:pPr>
+            <a:endParaRPr/>
           </a:p>
         </p:txBody>
       </p:sp>
@@ -1578,7 +1623,7 @@
             </a:solidFill>
           </a:ln>
           <a:effectLst>
-            <a:outerShdw sx="100000" sy="100000" kx="0" ky="0" algn="b" rotWithShape="0" blurRad="38100" dist="0" dir="2700000">
+            <a:outerShdw blurRad="38100" dir="2700000" rotWithShape="0">
               <a:srgbClr val="000000">
                 <a:alpha val="55000"/>
               </a:srgbClr>
@@ -1596,13 +1641,16 @@
                 </a:solidFill>
               </a:defRPr>
             </a:pPr>
+            <a:endParaRPr/>
           </a:p>
         </p:txBody>
       </p:sp>
       <p:sp>
         <p:nvSpPr>
           <p:cNvPr id="56" name="幻灯片编号"/>
-          <p:cNvSpPr txBox="1"/>
+          <p:cNvSpPr txBox="1">
+            <a:spLocks noGrp="1"/>
+          </p:cNvSpPr>
           <p:nvPr>
             <p:ph type="sldNum" sz="quarter" idx="2"/>
           </p:nvPr>
@@ -1616,8 +1664,10 @@
           <a:bodyPr/>
           <a:lstStyle/>
           <a:p>
-            <a:pPr/>
-            <a:fld id="{86CB4B4D-7CA3-9044-876B-883B54F8677D}" type="slidenum"/>
+            <a:fld id="{86CB4B4D-7CA3-9044-876B-883B54F8677D}" type="slidenum">
+              <a:t>‹#›</a:t>
+            </a:fld>
+            <a:endParaRPr/>
           </a:p>
         </p:txBody>
       </p:sp>
@@ -1626,12 +1676,12 @@
   <p:clrMapOvr>
     <a:masterClrMapping/>
   </p:clrMapOvr>
-  <p:transition xmlns:p14="http://schemas.microsoft.com/office/powerpoint/2010/main" spd="med" advClick="1"/>
+  <p:transition spd="med"/>
 </p:sldLayout>
 </file>
 
 <file path=ppt/slideLayouts/slideLayout6.xml><?xml version="1.0" encoding="utf-8"?>
-<p:sldLayout xmlns:a="http://schemas.openxmlformats.org/drawingml/2006/main" xmlns:r="http://schemas.openxmlformats.org/officeDocument/2006/relationships" xmlns:p="http://schemas.openxmlformats.org/presentationml/2006/main" xmlns:m="http://schemas.openxmlformats.org/officeDocument/2006/math" xmlns:a14="http://schemas.microsoft.com/office/drawing/2010/main" type="tx" showMasterSp="1" showMasterPhAnim="1">
+<p:sldLayout xmlns:a="http://schemas.openxmlformats.org/drawingml/2006/main" xmlns:r="http://schemas.openxmlformats.org/officeDocument/2006/relationships" xmlns:p="http://schemas.openxmlformats.org/presentationml/2006/main" type="tx">
   <p:cSld name="仅标题">
     <p:spTree>
       <p:nvGrpSpPr>
@@ -1650,7 +1700,9 @@
       <p:sp>
         <p:nvSpPr>
           <p:cNvPr id="63" name="标题文本"/>
-          <p:cNvSpPr txBox="1"/>
+          <p:cNvSpPr txBox="1">
+            <a:spLocks noGrp="1"/>
+          </p:cNvSpPr>
           <p:nvPr>
             <p:ph type="title"/>
           </p:nvPr>
@@ -1664,7 +1716,6 @@
           <a:bodyPr/>
           <a:lstStyle/>
           <a:p>
-            <a:pPr/>
             <a:r>
               <a:t>标题文本</a:t>
             </a:r>
@@ -1674,7 +1725,9 @@
       <p:sp>
         <p:nvSpPr>
           <p:cNvPr id="64" name="幻灯片编号"/>
-          <p:cNvSpPr txBox="1"/>
+          <p:cNvSpPr txBox="1">
+            <a:spLocks noGrp="1"/>
+          </p:cNvSpPr>
           <p:nvPr>
             <p:ph type="sldNum" sz="quarter" idx="2"/>
           </p:nvPr>
@@ -1688,8 +1741,10 @@
           <a:bodyPr/>
           <a:lstStyle/>
           <a:p>
-            <a:pPr/>
-            <a:fld id="{86CB4B4D-7CA3-9044-876B-883B54F8677D}" type="slidenum"/>
+            <a:fld id="{86CB4B4D-7CA3-9044-876B-883B54F8677D}" type="slidenum">
+              <a:t>‹#›</a:t>
+            </a:fld>
+            <a:endParaRPr/>
           </a:p>
         </p:txBody>
       </p:sp>
@@ -1698,12 +1753,12 @@
   <p:clrMapOvr>
     <a:masterClrMapping/>
   </p:clrMapOvr>
-  <p:transition xmlns:p14="http://schemas.microsoft.com/office/powerpoint/2010/main" spd="med" advClick="1"/>
+  <p:transition spd="med"/>
 </p:sldLayout>
 </file>
 
 <file path=ppt/slideLayouts/slideLayout7.xml><?xml version="1.0" encoding="utf-8"?>
-<p:sldLayout xmlns:a="http://schemas.openxmlformats.org/drawingml/2006/main" xmlns:r="http://schemas.openxmlformats.org/officeDocument/2006/relationships" xmlns:p="http://schemas.openxmlformats.org/presentationml/2006/main" xmlns:m="http://schemas.openxmlformats.org/officeDocument/2006/math" xmlns:a14="http://schemas.microsoft.com/office/drawing/2010/main" type="tx" showMasterSp="1" showMasterPhAnim="1">
+<p:sldLayout xmlns:a="http://schemas.openxmlformats.org/drawingml/2006/main" xmlns:r="http://schemas.openxmlformats.org/officeDocument/2006/relationships" xmlns:p="http://schemas.openxmlformats.org/presentationml/2006/main" type="tx">
   <p:cSld name="空白">
     <p:spTree>
       <p:nvGrpSpPr>
@@ -1722,7 +1777,9 @@
       <p:sp>
         <p:nvSpPr>
           <p:cNvPr id="71" name="幻灯片编号"/>
-          <p:cNvSpPr txBox="1"/>
+          <p:cNvSpPr txBox="1">
+            <a:spLocks noGrp="1"/>
+          </p:cNvSpPr>
           <p:nvPr>
             <p:ph type="sldNum" sz="quarter" idx="2"/>
           </p:nvPr>
@@ -1736,8 +1793,10 @@
           <a:bodyPr/>
           <a:lstStyle/>
           <a:p>
-            <a:pPr/>
-            <a:fld id="{86CB4B4D-7CA3-9044-876B-883B54F8677D}" type="slidenum"/>
+            <a:fld id="{86CB4B4D-7CA3-9044-876B-883B54F8677D}" type="slidenum">
+              <a:t>‹#›</a:t>
+            </a:fld>
+            <a:endParaRPr/>
           </a:p>
         </p:txBody>
       </p:sp>
@@ -1746,12 +1805,12 @@
   <p:clrMapOvr>
     <a:masterClrMapping/>
   </p:clrMapOvr>
-  <p:transition xmlns:p14="http://schemas.microsoft.com/office/powerpoint/2010/main" spd="med" advClick="1"/>
+  <p:transition spd="med"/>
 </p:sldLayout>
 </file>
 
 <file path=ppt/slideLayouts/slideLayout8.xml><?xml version="1.0" encoding="utf-8"?>
-<p:sldLayout xmlns:a="http://schemas.openxmlformats.org/drawingml/2006/main" xmlns:r="http://schemas.openxmlformats.org/officeDocument/2006/relationships" xmlns:p="http://schemas.openxmlformats.org/presentationml/2006/main" xmlns:m="http://schemas.openxmlformats.org/officeDocument/2006/math" xmlns:a14="http://schemas.microsoft.com/office/drawing/2010/main" type="tx" showMasterSp="1" showMasterPhAnim="1">
+<p:sldLayout xmlns:a="http://schemas.openxmlformats.org/drawingml/2006/main" xmlns:r="http://schemas.openxmlformats.org/officeDocument/2006/relationships" xmlns:p="http://schemas.openxmlformats.org/presentationml/2006/main" type="tx">
   <p:cSld name="内容与标题">
     <p:spTree>
       <p:nvGrpSpPr>
@@ -1770,7 +1829,9 @@
       <p:sp>
         <p:nvSpPr>
           <p:cNvPr id="78" name="正文级别 1…"/>
-          <p:cNvSpPr txBox="1"/>
+          <p:cNvSpPr txBox="1">
+            <a:spLocks noGrp="1"/>
+          </p:cNvSpPr>
           <p:nvPr>
             <p:ph type="body" idx="1"/>
           </p:nvPr>
@@ -1788,7 +1849,6 @@
           <a:bodyPr/>
           <a:lstStyle/>
           <a:p>
-            <a:pPr/>
             <a:r>
               <a:t>正文级别 1</a:t>
             </a:r>
@@ -1822,7 +1882,9 @@
       <p:sp>
         <p:nvSpPr>
           <p:cNvPr id="79" name="文本占位符 2"/>
-          <p:cNvSpPr/>
+          <p:cNvSpPr>
+            <a:spLocks noGrp="1"/>
+          </p:cNvSpPr>
           <p:nvPr>
             <p:ph type="body" sz="quarter" idx="13"/>
           </p:nvPr>
@@ -1856,13 +1918,16 @@
                 </a:solidFill>
               </a:defRPr>
             </a:pPr>
+            <a:endParaRPr/>
           </a:p>
         </p:txBody>
       </p:sp>
       <p:sp>
         <p:nvSpPr>
           <p:cNvPr id="80" name="标题文本"/>
-          <p:cNvSpPr txBox="1"/>
+          <p:cNvSpPr txBox="1">
+            <a:spLocks noGrp="1"/>
+          </p:cNvSpPr>
           <p:nvPr>
             <p:ph type="title"/>
           </p:nvPr>
@@ -1880,7 +1945,7 @@
           <a:bodyPr/>
           <a:lstStyle>
             <a:lvl1pPr>
-              <a:defRPr b="1" spc="-50" sz="1800">
+              <a:defRPr sz="1800" b="1" spc="-50">
                 <a:ln>
                   <a:noFill/>
                 </a:ln>
@@ -1891,7 +1956,6 @@
             </a:lvl1pPr>
           </a:lstStyle>
           <a:p>
-            <a:pPr/>
             <a:r>
               <a:t>标题文本</a:t>
             </a:r>
@@ -1901,7 +1965,9 @@
       <p:sp>
         <p:nvSpPr>
           <p:cNvPr id="81" name="幻灯片编号"/>
-          <p:cNvSpPr txBox="1"/>
+          <p:cNvSpPr txBox="1">
+            <a:spLocks noGrp="1"/>
+          </p:cNvSpPr>
           <p:nvPr>
             <p:ph type="sldNum" sz="quarter" idx="2"/>
           </p:nvPr>
@@ -1915,8 +1981,10 @@
           <a:bodyPr/>
           <a:lstStyle/>
           <a:p>
-            <a:pPr/>
-            <a:fld id="{86CB4B4D-7CA3-9044-876B-883B54F8677D}" type="slidenum"/>
+            <a:fld id="{86CB4B4D-7CA3-9044-876B-883B54F8677D}" type="slidenum">
+              <a:t>‹#›</a:t>
+            </a:fld>
+            <a:endParaRPr/>
           </a:p>
         </p:txBody>
       </p:sp>
@@ -1925,12 +1993,12 @@
   <p:clrMapOvr>
     <a:masterClrMapping/>
   </p:clrMapOvr>
-  <p:transition xmlns:p14="http://schemas.microsoft.com/office/powerpoint/2010/main" spd="med" advClick="1"/>
+  <p:transition spd="med"/>
 </p:sldLayout>
 </file>
 
 <file path=ppt/slideLayouts/slideLayout9.xml><?xml version="1.0" encoding="utf-8"?>
-<p:sldLayout xmlns:a="http://schemas.openxmlformats.org/drawingml/2006/main" xmlns:r="http://schemas.openxmlformats.org/officeDocument/2006/relationships" xmlns:p="http://schemas.openxmlformats.org/presentationml/2006/main" xmlns:m="http://schemas.openxmlformats.org/officeDocument/2006/math" xmlns:a14="http://schemas.microsoft.com/office/drawing/2010/main" type="tx" showMasterSp="1" showMasterPhAnim="1">
+<p:sldLayout xmlns:a="http://schemas.openxmlformats.org/drawingml/2006/main" xmlns:r="http://schemas.openxmlformats.org/officeDocument/2006/relationships" xmlns:p="http://schemas.openxmlformats.org/presentationml/2006/main" type="tx">
   <p:cSld name="图片与标题">
     <p:spTree>
       <p:nvGrpSpPr>
@@ -1949,7 +2017,9 @@
       <p:sp>
         <p:nvSpPr>
           <p:cNvPr id="88" name="标题文本"/>
-          <p:cNvSpPr txBox="1"/>
+          <p:cNvSpPr txBox="1">
+            <a:spLocks noGrp="1"/>
+          </p:cNvSpPr>
           <p:nvPr>
             <p:ph type="title"/>
           </p:nvPr>
@@ -1967,7 +2037,7 @@
           <a:bodyPr/>
           <a:lstStyle>
             <a:lvl1pPr>
-              <a:defRPr b="1" spc="-50" sz="1800">
+              <a:defRPr sz="1800" b="1" spc="-50">
                 <a:ln>
                   <a:noFill/>
                 </a:ln>
@@ -1978,7 +2048,6 @@
             </a:lvl1pPr>
           </a:lstStyle>
           <a:p>
-            <a:pPr/>
             <a:r>
               <a:t>标题文本</a:t>
             </a:r>
@@ -1988,7 +2057,9 @@
       <p:sp>
         <p:nvSpPr>
           <p:cNvPr id="89" name="图片占位符 2"/>
-          <p:cNvSpPr/>
+          <p:cNvSpPr>
+            <a:spLocks noGrp="1"/>
+          </p:cNvSpPr>
           <p:nvPr>
             <p:ph type="pic" idx="13"/>
           </p:nvPr>
@@ -2002,7 +2073,7 @@
             <a:avLst/>
           </a:prstGeom>
           <a:effectLst>
-            <a:outerShdw sx="100000" sy="100000" kx="0" ky="0" algn="b" rotWithShape="0" blurRad="88900" dist="0" dir="0">
+            <a:outerShdw blurRad="88900" rotWithShape="0">
               <a:srgbClr val="000000">
                 <a:alpha val="32000"/>
               </a:srgbClr>
@@ -2015,14 +2086,16 @@
           </a:bodyPr>
           <a:lstStyle/>
           <a:p>
-            <a:pPr/>
+            <a:endParaRPr/>
           </a:p>
         </p:txBody>
       </p:sp>
       <p:sp>
         <p:nvSpPr>
           <p:cNvPr id="90" name="正文级别 1…"/>
-          <p:cNvSpPr txBox="1"/>
+          <p:cNvSpPr txBox="1">
+            <a:spLocks noGrp="1"/>
+          </p:cNvSpPr>
           <p:nvPr>
             <p:ph type="body" sz="quarter" idx="1"/>
           </p:nvPr>
@@ -2113,7 +2186,6 @@
             </a:lvl5pPr>
           </a:lstStyle>
           <a:p>
-            <a:pPr/>
             <a:r>
               <a:t>正文级别 1</a:t>
             </a:r>
@@ -2147,7 +2219,9 @@
       <p:sp>
         <p:nvSpPr>
           <p:cNvPr id="91" name="幻灯片编号"/>
-          <p:cNvSpPr txBox="1"/>
+          <p:cNvSpPr txBox="1">
+            <a:spLocks noGrp="1"/>
+          </p:cNvSpPr>
           <p:nvPr>
             <p:ph type="sldNum" sz="quarter" idx="2"/>
           </p:nvPr>
@@ -2161,8 +2235,10 @@
           <a:bodyPr/>
           <a:lstStyle/>
           <a:p>
-            <a:pPr/>
-            <a:fld id="{86CB4B4D-7CA3-9044-876B-883B54F8677D}" type="slidenum"/>
+            <a:fld id="{86CB4B4D-7CA3-9044-876B-883B54F8677D}" type="slidenum">
+              <a:t>‹#›</a:t>
+            </a:fld>
+            <a:endParaRPr/>
           </a:p>
         </p:txBody>
       </p:sp>
@@ -2171,22 +2247,23 @@
   <p:clrMapOvr>
     <a:masterClrMapping/>
   </p:clrMapOvr>
-  <p:transition xmlns:p14="http://schemas.microsoft.com/office/powerpoint/2010/main" spd="med" advClick="1"/>
+  <p:transition spd="med"/>
 </p:sldLayout>
 </file>
 
 <file path=ppt/slideMasters/slideMaster1.xml><?xml version="1.0" encoding="utf-8"?>
-<p:sldMaster xmlns:a="http://schemas.openxmlformats.org/drawingml/2006/main" xmlns:r="http://schemas.openxmlformats.org/officeDocument/2006/relationships" xmlns:p="http://schemas.openxmlformats.org/presentationml/2006/main" xmlns:m="http://schemas.openxmlformats.org/officeDocument/2006/math" xmlns:a14="http://schemas.microsoft.com/office/drawing/2010/main">
+<p:sldMaster xmlns:a="http://schemas.openxmlformats.org/drawingml/2006/main" xmlns:r="http://schemas.openxmlformats.org/officeDocument/2006/relationships" xmlns:p="http://schemas.openxmlformats.org/presentationml/2006/main">
   <p:cSld>
     <p:bg>
       <p:bgPr>
         <a:blipFill rotWithShape="1">
-          <a:blip r:embed="rId2"/>
-          <a:srcRect l="0" t="0" r="0" b="0"/>
+          <a:blip r:embed="rId11"/>
+          <a:srcRect/>
           <a:stretch>
             <a:fillRect/>
           </a:stretch>
         </a:blipFill>
+        <a:effectLst/>
       </p:bgPr>
     </p:bg>
     <p:spTree>
@@ -2206,7 +2283,9 @@
       <p:sp>
         <p:nvSpPr>
           <p:cNvPr id="2" name="正文级别 1…"/>
-          <p:cNvSpPr txBox="1"/>
+          <p:cNvSpPr txBox="1">
+            <a:spLocks noGrp="1"/>
+          </p:cNvSpPr>
           <p:nvPr>
             <p:ph type="body" idx="1"/>
           </p:nvPr>
@@ -2224,17 +2303,16 @@
           </a:ln>
           <a:extLst>
             <a:ext uri="{C572A759-6A51-4108-AA02-DFA0A04FC94B}">
-              <ma14:wrappingTextBoxFlag xmlns:ma14="http://schemas.microsoft.com/office/mac/drawingml/2011/main" val="1"/>
+              <ma14:wrappingTextBoxFlag xmlns:ma14="http://schemas.microsoft.com/office/mac/drawingml/2011/main" xmlns:a14="http://schemas.microsoft.com/office/drawing/2010/main" xmlns:m="http://schemas.openxmlformats.org/officeDocument/2006/math" xmlns="" val="1"/>
             </a:ext>
           </a:extLst>
         </p:spPr>
         <p:txBody>
           <a:bodyPr lIns="45719" rIns="45719">
-            <a:normAutofit fontScale="100000" lnSpcReduction="0"/>
+            <a:normAutofit/>
           </a:bodyPr>
           <a:lstStyle/>
           <a:p>
-            <a:pPr/>
             <a:r>
               <a:t>正文级别 1</a:t>
             </a:r>
@@ -2268,7 +2346,9 @@
       <p:sp>
         <p:nvSpPr>
           <p:cNvPr id="3" name="标题文本"/>
-          <p:cNvSpPr txBox="1"/>
+          <p:cNvSpPr txBox="1">
+            <a:spLocks noGrp="1"/>
+          </p:cNvSpPr>
           <p:nvPr>
             <p:ph type="title"/>
           </p:nvPr>
@@ -2286,17 +2366,16 @@
           </a:ln>
           <a:extLst>
             <a:ext uri="{C572A759-6A51-4108-AA02-DFA0A04FC94B}">
-              <ma14:wrappingTextBoxFlag xmlns:ma14="http://schemas.microsoft.com/office/mac/drawingml/2011/main" val="1"/>
+              <ma14:wrappingTextBoxFlag xmlns:ma14="http://schemas.microsoft.com/office/mac/drawingml/2011/main" xmlns:a14="http://schemas.microsoft.com/office/drawing/2010/main" xmlns:m="http://schemas.openxmlformats.org/officeDocument/2006/math" xmlns="" val="1"/>
             </a:ext>
           </a:extLst>
         </p:spPr>
         <p:txBody>
           <a:bodyPr lIns="45719" rIns="45719" anchor="b">
-            <a:normAutofit fontScale="100000" lnSpcReduction="0"/>
+            <a:normAutofit/>
           </a:bodyPr>
           <a:lstStyle/>
           <a:p>
-            <a:pPr/>
             <a:r>
               <a:t>标题文本</a:t>
             </a:r>
@@ -2306,7 +2385,9 @@
       <p:sp>
         <p:nvSpPr>
           <p:cNvPr id="4" name="幻灯片编号"/>
-          <p:cNvSpPr txBox="1"/>
+          <p:cNvSpPr txBox="1">
+            <a:spLocks noGrp="1"/>
+          </p:cNvSpPr>
           <p:nvPr>
             <p:ph type="sldNum" sz="quarter" idx="2"/>
           </p:nvPr>
@@ -2337,8 +2418,10 @@
             </a:lvl1pPr>
           </a:lstStyle>
           <a:p>
-            <a:pPr/>
-            <a:fld id="{86CB4B4D-7CA3-9044-876B-883B54F8677D}" type="slidenum"/>
+            <a:fld id="{86CB4B4D-7CA3-9044-876B-883B54F8677D}" type="slidenum">
+              <a:t>‹#›</a:t>
+            </a:fld>
+            <a:endParaRPr/>
           </a:p>
         </p:txBody>
       </p:sp>
@@ -2346,17 +2429,17 @@
   </p:cSld>
   <p:clrMap bg1="lt1" tx1="dk1" bg2="lt2" tx2="dk2" accent1="accent1" accent2="accent2" accent3="accent3" accent4="accent4" accent5="accent5" accent6="accent6" hlink="hlink" folHlink="folHlink"/>
   <p:sldLayoutIdLst>
-    <p:sldLayoutId id="2147483649" r:id="rId3"/>
-    <p:sldLayoutId id="2147483650" r:id="rId4"/>
-    <p:sldLayoutId id="2147483651" r:id="rId5"/>
-    <p:sldLayoutId id="2147483652" r:id="rId6"/>
-    <p:sldLayoutId id="2147483653" r:id="rId7"/>
-    <p:sldLayoutId id="2147483654" r:id="rId8"/>
-    <p:sldLayoutId id="2147483655" r:id="rId9"/>
-    <p:sldLayoutId id="2147483656" r:id="rId10"/>
-    <p:sldLayoutId id="2147483657" r:id="rId11"/>
+    <p:sldLayoutId id="2147483649" r:id="rId1"/>
+    <p:sldLayoutId id="2147483650" r:id="rId2"/>
+    <p:sldLayoutId id="2147483651" r:id="rId3"/>
+    <p:sldLayoutId id="2147483652" r:id="rId4"/>
+    <p:sldLayoutId id="2147483653" r:id="rId5"/>
+    <p:sldLayoutId id="2147483654" r:id="rId6"/>
+    <p:sldLayoutId id="2147483655" r:id="rId7"/>
+    <p:sldLayoutId id="2147483656" r:id="rId8"/>
+    <p:sldLayoutId id="2147483657" r:id="rId9"/>
   </p:sldLayoutIdLst>
-  <p:transition xmlns:p14="http://schemas.microsoft.com/office/powerpoint/2010/main" spd="med" advClick="1"/>
+  <p:transition spd="med"/>
   <p:txStyles>
     <p:titleStyle>
       <a:lvl1pPr marL="0" marR="0" indent="0" algn="l" defTabSz="914400" rtl="0" latinLnBrk="0">
@@ -2374,7 +2457,7 @@
         <a:buFontTx/>
         <a:buNone/>
         <a:tabLst/>
-        <a:defRPr b="0" baseline="0" cap="none" i="0" spc="-100" strike="noStrike" sz="4200" u="none">
+        <a:defRPr sz="4200" b="0" i="0" u="none" strike="noStrike" cap="none" spc="-100" baseline="0">
           <a:ln w="3200">
             <a:solidFill>
               <a:srgbClr val="3C4421">
@@ -2407,7 +2490,7 @@
         <a:buFontTx/>
         <a:buNone/>
         <a:tabLst/>
-        <a:defRPr b="0" baseline="0" cap="none" i="0" spc="-100" strike="noStrike" sz="4200" u="none">
+        <a:defRPr sz="4200" b="0" i="0" u="none" strike="noStrike" cap="none" spc="-100" baseline="0">
           <a:ln w="3200">
             <a:solidFill>
               <a:srgbClr val="3C4421">
@@ -2440,7 +2523,7 @@
         <a:buFontTx/>
         <a:buNone/>
         <a:tabLst/>
-        <a:defRPr b="0" baseline="0" cap="none" i="0" spc="-100" strike="noStrike" sz="4200" u="none">
+        <a:defRPr sz="4200" b="0" i="0" u="none" strike="noStrike" cap="none" spc="-100" baseline="0">
           <a:ln w="3200">
             <a:solidFill>
               <a:srgbClr val="3C4421">
@@ -2473,7 +2556,7 @@
         <a:buFontTx/>
         <a:buNone/>
         <a:tabLst/>
-        <a:defRPr b="0" baseline="0" cap="none" i="0" spc="-100" strike="noStrike" sz="4200" u="none">
+        <a:defRPr sz="4200" b="0" i="0" u="none" strike="noStrike" cap="none" spc="-100" baseline="0">
           <a:ln w="3200">
             <a:solidFill>
               <a:srgbClr val="3C4421">
@@ -2506,7 +2589,7 @@
         <a:buFontTx/>
         <a:buNone/>
         <a:tabLst/>
-        <a:defRPr b="0" baseline="0" cap="none" i="0" spc="-100" strike="noStrike" sz="4200" u="none">
+        <a:defRPr sz="4200" b="0" i="0" u="none" strike="noStrike" cap="none" spc="-100" baseline="0">
           <a:ln w="3200">
             <a:solidFill>
               <a:srgbClr val="3C4421">
@@ -2539,7 +2622,7 @@
         <a:buFontTx/>
         <a:buNone/>
         <a:tabLst/>
-        <a:defRPr b="0" baseline="0" cap="none" i="0" spc="-100" strike="noStrike" sz="4200" u="none">
+        <a:defRPr sz="4200" b="0" i="0" u="none" strike="noStrike" cap="none" spc="-100" baseline="0">
           <a:ln w="3200">
             <a:solidFill>
               <a:srgbClr val="3C4421">
@@ -2572,7 +2655,7 @@
         <a:buFontTx/>
         <a:buNone/>
         <a:tabLst/>
-        <a:defRPr b="0" baseline="0" cap="none" i="0" spc="-100" strike="noStrike" sz="4200" u="none">
+        <a:defRPr sz="4200" b="0" i="0" u="none" strike="noStrike" cap="none" spc="-100" baseline="0">
           <a:ln w="3200">
             <a:solidFill>
               <a:srgbClr val="3C4421">
@@ -2605,7 +2688,7 @@
         <a:buFontTx/>
         <a:buNone/>
         <a:tabLst/>
-        <a:defRPr b="0" baseline="0" cap="none" i="0" spc="-100" strike="noStrike" sz="4200" u="none">
+        <a:defRPr sz="4200" b="0" i="0" u="none" strike="noStrike" cap="none" spc="-100" baseline="0">
           <a:ln w="3200">
             <a:solidFill>
               <a:srgbClr val="3C4421">
@@ -2638,7 +2721,7 @@
         <a:buFontTx/>
         <a:buNone/>
         <a:tabLst/>
-        <a:defRPr b="0" baseline="0" cap="none" i="0" spc="-100" strike="noStrike" sz="4200" u="none">
+        <a:defRPr sz="4200" b="0" i="0" u="none" strike="noStrike" cap="none" spc="-100" baseline="0">
           <a:ln w="3200">
             <a:solidFill>
               <a:srgbClr val="3C4421">
@@ -2675,7 +2758,7 @@
         <a:buFontTx/>
         <a:buChar char="●"/>
         <a:tabLst/>
-        <a:defRPr b="0" baseline="0" cap="none" i="0" spc="0" strike="noStrike" sz="2600" u="none">
+        <a:defRPr sz="2600" b="0" i="0" u="none" strike="noStrike" cap="none" spc="0" baseline="0">
           <a:ln>
             <a:noFill/>
           </a:ln>
@@ -2706,7 +2789,7 @@
         <a:buFontTx/>
         <a:buChar char="●"/>
         <a:tabLst/>
-        <a:defRPr b="0" baseline="0" cap="none" i="0" spc="0" strike="noStrike" sz="2600" u="none">
+        <a:defRPr sz="2600" b="0" i="0" u="none" strike="noStrike" cap="none" spc="0" baseline="0">
           <a:ln>
             <a:noFill/>
           </a:ln>
@@ -2737,7 +2820,7 @@
         <a:buFontTx/>
         <a:buChar char="●"/>
         <a:tabLst/>
-        <a:defRPr b="0" baseline="0" cap="none" i="0" spc="0" strike="noStrike" sz="2600" u="none">
+        <a:defRPr sz="2600" b="0" i="0" u="none" strike="noStrike" cap="none" spc="0" baseline="0">
           <a:ln>
             <a:noFill/>
           </a:ln>
@@ -2768,7 +2851,7 @@
         <a:buFontTx/>
         <a:buChar char="●"/>
         <a:tabLst/>
-        <a:defRPr b="0" baseline="0" cap="none" i="0" spc="0" strike="noStrike" sz="2600" u="none">
+        <a:defRPr sz="2600" b="0" i="0" u="none" strike="noStrike" cap="none" spc="0" baseline="0">
           <a:ln>
             <a:noFill/>
           </a:ln>
@@ -2799,7 +2882,7 @@
         <a:buFontTx/>
         <a:buChar char="●"/>
         <a:tabLst/>
-        <a:defRPr b="0" baseline="0" cap="none" i="0" spc="0" strike="noStrike" sz="2600" u="none">
+        <a:defRPr sz="2600" b="0" i="0" u="none" strike="noStrike" cap="none" spc="0" baseline="0">
           <a:ln>
             <a:noFill/>
           </a:ln>
@@ -2830,7 +2913,7 @@
         <a:buFontTx/>
         <a:buChar char="☞"/>
         <a:tabLst/>
-        <a:defRPr b="0" baseline="0" cap="none" i="0" spc="0" strike="noStrike" sz="2600" u="none">
+        <a:defRPr sz="2600" b="0" i="0" u="none" strike="noStrike" cap="none" spc="0" baseline="0">
           <a:ln>
             <a:noFill/>
           </a:ln>
@@ -2861,7 +2944,7 @@
         <a:buFontTx/>
         <a:buChar char="☞"/>
         <a:tabLst/>
-        <a:defRPr b="0" baseline="0" cap="none" i="0" spc="0" strike="noStrike" sz="2600" u="none">
+        <a:defRPr sz="2600" b="0" i="0" u="none" strike="noStrike" cap="none" spc="0" baseline="0">
           <a:ln>
             <a:noFill/>
           </a:ln>
@@ -2892,7 +2975,7 @@
         <a:buFontTx/>
         <a:buChar char="☞"/>
         <a:tabLst/>
-        <a:defRPr b="0" baseline="0" cap="none" i="0" spc="0" strike="noStrike" sz="2600" u="none">
+        <a:defRPr sz="2600" b="0" i="0" u="none" strike="noStrike" cap="none" spc="0" baseline="0">
           <a:ln>
             <a:noFill/>
           </a:ln>
@@ -2923,7 +3006,7 @@
         <a:buFontTx/>
         <a:buChar char="☞"/>
         <a:tabLst/>
-        <a:defRPr b="0" baseline="0" cap="none" i="0" spc="0" strike="noStrike" sz="2600" u="none">
+        <a:defRPr sz="2600" b="0" i="0" u="none" strike="noStrike" cap="none" spc="0" baseline="0">
           <a:ln>
             <a:noFill/>
           </a:ln>
@@ -2954,7 +3037,7 @@
         <a:buFontTx/>
         <a:buNone/>
         <a:tabLst/>
-        <a:defRPr b="0" baseline="0" cap="none" i="0" spc="0" strike="noStrike" sz="1600" u="none">
+        <a:defRPr sz="1600" b="0" i="0" u="none" strike="noStrike" cap="none" spc="0" baseline="0">
           <a:ln>
             <a:noFill/>
           </a:ln>
@@ -2983,7 +3066,7 @@
         <a:buFontTx/>
         <a:buNone/>
         <a:tabLst/>
-        <a:defRPr b="0" baseline="0" cap="none" i="0" spc="0" strike="noStrike" sz="1600" u="none">
+        <a:defRPr sz="1600" b="0" i="0" u="none" strike="noStrike" cap="none" spc="0" baseline="0">
           <a:ln>
             <a:noFill/>
           </a:ln>
@@ -3012,7 +3095,7 @@
         <a:buFontTx/>
         <a:buNone/>
         <a:tabLst/>
-        <a:defRPr b="0" baseline="0" cap="none" i="0" spc="0" strike="noStrike" sz="1600" u="none">
+        <a:defRPr sz="1600" b="0" i="0" u="none" strike="noStrike" cap="none" spc="0" baseline="0">
           <a:ln>
             <a:noFill/>
           </a:ln>
@@ -3041,7 +3124,7 @@
         <a:buFontTx/>
         <a:buNone/>
         <a:tabLst/>
-        <a:defRPr b="0" baseline="0" cap="none" i="0" spc="0" strike="noStrike" sz="1600" u="none">
+        <a:defRPr sz="1600" b="0" i="0" u="none" strike="noStrike" cap="none" spc="0" baseline="0">
           <a:ln>
             <a:noFill/>
           </a:ln>
@@ -3070,7 +3153,7 @@
         <a:buFontTx/>
         <a:buNone/>
         <a:tabLst/>
-        <a:defRPr b="0" baseline="0" cap="none" i="0" spc="0" strike="noStrike" sz="1600" u="none">
+        <a:defRPr sz="1600" b="0" i="0" u="none" strike="noStrike" cap="none" spc="0" baseline="0">
           <a:ln>
             <a:noFill/>
           </a:ln>
@@ -3099,7 +3182,7 @@
         <a:buFontTx/>
         <a:buNone/>
         <a:tabLst/>
-        <a:defRPr b="0" baseline="0" cap="none" i="0" spc="0" strike="noStrike" sz="1600" u="none">
+        <a:defRPr sz="1600" b="0" i="0" u="none" strike="noStrike" cap="none" spc="0" baseline="0">
           <a:ln>
             <a:noFill/>
           </a:ln>
@@ -3128,7 +3211,7 @@
         <a:buFontTx/>
         <a:buNone/>
         <a:tabLst/>
-        <a:defRPr b="0" baseline="0" cap="none" i="0" spc="0" strike="noStrike" sz="1600" u="none">
+        <a:defRPr sz="1600" b="0" i="0" u="none" strike="noStrike" cap="none" spc="0" baseline="0">
           <a:ln>
             <a:noFill/>
           </a:ln>
@@ -3157,7 +3240,7 @@
         <a:buFontTx/>
         <a:buNone/>
         <a:tabLst/>
-        <a:defRPr b="0" baseline="0" cap="none" i="0" spc="0" strike="noStrike" sz="1600" u="none">
+        <a:defRPr sz="1600" b="0" i="0" u="none" strike="noStrike" cap="none" spc="0" baseline="0">
           <a:ln>
             <a:noFill/>
           </a:ln>
@@ -3186,7 +3269,7 @@
         <a:buFontTx/>
         <a:buNone/>
         <a:tabLst/>
-        <a:defRPr b="0" baseline="0" cap="none" i="0" spc="0" strike="noStrike" sz="1600" u="none">
+        <a:defRPr sz="1600" b="0" i="0" u="none" strike="noStrike" cap="none" spc="0" baseline="0">
           <a:ln>
             <a:noFill/>
           </a:ln>
@@ -3206,7 +3289,7 @@
 </file>
 
 <file path=ppt/slides/slide1.xml><?xml version="1.0" encoding="utf-8"?>
-<p:sld xmlns:a="http://schemas.openxmlformats.org/drawingml/2006/main" xmlns:r="http://schemas.openxmlformats.org/officeDocument/2006/relationships" xmlns:p="http://schemas.openxmlformats.org/presentationml/2006/main" xmlns:m="http://schemas.openxmlformats.org/officeDocument/2006/math" xmlns:a14="http://schemas.microsoft.com/office/drawing/2010/main" showMasterSp="1" showMasterPhAnim="1">
+<p:sld xmlns:a="http://schemas.openxmlformats.org/drawingml/2006/main" xmlns:r="http://schemas.openxmlformats.org/officeDocument/2006/relationships" xmlns:p="http://schemas.openxmlformats.org/presentationml/2006/main">
   <p:cSld>
     <p:spTree>
       <p:nvGrpSpPr>
@@ -3225,7 +3308,9 @@
       <p:sp>
         <p:nvSpPr>
           <p:cNvPr id="100" name="副标题 2"/>
-          <p:cNvSpPr txBox="1"/>
+          <p:cNvSpPr txBox="1">
+            <a:spLocks noGrp="1"/>
+          </p:cNvSpPr>
           <p:nvPr>
             <p:ph type="subTitle" sz="quarter" idx="1"/>
           </p:nvPr>
@@ -3243,10 +3328,7 @@
               <a:defRPr sz="3600"/>
             </a:pPr>
             <a:r>
-              <a:t>G09</a:t>
-            </a:r>
-            <a:r>
-              <a:t>小组：郑鸿棣、徐余浩、陈瑜安</a:t>
+              <a:t>G09小组：郑鸿棣、徐余浩、陈瑜安</a:t>
             </a:r>
           </a:p>
         </p:txBody>
@@ -3254,7 +3336,9 @@
       <p:sp>
         <p:nvSpPr>
           <p:cNvPr id="101" name="标题 1"/>
-          <p:cNvSpPr txBox="1"/>
+          <p:cNvSpPr txBox="1">
+            <a:spLocks noGrp="1"/>
+          </p:cNvSpPr>
           <p:nvPr>
             <p:ph type="ctrTitle"/>
           </p:nvPr>
@@ -3276,13 +3360,7 @@
               <a:defRPr sz="9600"/>
             </a:pPr>
             <a:r>
-              <a:t>钓鱼</a:t>
-            </a:r>
-            <a:r>
-              <a:t>APP</a:t>
-            </a:r>
-            <a:r>
-              <a:t>实现</a:t>
+              <a:t>钓鱼APP实现</a:t>
             </a:r>
           </a:p>
         </p:txBody>
@@ -3321,12 +3399,820 @@
   <p:clrMapOvr>
     <a:masterClrMapping/>
   </p:clrMapOvr>
-  <p:transition xmlns:p14="http://schemas.microsoft.com/office/powerpoint/2010/main" spd="med" advClick="1"/>
+  <p:transition spd="med"/>
 </p:sld>
 </file>
 
 <file path=ppt/slides/slide10.xml><?xml version="1.0" encoding="utf-8"?>
-<p:sld xmlns:a="http://schemas.openxmlformats.org/drawingml/2006/main" xmlns:r="http://schemas.openxmlformats.org/officeDocument/2006/relationships" xmlns:p="http://schemas.openxmlformats.org/presentationml/2006/main" xmlns:m="http://schemas.openxmlformats.org/officeDocument/2006/math" xmlns:a14="http://schemas.microsoft.com/office/drawing/2010/main" showMasterSp="1" showMasterPhAnim="1">
+<p:sld xmlns:a="http://schemas.openxmlformats.org/drawingml/2006/main" xmlns:r="http://schemas.openxmlformats.org/officeDocument/2006/relationships" xmlns:p="http://schemas.openxmlformats.org/presentationml/2006/main">
+  <p:cSld>
+    <p:spTree>
+      <p:nvGrpSpPr>
+        <p:cNvPr id="1" name=""/>
+        <p:cNvGrpSpPr/>
+        <p:nvPr/>
+      </p:nvGrpSpPr>
+      <p:grpSpPr>
+        <a:xfrm>
+          <a:off x="0" y="0"/>
+          <a:ext cx="0" cy="0"/>
+          <a:chOff x="0" y="0"/>
+          <a:chExt cx="0" cy="0"/>
+        </a:xfrm>
+      </p:grpSpPr>
+      <p:graphicFrame>
+        <p:nvGraphicFramePr>
+          <p:cNvPr id="4" name="表格 3"/>
+          <p:cNvGraphicFramePr>
+            <a:graphicFrameLocks noGrp="1"/>
+          </p:cNvGraphicFramePr>
+          <p:nvPr>
+            <p:extLst>
+              <p:ext uri="{D42A27DB-BD31-4B8C-83A1-F6EECF244321}">
+                <p14:modId xmlns:p14="http://schemas.microsoft.com/office/powerpoint/2010/main" val="1379195329"/>
+              </p:ext>
+            </p:extLst>
+          </p:nvPr>
+        </p:nvGraphicFramePr>
+        <p:xfrm>
+          <a:off x="323528" y="980728"/>
+          <a:ext cx="8136903" cy="4896543"/>
+        </p:xfrm>
+        <a:graphic>
+          <a:graphicData uri="http://schemas.openxmlformats.org/drawingml/2006/table">
+            <a:tbl>
+              <a:tblPr firstRow="1" firstCol="1" bandRow="1">
+                <a:tableStyleId>{5940675A-B579-460E-94D1-54222C63F5DA}</a:tableStyleId>
+              </a:tblPr>
+              <a:tblGrid>
+                <a:gridCol w="787025"/>
+                <a:gridCol w="1706453"/>
+                <a:gridCol w="5643425"/>
+              </a:tblGrid>
+              <a:tr h="596135">
+                <a:tc>
+                  <a:txBody>
+                    <a:bodyPr/>
+                    <a:lstStyle/>
+                    <a:p>
+                      <a:pPr algn="ctr">
+                        <a:lnSpc>
+                          <a:spcPts val="1500"/>
+                        </a:lnSpc>
+                        <a:spcAft>
+                          <a:spcPts val="780"/>
+                        </a:spcAft>
+                      </a:pPr>
+                      <a:r>
+                        <a:rPr lang="zh-TW" sz="1600" kern="100" dirty="0">
+                          <a:effectLst/>
+                          <a:uFill>
+                            <a:solidFill>
+                              <a:srgbClr val="000000"/>
+                            </a:solidFill>
+                          </a:uFill>
+                        </a:rPr>
+                        <a:t>成员</a:t>
+                      </a:r>
+                      <a:endParaRPr lang="zh-CN" sz="1600" kern="100" dirty="0">
+                        <a:solidFill>
+                          <a:srgbClr val="000000"/>
+                        </a:solidFill>
+                        <a:effectLst/>
+                        <a:uFill>
+                          <a:solidFill>
+                            <a:srgbClr val="000000"/>
+                          </a:solidFill>
+                        </a:uFill>
+                        <a:latin typeface="Times New Roman"/>
+                        <a:ea typeface="Times New Roman"/>
+                      </a:endParaRPr>
+                    </a:p>
+                  </a:txBody>
+                  <a:tcPr marL="50800" marR="50800" marT="50800" marB="50800" anchor="ctr"/>
+                </a:tc>
+                <a:tc>
+                  <a:txBody>
+                    <a:bodyPr/>
+                    <a:lstStyle/>
+                    <a:p>
+                      <a:pPr algn="ctr">
+                        <a:lnSpc>
+                          <a:spcPts val="1500"/>
+                        </a:lnSpc>
+                        <a:spcAft>
+                          <a:spcPts val="780"/>
+                        </a:spcAft>
+                      </a:pPr>
+                      <a:r>
+                        <a:rPr lang="zh-TW" sz="1600" kern="100">
+                          <a:effectLst/>
+                          <a:uFill>
+                            <a:solidFill>
+                              <a:srgbClr val="000000"/>
+                            </a:solidFill>
+                          </a:uFill>
+                        </a:rPr>
+                        <a:t>角色</a:t>
+                      </a:r>
+                      <a:endParaRPr lang="zh-CN" sz="1600" kern="100">
+                        <a:solidFill>
+                          <a:srgbClr val="000000"/>
+                        </a:solidFill>
+                        <a:effectLst/>
+                        <a:uFill>
+                          <a:solidFill>
+                            <a:srgbClr val="000000"/>
+                          </a:solidFill>
+                        </a:uFill>
+                        <a:latin typeface="Times New Roman"/>
+                        <a:ea typeface="Times New Roman"/>
+                      </a:endParaRPr>
+                    </a:p>
+                  </a:txBody>
+                  <a:tcPr marL="50800" marR="50800" marT="50800" marB="50800" anchor="ctr"/>
+                </a:tc>
+                <a:tc>
+                  <a:txBody>
+                    <a:bodyPr/>
+                    <a:lstStyle/>
+                    <a:p>
+                      <a:pPr algn="ctr">
+                        <a:lnSpc>
+                          <a:spcPts val="1500"/>
+                        </a:lnSpc>
+                        <a:spcAft>
+                          <a:spcPts val="780"/>
+                        </a:spcAft>
+                      </a:pPr>
+                      <a:r>
+                        <a:rPr lang="zh-CN" altLang="en-US" sz="1600" kern="100" dirty="0" smtClean="0">
+                          <a:solidFill>
+                            <a:srgbClr val="000000"/>
+                          </a:solidFill>
+                          <a:effectLst/>
+                          <a:uFill>
+                            <a:solidFill>
+                              <a:srgbClr val="000000"/>
+                            </a:solidFill>
+                          </a:uFill>
+                          <a:latin typeface="Times New Roman"/>
+                          <a:ea typeface="Times New Roman"/>
+                        </a:rPr>
+                        <a:t>具体在程序内设计的东西以及其他工作</a:t>
+                      </a:r>
+                      <a:endParaRPr lang="zh-CN" sz="1600" kern="100" dirty="0">
+                        <a:solidFill>
+                          <a:srgbClr val="000000"/>
+                        </a:solidFill>
+                        <a:effectLst/>
+                        <a:uFill>
+                          <a:solidFill>
+                            <a:srgbClr val="000000"/>
+                          </a:solidFill>
+                        </a:uFill>
+                        <a:latin typeface="Times New Roman"/>
+                        <a:ea typeface="Times New Roman"/>
+                      </a:endParaRPr>
+                    </a:p>
+                  </a:txBody>
+                  <a:tcPr marL="50800" marR="50800" marT="50800" marB="50800" anchor="ctr"/>
+                </a:tc>
+              </a:tr>
+              <a:tr h="1814655">
+                <a:tc>
+                  <a:txBody>
+                    <a:bodyPr/>
+                    <a:lstStyle/>
+                    <a:p>
+                      <a:pPr algn="ctr">
+                        <a:lnSpc>
+                          <a:spcPts val="1500"/>
+                        </a:lnSpc>
+                        <a:spcAft>
+                          <a:spcPts val="780"/>
+                        </a:spcAft>
+                      </a:pPr>
+                      <a:r>
+                        <a:rPr lang="zh-CN" sz="1600" kern="100">
+                          <a:effectLst/>
+                          <a:uFill>
+                            <a:solidFill>
+                              <a:srgbClr val="000000"/>
+                            </a:solidFill>
+                          </a:uFill>
+                        </a:rPr>
+                        <a:t>徐余浩</a:t>
+                      </a:r>
+                      <a:endParaRPr lang="zh-CN" sz="1600">
+                        <a:solidFill>
+                          <a:srgbClr val="000000"/>
+                        </a:solidFill>
+                        <a:effectLst/>
+                        <a:uFill>
+                          <a:solidFill>
+                            <a:srgbClr val="000000"/>
+                          </a:solidFill>
+                        </a:uFill>
+                        <a:latin typeface="Arial Unicode MS"/>
+                        <a:ea typeface="Times New Roman"/>
+                      </a:endParaRPr>
+                    </a:p>
+                  </a:txBody>
+                  <a:tcPr marL="50800" marR="50800" marT="50800" marB="50800" anchor="ctr"/>
+                </a:tc>
+                <a:tc>
+                  <a:txBody>
+                    <a:bodyPr/>
+                    <a:lstStyle/>
+                    <a:p>
+                      <a:pPr algn="ctr">
+                        <a:lnSpc>
+                          <a:spcPts val="1500"/>
+                        </a:lnSpc>
+                        <a:spcAft>
+                          <a:spcPts val="780"/>
+                        </a:spcAft>
+                      </a:pPr>
+                      <a:r>
+                        <a:rPr lang="zh-TW" sz="1600" kern="100" dirty="0">
+                          <a:effectLst/>
+                          <a:uFill>
+                            <a:solidFill>
+                              <a:srgbClr val="000000"/>
+                            </a:solidFill>
+                          </a:uFill>
+                        </a:rPr>
+                        <a:t>项目经理、程序员、文档维护</a:t>
+                      </a:r>
+                      <a:r>
+                        <a:rPr lang="zh-TW" sz="1600" kern="100" dirty="0" smtClean="0">
+                          <a:effectLst/>
+                          <a:uFill>
+                            <a:solidFill>
+                              <a:srgbClr val="000000"/>
+                            </a:solidFill>
+                          </a:uFill>
+                        </a:rPr>
+                        <a:t>员</a:t>
+                      </a:r>
+                      <a:endParaRPr lang="zh-CN" sz="1600" kern="100" dirty="0">
+                        <a:solidFill>
+                          <a:srgbClr val="000000"/>
+                        </a:solidFill>
+                        <a:effectLst/>
+                        <a:uFill>
+                          <a:solidFill>
+                            <a:srgbClr val="000000"/>
+                          </a:solidFill>
+                        </a:uFill>
+                        <a:latin typeface="Times New Roman"/>
+                        <a:ea typeface="Times New Roman"/>
+                      </a:endParaRPr>
+                    </a:p>
+                  </a:txBody>
+                  <a:tcPr marL="50800" marR="50800" marT="50800" marB="50800" anchor="ctr"/>
+                </a:tc>
+                <a:tc>
+                  <a:txBody>
+                    <a:bodyPr/>
+                    <a:lstStyle/>
+                    <a:p>
+                      <a:pPr algn="ctr">
+                        <a:lnSpc>
+                          <a:spcPts val="1500"/>
+                        </a:lnSpc>
+                        <a:spcAft>
+                          <a:spcPts val="780"/>
+                        </a:spcAft>
+                      </a:pPr>
+                      <a:r>
+                        <a:rPr lang="zh-CN" altLang="en-US" sz="1600" kern="100" dirty="0" smtClean="0">
+                          <a:solidFill>
+                            <a:srgbClr val="000000"/>
+                          </a:solidFill>
+                          <a:effectLst/>
+                          <a:uFill>
+                            <a:solidFill>
+                              <a:srgbClr val="000000"/>
+                            </a:solidFill>
+                          </a:uFill>
+                          <a:latin typeface="Times New Roman"/>
+                          <a:ea typeface="Times New Roman"/>
+                        </a:rPr>
+                        <a:t>背包，鱼类百科，装备。</a:t>
+                      </a:r>
+                      <a:r>
+                        <a:rPr lang="zh-TW" altLang="zh-CN" sz="1600" b="0" i="0" u="none" strike="noStrike" cap="none" spc="0" baseline="0" dirty="0" smtClean="0">
+                          <a:ln>
+                            <a:noFill/>
+                          </a:ln>
+                          <a:solidFill>
+                            <a:schemeClr val="tx1"/>
+                          </a:solidFill>
+                          <a:effectLst/>
+                          <a:uFillTx/>
+                          <a:latin typeface="+mn-lt"/>
+                          <a:ea typeface="+mn-ea"/>
+                          <a:cs typeface="+mn-cs"/>
+                          <a:sym typeface="Constantia"/>
+                        </a:rPr>
+                        <a:t>领导项目团队、执行和管理团队、负责app程序的交付工作。负责app程序设计并撰写app程序设计报告。</a:t>
+                      </a:r>
+                      <a:endParaRPr lang="zh-CN" sz="1600" kern="100" dirty="0">
+                        <a:solidFill>
+                          <a:srgbClr val="000000"/>
+                        </a:solidFill>
+                        <a:effectLst/>
+                        <a:uFill>
+                          <a:solidFill>
+                            <a:srgbClr val="000000"/>
+                          </a:solidFill>
+                        </a:uFill>
+                        <a:latin typeface="Times New Roman"/>
+                        <a:ea typeface="Times New Roman"/>
+                      </a:endParaRPr>
+                    </a:p>
+                  </a:txBody>
+                  <a:tcPr marL="50800" marR="50800" marT="50800" marB="50800" anchor="ctr"/>
+                </a:tc>
+              </a:tr>
+              <a:tr h="1440291">
+                <a:tc>
+                  <a:txBody>
+                    <a:bodyPr/>
+                    <a:lstStyle/>
+                    <a:p>
+                      <a:pPr algn="ctr">
+                        <a:lnSpc>
+                          <a:spcPts val="1500"/>
+                        </a:lnSpc>
+                        <a:spcAft>
+                          <a:spcPts val="780"/>
+                        </a:spcAft>
+                      </a:pPr>
+                      <a:r>
+                        <a:rPr lang="zh-CN" sz="1600" kern="100">
+                          <a:effectLst/>
+                          <a:uFill>
+                            <a:solidFill>
+                              <a:srgbClr val="000000"/>
+                            </a:solidFill>
+                          </a:uFill>
+                        </a:rPr>
+                        <a:t>郑鸿棣</a:t>
+                      </a:r>
+                      <a:endParaRPr lang="zh-CN" sz="1600">
+                        <a:solidFill>
+                          <a:srgbClr val="000000"/>
+                        </a:solidFill>
+                        <a:effectLst/>
+                        <a:uFill>
+                          <a:solidFill>
+                            <a:srgbClr val="000000"/>
+                          </a:solidFill>
+                        </a:uFill>
+                        <a:latin typeface="Arial Unicode MS"/>
+                        <a:ea typeface="Times New Roman"/>
+                      </a:endParaRPr>
+                    </a:p>
+                  </a:txBody>
+                  <a:tcPr marL="50800" marR="50800" marT="50800" marB="50800" anchor="ctr"/>
+                </a:tc>
+                <a:tc>
+                  <a:txBody>
+                    <a:bodyPr/>
+                    <a:lstStyle/>
+                    <a:p>
+                      <a:pPr marL="0" marR="0" indent="0" algn="ctr" defTabSz="914400" rtl="0" eaLnBrk="1" fontAlgn="auto" latinLnBrk="0" hangingPunct="1">
+                        <a:lnSpc>
+                          <a:spcPts val="1500"/>
+                        </a:lnSpc>
+                        <a:spcBef>
+                          <a:spcPts val="0"/>
+                        </a:spcBef>
+                        <a:spcAft>
+                          <a:spcPts val="780"/>
+                        </a:spcAft>
+                        <a:buClrTx/>
+                        <a:buSzTx/>
+                        <a:buFontTx/>
+                        <a:buNone/>
+                        <a:tabLst/>
+                        <a:defRPr/>
+                      </a:pPr>
+                      <a:r>
+                        <a:rPr lang="zh-TW" sz="1600" kern="100" dirty="0">
+                          <a:effectLst/>
+                          <a:uFill>
+                            <a:solidFill>
+                              <a:srgbClr val="000000"/>
+                            </a:solidFill>
+                          </a:uFill>
+                        </a:rPr>
+                        <a:t>主程序员、文档维护</a:t>
+                      </a:r>
+                      <a:r>
+                        <a:rPr lang="zh-TW" sz="1600" kern="100" dirty="0" smtClean="0">
+                          <a:effectLst/>
+                          <a:uFill>
+                            <a:solidFill>
+                              <a:srgbClr val="000000"/>
+                            </a:solidFill>
+                          </a:uFill>
+                        </a:rPr>
+                        <a:t>员</a:t>
+                      </a:r>
+                      <a:r>
+                        <a:rPr lang="zh-CN" altLang="en-US" sz="1600" kern="100" dirty="0" smtClean="0">
+                          <a:effectLst/>
+                          <a:uFill>
+                            <a:solidFill>
+                              <a:srgbClr val="000000"/>
+                            </a:solidFill>
+                          </a:uFill>
+                        </a:rPr>
+                        <a:t>、</a:t>
+                      </a:r>
+                      <a:r>
+                        <a:rPr lang="zh-TW" altLang="zh-CN" sz="1600" kern="100" dirty="0" smtClean="0">
+                          <a:effectLst/>
+                          <a:uFill>
+                            <a:solidFill>
+                              <a:srgbClr val="000000"/>
+                            </a:solidFill>
+                          </a:uFill>
+                        </a:rPr>
+                        <a:t>配置管理员</a:t>
+                      </a:r>
+                      <a:endParaRPr lang="zh-CN" altLang="zh-CN" sz="1600" kern="100" dirty="0" smtClean="0">
+                        <a:solidFill>
+                          <a:srgbClr val="000000"/>
+                        </a:solidFill>
+                        <a:effectLst/>
+                        <a:uFill>
+                          <a:solidFill>
+                            <a:srgbClr val="000000"/>
+                          </a:solidFill>
+                        </a:uFill>
+                        <a:latin typeface="Times New Roman"/>
+                        <a:ea typeface="Times New Roman"/>
+                      </a:endParaRPr>
+                    </a:p>
+                    <a:p>
+                      <a:pPr algn="ctr">
+                        <a:lnSpc>
+                          <a:spcPts val="1500"/>
+                        </a:lnSpc>
+                        <a:spcAft>
+                          <a:spcPts val="780"/>
+                        </a:spcAft>
+                      </a:pPr>
+                      <a:endParaRPr lang="zh-CN" sz="1600" kern="100" dirty="0">
+                        <a:solidFill>
+                          <a:srgbClr val="000000"/>
+                        </a:solidFill>
+                        <a:effectLst/>
+                        <a:uFill>
+                          <a:solidFill>
+                            <a:srgbClr val="000000"/>
+                          </a:solidFill>
+                        </a:uFill>
+                        <a:latin typeface="Times New Roman"/>
+                        <a:ea typeface="Times New Roman"/>
+                      </a:endParaRPr>
+                    </a:p>
+                  </a:txBody>
+                  <a:tcPr marL="50800" marR="50800" marT="50800" marB="50800" anchor="ctr"/>
+                </a:tc>
+                <a:tc>
+                  <a:txBody>
+                    <a:bodyPr/>
+                    <a:lstStyle/>
+                    <a:p>
+                      <a:pPr algn="ctr">
+                        <a:lnSpc>
+                          <a:spcPts val="1500"/>
+                        </a:lnSpc>
+                        <a:spcAft>
+                          <a:spcPts val="780"/>
+                        </a:spcAft>
+                      </a:pPr>
+                      <a:r>
+                        <a:rPr lang="zh-CN" altLang="en-US" sz="1600" kern="100" dirty="0" smtClean="0">
+                          <a:solidFill>
+                            <a:srgbClr val="000000"/>
+                          </a:solidFill>
+                          <a:effectLst/>
+                          <a:uFill>
+                            <a:solidFill>
+                              <a:srgbClr val="000000"/>
+                            </a:solidFill>
+                          </a:uFill>
+                          <a:latin typeface="Times New Roman"/>
+                          <a:ea typeface="Times New Roman"/>
+                        </a:rPr>
+                        <a:t>出现杆，甩杆，长按，钓鱼功能。</a:t>
+                      </a:r>
+                      <a:r>
+                        <a:rPr lang="zh-TW" altLang="zh-CN" sz="1600" b="0" i="0" u="none" strike="noStrike" cap="none" spc="0" baseline="0" dirty="0" smtClean="0">
+                          <a:ln>
+                            <a:noFill/>
+                          </a:ln>
+                          <a:solidFill>
+                            <a:schemeClr val="tx1"/>
+                          </a:solidFill>
+                          <a:effectLst/>
+                          <a:uFillTx/>
+                          <a:latin typeface="+mn-lt"/>
+                          <a:ea typeface="+mn-ea"/>
+                          <a:cs typeface="+mn-cs"/>
+                          <a:sym typeface="Constantia"/>
+                        </a:rPr>
+                        <a:t>负责制定配置管理计划，针对项目进行配置库的规划；搭建配置管理环境，建立和维护配置库，保证配置库稳定运行。参与文档编写。</a:t>
+                      </a:r>
+                      <a:endParaRPr lang="zh-CN" sz="1600" kern="100" dirty="0">
+                        <a:solidFill>
+                          <a:srgbClr val="000000"/>
+                        </a:solidFill>
+                        <a:effectLst/>
+                        <a:uFill>
+                          <a:solidFill>
+                            <a:srgbClr val="000000"/>
+                          </a:solidFill>
+                        </a:uFill>
+                        <a:latin typeface="Times New Roman"/>
+                        <a:ea typeface="Times New Roman"/>
+                      </a:endParaRPr>
+                    </a:p>
+                  </a:txBody>
+                  <a:tcPr marL="50800" marR="50800" marT="50800" marB="50800" anchor="ctr"/>
+                </a:tc>
+              </a:tr>
+              <a:tr h="1045462">
+                <a:tc>
+                  <a:txBody>
+                    <a:bodyPr/>
+                    <a:lstStyle/>
+                    <a:p>
+                      <a:pPr algn="ctr">
+                        <a:lnSpc>
+                          <a:spcPts val="1500"/>
+                        </a:lnSpc>
+                        <a:spcAft>
+                          <a:spcPts val="780"/>
+                        </a:spcAft>
+                      </a:pPr>
+                      <a:r>
+                        <a:rPr lang="zh-CN" sz="1600" kern="100">
+                          <a:effectLst/>
+                          <a:uFill>
+                            <a:solidFill>
+                              <a:srgbClr val="000000"/>
+                            </a:solidFill>
+                          </a:uFill>
+                        </a:rPr>
+                        <a:t>陈瑜安</a:t>
+                      </a:r>
+                      <a:endParaRPr lang="zh-CN" sz="1600">
+                        <a:solidFill>
+                          <a:srgbClr val="000000"/>
+                        </a:solidFill>
+                        <a:effectLst/>
+                        <a:uFill>
+                          <a:solidFill>
+                            <a:srgbClr val="000000"/>
+                          </a:solidFill>
+                        </a:uFill>
+                        <a:latin typeface="Arial Unicode MS"/>
+                        <a:ea typeface="Times New Roman"/>
+                      </a:endParaRPr>
+                    </a:p>
+                  </a:txBody>
+                  <a:tcPr marL="50800" marR="50800" marT="50800" marB="50800" anchor="ctr"/>
+                </a:tc>
+                <a:tc>
+                  <a:txBody>
+                    <a:bodyPr/>
+                    <a:lstStyle/>
+                    <a:p>
+                      <a:pPr algn="ctr">
+                        <a:lnSpc>
+                          <a:spcPts val="1500"/>
+                        </a:lnSpc>
+                        <a:spcAft>
+                          <a:spcPts val="780"/>
+                        </a:spcAft>
+                      </a:pPr>
+                      <a:r>
+                        <a:rPr lang="zh-TW" sz="1600" kern="100" dirty="0" smtClean="0">
+                          <a:effectLst/>
+                          <a:uFill>
+                            <a:solidFill>
+                              <a:srgbClr val="000000"/>
+                            </a:solidFill>
+                          </a:uFill>
+                        </a:rPr>
+                        <a:t>程序员</a:t>
+                      </a:r>
+                      <a:r>
+                        <a:rPr lang="zh-TW" sz="1600" kern="100" dirty="0">
+                          <a:effectLst/>
+                          <a:uFill>
+                            <a:solidFill>
+                              <a:srgbClr val="000000"/>
+                            </a:solidFill>
+                          </a:uFill>
+                        </a:rPr>
+                        <a:t>、文档维护员</a:t>
+                      </a:r>
+                      <a:endParaRPr lang="zh-CN" sz="1600" kern="100" dirty="0">
+                        <a:solidFill>
+                          <a:srgbClr val="000000"/>
+                        </a:solidFill>
+                        <a:effectLst/>
+                        <a:uFill>
+                          <a:solidFill>
+                            <a:srgbClr val="000000"/>
+                          </a:solidFill>
+                        </a:uFill>
+                        <a:latin typeface="Times New Roman"/>
+                        <a:ea typeface="Times New Roman"/>
+                      </a:endParaRPr>
+                    </a:p>
+                  </a:txBody>
+                  <a:tcPr marL="50800" marR="50800" marT="50800" marB="50800" anchor="ctr"/>
+                </a:tc>
+                <a:tc>
+                  <a:txBody>
+                    <a:bodyPr/>
+                    <a:lstStyle/>
+                    <a:p>
+                      <a:pPr algn="ctr">
+                        <a:lnSpc>
+                          <a:spcPts val="1500"/>
+                        </a:lnSpc>
+                        <a:spcAft>
+                          <a:spcPts val="780"/>
+                        </a:spcAft>
+                      </a:pPr>
+                      <a:r>
+                        <a:rPr lang="zh-CN" altLang="en-US" sz="1600" kern="100" dirty="0" smtClean="0">
+                          <a:solidFill>
+                            <a:srgbClr val="000000"/>
+                          </a:solidFill>
+                          <a:effectLst/>
+                          <a:uFill>
+                            <a:solidFill>
+                              <a:srgbClr val="000000"/>
+                            </a:solidFill>
+                          </a:uFill>
+                          <a:latin typeface="Times New Roman"/>
+                          <a:ea typeface="Times New Roman"/>
+                        </a:rPr>
+                        <a:t>场景转换，界面设计。</a:t>
+                      </a:r>
+                      <a:r>
+                        <a:rPr lang="zh-TW" altLang="zh-CN" sz="1600" b="0" i="0" u="none" strike="noStrike" cap="none" spc="0" baseline="0" dirty="0" smtClean="0">
+                          <a:ln>
+                            <a:noFill/>
+                          </a:ln>
+                          <a:solidFill>
+                            <a:schemeClr val="tx1"/>
+                          </a:solidFill>
+                          <a:effectLst/>
+                          <a:uFillTx/>
+                          <a:latin typeface="+mn-lt"/>
+                          <a:ea typeface="+mn-ea"/>
+                          <a:cs typeface="+mn-cs"/>
+                          <a:sym typeface="Constantia"/>
+                        </a:rPr>
+                        <a:t>整理需求分析并撰写需求分析报告、维护并及时修改和发布已更新技术文档。参与app程序设计开发，对界面美工负主要责任。</a:t>
+                      </a:r>
+                      <a:endParaRPr lang="zh-CN" sz="1600" kern="100" dirty="0">
+                        <a:solidFill>
+                          <a:srgbClr val="000000"/>
+                        </a:solidFill>
+                        <a:effectLst/>
+                        <a:uFill>
+                          <a:solidFill>
+                            <a:srgbClr val="000000"/>
+                          </a:solidFill>
+                        </a:uFill>
+                        <a:latin typeface="Times New Roman"/>
+                        <a:ea typeface="Times New Roman"/>
+                      </a:endParaRPr>
+                    </a:p>
+                  </a:txBody>
+                  <a:tcPr marL="50800" marR="50800" marT="50800" marB="50800" anchor="ctr"/>
+                </a:tc>
+              </a:tr>
+            </a:tbl>
+          </a:graphicData>
+        </a:graphic>
+      </p:graphicFrame>
+      <p:sp>
+        <p:nvSpPr>
+          <p:cNvPr id="5" name="TextBox 4"/>
+          <p:cNvSpPr txBox="1"/>
+          <p:nvPr/>
+        </p:nvSpPr>
+        <p:spPr>
+          <a:xfrm>
+            <a:off x="467544" y="188640"/>
+            <a:ext cx="7632848" cy="584773"/>
+          </a:xfrm>
+          <a:prstGeom prst="rect">
+            <a:avLst/>
+          </a:prstGeom>
+          <a:noFill/>
+          <a:ln w="12700" cap="flat">
+            <a:noFill/>
+            <a:miter lim="400000"/>
+          </a:ln>
+          <a:effectLst/>
+          <a:sp3d/>
+        </p:spPr>
+        <p:style>
+          <a:lnRef idx="0">
+            <a:scrgbClr r="0" g="0" b="0"/>
+          </a:lnRef>
+          <a:fillRef idx="0">
+            <a:scrgbClr r="0" g="0" b="0"/>
+          </a:fillRef>
+          <a:effectRef idx="0">
+            <a:scrgbClr r="0" g="0" b="0"/>
+          </a:effectRef>
+          <a:fontRef idx="none"/>
+        </p:style>
+        <p:txBody>
+          <a:bodyPr rot="0" spcFirstLastPara="1" vertOverflow="overflow" horzOverflow="overflow" vert="horz" wrap="square" lIns="45719" tIns="45719" rIns="45719" bIns="45719" numCol="1" spcCol="38100" rtlCol="0" anchor="t">
+            <a:spAutoFit/>
+          </a:bodyPr>
+          <a:lstStyle/>
+          <a:p>
+            <a:pPr marL="0" marR="0" indent="0" algn="l" defTabSz="914400" rtl="0" fontAlgn="auto" latinLnBrk="0" hangingPunct="0">
+              <a:lnSpc>
+                <a:spcPct val="100000"/>
+              </a:lnSpc>
+              <a:spcBef>
+                <a:spcPts val="0"/>
+              </a:spcBef>
+              <a:spcAft>
+                <a:spcPts val="0"/>
+              </a:spcAft>
+              <a:buClrTx/>
+              <a:buSzTx/>
+              <a:buFontTx/>
+              <a:buNone/>
+              <a:tabLst/>
+            </a:pPr>
+            <a:r>
+              <a:rPr lang="en-US" altLang="zh-CN" sz="3200" dirty="0" smtClean="0">
+                <a:solidFill>
+                  <a:schemeClr val="bg1"/>
+                </a:solidFill>
+              </a:rPr>
+              <a:t>2.5</a:t>
+            </a:r>
+            <a:r>
+              <a:rPr lang="zh-CN" altLang="en-US" sz="3200" dirty="0" smtClean="0">
+                <a:solidFill>
+                  <a:schemeClr val="bg1"/>
+                </a:solidFill>
+              </a:rPr>
+              <a:t>成员分工</a:t>
+            </a:r>
+            <a:endParaRPr kumimoji="0" lang="zh-CN" altLang="en-US" sz="3200" b="0" i="0" u="none" strike="noStrike" cap="none" spc="0" normalizeH="0" baseline="0" dirty="0">
+              <a:ln>
+                <a:noFill/>
+              </a:ln>
+              <a:solidFill>
+                <a:schemeClr val="bg1"/>
+              </a:solidFill>
+              <a:effectLst/>
+              <a:uFillTx/>
+              <a:sym typeface="Constantia"/>
+            </a:endParaRPr>
+          </a:p>
+        </p:txBody>
+      </p:sp>
+    </p:spTree>
+    <p:extLst>
+      <p:ext uri="{BB962C8B-B14F-4D97-AF65-F5344CB8AC3E}">
+        <p14:creationId xmlns:p14="http://schemas.microsoft.com/office/powerpoint/2010/main" val="797754541"/>
+      </p:ext>
+    </p:extLst>
+  </p:cSld>
+  <p:clrMapOvr>
+    <a:masterClrMapping/>
+  </p:clrMapOvr>
+  <p:transition spd="med"/>
+</p:sld>
+</file>
+
+<file path=ppt/slides/slide11.xml><?xml version="1.0" encoding="utf-8"?>
+<p:sld xmlns:a="http://schemas.openxmlformats.org/drawingml/2006/main" xmlns:r="http://schemas.openxmlformats.org/officeDocument/2006/relationships" xmlns:p="http://schemas.openxmlformats.org/presentationml/2006/main">
   <p:cSld>
     <p:spTree>
       <p:nvGrpSpPr>
@@ -3345,7 +4231,9 @@
       <p:sp>
         <p:nvSpPr>
           <p:cNvPr id="123" name="标题 2"/>
-          <p:cNvSpPr txBox="1"/>
+          <p:cNvSpPr txBox="1">
+            <a:spLocks noGrp="1"/>
+          </p:cNvSpPr>
           <p:nvPr>
             <p:ph type="title"/>
           </p:nvPr>
@@ -3364,7 +4252,7 @@
           <a:lstStyle/>
           <a:p>
             <a:pPr defTabSz="576072">
-              <a:defRPr b="1" spc="-63" sz="3402">
+              <a:defRPr sz="3402" b="1" spc="-63">
                 <a:ln w="1270">
                   <a:solidFill>
                     <a:srgbClr val="3C4421">
@@ -3378,6 +4266,7 @@
               <a:t>三．项目计划展示</a:t>
             </a:r>
             <a:br/>
+            <a:endParaRPr/>
           </a:p>
         </p:txBody>
       </p:sp>
@@ -3415,12 +4304,12 @@
   <p:clrMapOvr>
     <a:masterClrMapping/>
   </p:clrMapOvr>
-  <p:transition xmlns:p14="http://schemas.microsoft.com/office/powerpoint/2010/main" spd="med" advClick="1"/>
+  <p:transition spd="med"/>
 </p:sld>
 </file>
 
-<file path=ppt/slides/slide11.xml><?xml version="1.0" encoding="utf-8"?>
-<p:sld xmlns:a="http://schemas.openxmlformats.org/drawingml/2006/main" xmlns:r="http://schemas.openxmlformats.org/officeDocument/2006/relationships" xmlns:p="http://schemas.openxmlformats.org/presentationml/2006/main" xmlns:m="http://schemas.openxmlformats.org/officeDocument/2006/math" xmlns:a14="http://schemas.microsoft.com/office/drawing/2010/main" showMasterSp="1" showMasterPhAnim="1">
+<file path=ppt/slides/slide12.xml><?xml version="1.0" encoding="utf-8"?>
+<p:sld xmlns:a="http://schemas.openxmlformats.org/drawingml/2006/main" xmlns:r="http://schemas.openxmlformats.org/officeDocument/2006/relationships" xmlns:p="http://schemas.openxmlformats.org/presentationml/2006/main">
   <p:cSld>
     <p:spTree>
       <p:nvGrpSpPr>
@@ -3439,7 +4328,9 @@
       <p:sp>
         <p:nvSpPr>
           <p:cNvPr id="126" name="内容占位符 1"/>
-          <p:cNvSpPr txBox="1"/>
+          <p:cNvSpPr txBox="1">
+            <a:spLocks noGrp="1"/>
+          </p:cNvSpPr>
           <p:nvPr>
             <p:ph type="body" idx="1"/>
           </p:nvPr>
@@ -3453,7 +4344,6 @@
           <a:bodyPr/>
           <a:lstStyle/>
           <a:p>
-            <a:pPr/>
             <a:r>
               <a:t>初始界面</a:t>
             </a:r>
@@ -3463,7 +4353,9 @@
       <p:sp>
         <p:nvSpPr>
           <p:cNvPr id="127" name="标题 2"/>
-          <p:cNvSpPr txBox="1"/>
+          <p:cNvSpPr txBox="1">
+            <a:spLocks noGrp="1"/>
+          </p:cNvSpPr>
           <p:nvPr>
             <p:ph type="title"/>
           </p:nvPr>
@@ -3489,13 +4381,7 @@
               </a:defRPr>
             </a:pPr>
             <a:r>
-              <a:t>四</a:t>
-            </a:r>
-            <a:r>
-              <a:t>.</a:t>
-            </a:r>
-            <a:r>
-              <a:t>实现展示</a:t>
+              <a:t>四.实现展示</a:t>
             </a:r>
           </a:p>
         </p:txBody>
@@ -3534,12 +4420,12 @@
   <p:clrMapOvr>
     <a:masterClrMapping/>
   </p:clrMapOvr>
-  <p:transition xmlns:p14="http://schemas.microsoft.com/office/powerpoint/2010/main" spd="med" advClick="1"/>
+  <p:transition spd="med"/>
 </p:sld>
 </file>
 
-<file path=ppt/slides/slide12.xml><?xml version="1.0" encoding="utf-8"?>
-<p:sld xmlns:a="http://schemas.openxmlformats.org/drawingml/2006/main" xmlns:r="http://schemas.openxmlformats.org/officeDocument/2006/relationships" xmlns:p="http://schemas.openxmlformats.org/presentationml/2006/main" xmlns:m="http://schemas.openxmlformats.org/officeDocument/2006/math" xmlns:a14="http://schemas.microsoft.com/office/drawing/2010/main" showMasterSp="1" showMasterPhAnim="1">
+<file path=ppt/slides/slide13.xml><?xml version="1.0" encoding="utf-8"?>
+<p:sld xmlns:a="http://schemas.openxmlformats.org/drawingml/2006/main" xmlns:r="http://schemas.openxmlformats.org/officeDocument/2006/relationships" xmlns:p="http://schemas.openxmlformats.org/presentationml/2006/main">
   <p:cSld>
     <p:spTree>
       <p:nvGrpSpPr>
@@ -3558,7 +4444,9 @@
       <p:sp>
         <p:nvSpPr>
           <p:cNvPr id="130" name="内容占位符 1"/>
-          <p:cNvSpPr txBox="1"/>
+          <p:cNvSpPr txBox="1">
+            <a:spLocks noGrp="1"/>
+          </p:cNvSpPr>
           <p:nvPr>
             <p:ph type="body" idx="1"/>
           </p:nvPr>
@@ -3576,7 +4464,6 @@
           <a:bodyPr/>
           <a:lstStyle/>
           <a:p>
-            <a:pPr/>
             <a:r>
               <a:t>购买渔具</a:t>
             </a:r>
@@ -3617,12 +4504,12 @@
   <p:clrMapOvr>
     <a:masterClrMapping/>
   </p:clrMapOvr>
-  <p:transition xmlns:p14="http://schemas.microsoft.com/office/powerpoint/2010/main" spd="med" advClick="1"/>
+  <p:transition spd="med"/>
 </p:sld>
 </file>
 
-<file path=ppt/slides/slide13.xml><?xml version="1.0" encoding="utf-8"?>
-<p:sld xmlns:a="http://schemas.openxmlformats.org/drawingml/2006/main" xmlns:r="http://schemas.openxmlformats.org/officeDocument/2006/relationships" xmlns:p="http://schemas.openxmlformats.org/presentationml/2006/main" xmlns:m="http://schemas.openxmlformats.org/officeDocument/2006/math" xmlns:a14="http://schemas.microsoft.com/office/drawing/2010/main" showMasterSp="1" showMasterPhAnim="1">
+<file path=ppt/slides/slide14.xml><?xml version="1.0" encoding="utf-8"?>
+<p:sld xmlns:a="http://schemas.openxmlformats.org/drawingml/2006/main" xmlns:r="http://schemas.openxmlformats.org/officeDocument/2006/relationships" xmlns:p="http://schemas.openxmlformats.org/presentationml/2006/main">
   <p:cSld>
     <p:spTree>
       <p:nvGrpSpPr>
@@ -3641,7 +4528,9 @@
       <p:sp>
         <p:nvSpPr>
           <p:cNvPr id="133" name="内容占位符 1"/>
-          <p:cNvSpPr txBox="1"/>
+          <p:cNvSpPr txBox="1">
+            <a:spLocks noGrp="1"/>
+          </p:cNvSpPr>
           <p:nvPr>
             <p:ph type="body" idx="1"/>
           </p:nvPr>
@@ -3659,7 +4548,6 @@
           <a:bodyPr/>
           <a:lstStyle/>
           <a:p>
-            <a:pPr/>
             <a:r>
               <a:t>反馈</a:t>
             </a:r>
@@ -3700,12 +4588,12 @@
   <p:clrMapOvr>
     <a:masterClrMapping/>
   </p:clrMapOvr>
-  <p:transition xmlns:p14="http://schemas.microsoft.com/office/powerpoint/2010/main" spd="med" advClick="1"/>
+  <p:transition spd="med"/>
 </p:sld>
 </file>
 
-<file path=ppt/slides/slide14.xml><?xml version="1.0" encoding="utf-8"?>
-<p:sld xmlns:a="http://schemas.openxmlformats.org/drawingml/2006/main" xmlns:r="http://schemas.openxmlformats.org/officeDocument/2006/relationships" xmlns:p="http://schemas.openxmlformats.org/presentationml/2006/main" xmlns:m="http://schemas.openxmlformats.org/officeDocument/2006/math" xmlns:a14="http://schemas.microsoft.com/office/drawing/2010/main" showMasterSp="1" showMasterPhAnim="1">
+<file path=ppt/slides/slide15.xml><?xml version="1.0" encoding="utf-8"?>
+<p:sld xmlns:a="http://schemas.openxmlformats.org/drawingml/2006/main" xmlns:r="http://schemas.openxmlformats.org/officeDocument/2006/relationships" xmlns:p="http://schemas.openxmlformats.org/presentationml/2006/main">
   <p:cSld>
     <p:spTree>
       <p:nvGrpSpPr>
@@ -3724,7 +4612,9 @@
       <p:sp>
         <p:nvSpPr>
           <p:cNvPr id="136" name="内容占位符 1"/>
-          <p:cNvSpPr txBox="1"/>
+          <p:cNvSpPr txBox="1">
+            <a:spLocks noGrp="1"/>
+          </p:cNvSpPr>
           <p:nvPr>
             <p:ph type="body" idx="1"/>
           </p:nvPr>
@@ -3747,17 +4637,11 @@
               <a:buFont typeface="Wingdings 2"/>
               <a:buNone/>
             </a:pPr>
-          </a:p>
-          <a:p>
-            <a:pPr/>
-            <a:r>
-              <a:t>钓鱼场所（初始</a:t>
-            </a:r>
-            <a:r>
-              <a:t>/</a:t>
-            </a:r>
-            <a:r>
-              <a:t>进阶）</a:t>
+            <a:endParaRPr/>
+          </a:p>
+          <a:p>
+            <a:r>
+              <a:t>钓鱼场所（初始/进阶）</a:t>
             </a:r>
           </a:p>
         </p:txBody>
@@ -3796,12 +4680,12 @@
   <p:clrMapOvr>
     <a:masterClrMapping/>
   </p:clrMapOvr>
-  <p:transition xmlns:p14="http://schemas.microsoft.com/office/powerpoint/2010/main" spd="med" advClick="1"/>
+  <p:transition spd="med"/>
 </p:sld>
 </file>
 
-<file path=ppt/slides/slide15.xml><?xml version="1.0" encoding="utf-8"?>
-<p:sld xmlns:a="http://schemas.openxmlformats.org/drawingml/2006/main" xmlns:r="http://schemas.openxmlformats.org/officeDocument/2006/relationships" xmlns:p="http://schemas.openxmlformats.org/presentationml/2006/main" xmlns:m="http://schemas.openxmlformats.org/officeDocument/2006/math" xmlns:a14="http://schemas.microsoft.com/office/drawing/2010/main" showMasterSp="1" showMasterPhAnim="1">
+<file path=ppt/slides/slide16.xml><?xml version="1.0" encoding="utf-8"?>
+<p:sld xmlns:a="http://schemas.openxmlformats.org/drawingml/2006/main" xmlns:r="http://schemas.openxmlformats.org/officeDocument/2006/relationships" xmlns:p="http://schemas.openxmlformats.org/presentationml/2006/main">
   <p:cSld>
     <p:spTree>
       <p:nvGrpSpPr>
@@ -3851,18 +4735,19 @@
   <p:clrMapOvr>
     <a:masterClrMapping/>
   </p:clrMapOvr>
-  <p:transition xmlns:p14="http://schemas.microsoft.com/office/powerpoint/2010/main" spd="med" advClick="1"/>
+  <p:transition spd="med"/>
 </p:sld>
 </file>
 
-<file path=ppt/slides/slide16.xml><?xml version="1.0" encoding="utf-8"?>
-<p:sld xmlns:a="http://schemas.openxmlformats.org/drawingml/2006/main" xmlns:r="http://schemas.openxmlformats.org/officeDocument/2006/relationships" xmlns:p="http://schemas.openxmlformats.org/presentationml/2006/main" xmlns:m="http://schemas.openxmlformats.org/officeDocument/2006/math" xmlns:a14="http://schemas.microsoft.com/office/drawing/2010/main" showMasterSp="1" showMasterPhAnim="1">
+<file path=ppt/slides/slide17.xml><?xml version="1.0" encoding="utf-8"?>
+<p:sld xmlns:a="http://schemas.openxmlformats.org/drawingml/2006/main" xmlns:r="http://schemas.openxmlformats.org/officeDocument/2006/relationships" xmlns:p="http://schemas.openxmlformats.org/presentationml/2006/main">
   <p:cSld>
     <p:bg>
       <p:bgPr>
         <a:solidFill>
           <a:srgbClr val="FFFFFF"/>
         </a:solidFill>
+        <a:effectLst/>
       </p:bgPr>
     </p:bg>
     <p:spTree>
@@ -3882,7 +4767,9 @@
       <p:sp>
         <p:nvSpPr>
           <p:cNvPr id="141" name="内容占位符 1"/>
-          <p:cNvSpPr txBox="1"/>
+          <p:cNvSpPr txBox="1">
+            <a:spLocks noGrp="1"/>
+          </p:cNvSpPr>
           <p:nvPr>
             <p:ph type="body" idx="1"/>
           </p:nvPr>
@@ -3897,7 +4784,9 @@
           </a:prstGeom>
         </p:spPr>
         <p:txBody>
-          <a:bodyPr/>
+          <a:bodyPr>
+            <a:normAutofit lnSpcReduction="10000"/>
+          </a:bodyPr>
           <a:lstStyle/>
           <a:p>
             <a:pPr marL="0" indent="0" defTabSz="411479">
@@ -3918,7 +4807,7 @@
               </a:defRPr>
             </a:pPr>
             <a:r>
-              <a:rPr b="1" sz="1440">
+              <a:rPr sz="1440" b="1">
                 <a:solidFill>
                   <a:srgbClr val="00A5A6"/>
                 </a:solidFill>
@@ -3926,7 +4815,7 @@
               <a:t>using</a:t>
             </a:r>
             <a:r>
-              <a:rPr b="1" sz="1440">
+              <a:rPr sz="1440" b="1">
                 <a:solidFill>
                   <a:srgbClr val="424242"/>
                 </a:solidFill>
@@ -3934,14 +4823,14 @@
               <a:t> System.Collections;</a:t>
             </a:r>
             <a:br>
-              <a:rPr b="1" sz="1440">
+              <a:rPr sz="1440" b="1">
                 <a:solidFill>
                   <a:srgbClr val="424242"/>
                 </a:solidFill>
               </a:rPr>
             </a:br>
             <a:r>
-              <a:rPr b="1" sz="1440">
+              <a:rPr sz="1440" b="1">
                 <a:solidFill>
                   <a:srgbClr val="00A5A6"/>
                 </a:solidFill>
@@ -3949,7 +4838,7 @@
               <a:t>using</a:t>
             </a:r>
             <a:r>
-              <a:rPr b="1" sz="1440">
+              <a:rPr sz="1440" b="1">
                 <a:solidFill>
                   <a:srgbClr val="424242"/>
                 </a:solidFill>
@@ -3957,14 +4846,14 @@
               <a:t> System.Collections.Generic;</a:t>
             </a:r>
             <a:br>
-              <a:rPr b="1" sz="1440">
+              <a:rPr sz="1440" b="1">
                 <a:solidFill>
                   <a:srgbClr val="424242"/>
                 </a:solidFill>
               </a:rPr>
             </a:br>
             <a:r>
-              <a:rPr b="1" sz="1440">
+              <a:rPr sz="1440" b="1">
                 <a:solidFill>
                   <a:srgbClr val="00A5A6"/>
                 </a:solidFill>
@@ -3972,7 +4861,7 @@
               <a:t>using</a:t>
             </a:r>
             <a:r>
-              <a:rPr b="1" sz="1440">
+              <a:rPr sz="1440" b="1">
                 <a:solidFill>
                   <a:srgbClr val="424242"/>
                 </a:solidFill>
@@ -3980,14 +4869,14 @@
               <a:t> UnityEngine;</a:t>
             </a:r>
             <a:br>
-              <a:rPr b="1" sz="1440">
+              <a:rPr sz="1440" b="1">
                 <a:solidFill>
                   <a:srgbClr val="424242"/>
                 </a:solidFill>
               </a:rPr>
             </a:br>
             <a:r>
-              <a:rPr b="1" sz="1440">
+              <a:rPr sz="1440" b="1">
                 <a:solidFill>
                   <a:srgbClr val="00A5A6"/>
                 </a:solidFill>
@@ -3995,7 +4884,7 @@
               <a:t>using</a:t>
             </a:r>
             <a:r>
-              <a:rPr b="1" sz="1440">
+              <a:rPr sz="1440" b="1">
                 <a:solidFill>
                   <a:srgbClr val="424242"/>
                 </a:solidFill>
@@ -4003,21 +4892,29 @@
               <a:t> UnityEngine.UI;</a:t>
             </a:r>
             <a:br>
-              <a:rPr b="1" sz="1440">
+              <a:rPr sz="1440" b="1">
                 <a:solidFill>
                   <a:srgbClr val="424242"/>
                 </a:solidFill>
               </a:rPr>
             </a:br>
+            <a:r>
+              <a:rPr sz="1440" b="1">
+                <a:solidFill>
+                  <a:srgbClr val="424242"/>
+                </a:solidFill>
+              </a:rPr>
+              <a:t/>
+            </a:r>
             <a:br>
-              <a:rPr b="1" sz="1440">
+              <a:rPr sz="1440" b="1">
                 <a:solidFill>
                   <a:srgbClr val="424242"/>
                 </a:solidFill>
               </a:rPr>
             </a:br>
             <a:r>
-              <a:rPr b="1" sz="1440">
+              <a:rPr sz="1440" b="1">
                 <a:solidFill>
                   <a:srgbClr val="00A5A6"/>
                 </a:solidFill>
@@ -4025,7 +4922,7 @@
               <a:t>public</a:t>
             </a:r>
             <a:r>
-              <a:rPr b="1" sz="1440">
+              <a:rPr sz="1440" b="1">
                 <a:solidFill>
                   <a:srgbClr val="424242"/>
                 </a:solidFill>
@@ -4033,7 +4930,7 @@
               <a:t> </a:t>
             </a:r>
             <a:r>
-              <a:rPr b="1" sz="1440">
+              <a:rPr sz="1440" b="1">
                 <a:solidFill>
                   <a:srgbClr val="00A5A6"/>
                 </a:solidFill>
@@ -4041,7 +4938,7 @@
               <a:t>class</a:t>
             </a:r>
             <a:r>
-              <a:rPr b="1" sz="1440">
+              <a:rPr sz="1440" b="1">
                 <a:solidFill>
                   <a:srgbClr val="424242"/>
                 </a:solidFill>
@@ -4049,7 +4946,7 @@
               <a:t> </a:t>
             </a:r>
             <a:r>
-              <a:rPr b="1" sz="1440">
+              <a:rPr sz="1440" b="1">
                 <a:solidFill>
                   <a:srgbClr val="4179B3"/>
                 </a:solidFill>
@@ -4057,7 +4954,7 @@
               <a:t>转跳主界面</a:t>
             </a:r>
             <a:r>
-              <a:rPr b="1" sz="1440">
+              <a:rPr sz="1440" b="1">
                 <a:solidFill>
                   <a:srgbClr val="424242"/>
                 </a:solidFill>
@@ -4065,7 +4962,7 @@
               <a:t> : </a:t>
             </a:r>
             <a:r>
-              <a:rPr b="1" sz="1440">
+              <a:rPr sz="1440" b="1">
                 <a:solidFill>
                   <a:srgbClr val="4179B3"/>
                 </a:solidFill>
@@ -4073,7 +4970,7 @@
               <a:t>MonoBehaviour</a:t>
             </a:r>
             <a:r>
-              <a:rPr b="1" sz="1440">
+              <a:rPr sz="1440" b="1">
                 <a:solidFill>
                   <a:srgbClr val="424242"/>
                 </a:solidFill>
@@ -4081,21 +4978,29 @@
               <a:t> {</a:t>
             </a:r>
             <a:br>
-              <a:rPr b="1" sz="1440">
+              <a:rPr sz="1440" b="1">
                 <a:solidFill>
                   <a:srgbClr val="424242"/>
                 </a:solidFill>
               </a:rPr>
             </a:br>
+            <a:r>
+              <a:rPr sz="1440" b="1">
+                <a:solidFill>
+                  <a:srgbClr val="424242"/>
+                </a:solidFill>
+              </a:rPr>
+              <a:t/>
+            </a:r>
             <a:br>
-              <a:rPr b="1" sz="1440">
+              <a:rPr sz="1440" b="1">
                 <a:solidFill>
                   <a:srgbClr val="424242"/>
                 </a:solidFill>
               </a:rPr>
             </a:br>
             <a:r>
-              <a:rPr b="1" sz="1440">
+              <a:rPr sz="1440" b="1">
                 <a:solidFill>
                   <a:srgbClr val="424242"/>
                 </a:solidFill>
@@ -4103,7 +5008,7 @@
               <a:t>	</a:t>
             </a:r>
             <a:r>
-              <a:rPr b="1" sz="1440">
+              <a:rPr sz="1440" b="1">
                 <a:solidFill>
                   <a:srgbClr val="00A5A6"/>
                 </a:solidFill>
@@ -4111,7 +5016,7 @@
               <a:t>public</a:t>
             </a:r>
             <a:r>
-              <a:rPr b="1" sz="1440">
+              <a:rPr sz="1440" b="1">
                 <a:solidFill>
                   <a:srgbClr val="424242"/>
                 </a:solidFill>
@@ -4119,7 +5024,7 @@
               <a:t> </a:t>
             </a:r>
             <a:r>
-              <a:rPr b="1" sz="1440">
+              <a:rPr sz="1440" b="1">
                 <a:solidFill>
                   <a:srgbClr val="4179B3"/>
                 </a:solidFill>
@@ -4127,7 +5032,7 @@
               <a:t>Button</a:t>
             </a:r>
             <a:r>
-              <a:rPr b="1" sz="1440">
+              <a:rPr sz="1440" b="1">
                 <a:solidFill>
                   <a:srgbClr val="424242"/>
                 </a:solidFill>
@@ -4135,21 +5040,29 @@
               <a:t> mButton;</a:t>
             </a:r>
             <a:br>
-              <a:rPr b="1" sz="1440">
+              <a:rPr sz="1440" b="1">
                 <a:solidFill>
                   <a:srgbClr val="424242"/>
                 </a:solidFill>
               </a:rPr>
             </a:br>
+            <a:r>
+              <a:rPr sz="1440" b="1">
+                <a:solidFill>
+                  <a:srgbClr val="424242"/>
+                </a:solidFill>
+              </a:rPr>
+              <a:t/>
+            </a:r>
             <a:br>
-              <a:rPr b="1" sz="1440">
+              <a:rPr sz="1440" b="1">
                 <a:solidFill>
                   <a:srgbClr val="424242"/>
                 </a:solidFill>
               </a:rPr>
             </a:br>
             <a:r>
-              <a:rPr b="1" sz="1440">
+              <a:rPr sz="1440" b="1">
                 <a:solidFill>
                   <a:srgbClr val="424242"/>
                 </a:solidFill>
@@ -4157,14 +5070,14 @@
               <a:t>	</a:t>
             </a:r>
             <a:r>
-              <a:rPr b="1" i="1" sz="1440"/>
+              <a:rPr sz="1440" b="1" i="1"/>
               <a:t>// Use this for initialization</a:t>
             </a:r>
             <a:br>
-              <a:rPr b="1" i="1" sz="1440"/>
+              <a:rPr sz="1440" b="1" i="1"/>
             </a:br>
             <a:r>
-              <a:rPr b="1" sz="1440">
+              <a:rPr sz="1440" b="1">
                 <a:solidFill>
                   <a:srgbClr val="424242"/>
                 </a:solidFill>
@@ -4172,7 +5085,7 @@
               <a:t>	</a:t>
             </a:r>
             <a:r>
-              <a:rPr b="1" sz="1440">
+              <a:rPr sz="1440" b="1">
                 <a:solidFill>
                   <a:srgbClr val="00A5A6"/>
                 </a:solidFill>
@@ -4180,7 +5093,7 @@
               <a:t>void</a:t>
             </a:r>
             <a:r>
-              <a:rPr b="1" sz="1440">
+              <a:rPr sz="1440" b="1">
                 <a:solidFill>
                   <a:srgbClr val="424242"/>
                 </a:solidFill>
@@ -4188,14 +5101,14 @@
               <a:t> Start () {</a:t>
             </a:r>
             <a:br>
-              <a:rPr b="1" sz="1440">
+              <a:rPr sz="1440" b="1">
                 <a:solidFill>
                   <a:srgbClr val="424242"/>
                 </a:solidFill>
               </a:rPr>
             </a:br>
             <a:r>
-              <a:rPr b="1" sz="1440">
+              <a:rPr sz="1440" b="1">
                 <a:solidFill>
                   <a:srgbClr val="424242"/>
                 </a:solidFill>
@@ -4203,14 +5116,14 @@
               <a:t>		</a:t>
             </a:r>
             <a:r>
-              <a:rPr b="1" i="1" sz="1440"/>
+              <a:rPr sz="1440" b="1" i="1"/>
               <a:t>//Gets ButtonMount</a:t>
             </a:r>
             <a:br>
-              <a:rPr b="1" i="1" sz="1440"/>
+              <a:rPr sz="1440" b="1" i="1"/>
             </a:br>
             <a:r>
-              <a:rPr b="1" sz="1440">
+              <a:rPr sz="1440" b="1">
                 <a:solidFill>
                   <a:srgbClr val="424242"/>
                 </a:solidFill>
@@ -4218,7 +5131,7 @@
               <a:t>		</a:t>
             </a:r>
             <a:r>
-              <a:rPr b="1" sz="1440">
+              <a:rPr sz="1440" b="1">
                 <a:solidFill>
                   <a:srgbClr val="4179B3"/>
                 </a:solidFill>
@@ -4226,7 +5139,7 @@
               <a:t>Button</a:t>
             </a:r>
             <a:r>
-              <a:rPr b="1" sz="1440">
+              <a:rPr sz="1440" b="1">
                 <a:solidFill>
                   <a:srgbClr val="424242"/>
                 </a:solidFill>
@@ -4234,7 +5147,7 @@
               <a:t> btnMount = mButton.GetComponent&lt;</a:t>
             </a:r>
             <a:r>
-              <a:rPr b="1" sz="1440">
+              <a:rPr sz="1440" b="1">
                 <a:solidFill>
                   <a:srgbClr val="4179B3"/>
                 </a:solidFill>
@@ -4242,7 +5155,7 @@
               <a:t>Button</a:t>
             </a:r>
             <a:r>
-              <a:rPr b="1" sz="1440">
+              <a:rPr sz="1440" b="1">
                 <a:solidFill>
                   <a:srgbClr val="424242"/>
                 </a:solidFill>
@@ -4250,14 +5163,14 @@
               <a:t>&gt;();</a:t>
             </a:r>
             <a:br>
-              <a:rPr b="1" sz="1440">
+              <a:rPr sz="1440" b="1">
                 <a:solidFill>
                   <a:srgbClr val="424242"/>
                 </a:solidFill>
               </a:rPr>
             </a:br>
             <a:r>
-              <a:rPr b="1" sz="1440">
+              <a:rPr sz="1440" b="1">
                 <a:solidFill>
                   <a:srgbClr val="424242"/>
                 </a:solidFill>
@@ -4265,14 +5178,14 @@
               <a:t>		</a:t>
             </a:r>
             <a:r>
-              <a:rPr b="1" i="1" sz="1440"/>
+              <a:rPr sz="1440" b="1" i="1"/>
               <a:t>//add a listener to ButtonMount, executing TaskOnClick() when click ButtonMount</a:t>
             </a:r>
             <a:br>
-              <a:rPr b="1" i="1" sz="1440"/>
+              <a:rPr sz="1440" b="1" i="1"/>
             </a:br>
             <a:r>
-              <a:rPr b="1" sz="1440">
+              <a:rPr sz="1440" b="1">
                 <a:solidFill>
                   <a:srgbClr val="424242"/>
                 </a:solidFill>
@@ -4280,14 +5193,14 @@
               <a:t>		btnMount.onClick.AddListener(TaskOnClick);</a:t>
             </a:r>
             <a:br>
-              <a:rPr b="1" sz="1440">
+              <a:rPr sz="1440" b="1">
                 <a:solidFill>
                   <a:srgbClr val="424242"/>
                 </a:solidFill>
               </a:rPr>
             </a:br>
             <a:r>
-              <a:rPr b="1" sz="1440">
+              <a:rPr sz="1440" b="1">
                 <a:solidFill>
                   <a:srgbClr val="424242"/>
                 </a:solidFill>
@@ -4295,21 +5208,29 @@
               <a:t>	}</a:t>
             </a:r>
             <a:br>
-              <a:rPr b="1" sz="1440">
+              <a:rPr sz="1440" b="1">
                 <a:solidFill>
                   <a:srgbClr val="424242"/>
                 </a:solidFill>
               </a:rPr>
             </a:br>
+            <a:r>
+              <a:rPr sz="1440" b="1">
+                <a:solidFill>
+                  <a:srgbClr val="424242"/>
+                </a:solidFill>
+              </a:rPr>
+              <a:t/>
+            </a:r>
             <a:br>
-              <a:rPr b="1" sz="1440">
+              <a:rPr sz="1440" b="1">
                 <a:solidFill>
                   <a:srgbClr val="424242"/>
                 </a:solidFill>
               </a:rPr>
             </a:br>
             <a:r>
-              <a:rPr b="1" sz="1440">
+              <a:rPr sz="1440" b="1">
                 <a:solidFill>
                   <a:srgbClr val="424242"/>
                 </a:solidFill>
@@ -4317,7 +5238,7 @@
               <a:t>	</a:t>
             </a:r>
             <a:r>
-              <a:rPr b="1" sz="1440">
+              <a:rPr sz="1440" b="1">
                 <a:solidFill>
                   <a:srgbClr val="00A5A6"/>
                 </a:solidFill>
@@ -4325,7 +5246,7 @@
               <a:t>void</a:t>
             </a:r>
             <a:r>
-              <a:rPr b="1" sz="1440">
+              <a:rPr sz="1440" b="1">
                 <a:solidFill>
                   <a:srgbClr val="424242"/>
                 </a:solidFill>
@@ -4333,14 +5254,14 @@
               <a:t> TaskOnClick()</a:t>
             </a:r>
             <a:br>
-              <a:rPr b="1" sz="1440">
+              <a:rPr sz="1440" b="1">
                 <a:solidFill>
                   <a:srgbClr val="424242"/>
                 </a:solidFill>
               </a:rPr>
             </a:br>
             <a:r>
-              <a:rPr b="1" sz="1440">
+              <a:rPr sz="1440" b="1">
                 <a:solidFill>
                   <a:srgbClr val="424242"/>
                 </a:solidFill>
@@ -4348,14 +5269,14 @@
               <a:t>	{</a:t>
             </a:r>
             <a:br>
-              <a:rPr b="1" sz="1440">
+              <a:rPr sz="1440" b="1">
                 <a:solidFill>
                   <a:srgbClr val="424242"/>
                 </a:solidFill>
               </a:rPr>
             </a:br>
             <a:r>
-              <a:rPr b="1" sz="1440">
+              <a:rPr sz="1440" b="1">
                 <a:solidFill>
                   <a:srgbClr val="424242"/>
                 </a:solidFill>
@@ -4363,14 +5284,14 @@
               <a:t>		</a:t>
             </a:r>
             <a:r>
-              <a:rPr b="1" i="1" sz="1440"/>
+              <a:rPr sz="1440" b="1" i="1"/>
               <a:t>//Loading Scene1</a:t>
             </a:r>
             <a:br>
-              <a:rPr b="1" i="1" sz="1440"/>
+              <a:rPr sz="1440" b="1" i="1"/>
             </a:br>
             <a:r>
-              <a:rPr b="1" sz="1440">
+              <a:rPr sz="1440" b="1">
                 <a:solidFill>
                   <a:srgbClr val="424242"/>
                 </a:solidFill>
@@ -4378,7 +5299,7 @@
               <a:t>		UnityEngine.SceneManagement.</a:t>
             </a:r>
             <a:r>
-              <a:rPr b="1" sz="1440">
+              <a:rPr sz="1440" b="1">
                 <a:solidFill>
                   <a:srgbClr val="4179B3"/>
                 </a:solidFill>
@@ -4386,7 +5307,7 @@
               <a:t>SceneManager</a:t>
             </a:r>
             <a:r>
-              <a:rPr b="1" sz="1440">
+              <a:rPr sz="1440" b="1">
                 <a:solidFill>
                   <a:srgbClr val="424242"/>
                 </a:solidFill>
@@ -4394,7 +5315,7 @@
               <a:t>.LoadScene(</a:t>
             </a:r>
             <a:r>
-              <a:rPr b="1" sz="1440">
+              <a:rPr sz="1440" b="1">
                 <a:solidFill>
                   <a:srgbClr val="F99000"/>
                 </a:solidFill>
@@ -4402,7 +5323,7 @@
               <a:t>0</a:t>
             </a:r>
             <a:r>
-              <a:rPr b="1" sz="1440">
+              <a:rPr sz="1440" b="1">
                 <a:solidFill>
                   <a:srgbClr val="424242"/>
                 </a:solidFill>
@@ -4410,14 +5331,14 @@
               <a:t>);</a:t>
             </a:r>
             <a:br>
-              <a:rPr b="1" sz="1440">
+              <a:rPr sz="1440" b="1">
                 <a:solidFill>
                   <a:srgbClr val="424242"/>
                 </a:solidFill>
               </a:rPr>
             </a:br>
             <a:r>
-              <a:rPr b="1" sz="1440">
+              <a:rPr sz="1440" b="1">
                 <a:solidFill>
                   <a:srgbClr val="424242"/>
                 </a:solidFill>
@@ -4425,27 +5346,43 @@
               <a:t>	}</a:t>
             </a:r>
             <a:br>
-              <a:rPr b="1" sz="1440">
+              <a:rPr sz="1440" b="1">
                 <a:solidFill>
                   <a:srgbClr val="424242"/>
                 </a:solidFill>
               </a:rPr>
             </a:br>
+            <a:r>
+              <a:rPr sz="1440" b="1">
+                <a:solidFill>
+                  <a:srgbClr val="424242"/>
+                </a:solidFill>
+              </a:rPr>
+              <a:t/>
+            </a:r>
             <a:br>
-              <a:rPr b="1" sz="1440">
+              <a:rPr sz="1440" b="1">
                 <a:solidFill>
                   <a:srgbClr val="424242"/>
                 </a:solidFill>
               </a:rPr>
             </a:br>
             <a:r>
-              <a:rPr b="1" sz="1440">
+              <a:rPr sz="1440" b="1">
                 <a:solidFill>
                   <a:srgbClr val="424242"/>
                 </a:solidFill>
               </a:rPr>
               <a:t>}</a:t>
             </a:r>
+            <a:r>
+              <a:rPr>
+                <a:solidFill>
+                  <a:srgbClr val="424242"/>
+                </a:solidFill>
+              </a:rPr>
+              <a:t/>
+            </a:r>
             <a:br>
               <a:rPr>
                 <a:solidFill>
@@ -4453,13 +5390,20 @@
                 </a:solidFill>
               </a:rPr>
             </a:br>
+            <a:endParaRPr>
+              <a:solidFill>
+                <a:srgbClr val="424242"/>
+              </a:solidFill>
+            </a:endParaRPr>
           </a:p>
         </p:txBody>
       </p:sp>
       <p:sp>
         <p:nvSpPr>
           <p:cNvPr id="142" name="标题 2"/>
-          <p:cNvSpPr txBox="1"/>
+          <p:cNvSpPr txBox="1">
+            <a:spLocks noGrp="1"/>
+          </p:cNvSpPr>
           <p:nvPr>
             <p:ph type="title"/>
           </p:nvPr>
@@ -4490,7 +5434,6 @@
             </a:lvl1pPr>
           </a:lstStyle>
           <a:p>
-            <a:pPr/>
             <a:r>
               <a:t>五、代码展示</a:t>
             </a:r>
@@ -4502,18 +5445,19 @@
   <p:clrMapOvr>
     <a:masterClrMapping/>
   </p:clrMapOvr>
-  <p:transition xmlns:p14="http://schemas.microsoft.com/office/powerpoint/2010/main" spd="med" advClick="1"/>
+  <p:transition spd="med"/>
 </p:sld>
 </file>
 
-<file path=ppt/slides/slide17.xml><?xml version="1.0" encoding="utf-8"?>
-<p:sld xmlns:a="http://schemas.openxmlformats.org/drawingml/2006/main" xmlns:r="http://schemas.openxmlformats.org/officeDocument/2006/relationships" xmlns:p="http://schemas.openxmlformats.org/presentationml/2006/main" xmlns:m="http://schemas.openxmlformats.org/officeDocument/2006/math" xmlns:a14="http://schemas.microsoft.com/office/drawing/2010/main" showMasterSp="1" showMasterPhAnim="1">
+<file path=ppt/slides/slide18.xml><?xml version="1.0" encoding="utf-8"?>
+<p:sld xmlns:a="http://schemas.openxmlformats.org/drawingml/2006/main" xmlns:r="http://schemas.openxmlformats.org/officeDocument/2006/relationships" xmlns:p="http://schemas.openxmlformats.org/presentationml/2006/main">
   <p:cSld>
     <p:bg>
       <p:bgPr>
         <a:solidFill>
           <a:srgbClr val="FFFFFF"/>
         </a:solidFill>
+        <a:effectLst/>
       </p:bgPr>
     </p:bg>
     <p:spTree>
@@ -4533,7 +5477,9 @@
       <p:sp>
         <p:nvSpPr>
           <p:cNvPr id="144" name="public class 渔具按钮 : MonoBehaviour {  //public GameObject Gmenue;  public GameObject btnObj ;  public GameObject caidan;  public Sprite   expan;  public Sprite  back;  Button btn;  bool isshow=false ;  // Use this for initialization  void Start () {   caidan.SetActive (isshow);   btn = btnObj.GetComponent&lt;Button&gt;();   btn.onClick.AddListener(delegate ()    {     isshow=!isshow;     caidan.SetActive (isshow);     if (isshow)     {      btn.GetComponent&lt;Image&gt;().sprite=expan ;     }     else {      btn.GetComponent&lt;Image&gt;().sprite=back;     }    } );  }   // Update is called once per frame  void Update () {   } }"/>
-          <p:cNvSpPr txBox="1"/>
+          <p:cNvSpPr txBox="1">
+            <a:spLocks noGrp="1"/>
+          </p:cNvSpPr>
           <p:nvPr>
             <p:ph type="body" idx="1"/>
           </p:nvPr>
@@ -5027,6 +5973,10 @@
             <a:br>
               <a:rPr b="1"/>
             </a:br>
+            <a:r>
+              <a:rPr b="1"/>
+              <a:t/>
+            </a:r>
             <a:br>
               <a:rPr b="1"/>
             </a:br>
@@ -5068,6 +6018,10 @@
             <a:br>
               <a:rPr b="1"/>
             </a:br>
+            <a:r>
+              <a:rPr b="1"/>
+              <a:t/>
+            </a:r>
             <a:br>
               <a:rPr b="1"/>
             </a:br>
@@ -5090,18 +6044,19 @@
   <p:clrMapOvr>
     <a:masterClrMapping/>
   </p:clrMapOvr>
-  <p:transition xmlns:p14="http://schemas.microsoft.com/office/powerpoint/2010/main" spd="med" advClick="1"/>
+  <p:transition spd="med"/>
 </p:sld>
 </file>
 
-<file path=ppt/slides/slide18.xml><?xml version="1.0" encoding="utf-8"?>
-<p:sld xmlns:a="http://schemas.openxmlformats.org/drawingml/2006/main" xmlns:r="http://schemas.openxmlformats.org/officeDocument/2006/relationships" xmlns:p="http://schemas.openxmlformats.org/presentationml/2006/main" xmlns:m="http://schemas.openxmlformats.org/officeDocument/2006/math" xmlns:a14="http://schemas.microsoft.com/office/drawing/2010/main" showMasterSp="1" showMasterPhAnim="1">
+<file path=ppt/slides/slide19.xml><?xml version="1.0" encoding="utf-8"?>
+<p:sld xmlns:a="http://schemas.openxmlformats.org/drawingml/2006/main" xmlns:r="http://schemas.openxmlformats.org/officeDocument/2006/relationships" xmlns:p="http://schemas.openxmlformats.org/presentationml/2006/main">
   <p:cSld>
     <p:bg>
       <p:bgPr>
         <a:solidFill>
           <a:srgbClr val="FFFFFF"/>
         </a:solidFill>
+        <a:effectLst/>
       </p:bgPr>
     </p:bg>
     <p:spTree>
@@ -5121,7 +6076,9 @@
       <p:sp>
         <p:nvSpPr>
           <p:cNvPr id="146" name="public class 出现杆 : MonoBehaviour {    public GameObject btnObj ;  public GameObject caidan1;  public GameObject caidan2;  public GameObject yugan;  public Sprite   expan;  public Sprite  back;  Button btn;  bool isshow=false ;   // Use this for initialization  void Start () {   caidan1.SetActive (isshow);   caidan2.SetActive (isshow);   yugan.SetActive (isshow);   btn = btnObj.GetComponent&lt;Button&gt;();   btn.onClick.AddListener(delegate ()    {     isshow=!isshow;     caidan1.SetActive (isshow);     caidan2.SetActive (isshow);     yugan.SetActive(isshow);     if (isshow)     {      btn.GetComponent&lt;Image&gt;().sprite=expan ;     }     else {      btn.GetComponent&lt;Image&gt;().sprite=back;     }    } );  }  }"/>
-          <p:cNvSpPr txBox="1"/>
+          <p:cNvSpPr txBox="1">
+            <a:spLocks noGrp="1"/>
+          </p:cNvSpPr>
           <p:nvPr>
             <p:ph type="body" idx="1"/>
           </p:nvPr>
@@ -5136,7 +6093,9 @@
           </a:prstGeom>
         </p:spPr>
         <p:txBody>
-          <a:bodyPr/>
+          <a:bodyPr>
+            <a:normAutofit lnSpcReduction="10000"/>
+          </a:bodyPr>
           <a:lstStyle/>
           <a:p>
             <a:pPr marL="0" indent="0" defTabSz="187452">
@@ -5450,6 +6409,10 @@
             <a:br>
               <a:rPr b="1"/>
             </a:br>
+            <a:r>
+              <a:rPr b="1"/>
+              <a:t/>
+            </a:r>
             <a:br>
               <a:rPr b="1"/>
             </a:br>
@@ -5696,6 +6659,10 @@
             <a:br>
               <a:rPr b="1"/>
             </a:br>
+            <a:r>
+              <a:rPr b="1"/>
+              <a:t/>
+            </a:r>
             <a:br>
               <a:rPr b="1"/>
             </a:br>
@@ -5703,7 +6670,11 @@
               <a:rPr b="1"/>
               <a:t>}</a:t>
             </a:r>
-            <a:br/>
+            <a:r>
+              <a:t/>
+            </a:r>
+            <a:br/>
+            <a:endParaRPr/>
           </a:p>
         </p:txBody>
       </p:sp>
@@ -5712,18 +6683,168 @@
   <p:clrMapOvr>
     <a:masterClrMapping/>
   </p:clrMapOvr>
-  <p:transition xmlns:p14="http://schemas.microsoft.com/office/powerpoint/2010/main" spd="med" advClick="1"/>
+  <p:transition spd="med"/>
 </p:sld>
 </file>
 
-<file path=ppt/slides/slide19.xml><?xml version="1.0" encoding="utf-8"?>
-<p:sld xmlns:a="http://schemas.openxmlformats.org/drawingml/2006/main" xmlns:r="http://schemas.openxmlformats.org/officeDocument/2006/relationships" xmlns:p="http://schemas.openxmlformats.org/presentationml/2006/main" xmlns:m="http://schemas.openxmlformats.org/officeDocument/2006/math" xmlns:a14="http://schemas.microsoft.com/office/drawing/2010/main" showMasterSp="1" showMasterPhAnim="1">
+<file path=ppt/slides/slide2.xml><?xml version="1.0" encoding="utf-8"?>
+<p:sld xmlns:a="http://schemas.openxmlformats.org/drawingml/2006/main" xmlns:r="http://schemas.openxmlformats.org/officeDocument/2006/relationships" xmlns:p="http://schemas.openxmlformats.org/presentationml/2006/main">
+  <p:cSld>
+    <p:spTree>
+      <p:nvGrpSpPr>
+        <p:cNvPr id="1" name=""/>
+        <p:cNvGrpSpPr/>
+        <p:nvPr/>
+      </p:nvGrpSpPr>
+      <p:grpSpPr>
+        <a:xfrm>
+          <a:off x="0" y="0"/>
+          <a:ext cx="0" cy="0"/>
+          <a:chOff x="0" y="0"/>
+          <a:chExt cx="0" cy="0"/>
+        </a:xfrm>
+      </p:grpSpPr>
+      <p:sp>
+        <p:nvSpPr>
+          <p:cNvPr id="104" name="内容占位符 2"/>
+          <p:cNvSpPr txBox="1">
+            <a:spLocks noGrp="1"/>
+          </p:cNvSpPr>
+          <p:nvPr>
+            <p:ph type="body" idx="1"/>
+          </p:nvPr>
+        </p:nvSpPr>
+        <p:spPr>
+          <a:prstGeom prst="rect">
+            <a:avLst/>
+          </a:prstGeom>
+        </p:spPr>
+        <p:txBody>
+          <a:bodyPr/>
+          <a:lstStyle/>
+          <a:p>
+            <a:pPr marL="241401" indent="-241401" defTabSz="804672">
+              <a:spcBef>
+                <a:spcPts val="500"/>
+              </a:spcBef>
+              <a:defRPr sz="3872"/>
+            </a:pPr>
+            <a:r>
+              <a:t>一.引言</a:t>
+            </a:r>
+          </a:p>
+          <a:p>
+            <a:pPr marL="241401" indent="-241401" defTabSz="804672">
+              <a:spcBef>
+                <a:spcPts val="500"/>
+              </a:spcBef>
+              <a:defRPr sz="3872"/>
+            </a:pPr>
+            <a:r>
+              <a:t>二.钓鱼游戏设计说明</a:t>
+            </a:r>
+          </a:p>
+          <a:p>
+            <a:pPr marL="241401" indent="-241401" defTabSz="804672">
+              <a:spcBef>
+                <a:spcPts val="500"/>
+              </a:spcBef>
+              <a:defRPr sz="3872"/>
+            </a:pPr>
+            <a:r>
+              <a:t>三.项目计划展示</a:t>
+            </a:r>
+          </a:p>
+          <a:p>
+            <a:pPr marL="241401" indent="-241401" defTabSz="804672">
+              <a:spcBef>
+                <a:spcPts val="500"/>
+              </a:spcBef>
+              <a:defRPr sz="3872"/>
+            </a:pPr>
+            <a:r>
+              <a:t>四.界面原型展示</a:t>
+            </a:r>
+          </a:p>
+          <a:p>
+            <a:pPr marL="241401" indent="-241401" defTabSz="804672">
+              <a:spcBef>
+                <a:spcPts val="500"/>
+              </a:spcBef>
+              <a:defRPr sz="3872"/>
+            </a:pPr>
+            <a:r>
+              <a:t>五.代码展示</a:t>
+            </a:r>
+          </a:p>
+          <a:p>
+            <a:pPr marL="241401" indent="-241401" defTabSz="804672">
+              <a:spcBef>
+                <a:spcPts val="500"/>
+              </a:spcBef>
+              <a:defRPr sz="3872"/>
+            </a:pPr>
+            <a:r>
+              <a:t>六.软件测试</a:t>
+            </a:r>
+          </a:p>
+        </p:txBody>
+      </p:sp>
+      <p:sp>
+        <p:nvSpPr>
+          <p:cNvPr id="105" name="标题 1"/>
+          <p:cNvSpPr txBox="1">
+            <a:spLocks noGrp="1"/>
+          </p:cNvSpPr>
+          <p:nvPr>
+            <p:ph type="title"/>
+          </p:nvPr>
+        </p:nvSpPr>
+        <p:spPr>
+          <a:prstGeom prst="rect">
+            <a:avLst/>
+          </a:prstGeom>
+        </p:spPr>
+        <p:txBody>
+          <a:bodyPr/>
+          <a:lstStyle>
+            <a:lvl1pPr algn="ctr" defTabSz="877823">
+              <a:defRPr sz="6335" spc="-96">
+                <a:ln w="2949">
+                  <a:solidFill>
+                    <a:srgbClr val="3C4421">
+                      <a:alpha val="25000"/>
+                    </a:srgbClr>
+                  </a:solidFill>
+                </a:ln>
+              </a:defRPr>
+            </a:lvl1pPr>
+          </a:lstStyle>
+          <a:p>
+            <a:r>
+              <a:t>目录</a:t>
+            </a:r>
+          </a:p>
+        </p:txBody>
+      </p:sp>
+    </p:spTree>
+  </p:cSld>
+  <p:clrMapOvr>
+    <a:masterClrMapping/>
+  </p:clrMapOvr>
+  <p:transition spd="med"/>
+</p:sld>
+</file>
+
+<file path=ppt/slides/slide20.xml><?xml version="1.0" encoding="utf-8"?>
+<p:sld xmlns:a="http://schemas.openxmlformats.org/drawingml/2006/main" xmlns:r="http://schemas.openxmlformats.org/officeDocument/2006/relationships" xmlns:p="http://schemas.openxmlformats.org/presentationml/2006/main">
   <p:cSld>
     <p:bg>
       <p:bgPr>
         <a:solidFill>
           <a:srgbClr val="FFFFFF"/>
         </a:solidFill>
+        <a:effectLst/>
       </p:bgPr>
     </p:bg>
     <p:spTree>
@@ -5743,7 +6864,9 @@
       <p:sp>
         <p:nvSpPr>
           <p:cNvPr id="148" name="public class 甩杆 : MonoBehaviour {   public GameObject btnObj;  public GameObject yugan;  public GameObject yu1;  public GameObject yuwenzi1;  public GameObject yu2;  public GameObject yuwenzi2;  public GameObject shibai;  public Sprite   expan;  public Sprite  back;  Button btn;  bool isshow=false ;   // Use this for initialization  void Start () {   btn = btnObj.GetComponent&lt;Button&gt;();   btn.onClick.AddListener(delegate ()    {     yu1.SetActive (false);     yu2.SetActive (false);     yuwenzi1.SetActive (false);     yuwenzi2.SetActive (false);     shibai.SetActive (false);     isshow=!isshow;     if (isshow)     {      btn.GetComponent&lt;Image&gt;().sprite=expan ;      yugan.transform.localEulerAngles = new Vector3 (65.0f, 0.0f, 0.0f);       yugan.transform.localPosition = new Vector3(3.0f,0.0f,-1f);     }     else {      btn.GetComponent&lt;Image&gt;().sprite=back;     }    } );     }  }"/>
-          <p:cNvSpPr txBox="1"/>
+          <p:cNvSpPr txBox="1">
+            <a:spLocks noGrp="1"/>
+          </p:cNvSpPr>
           <p:nvPr>
             <p:ph type="body" idx="1"/>
           </p:nvPr>
@@ -5758,7 +6881,9 @@
           </a:prstGeom>
         </p:spPr>
         <p:txBody>
-          <a:bodyPr/>
+          <a:bodyPr>
+            <a:normAutofit lnSpcReduction="10000"/>
+          </a:bodyPr>
           <a:lstStyle/>
           <a:p>
             <a:pPr marL="0" indent="0" defTabSz="182880">
@@ -5779,7 +6904,7 @@
               </a:defRPr>
             </a:pPr>
             <a:r>
-              <a:rPr b="1" sz="1040">
+              <a:rPr sz="1040" b="1">
                 <a:solidFill>
                   <a:srgbClr val="00A5A6"/>
                 </a:solidFill>
@@ -5787,11 +6912,11 @@
               <a:t>public</a:t>
             </a:r>
             <a:r>
-              <a:rPr b="1" sz="1040"/>
+              <a:rPr sz="1040" b="1"/>
               <a:t> </a:t>
             </a:r>
             <a:r>
-              <a:rPr b="1" sz="1040">
+              <a:rPr sz="1040" b="1">
                 <a:solidFill>
                   <a:srgbClr val="00A5A6"/>
                 </a:solidFill>
@@ -5799,11 +6924,11 @@
               <a:t>class</a:t>
             </a:r>
             <a:r>
-              <a:rPr b="1" sz="1040"/>
+              <a:rPr sz="1040" b="1"/>
               <a:t> </a:t>
             </a:r>
             <a:r>
-              <a:rPr b="1" sz="1040">
+              <a:rPr sz="1040" b="1">
                 <a:solidFill>
                   <a:srgbClr val="4179B3"/>
                 </a:solidFill>
@@ -5811,11 +6936,11 @@
               <a:t>甩杆</a:t>
             </a:r>
             <a:r>
-              <a:rPr b="1" sz="1040"/>
+              <a:rPr sz="1040" b="1"/>
               <a:t> : </a:t>
             </a:r>
             <a:r>
-              <a:rPr b="1" sz="1040">
+              <a:rPr sz="1040" b="1">
                 <a:solidFill>
                   <a:srgbClr val="4179B3"/>
                 </a:solidFill>
@@ -5823,21 +6948,25 @@
               <a:t>MonoBehaviour</a:t>
             </a:r>
             <a:r>
-              <a:rPr b="1" sz="1040"/>
+              <a:rPr sz="1040" b="1"/>
               <a:t> {</a:t>
             </a:r>
             <a:br>
-              <a:rPr b="1" sz="1040"/>
+              <a:rPr sz="1040" b="1"/>
             </a:br>
+            <a:r>
+              <a:rPr sz="1040" b="1"/>
+              <a:t/>
+            </a:r>
             <a:br>
-              <a:rPr b="1" sz="1040"/>
+              <a:rPr sz="1040" b="1"/>
             </a:br>
             <a:r>
-              <a:rPr b="1" sz="1040"/>
+              <a:rPr sz="1040" b="1"/>
               <a:t>	</a:t>
             </a:r>
             <a:r>
-              <a:rPr b="1" sz="1040">
+              <a:rPr sz="1040" b="1">
                 <a:solidFill>
                   <a:srgbClr val="00A5A6"/>
                 </a:solidFill>
@@ -5845,11 +6974,11 @@
               <a:t>public</a:t>
             </a:r>
             <a:r>
-              <a:rPr b="1" sz="1040"/>
+              <a:rPr sz="1040" b="1"/>
               <a:t> </a:t>
             </a:r>
             <a:r>
-              <a:rPr b="1" sz="1040">
+              <a:rPr sz="1040" b="1">
                 <a:solidFill>
                   <a:srgbClr val="4179B3"/>
                 </a:solidFill>
@@ -5857,18 +6986,18 @@
               <a:t>GameObject</a:t>
             </a:r>
             <a:r>
-              <a:rPr b="1" sz="1040"/>
+              <a:rPr sz="1040" b="1"/>
               <a:t> btnObj;</a:t>
             </a:r>
             <a:br>
-              <a:rPr b="1" sz="1040"/>
+              <a:rPr sz="1040" b="1"/>
             </a:br>
             <a:r>
-              <a:rPr b="1" sz="1040"/>
+              <a:rPr sz="1040" b="1"/>
               <a:t>	</a:t>
             </a:r>
             <a:r>
-              <a:rPr b="1" sz="1040">
+              <a:rPr sz="1040" b="1">
                 <a:solidFill>
                   <a:srgbClr val="00A5A6"/>
                 </a:solidFill>
@@ -5876,11 +7005,11 @@
               <a:t>public</a:t>
             </a:r>
             <a:r>
-              <a:rPr b="1" sz="1040"/>
+              <a:rPr sz="1040" b="1"/>
               <a:t> </a:t>
             </a:r>
             <a:r>
-              <a:rPr b="1" sz="1040">
+              <a:rPr sz="1040" b="1">
                 <a:solidFill>
                   <a:srgbClr val="4179B3"/>
                 </a:solidFill>
@@ -5888,18 +7017,18 @@
               <a:t>GameObject</a:t>
             </a:r>
             <a:r>
-              <a:rPr b="1" sz="1040"/>
+              <a:rPr sz="1040" b="1"/>
               <a:t> yugan;</a:t>
             </a:r>
             <a:br>
-              <a:rPr b="1" sz="1040"/>
+              <a:rPr sz="1040" b="1"/>
             </a:br>
             <a:r>
-              <a:rPr b="1" sz="1040"/>
+              <a:rPr sz="1040" b="1"/>
               <a:t>	</a:t>
             </a:r>
             <a:r>
-              <a:rPr b="1" sz="1040">
+              <a:rPr sz="1040" b="1">
                 <a:solidFill>
                   <a:srgbClr val="00A5A6"/>
                 </a:solidFill>
@@ -5907,11 +7036,11 @@
               <a:t>public</a:t>
             </a:r>
             <a:r>
-              <a:rPr b="1" sz="1040"/>
+              <a:rPr sz="1040" b="1"/>
               <a:t> </a:t>
             </a:r>
             <a:r>
-              <a:rPr b="1" sz="1040">
+              <a:rPr sz="1040" b="1">
                 <a:solidFill>
                   <a:srgbClr val="4179B3"/>
                 </a:solidFill>
@@ -5919,18 +7048,18 @@
               <a:t>GameObject</a:t>
             </a:r>
             <a:r>
-              <a:rPr b="1" sz="1040"/>
+              <a:rPr sz="1040" b="1"/>
               <a:t> yu1;</a:t>
             </a:r>
             <a:br>
-              <a:rPr b="1" sz="1040"/>
+              <a:rPr sz="1040" b="1"/>
             </a:br>
             <a:r>
-              <a:rPr b="1" sz="1040"/>
+              <a:rPr sz="1040" b="1"/>
               <a:t>	</a:t>
             </a:r>
             <a:r>
-              <a:rPr b="1" sz="1040">
+              <a:rPr sz="1040" b="1">
                 <a:solidFill>
                   <a:srgbClr val="00A5A6"/>
                 </a:solidFill>
@@ -5938,11 +7067,11 @@
               <a:t>public</a:t>
             </a:r>
             <a:r>
-              <a:rPr b="1" sz="1040"/>
+              <a:rPr sz="1040" b="1"/>
               <a:t> </a:t>
             </a:r>
             <a:r>
-              <a:rPr b="1" sz="1040">
+              <a:rPr sz="1040" b="1">
                 <a:solidFill>
                   <a:srgbClr val="4179B3"/>
                 </a:solidFill>
@@ -5950,18 +7079,18 @@
               <a:t>GameObject</a:t>
             </a:r>
             <a:r>
-              <a:rPr b="1" sz="1040"/>
+              <a:rPr sz="1040" b="1"/>
               <a:t> yuwenzi1;</a:t>
             </a:r>
             <a:br>
-              <a:rPr b="1" sz="1040"/>
+              <a:rPr sz="1040" b="1"/>
             </a:br>
             <a:r>
-              <a:rPr b="1" sz="1040"/>
+              <a:rPr sz="1040" b="1"/>
               <a:t>	</a:t>
             </a:r>
             <a:r>
-              <a:rPr b="1" sz="1040">
+              <a:rPr sz="1040" b="1">
                 <a:solidFill>
                   <a:srgbClr val="00A5A6"/>
                 </a:solidFill>
@@ -5969,11 +7098,11 @@
               <a:t>public</a:t>
             </a:r>
             <a:r>
-              <a:rPr b="1" sz="1040"/>
+              <a:rPr sz="1040" b="1"/>
               <a:t> </a:t>
             </a:r>
             <a:r>
-              <a:rPr b="1" sz="1040">
+              <a:rPr sz="1040" b="1">
                 <a:solidFill>
                   <a:srgbClr val="4179B3"/>
                 </a:solidFill>
@@ -5981,18 +7110,18 @@
               <a:t>GameObject</a:t>
             </a:r>
             <a:r>
-              <a:rPr b="1" sz="1040"/>
+              <a:rPr sz="1040" b="1"/>
               <a:t> yu2;</a:t>
             </a:r>
             <a:br>
-              <a:rPr b="1" sz="1040"/>
+              <a:rPr sz="1040" b="1"/>
             </a:br>
             <a:r>
-              <a:rPr b="1" sz="1040"/>
+              <a:rPr sz="1040" b="1"/>
               <a:t>	</a:t>
             </a:r>
             <a:r>
-              <a:rPr b="1" sz="1040">
+              <a:rPr sz="1040" b="1">
                 <a:solidFill>
                   <a:srgbClr val="00A5A6"/>
                 </a:solidFill>
@@ -6000,11 +7129,11 @@
               <a:t>public</a:t>
             </a:r>
             <a:r>
-              <a:rPr b="1" sz="1040"/>
+              <a:rPr sz="1040" b="1"/>
               <a:t> </a:t>
             </a:r>
             <a:r>
-              <a:rPr b="1" sz="1040">
+              <a:rPr sz="1040" b="1">
                 <a:solidFill>
                   <a:srgbClr val="4179B3"/>
                 </a:solidFill>
@@ -6012,18 +7141,18 @@
               <a:t>GameObject</a:t>
             </a:r>
             <a:r>
-              <a:rPr b="1" sz="1040"/>
+              <a:rPr sz="1040" b="1"/>
               <a:t> yuwenzi2;</a:t>
             </a:r>
             <a:br>
-              <a:rPr b="1" sz="1040"/>
+              <a:rPr sz="1040" b="1"/>
             </a:br>
             <a:r>
-              <a:rPr b="1" sz="1040"/>
+              <a:rPr sz="1040" b="1"/>
               <a:t>	</a:t>
             </a:r>
             <a:r>
-              <a:rPr b="1" sz="1040">
+              <a:rPr sz="1040" b="1">
                 <a:solidFill>
                   <a:srgbClr val="00A5A6"/>
                 </a:solidFill>
@@ -6031,11 +7160,11 @@
               <a:t>public</a:t>
             </a:r>
             <a:r>
-              <a:rPr b="1" sz="1040"/>
+              <a:rPr sz="1040" b="1"/>
               <a:t> </a:t>
             </a:r>
             <a:r>
-              <a:rPr b="1" sz="1040">
+              <a:rPr sz="1040" b="1">
                 <a:solidFill>
                   <a:srgbClr val="4179B3"/>
                 </a:solidFill>
@@ -6043,18 +7172,18 @@
               <a:t>GameObject</a:t>
             </a:r>
             <a:r>
-              <a:rPr b="1" sz="1040"/>
+              <a:rPr sz="1040" b="1"/>
               <a:t> shibai;</a:t>
             </a:r>
             <a:br>
-              <a:rPr b="1" sz="1040"/>
+              <a:rPr sz="1040" b="1"/>
             </a:br>
             <a:r>
-              <a:rPr b="1" sz="1040"/>
+              <a:rPr sz="1040" b="1"/>
               <a:t>	</a:t>
             </a:r>
             <a:r>
-              <a:rPr b="1" sz="1040">
+              <a:rPr sz="1040" b="1">
                 <a:solidFill>
                   <a:srgbClr val="00A5A6"/>
                 </a:solidFill>
@@ -6062,11 +7191,11 @@
               <a:t>public</a:t>
             </a:r>
             <a:r>
-              <a:rPr b="1" sz="1040"/>
+              <a:rPr sz="1040" b="1"/>
               <a:t> </a:t>
             </a:r>
             <a:r>
-              <a:rPr b="1" sz="1040">
+              <a:rPr sz="1040" b="1">
                 <a:solidFill>
                   <a:srgbClr val="4179B3"/>
                 </a:solidFill>
@@ -6074,18 +7203,18 @@
               <a:t>Sprite</a:t>
             </a:r>
             <a:r>
-              <a:rPr b="1" sz="1040"/>
+              <a:rPr sz="1040" b="1"/>
               <a:t>   expan;</a:t>
             </a:r>
             <a:br>
-              <a:rPr b="1" sz="1040"/>
+              <a:rPr sz="1040" b="1"/>
             </a:br>
             <a:r>
-              <a:rPr b="1" sz="1040"/>
+              <a:rPr sz="1040" b="1"/>
               <a:t>	</a:t>
             </a:r>
             <a:r>
-              <a:rPr b="1" sz="1040">
+              <a:rPr sz="1040" b="1">
                 <a:solidFill>
                   <a:srgbClr val="00A5A6"/>
                 </a:solidFill>
@@ -6093,11 +7222,11 @@
               <a:t>public</a:t>
             </a:r>
             <a:r>
-              <a:rPr b="1" sz="1040"/>
+              <a:rPr sz="1040" b="1"/>
               <a:t> </a:t>
             </a:r>
             <a:r>
-              <a:rPr b="1" sz="1040">
+              <a:rPr sz="1040" b="1">
                 <a:solidFill>
                   <a:srgbClr val="4179B3"/>
                 </a:solidFill>
@@ -6105,18 +7234,18 @@
               <a:t>Sprite</a:t>
             </a:r>
             <a:r>
-              <a:rPr b="1" sz="1040"/>
+              <a:rPr sz="1040" b="1"/>
               <a:t>  back;</a:t>
             </a:r>
             <a:br>
-              <a:rPr b="1" sz="1040"/>
+              <a:rPr sz="1040" b="1"/>
             </a:br>
             <a:r>
-              <a:rPr b="1" sz="1040"/>
+              <a:rPr sz="1040" b="1"/>
               <a:t>	</a:t>
             </a:r>
             <a:r>
-              <a:rPr b="1" sz="1040">
+              <a:rPr sz="1040" b="1">
                 <a:solidFill>
                   <a:srgbClr val="4179B3"/>
                 </a:solidFill>
@@ -6124,18 +7253,18 @@
               <a:t>Button</a:t>
             </a:r>
             <a:r>
-              <a:rPr b="1" sz="1040"/>
+              <a:rPr sz="1040" b="1"/>
               <a:t> btn;</a:t>
             </a:r>
             <a:br>
-              <a:rPr b="1" sz="1040"/>
+              <a:rPr sz="1040" b="1"/>
             </a:br>
             <a:r>
-              <a:rPr b="1" sz="1040"/>
+              <a:rPr sz="1040" b="1"/>
               <a:t>	</a:t>
             </a:r>
             <a:r>
-              <a:rPr b="1" sz="1040">
+              <a:rPr sz="1040" b="1">
                 <a:solidFill>
                   <a:srgbClr val="00A5A6"/>
                 </a:solidFill>
@@ -6143,11 +7272,11 @@
               <a:t>bool</a:t>
             </a:r>
             <a:r>
-              <a:rPr b="1" sz="1040"/>
+              <a:rPr sz="1040" b="1"/>
               <a:t> isshow=</a:t>
             </a:r>
             <a:r>
-              <a:rPr b="1" sz="1040">
+              <a:rPr sz="1040" b="1">
                 <a:solidFill>
                   <a:srgbClr val="00A5A6"/>
                 </a:solidFill>
@@ -6155,21 +7284,25 @@
               <a:t>false</a:t>
             </a:r>
             <a:r>
-              <a:rPr b="1" sz="1040"/>
+              <a:rPr sz="1040" b="1"/>
               <a:t> ;</a:t>
             </a:r>
             <a:br>
-              <a:rPr b="1" sz="1040"/>
+              <a:rPr sz="1040" b="1"/>
             </a:br>
+            <a:r>
+              <a:rPr sz="1040" b="1"/>
+              <a:t/>
+            </a:r>
             <a:br>
-              <a:rPr b="1" sz="1040"/>
+              <a:rPr sz="1040" b="1"/>
             </a:br>
             <a:r>
-              <a:rPr b="1" sz="1040"/>
+              <a:rPr sz="1040" b="1"/>
               <a:t>	</a:t>
             </a:r>
             <a:r>
-              <a:rPr b="1" i="1" sz="1040">
+              <a:rPr sz="1040" b="1" i="1">
                 <a:solidFill>
                   <a:srgbClr val="9A9A9A"/>
                 </a:solidFill>
@@ -6177,18 +7310,18 @@
               <a:t>// Use this for initialization</a:t>
             </a:r>
             <a:br>
-              <a:rPr b="1" i="1" sz="1040">
+              <a:rPr sz="1040" b="1" i="1">
                 <a:solidFill>
                   <a:srgbClr val="9A9A9A"/>
                 </a:solidFill>
               </a:rPr>
             </a:br>
             <a:r>
-              <a:rPr b="1" sz="1040"/>
+              <a:rPr sz="1040" b="1"/>
               <a:t>	</a:t>
             </a:r>
             <a:r>
-              <a:rPr b="1" sz="1040">
+              <a:rPr sz="1040" b="1">
                 <a:solidFill>
                   <a:srgbClr val="00A5A6"/>
                 </a:solidFill>
@@ -6196,18 +7329,18 @@
               <a:t>void</a:t>
             </a:r>
             <a:r>
-              <a:rPr b="1" sz="1040"/>
+              <a:rPr sz="1040" b="1"/>
               <a:t> Start () {</a:t>
             </a:r>
             <a:br>
-              <a:rPr b="1" sz="1040"/>
+              <a:rPr sz="1040" b="1"/>
             </a:br>
             <a:r>
-              <a:rPr b="1" sz="1040"/>
+              <a:rPr sz="1040" b="1"/>
               <a:t>		btn = btnObj.GetComponent&lt;</a:t>
             </a:r>
             <a:r>
-              <a:rPr b="1" sz="1040">
+              <a:rPr sz="1040" b="1">
                 <a:solidFill>
                   <a:srgbClr val="4179B3"/>
                 </a:solidFill>
@@ -6215,18 +7348,18 @@
               <a:t>Button</a:t>
             </a:r>
             <a:r>
-              <a:rPr b="1" sz="1040"/>
+              <a:rPr sz="1040" b="1"/>
               <a:t>&gt;();</a:t>
             </a:r>
             <a:br>
-              <a:rPr b="1" sz="1040"/>
+              <a:rPr sz="1040" b="1"/>
             </a:br>
             <a:r>
-              <a:rPr b="1" sz="1040"/>
+              <a:rPr sz="1040" b="1"/>
               <a:t>		btn.onClick.AddListener(</a:t>
             </a:r>
             <a:r>
-              <a:rPr b="1" sz="1040">
+              <a:rPr sz="1040" b="1">
                 <a:solidFill>
                   <a:srgbClr val="00A5A6"/>
                 </a:solidFill>
@@ -6234,25 +7367,25 @@
               <a:t>delegate</a:t>
             </a:r>
             <a:r>
-              <a:rPr b="1" sz="1040"/>
+              <a:rPr sz="1040" b="1"/>
               <a:t> ()</a:t>
             </a:r>
             <a:br>
-              <a:rPr b="1" sz="1040"/>
+              <a:rPr sz="1040" b="1"/>
             </a:br>
             <a:r>
-              <a:rPr b="1" sz="1040"/>
+              <a:rPr sz="1040" b="1"/>
               <a:t>			{</a:t>
             </a:r>
             <a:br>
-              <a:rPr b="1" sz="1040"/>
+              <a:rPr sz="1040" b="1"/>
             </a:br>
             <a:r>
-              <a:rPr b="1" sz="1040"/>
+              <a:rPr sz="1040" b="1"/>
               <a:t>				yu1.SetActive (</a:t>
             </a:r>
             <a:r>
-              <a:rPr b="1" sz="1040">
+              <a:rPr sz="1040" b="1">
                 <a:solidFill>
                   <a:srgbClr val="00A5A6"/>
                 </a:solidFill>
@@ -6260,18 +7393,18 @@
               <a:t>false</a:t>
             </a:r>
             <a:r>
-              <a:rPr b="1" sz="1040"/>
+              <a:rPr sz="1040" b="1"/>
               <a:t>);</a:t>
             </a:r>
             <a:br>
-              <a:rPr b="1" sz="1040"/>
+              <a:rPr sz="1040" b="1"/>
             </a:br>
             <a:r>
-              <a:rPr b="1" sz="1040"/>
+              <a:rPr sz="1040" b="1"/>
               <a:t>				yu2.SetActive (</a:t>
             </a:r>
             <a:r>
-              <a:rPr b="1" sz="1040">
+              <a:rPr sz="1040" b="1">
                 <a:solidFill>
                   <a:srgbClr val="00A5A6"/>
                 </a:solidFill>
@@ -6279,18 +7412,18 @@
               <a:t>false</a:t>
             </a:r>
             <a:r>
-              <a:rPr b="1" sz="1040"/>
+              <a:rPr sz="1040" b="1"/>
               <a:t>);</a:t>
             </a:r>
             <a:br>
-              <a:rPr b="1" sz="1040"/>
+              <a:rPr sz="1040" b="1"/>
             </a:br>
             <a:r>
-              <a:rPr b="1" sz="1040"/>
+              <a:rPr sz="1040" b="1"/>
               <a:t>				yuwenzi1.SetActive (</a:t>
             </a:r>
             <a:r>
-              <a:rPr b="1" sz="1040">
+              <a:rPr sz="1040" b="1">
                 <a:solidFill>
                   <a:srgbClr val="00A5A6"/>
                 </a:solidFill>
@@ -6298,18 +7431,18 @@
               <a:t>false</a:t>
             </a:r>
             <a:r>
-              <a:rPr b="1" sz="1040"/>
+              <a:rPr sz="1040" b="1"/>
               <a:t>);</a:t>
             </a:r>
             <a:br>
-              <a:rPr b="1" sz="1040"/>
+              <a:rPr sz="1040" b="1"/>
             </a:br>
             <a:r>
-              <a:rPr b="1" sz="1040"/>
+              <a:rPr sz="1040" b="1"/>
               <a:t>				yuwenzi2.SetActive (</a:t>
             </a:r>
             <a:r>
-              <a:rPr b="1" sz="1040">
+              <a:rPr sz="1040" b="1">
                 <a:solidFill>
                   <a:srgbClr val="00A5A6"/>
                 </a:solidFill>
@@ -6317,18 +7450,18 @@
               <a:t>false</a:t>
             </a:r>
             <a:r>
-              <a:rPr b="1" sz="1040"/>
+              <a:rPr sz="1040" b="1"/>
               <a:t>);</a:t>
             </a:r>
             <a:br>
-              <a:rPr b="1" sz="1040"/>
+              <a:rPr sz="1040" b="1"/>
             </a:br>
             <a:r>
-              <a:rPr b="1" sz="1040"/>
+              <a:rPr sz="1040" b="1"/>
               <a:t>				shibai.SetActive (</a:t>
             </a:r>
             <a:r>
-              <a:rPr b="1" sz="1040">
+              <a:rPr sz="1040" b="1">
                 <a:solidFill>
                   <a:srgbClr val="00A5A6"/>
                 </a:solidFill>
@@ -6336,25 +7469,25 @@
               <a:t>false</a:t>
             </a:r>
             <a:r>
-              <a:rPr b="1" sz="1040"/>
+              <a:rPr sz="1040" b="1"/>
               <a:t>);</a:t>
             </a:r>
             <a:br>
-              <a:rPr b="1" sz="1040"/>
+              <a:rPr sz="1040" b="1"/>
             </a:br>
             <a:r>
-              <a:rPr b="1" sz="1040"/>
+              <a:rPr sz="1040" b="1"/>
               <a:t>				isshow=!isshow;</a:t>
             </a:r>
             <a:br>
-              <a:rPr b="1" sz="1040"/>
+              <a:rPr sz="1040" b="1"/>
             </a:br>
             <a:r>
-              <a:rPr b="1" sz="1040"/>
+              <a:rPr sz="1040" b="1"/>
               <a:t>				</a:t>
             </a:r>
             <a:r>
-              <a:rPr b="1" sz="1040">
+              <a:rPr sz="1040" b="1">
                 <a:solidFill>
                   <a:srgbClr val="00A5A6"/>
                 </a:solidFill>
@@ -6362,25 +7495,25 @@
               <a:t>if</a:t>
             </a:r>
             <a:r>
-              <a:rPr b="1" sz="1040"/>
+              <a:rPr sz="1040" b="1"/>
               <a:t> (isshow)</a:t>
             </a:r>
             <a:br>
-              <a:rPr b="1" sz="1040"/>
+              <a:rPr sz="1040" b="1"/>
             </a:br>
             <a:r>
-              <a:rPr b="1" sz="1040"/>
+              <a:rPr sz="1040" b="1"/>
               <a:t>				{</a:t>
             </a:r>
             <a:br>
-              <a:rPr b="1" sz="1040"/>
+              <a:rPr sz="1040" b="1"/>
             </a:br>
             <a:r>
-              <a:rPr b="1" sz="1040"/>
+              <a:rPr sz="1040" b="1"/>
               <a:t>					btn.GetComponent&lt;</a:t>
             </a:r>
             <a:r>
-              <a:rPr b="1" sz="1040">
+              <a:rPr sz="1040" b="1">
                 <a:solidFill>
                   <a:srgbClr val="4179B3"/>
                 </a:solidFill>
@@ -6388,18 +7521,18 @@
               <a:t>Image</a:t>
             </a:r>
             <a:r>
-              <a:rPr b="1" sz="1040"/>
+              <a:rPr sz="1040" b="1"/>
               <a:t>&gt;().sprite=expan ;</a:t>
             </a:r>
             <a:br>
-              <a:rPr b="1" sz="1040"/>
+              <a:rPr sz="1040" b="1"/>
             </a:br>
             <a:r>
-              <a:rPr b="1" sz="1040"/>
+              <a:rPr sz="1040" b="1"/>
               <a:t>					yugan.transform.localEulerAngles = </a:t>
             </a:r>
             <a:r>
-              <a:rPr b="1" sz="1040">
+              <a:rPr sz="1040" b="1">
                 <a:solidFill>
                   <a:srgbClr val="00A5A6"/>
                 </a:solidFill>
@@ -6407,11 +7540,11 @@
               <a:t>new</a:t>
             </a:r>
             <a:r>
-              <a:rPr b="1" sz="1040"/>
+              <a:rPr sz="1040" b="1"/>
               <a:t> </a:t>
             </a:r>
             <a:r>
-              <a:rPr b="1" sz="1040">
+              <a:rPr sz="1040" b="1">
                 <a:solidFill>
                   <a:srgbClr val="4179B3"/>
                 </a:solidFill>
@@ -6419,11 +7552,11 @@
               <a:t>Vector3</a:t>
             </a:r>
             <a:r>
-              <a:rPr b="1" sz="1040"/>
+              <a:rPr sz="1040" b="1"/>
               <a:t> (</a:t>
             </a:r>
             <a:r>
-              <a:rPr b="1" sz="1040">
+              <a:rPr sz="1040" b="1">
                 <a:solidFill>
                   <a:srgbClr val="F99000"/>
                 </a:solidFill>
@@ -6431,11 +7564,11 @@
               <a:t>65.0f</a:t>
             </a:r>
             <a:r>
-              <a:rPr b="1" sz="1040"/>
+              <a:rPr sz="1040" b="1"/>
               <a:t>, </a:t>
             </a:r>
             <a:r>
-              <a:rPr b="1" sz="1040">
+              <a:rPr sz="1040" b="1">
                 <a:solidFill>
                   <a:srgbClr val="F99000"/>
                 </a:solidFill>
@@ -6443,11 +7576,11 @@
               <a:t>0.0f</a:t>
             </a:r>
             <a:r>
-              <a:rPr b="1" sz="1040"/>
+              <a:rPr sz="1040" b="1"/>
               <a:t>, </a:t>
             </a:r>
             <a:r>
-              <a:rPr b="1" sz="1040">
+              <a:rPr sz="1040" b="1">
                 <a:solidFill>
                   <a:srgbClr val="F99000"/>
                 </a:solidFill>
@@ -6455,18 +7588,18 @@
               <a:t>0.0f</a:t>
             </a:r>
             <a:r>
-              <a:rPr b="1" sz="1040"/>
+              <a:rPr sz="1040" b="1"/>
               <a:t>); </a:t>
             </a:r>
             <a:br>
-              <a:rPr b="1" sz="1040"/>
+              <a:rPr sz="1040" b="1"/>
             </a:br>
             <a:r>
-              <a:rPr b="1" sz="1040"/>
+              <a:rPr sz="1040" b="1"/>
               <a:t>					yugan.transform.localPosition = </a:t>
             </a:r>
             <a:r>
-              <a:rPr b="1" sz="1040">
+              <a:rPr sz="1040" b="1">
                 <a:solidFill>
                   <a:srgbClr val="00A5A6"/>
                 </a:solidFill>
@@ -6474,11 +7607,11 @@
               <a:t>new</a:t>
             </a:r>
             <a:r>
-              <a:rPr b="1" sz="1040"/>
+              <a:rPr sz="1040" b="1"/>
               <a:t> </a:t>
             </a:r>
             <a:r>
-              <a:rPr b="1" sz="1040">
+              <a:rPr sz="1040" b="1">
                 <a:solidFill>
                   <a:srgbClr val="4179B3"/>
                 </a:solidFill>
@@ -6486,11 +7619,11 @@
               <a:t>Vector3</a:t>
             </a:r>
             <a:r>
-              <a:rPr b="1" sz="1040"/>
+              <a:rPr sz="1040" b="1"/>
               <a:t>(</a:t>
             </a:r>
             <a:r>
-              <a:rPr b="1" sz="1040">
+              <a:rPr sz="1040" b="1">
                 <a:solidFill>
                   <a:srgbClr val="F99000"/>
                 </a:solidFill>
@@ -6498,11 +7631,11 @@
               <a:t>3.0f</a:t>
             </a:r>
             <a:r>
-              <a:rPr b="1" sz="1040"/>
+              <a:rPr sz="1040" b="1"/>
               <a:t>,</a:t>
             </a:r>
             <a:r>
-              <a:rPr b="1" sz="1040">
+              <a:rPr sz="1040" b="1">
                 <a:solidFill>
                   <a:srgbClr val="F99000"/>
                 </a:solidFill>
@@ -6510,11 +7643,11 @@
               <a:t>0.0f</a:t>
             </a:r>
             <a:r>
-              <a:rPr b="1" sz="1040"/>
+              <a:rPr sz="1040" b="1"/>
               <a:t>,-</a:t>
             </a:r>
             <a:r>
-              <a:rPr b="1" sz="1040">
+              <a:rPr sz="1040" b="1">
                 <a:solidFill>
                   <a:srgbClr val="F99000"/>
                 </a:solidFill>
@@ -6522,25 +7655,25 @@
               <a:t>1f</a:t>
             </a:r>
             <a:r>
-              <a:rPr b="1" sz="1040"/>
+              <a:rPr sz="1040" b="1"/>
               <a:t>);</a:t>
             </a:r>
             <a:br>
-              <a:rPr b="1" sz="1040"/>
+              <a:rPr sz="1040" b="1"/>
             </a:br>
             <a:r>
-              <a:rPr b="1" sz="1040"/>
+              <a:rPr sz="1040" b="1"/>
               <a:t>				}</a:t>
             </a:r>
             <a:br>
-              <a:rPr b="1" sz="1040"/>
+              <a:rPr sz="1040" b="1"/>
             </a:br>
             <a:r>
-              <a:rPr b="1" sz="1040"/>
+              <a:rPr sz="1040" b="1"/>
               <a:t>				</a:t>
             </a:r>
             <a:r>
-              <a:rPr b="1" sz="1040">
+              <a:rPr sz="1040" b="1">
                 <a:solidFill>
                   <a:srgbClr val="00A5A6"/>
                 </a:solidFill>
@@ -6548,18 +7681,18 @@
               <a:t>else</a:t>
             </a:r>
             <a:r>
-              <a:rPr b="1" sz="1040"/>
+              <a:rPr sz="1040" b="1"/>
               <a:t> {</a:t>
             </a:r>
             <a:br>
-              <a:rPr b="1" sz="1040"/>
+              <a:rPr sz="1040" b="1"/>
             </a:br>
             <a:r>
-              <a:rPr b="1" sz="1040"/>
+              <a:rPr sz="1040" b="1"/>
               <a:t>					btn.GetComponent&lt;</a:t>
             </a:r>
             <a:r>
-              <a:rPr b="1" sz="1040">
+              <a:rPr sz="1040" b="1">
                 <a:solidFill>
                   <a:srgbClr val="4179B3"/>
                 </a:solidFill>
@@ -6567,40 +7700,48 @@
               <a:t>Image</a:t>
             </a:r>
             <a:r>
-              <a:rPr b="1" sz="1040"/>
+              <a:rPr sz="1040" b="1"/>
               <a:t>&gt;().sprite=back;</a:t>
             </a:r>
             <a:br>
-              <a:rPr b="1" sz="1040"/>
+              <a:rPr sz="1040" b="1"/>
             </a:br>
             <a:r>
-              <a:rPr b="1" sz="1040"/>
+              <a:rPr sz="1040" b="1"/>
               <a:t>				}</a:t>
             </a:r>
             <a:br>
-              <a:rPr b="1" sz="1040"/>
+              <a:rPr sz="1040" b="1"/>
             </a:br>
             <a:r>
-              <a:rPr b="1" sz="1040"/>
+              <a:rPr sz="1040" b="1"/>
               <a:t>			} );</a:t>
             </a:r>
             <a:br>
-              <a:rPr b="1" sz="1040"/>
+              <a:rPr sz="1040" b="1"/>
             </a:br>
             <a:r>
-              <a:rPr b="1" sz="1040"/>
+              <a:rPr sz="1040" b="1"/>
               <a:t>		</a:t>
             </a:r>
             <a:br>
-              <a:rPr b="1" sz="1040"/>
+              <a:rPr sz="1040" b="1"/>
             </a:br>
             <a:r>
-              <a:rPr b="1" sz="1040"/>
+              <a:rPr sz="1040" b="1"/>
               <a:t>	}</a:t>
+            </a:r>
+            <a:r>
+              <a:rPr sz="1040"/>
+              <a:t/>
             </a:r>
             <a:br>
               <a:rPr sz="1040"/>
             </a:br>
+            <a:r>
+              <a:rPr sz="1040"/>
+              <a:t/>
+            </a:r>
             <a:br>
               <a:rPr sz="1040"/>
             </a:br>
@@ -6608,7 +7749,6 @@
               <a:rPr sz="1040"/>
               <a:t>}</a:t>
             </a:r>
-            <a:endParaRPr sz="1040"/>
           </a:p>
           <a:p>
             <a:pPr marL="0" indent="0" defTabSz="182880">
@@ -6628,7 +7768,11 @@
                 <a:sym typeface="Menlo"/>
               </a:defRPr>
             </a:pPr>
-            <a:br/>
+            <a:r>
+              <a:t/>
+            </a:r>
+            <a:br/>
+            <a:endParaRPr/>
           </a:p>
         </p:txBody>
       </p:sp>
@@ -6637,200 +7781,19 @@
   <p:clrMapOvr>
     <a:masterClrMapping/>
   </p:clrMapOvr>
-  <p:transition xmlns:p14="http://schemas.microsoft.com/office/powerpoint/2010/main" spd="med" advClick="1"/>
+  <p:transition spd="med"/>
 </p:sld>
 </file>
 
-<file path=ppt/slides/slide2.xml><?xml version="1.0" encoding="utf-8"?>
-<p:sld xmlns:a="http://schemas.openxmlformats.org/drawingml/2006/main" xmlns:r="http://schemas.openxmlformats.org/officeDocument/2006/relationships" xmlns:p="http://schemas.openxmlformats.org/presentationml/2006/main" xmlns:m="http://schemas.openxmlformats.org/officeDocument/2006/math" xmlns:a14="http://schemas.microsoft.com/office/drawing/2010/main" showMasterSp="1" showMasterPhAnim="1">
-  <p:cSld>
-    <p:spTree>
-      <p:nvGrpSpPr>
-        <p:cNvPr id="1" name=""/>
-        <p:cNvGrpSpPr/>
-        <p:nvPr/>
-      </p:nvGrpSpPr>
-      <p:grpSpPr>
-        <a:xfrm>
-          <a:off x="0" y="0"/>
-          <a:ext cx="0" cy="0"/>
-          <a:chOff x="0" y="0"/>
-          <a:chExt cx="0" cy="0"/>
-        </a:xfrm>
-      </p:grpSpPr>
-      <p:sp>
-        <p:nvSpPr>
-          <p:cNvPr id="104" name="内容占位符 2"/>
-          <p:cNvSpPr txBox="1"/>
-          <p:nvPr>
-            <p:ph type="body" idx="1"/>
-          </p:nvPr>
-        </p:nvSpPr>
-        <p:spPr>
-          <a:prstGeom prst="rect">
-            <a:avLst/>
-          </a:prstGeom>
-        </p:spPr>
-        <p:txBody>
-          <a:bodyPr/>
-          <a:lstStyle/>
-          <a:p>
-            <a:pPr marL="241401" indent="-241401" defTabSz="804672">
-              <a:spcBef>
-                <a:spcPts val="500"/>
-              </a:spcBef>
-              <a:defRPr sz="3872"/>
-            </a:pPr>
-            <a:r>
-              <a:t>一</a:t>
-            </a:r>
-            <a:r>
-              <a:t>.</a:t>
-            </a:r>
-            <a:r>
-              <a:t>引言</a:t>
-            </a:r>
-          </a:p>
-          <a:p>
-            <a:pPr marL="241401" indent="-241401" defTabSz="804672">
-              <a:spcBef>
-                <a:spcPts val="500"/>
-              </a:spcBef>
-              <a:defRPr sz="3872"/>
-            </a:pPr>
-            <a:r>
-              <a:t>二</a:t>
-            </a:r>
-            <a:r>
-              <a:t>.</a:t>
-            </a:r>
-            <a:r>
-              <a:t>钓鱼游戏设计说明</a:t>
-            </a:r>
-          </a:p>
-          <a:p>
-            <a:pPr marL="241401" indent="-241401" defTabSz="804672">
-              <a:spcBef>
-                <a:spcPts val="500"/>
-              </a:spcBef>
-              <a:defRPr sz="3872"/>
-            </a:pPr>
-            <a:r>
-              <a:t>三</a:t>
-            </a:r>
-            <a:r>
-              <a:t>.</a:t>
-            </a:r>
-            <a:r>
-              <a:t>项目计划展示</a:t>
-            </a:r>
-          </a:p>
-          <a:p>
-            <a:pPr marL="241401" indent="-241401" defTabSz="804672">
-              <a:spcBef>
-                <a:spcPts val="500"/>
-              </a:spcBef>
-              <a:defRPr sz="3872"/>
-            </a:pPr>
-            <a:r>
-              <a:t>四</a:t>
-            </a:r>
-            <a:r>
-              <a:t>.</a:t>
-            </a:r>
-            <a:r>
-              <a:t>界面原型展示</a:t>
-            </a:r>
-          </a:p>
-          <a:p>
-            <a:pPr marL="241401" indent="-241401" defTabSz="804672">
-              <a:spcBef>
-                <a:spcPts val="500"/>
-              </a:spcBef>
-              <a:defRPr sz="3872"/>
-            </a:pPr>
-            <a:r>
-              <a:t>五</a:t>
-            </a:r>
-            <a:r>
-              <a:t>.</a:t>
-            </a:r>
-            <a:r>
-              <a:t>代码展示</a:t>
-            </a:r>
-          </a:p>
-          <a:p>
-            <a:pPr marL="241401" indent="-241401" defTabSz="804672">
-              <a:spcBef>
-                <a:spcPts val="500"/>
-              </a:spcBef>
-              <a:defRPr sz="3872"/>
-            </a:pPr>
-            <a:r>
-              <a:t>六</a:t>
-            </a:r>
-            <a:r>
-              <a:t>.</a:t>
-            </a:r>
-            <a:r>
-              <a:t>软件测试</a:t>
-            </a:r>
-          </a:p>
-        </p:txBody>
-      </p:sp>
-      <p:sp>
-        <p:nvSpPr>
-          <p:cNvPr id="105" name="标题 1"/>
-          <p:cNvSpPr txBox="1"/>
-          <p:nvPr>
-            <p:ph type="title"/>
-          </p:nvPr>
-        </p:nvSpPr>
-        <p:spPr>
-          <a:prstGeom prst="rect">
-            <a:avLst/>
-          </a:prstGeom>
-        </p:spPr>
-        <p:txBody>
-          <a:bodyPr/>
-          <a:lstStyle>
-            <a:lvl1pPr algn="ctr" defTabSz="877823">
-              <a:defRPr spc="-96" sz="6335">
-                <a:ln w="2949">
-                  <a:solidFill>
-                    <a:srgbClr val="3C4421">
-                      <a:alpha val="25000"/>
-                    </a:srgbClr>
-                  </a:solidFill>
-                </a:ln>
-              </a:defRPr>
-            </a:lvl1pPr>
-          </a:lstStyle>
-          <a:p>
-            <a:pPr/>
-            <a:r>
-              <a:t>目录</a:t>
-            </a:r>
-          </a:p>
-        </p:txBody>
-      </p:sp>
-    </p:spTree>
-  </p:cSld>
-  <p:clrMapOvr>
-    <a:masterClrMapping/>
-  </p:clrMapOvr>
-  <p:transition xmlns:p14="http://schemas.microsoft.com/office/powerpoint/2010/main" spd="med" advClick="1"/>
-</p:sld>
-</file>
-
-<file path=ppt/slides/slide20.xml><?xml version="1.0" encoding="utf-8"?>
-<p:sld xmlns:a="http://schemas.openxmlformats.org/drawingml/2006/main" xmlns:r="http://schemas.openxmlformats.org/officeDocument/2006/relationships" xmlns:p="http://schemas.openxmlformats.org/presentationml/2006/main" xmlns:m="http://schemas.openxmlformats.org/officeDocument/2006/math" xmlns:a14="http://schemas.microsoft.com/office/drawing/2010/main" showMasterSp="1" showMasterPhAnim="1">
+<file path=ppt/slides/slide21.xml><?xml version="1.0" encoding="utf-8"?>
+<p:sld xmlns:a="http://schemas.openxmlformats.org/drawingml/2006/main" xmlns:r="http://schemas.openxmlformats.org/officeDocument/2006/relationships" xmlns:p="http://schemas.openxmlformats.org/presentationml/2006/main">
   <p:cSld>
     <p:bg>
       <p:bgPr>
         <a:solidFill>
           <a:srgbClr val="FFFFFF"/>
         </a:solidFill>
+        <a:effectLst/>
       </p:bgPr>
     </p:bg>
     <p:spTree>
@@ -6850,7 +7813,9 @@
       <p:sp>
         <p:nvSpPr>
           <p:cNvPr id="150" name="public class 收杆 : MonoBehaviour {   public GameObject btnObj;  public GameObject yugan;  public GameObject yu1;  public GameObject yuwenzi1;  public GameObject yu2;  public GameObject yuwenzi2;  public GameObject shibai;  public Sprite   expan;  public Sprite  back;  Button btn;  bool isshow=false ;   // Use this for initialization  void Start () {      yu1.SetActive (isshow);   yu2.SetActive (isshow);   yuwenzi1.SetActive (isshow);   yuwenzi2.SetActive (isshow);   shibai.SetActive (isshow);    btn = btnObj.GetComponent&lt;Button&gt;();   btn.onClick.AddListener(delegate ()    {     isshow=!isshow;     if (isshow)     {      int pr = UnityEngine.Random.Range(0, 101);      if(pr&lt;5){       shibai.SetActive (isshow);      }      else if(pr&lt;30){       yu2.SetActive (isshow);       yuwenzi2.SetActive (isshow);      }      else{       yu1.SetActive (isshow);       yuwenzi1.SetActive (isshow);      }      btn.GetComponent&lt;Image&gt;().sprite=expan ;      yugan.transform.localEulerAngles = new Vector3 (0.0f, 0.0f, 0.0f);      yugan.transform.localPosition = new Vector3(3.3f,0.0f,5f);     }     else {      btn.GetComponent&lt;Image&gt;().sprite=back;     }    }  );   }  }"/>
-          <p:cNvSpPr txBox="1"/>
+          <p:cNvSpPr txBox="1">
+            <a:spLocks noGrp="1"/>
+          </p:cNvSpPr>
           <p:nvPr>
             <p:ph type="body" idx="1"/>
           </p:nvPr>
@@ -6865,7 +7830,9 @@
           </a:prstGeom>
         </p:spPr>
         <p:txBody>
-          <a:bodyPr/>
+          <a:bodyPr>
+            <a:normAutofit lnSpcReduction="10000"/>
+          </a:bodyPr>
           <a:lstStyle/>
           <a:p>
             <a:pPr marL="0" indent="0" defTabSz="182880">
@@ -6875,7 +7842,7 @@
               <a:buClrTx/>
               <a:buSzTx/>
               <a:buNone/>
-              <a:defRPr b="1" sz="840">
+              <a:defRPr sz="840" b="1">
                 <a:solidFill>
                   <a:srgbClr val="424242"/>
                 </a:solidFill>
@@ -6930,6 +7897,9 @@
               <a:t> {</a:t>
             </a:r>
             <a:br/>
+            <a:r>
+              <a:t/>
+            </a:r>
             <a:br/>
             <a:r>
               <a:t>	</a:t>
@@ -7206,6 +8176,9 @@
               <a:t> ;</a:t>
             </a:r>
             <a:br/>
+            <a:r>
+              <a:t/>
+            </a:r>
             <a:br/>
             <a:r>
               <a:t>	</a:t>
@@ -7264,6 +8237,9 @@
               <a:t>		shibai.SetActive (isshow);</a:t>
             </a:r>
             <a:br/>
+            <a:r>
+              <a:t/>
+            </a:r>
             <a:br/>
             <a:r>
               <a:t>		btn = btnObj.GetComponent&lt;</a:t>
@@ -7655,16 +8631,23 @@
               <a:t>			}  );</a:t>
             </a:r>
             <a:br/>
+            <a:r>
+              <a:t/>
+            </a:r>
             <a:br/>
             <a:r>
               <a:t>	}</a:t>
             </a:r>
             <a:br/>
+            <a:r>
+              <a:t/>
+            </a:r>
             <a:br/>
             <a:r>
               <a:t>}</a:t>
             </a:r>
             <a:br/>
+            <a:endParaRPr/>
           </a:p>
         </p:txBody>
       </p:sp>
@@ -7673,18 +8656,19 @@
   <p:clrMapOvr>
     <a:masterClrMapping/>
   </p:clrMapOvr>
-  <p:transition xmlns:p14="http://schemas.microsoft.com/office/powerpoint/2010/main" spd="med" advClick="1"/>
+  <p:transition spd="med"/>
 </p:sld>
 </file>
 
-<file path=ppt/slides/slide21.xml><?xml version="1.0" encoding="utf-8"?>
-<p:sld xmlns:a="http://schemas.openxmlformats.org/drawingml/2006/main" xmlns:r="http://schemas.openxmlformats.org/officeDocument/2006/relationships" xmlns:p="http://schemas.openxmlformats.org/presentationml/2006/main" xmlns:m="http://schemas.openxmlformats.org/officeDocument/2006/math" xmlns:a14="http://schemas.microsoft.com/office/drawing/2010/main" showMasterSp="1" showMasterPhAnim="1">
+<file path=ppt/slides/slide22.xml><?xml version="1.0" encoding="utf-8"?>
+<p:sld xmlns:a="http://schemas.openxmlformats.org/drawingml/2006/main" xmlns:r="http://schemas.openxmlformats.org/officeDocument/2006/relationships" xmlns:p="http://schemas.openxmlformats.org/presentationml/2006/main">
   <p:cSld>
     <p:bg>
       <p:bgPr>
         <a:solidFill>
           <a:srgbClr val="FFFFFF"/>
         </a:solidFill>
+        <a:effectLst/>
       </p:bgPr>
     </p:bg>
     <p:spTree>
@@ -7704,7 +8688,9 @@
       <p:sp>
         <p:nvSpPr>
           <p:cNvPr id="152" name="public class EasyJoystick : MonoBehaviour, IPointerDownHandler, IDragHandler, IPointerUpHandler {  public RectTransform stick;        public float returnRate = 15.0F;      public float dragRadius = 65.0f;      public AlphaControll colorAlpha;    public event Action&lt;EasyJoystick, Vector2&gt; OnStartJoystickMovement;  public event Action&lt;EasyJoystick, Vector2&gt; OnJoystickMovement;  public event Action&lt;EasyJoystick&gt; OnEndJoystickMovement;    private bool _returnHandle, pressed, isEnabled = true;  private RectTransform _canvas;  private Vector3 globalStickPos;  private Vector2 stickOffset;  private CanvasGroup canvasGroup;    Vector2 Coordinates  {   get   {    if (stick.anchoredPosition.magnitude &lt; dragRadius)     return stick.anchoredPosition / dragRadius;    return stick.anchoredPosition.normalized;   }  }    void IPointerDownHandler.OnPointerDown(PointerEventData eventData)  {   pressed = true;   _returnHandle = false;   stickOffset = GetJoystickOffset(eventData);   stick.anchoredPosition = stickOffset;   if (OnStartJoystickMovement != null)    OnStartJoystickMovement(this, Coordinates);  }"/>
-          <p:cNvSpPr txBox="1"/>
+          <p:cNvSpPr txBox="1">
+            <a:spLocks noGrp="1"/>
+          </p:cNvSpPr>
           <p:nvPr>
             <p:ph type="body" idx="1"/>
           </p:nvPr>
@@ -7729,7 +8715,7 @@
               <a:buClrTx/>
               <a:buSzTx/>
               <a:buNone/>
-              <a:defRPr b="1" sz="1200">
+              <a:defRPr sz="1200" b="1">
                 <a:solidFill>
                   <a:srgbClr val="424242"/>
                 </a:solidFill>
@@ -7849,6 +8835,14 @@
             <a:r>
               <a:t> stick;						</a:t>
             </a:r>
+            <a:r>
+              <a:rPr i="1">
+                <a:solidFill>
+                  <a:srgbClr val="9A9A9A"/>
+                </a:solidFill>
+              </a:rPr>
+              <a:t/>
+            </a:r>
             <a:br>
               <a:rPr i="1">
                 <a:solidFill>
@@ -7892,6 +8886,14 @@
             <a:r>
               <a:t>;				</a:t>
             </a:r>
+            <a:r>
+              <a:rPr i="1">
+                <a:solidFill>
+                  <a:srgbClr val="9A9A9A"/>
+                </a:solidFill>
+              </a:rPr>
+              <a:t/>
+            </a:r>
             <a:br>
               <a:rPr i="1">
                 <a:solidFill>
@@ -7934,6 +8936,14 @@
             </a:r>
             <a:r>
               <a:t>;				</a:t>
+            </a:r>
+            <a:r>
+              <a:rPr i="1">
+                <a:solidFill>
+                  <a:srgbClr val="9A9A9A"/>
+                </a:solidFill>
+              </a:rPr>
+              <a:t/>
             </a:r>
             <a:br>
               <a:rPr i="1">
@@ -8516,18 +9526,19 @@
   <p:clrMapOvr>
     <a:masterClrMapping/>
   </p:clrMapOvr>
-  <p:transition xmlns:p14="http://schemas.microsoft.com/office/powerpoint/2010/main" spd="med" advClick="1"/>
+  <p:transition spd="med"/>
 </p:sld>
 </file>
 
-<file path=ppt/slides/slide22.xml><?xml version="1.0" encoding="utf-8"?>
-<p:sld xmlns:a="http://schemas.openxmlformats.org/drawingml/2006/main" xmlns:r="http://schemas.openxmlformats.org/officeDocument/2006/relationships" xmlns:p="http://schemas.openxmlformats.org/presentationml/2006/main" xmlns:m="http://schemas.openxmlformats.org/officeDocument/2006/math" xmlns:a14="http://schemas.microsoft.com/office/drawing/2010/main" showMasterSp="1" showMasterPhAnim="1">
+<file path=ppt/slides/slide23.xml><?xml version="1.0" encoding="utf-8"?>
+<p:sld xmlns:a="http://schemas.openxmlformats.org/drawingml/2006/main" xmlns:r="http://schemas.openxmlformats.org/officeDocument/2006/relationships" xmlns:p="http://schemas.openxmlformats.org/presentationml/2006/main">
   <p:cSld>
     <p:bg>
       <p:bgPr>
         <a:solidFill>
           <a:srgbClr val="FFFFFF"/>
         </a:solidFill>
+        <a:effectLst/>
       </p:bgPr>
     </p:bg>
     <p:spTree>
@@ -8547,7 +9558,9 @@
       <p:sp>
         <p:nvSpPr>
           <p:cNvPr id="154" name="void IDragHandler.OnDrag(PointerEventData eventData)  {   stickOffset = GetJoystickOffset(eventData);   stick.anchoredPosition = stickOffset;   if (OnJoystickMovement != null)    OnJoystickMovement(this, Coordinates);  }…"/>
-          <p:cNvSpPr txBox="1"/>
+          <p:cNvSpPr txBox="1">
+            <a:spLocks noGrp="1"/>
+          </p:cNvSpPr>
           <p:nvPr>
             <p:ph type="body" idx="1"/>
           </p:nvPr>
@@ -8562,7 +9575,9 @@
           </a:prstGeom>
         </p:spPr>
         <p:txBody>
-          <a:bodyPr/>
+          <a:bodyPr>
+            <a:normAutofit lnSpcReduction="10000"/>
+          </a:bodyPr>
           <a:lstStyle/>
           <a:p>
             <a:pPr marL="0" indent="0" defTabSz="347472">
@@ -8572,7 +9587,7 @@
               <a:buClrTx/>
               <a:buSzTx/>
               <a:buNone/>
-              <a:defRPr b="1" sz="912">
+              <a:defRPr sz="912" b="1">
                 <a:solidFill>
                   <a:srgbClr val="424242"/>
                 </a:solidFill>
@@ -8688,7 +9703,7 @@
               <a:buClrTx/>
               <a:buSzTx/>
               <a:buNone/>
-              <a:defRPr b="1" sz="912">
+              <a:defRPr sz="912" b="1">
                 <a:solidFill>
                   <a:srgbClr val="424242"/>
                 </a:solidFill>
@@ -9312,18 +10327,19 @@
   <p:clrMapOvr>
     <a:masterClrMapping/>
   </p:clrMapOvr>
-  <p:transition xmlns:p14="http://schemas.microsoft.com/office/powerpoint/2010/main" spd="med" advClick="1"/>
+  <p:transition spd="med"/>
 </p:sld>
 </file>
 
-<file path=ppt/slides/slide23.xml><?xml version="1.0" encoding="utf-8"?>
-<p:sld xmlns:a="http://schemas.openxmlformats.org/drawingml/2006/main" xmlns:r="http://schemas.openxmlformats.org/officeDocument/2006/relationships" xmlns:p="http://schemas.openxmlformats.org/presentationml/2006/main" xmlns:m="http://schemas.openxmlformats.org/officeDocument/2006/math" xmlns:a14="http://schemas.microsoft.com/office/drawing/2010/main" showMasterSp="1" showMasterPhAnim="1">
+<file path=ppt/slides/slide24.xml><?xml version="1.0" encoding="utf-8"?>
+<p:sld xmlns:a="http://schemas.openxmlformats.org/drawingml/2006/main" xmlns:r="http://schemas.openxmlformats.org/officeDocument/2006/relationships" xmlns:p="http://schemas.openxmlformats.org/presentationml/2006/main">
   <p:cSld>
     <p:bg>
       <p:bgPr>
         <a:solidFill>
           <a:srgbClr val="FFFFFF"/>
         </a:solidFill>
+        <a:effectLst/>
       </p:bgPr>
     </p:bg>
     <p:spTree>
@@ -9343,7 +10359,9 @@
       <p:sp>
         <p:nvSpPr>
           <p:cNvPr id="156" name="private void FixedUpdate(){   if (_returnHandle)    if (stick.anchoredPosition.magnitude &gt; Mathf.Epsilon)     stick.anchoredPosition -= new Vector2(stick.anchoredPosition.x * returnRate,                                            stick.anchoredPosition.y * returnRate) * Time.deltaTime;   else    _returnHandle = false;    switch(isEnabled)   {   case true:    canvasGroup.alpha = pressed ? colorAlpha.pressedAlpha : colorAlpha.idleAlpha;    canvasGroup.interactable = canvasGroup.blocksRaycasts = true;    break;   case false:    canvasGroup.alpha = 0;    canvasGroup.interactable = canvasGroup.blocksRaycasts = false;    break;   }  }    public Vector3 MoveInput()  {   return new Vector3 (Coordinates.x, 0, Coordinates.y);  }   public void Rotate(Transform transformToRotate, float speed)  {   if(Coordinates != Vector2.zero)    transformToRotate.rotation = Quaternion.Slerp (transformToRotate.rotation,                                                  Quaternion.LookRotation (new Vector3 (Coordinates.x, 0, Coordinates.y)),                                                  speed * Time.deltaTime);  }   public bool IsPressed()  {   return pressed;  }   public void Enable(bool enable)  {   isEnabled = enable;  } }"/>
-          <p:cNvSpPr txBox="1"/>
+          <p:cNvSpPr txBox="1">
+            <a:spLocks noGrp="1"/>
+          </p:cNvSpPr>
           <p:nvPr>
             <p:ph type="body" idx="1"/>
           </p:nvPr>
@@ -9368,7 +10386,7 @@
               <a:buClrTx/>
               <a:buSzTx/>
               <a:buNone/>
-              <a:defRPr b="1" sz="900">
+              <a:defRPr sz="900" b="1">
                 <a:solidFill>
                   <a:srgbClr val="424242"/>
                 </a:solidFill>
@@ -9519,6 +10537,9 @@
               <a:t>;</a:t>
             </a:r>
             <a:br/>
+            <a:r>
+              <a:t/>
+            </a:r>
             <a:br/>
             <a:r>
               <a:t>		</a:t>
@@ -9678,7 +10699,13 @@
               <a:t>	}</a:t>
             </a:r>
             <a:br/>
-            <a:br/>
+            <a:r>
+              <a:t/>
+            </a:r>
+            <a:br/>
+            <a:r>
+              <a:t/>
+            </a:r>
             <a:br/>
             <a:r>
               <a:t>	</a:t>
@@ -9762,6 +10789,9 @@
               <a:t>	}</a:t>
             </a:r>
             <a:br/>
+            <a:r>
+              <a:t/>
+            </a:r>
             <a:br/>
             <a:r>
               <a:t>	</a:t>
@@ -9923,6 +10953,9 @@
               <a:t>	}</a:t>
             </a:r>
             <a:br/>
+            <a:r>
+              <a:t/>
+            </a:r>
             <a:br/>
             <a:r>
               <a:t>	</a:t>
@@ -9973,6 +11006,9 @@
               <a:t>	}</a:t>
             </a:r>
             <a:br/>
+            <a:r>
+              <a:t/>
+            </a:r>
             <a:br/>
             <a:r>
               <a:t>	</a:t>
@@ -10027,6 +11063,7 @@
               <a:t>}</a:t>
             </a:r>
             <a:br/>
+            <a:endParaRPr/>
           </a:p>
         </p:txBody>
       </p:sp>
@@ -10035,12 +11072,12 @@
   <p:clrMapOvr>
     <a:masterClrMapping/>
   </p:clrMapOvr>
-  <p:transition xmlns:p14="http://schemas.microsoft.com/office/powerpoint/2010/main" spd="med" advClick="1"/>
+  <p:transition spd="med"/>
 </p:sld>
 </file>
 
-<file path=ppt/slides/slide24.xml><?xml version="1.0" encoding="utf-8"?>
-<p:sld xmlns:a="http://schemas.openxmlformats.org/drawingml/2006/main" xmlns:r="http://schemas.openxmlformats.org/officeDocument/2006/relationships" xmlns:p="http://schemas.openxmlformats.org/presentationml/2006/main" xmlns:m="http://schemas.openxmlformats.org/officeDocument/2006/math" xmlns:a14="http://schemas.microsoft.com/office/drawing/2010/main" showMasterSp="1" showMasterPhAnim="1">
+<file path=ppt/slides/slide25.xml><?xml version="1.0" encoding="utf-8"?>
+<p:sld xmlns:a="http://schemas.openxmlformats.org/drawingml/2006/main" xmlns:r="http://schemas.openxmlformats.org/officeDocument/2006/relationships" xmlns:p="http://schemas.openxmlformats.org/presentationml/2006/main">
   <p:cSld>
     <p:spTree>
       <p:nvGrpSpPr>
@@ -10059,7 +11096,9 @@
       <p:sp>
         <p:nvSpPr>
           <p:cNvPr id="158" name="标题 2"/>
-          <p:cNvSpPr txBox="1"/>
+          <p:cNvSpPr txBox="1">
+            <a:spLocks noGrp="1"/>
+          </p:cNvSpPr>
           <p:nvPr>
             <p:ph type="title"/>
           </p:nvPr>
@@ -10077,7 +11116,6 @@
             </a:lvl1pPr>
           </a:lstStyle>
           <a:p>
-            <a:pPr/>
             <a:r>
               <a:t>六、软件测试</a:t>
             </a:r>
@@ -10096,7 +11134,7 @@
           <a:blip r:embed="rId2">
             <a:extLst/>
           </a:blip>
-          <a:srcRect l="0" t="0" r="0" b="18780"/>
+          <a:srcRect b="18780"/>
           <a:stretch>
             <a:fillRect/>
           </a:stretch>
@@ -10119,12 +11157,12 @@
   <p:clrMapOvr>
     <a:masterClrMapping/>
   </p:clrMapOvr>
-  <p:transition xmlns:p14="http://schemas.microsoft.com/office/powerpoint/2010/main" spd="med" advClick="1"/>
+  <p:transition spd="med"/>
 </p:sld>
 </file>
 
-<file path=ppt/slides/slide25.xml><?xml version="1.0" encoding="utf-8"?>
-<p:sld xmlns:a="http://schemas.openxmlformats.org/drawingml/2006/main" xmlns:r="http://schemas.openxmlformats.org/officeDocument/2006/relationships" xmlns:p="http://schemas.openxmlformats.org/presentationml/2006/main" xmlns:m="http://schemas.openxmlformats.org/officeDocument/2006/math" xmlns:a14="http://schemas.microsoft.com/office/drawing/2010/main" showMasterSp="1" showMasterPhAnim="1">
+<file path=ppt/slides/slide26.xml><?xml version="1.0" encoding="utf-8"?>
+<p:sld xmlns:a="http://schemas.openxmlformats.org/drawingml/2006/main" xmlns:r="http://schemas.openxmlformats.org/officeDocument/2006/relationships" xmlns:p="http://schemas.openxmlformats.org/presentationml/2006/main">
   <p:cSld>
     <p:spTree>
       <p:nvGrpSpPr>
@@ -10143,7 +11181,9 @@
       <p:sp>
         <p:nvSpPr>
           <p:cNvPr id="161" name="标题 3"/>
-          <p:cNvSpPr txBox="1"/>
+          <p:cNvSpPr txBox="1">
+            <a:spLocks noGrp="1"/>
+          </p:cNvSpPr>
           <p:nvPr>
             <p:ph type="title"/>
           </p:nvPr>
@@ -10162,7 +11202,7 @@
           <a:lstStyle/>
           <a:p>
             <a:pPr defTabSz="795527">
-              <a:defRPr b="1" spc="-87" sz="3654">
+              <a:defRPr sz="3654" b="1" spc="-87">
                 <a:ln w="2422">
                   <a:solidFill>
                     <a:srgbClr val="3C4421">
@@ -10173,10 +11213,7 @@
               </a:defRPr>
             </a:pPr>
             <a:r>
-              <a:t>6.1</a:t>
-            </a:r>
-            <a:r>
-              <a:t>单元测试用例</a:t>
+              <a:t>6.1单元测试用例</a:t>
             </a:r>
           </a:p>
         </p:txBody>
@@ -10215,12 +11252,12 @@
   <p:clrMapOvr>
     <a:masterClrMapping/>
   </p:clrMapOvr>
-  <p:transition xmlns:p14="http://schemas.microsoft.com/office/powerpoint/2010/main" spd="med" advClick="1"/>
+  <p:transition spd="med"/>
 </p:sld>
 </file>
 
-<file path=ppt/slides/slide26.xml><?xml version="1.0" encoding="utf-8"?>
-<p:sld xmlns:a="http://schemas.openxmlformats.org/drawingml/2006/main" xmlns:r="http://schemas.openxmlformats.org/officeDocument/2006/relationships" xmlns:p="http://schemas.openxmlformats.org/presentationml/2006/main" xmlns:m="http://schemas.openxmlformats.org/officeDocument/2006/math" xmlns:a14="http://schemas.microsoft.com/office/drawing/2010/main" showMasterSp="1" showMasterPhAnim="1">
+<file path=ppt/slides/slide27.xml><?xml version="1.0" encoding="utf-8"?>
+<p:sld xmlns:a="http://schemas.openxmlformats.org/drawingml/2006/main" xmlns:r="http://schemas.openxmlformats.org/officeDocument/2006/relationships" xmlns:p="http://schemas.openxmlformats.org/presentationml/2006/main">
   <p:cSld>
     <p:spTree>
       <p:nvGrpSpPr>
@@ -10246,10 +11283,10 @@
           <a:off x="755576" y="404662"/>
           <a:ext cx="7704857" cy="5904661"/>
         </p:xfrm>
-        <a:graphic xmlns:a="http://schemas.openxmlformats.org/drawingml/2006/main">
+        <a:graphic>
           <a:graphicData uri="http://schemas.openxmlformats.org/drawingml/2006/table">
             <a:tbl>
-              <a:tblPr firstCol="0" firstRow="1" lastCol="0" lastRow="0" bandCol="0" bandRow="1" rtl="0">
+              <a:tblPr firstRow="1" bandRow="1">
                 <a:tableStyleId>{4C3C2611-4C71-4FC5-86AE-919BDF0F9419}</a:tableStyleId>
               </a:tblPr>
               <a:tblGrid>
@@ -10277,12 +11314,26 @@
                       </a:r>
                     </a:p>
                   </a:txBody>
-                  <a:tcPr marL="0" marR="0" marT="0" marB="0" anchor="t" anchorCtr="0" horzOverflow="overflow"/>
+                  <a:tcPr marL="0" marR="0" marT="0" marB="0" horzOverflow="overflow"/>
                 </a:tc>
                 <a:tc hMerge="1">
+                  <a:txBody>
+                    <a:bodyPr/>
+                    <a:lstStyle/>
+                    <a:p>
+                      <a:endParaRPr lang="zh-CN"/>
+                    </a:p>
+                  </a:txBody>
                   <a:tcPr/>
                 </a:tc>
                 <a:tc hMerge="1">
+                  <a:txBody>
+                    <a:bodyPr/>
+                    <a:lstStyle/>
+                    <a:p>
+                      <a:endParaRPr lang="zh-CN"/>
+                    </a:p>
+                  </a:txBody>
                   <a:tcPr/>
                 </a:tc>
               </a:tr>
@@ -10305,23 +11356,34 @@
                         </a:defRPr>
                       </a:pPr>
                       <a:r>
-                        <a:t>标识符：</a:t>
-                      </a:r>
-                      <a:r>
-                        <a:t>1</a:t>
+                        <a:t>标识符：1</a:t>
                       </a:r>
                     </a:p>
                   </a:txBody>
-                  <a:tcPr marL="0" marR="0" marT="0" marB="0" anchor="t" anchorCtr="0" horzOverflow="overflow">
+                  <a:tcPr marL="0" marR="0" marT="0" marB="0" horzOverflow="overflow">
                     <a:solidFill>
                       <a:schemeClr val="accent1"/>
                     </a:solidFill>
                   </a:tcPr>
                 </a:tc>
                 <a:tc hMerge="1">
+                  <a:txBody>
+                    <a:bodyPr/>
+                    <a:lstStyle/>
+                    <a:p>
+                      <a:endParaRPr lang="zh-CN"/>
+                    </a:p>
+                  </a:txBody>
                   <a:tcPr/>
                 </a:tc>
                 <a:tc hMerge="1">
+                  <a:txBody>
+                    <a:bodyPr/>
+                    <a:lstStyle/>
+                    <a:p>
+                      <a:endParaRPr lang="zh-CN"/>
+                    </a:p>
+                  </a:txBody>
                   <a:tcPr/>
                 </a:tc>
               </a:tr>
@@ -10348,16 +11410,30 @@
                       </a:r>
                     </a:p>
                   </a:txBody>
-                  <a:tcPr marL="0" marR="0" marT="0" marB="0" anchor="t" anchorCtr="0" horzOverflow="overflow">
+                  <a:tcPr marL="0" marR="0" marT="0" marB="0" horzOverflow="overflow">
                     <a:solidFill>
                       <a:schemeClr val="accent1"/>
                     </a:solidFill>
                   </a:tcPr>
                 </a:tc>
                 <a:tc hMerge="1">
+                  <a:txBody>
+                    <a:bodyPr/>
+                    <a:lstStyle/>
+                    <a:p>
+                      <a:endParaRPr lang="zh-CN"/>
+                    </a:p>
+                  </a:txBody>
                   <a:tcPr/>
                 </a:tc>
                 <a:tc hMerge="1">
+                  <a:txBody>
+                    <a:bodyPr/>
+                    <a:lstStyle/>
+                    <a:p>
+                      <a:endParaRPr lang="zh-CN"/>
+                    </a:p>
+                  </a:txBody>
                   <a:tcPr/>
                 </a:tc>
               </a:tr>
@@ -10380,23 +11456,34 @@
                         </a:defRPr>
                       </a:pPr>
                       <a:r>
-                        <a:t>测试环境：</a:t>
-                      </a:r>
-                      <a:r>
-                        <a:t>Windows10</a:t>
+                        <a:t>测试环境：Windows10</a:t>
                       </a:r>
                     </a:p>
                   </a:txBody>
-                  <a:tcPr marL="0" marR="0" marT="0" marB="0" anchor="t" anchorCtr="0" horzOverflow="overflow">
+                  <a:tcPr marL="0" marR="0" marT="0" marB="0" horzOverflow="overflow">
                     <a:solidFill>
                       <a:schemeClr val="accent1"/>
                     </a:solidFill>
                   </a:tcPr>
                 </a:tc>
                 <a:tc hMerge="1">
+                  <a:txBody>
+                    <a:bodyPr/>
+                    <a:lstStyle/>
+                    <a:p>
+                      <a:endParaRPr lang="zh-CN"/>
+                    </a:p>
+                  </a:txBody>
                   <a:tcPr/>
                 </a:tc>
                 <a:tc hMerge="1">
+                  <a:txBody>
+                    <a:bodyPr/>
+                    <a:lstStyle/>
+                    <a:p>
+                      <a:endParaRPr lang="zh-CN"/>
+                    </a:p>
+                  </a:txBody>
                   <a:tcPr/>
                 </a:tc>
               </a:tr>
@@ -10419,26 +11506,34 @@
                         </a:defRPr>
                       </a:pPr>
                       <a:r>
-                        <a:t>前置条件：</a:t>
-                      </a:r>
-                      <a:r>
-                        <a:t>APP</a:t>
-                      </a:r>
-                      <a:r>
-                        <a:t>相关数据库等其他运行环境正常</a:t>
+                        <a:t>前置条件：APP相关数据库等其他运行环境正常</a:t>
                       </a:r>
                     </a:p>
                   </a:txBody>
-                  <a:tcPr marL="0" marR="0" marT="0" marB="0" anchor="t" anchorCtr="0" horzOverflow="overflow">
+                  <a:tcPr marL="0" marR="0" marT="0" marB="0" horzOverflow="overflow">
                     <a:solidFill>
                       <a:schemeClr val="accent1"/>
                     </a:solidFill>
                   </a:tcPr>
                 </a:tc>
                 <a:tc hMerge="1">
+                  <a:txBody>
+                    <a:bodyPr/>
+                    <a:lstStyle/>
+                    <a:p>
+                      <a:endParaRPr lang="zh-CN"/>
+                    </a:p>
+                  </a:txBody>
                   <a:tcPr/>
                 </a:tc>
                 <a:tc hMerge="1">
+                  <a:txBody>
+                    <a:bodyPr/>
+                    <a:lstStyle/>
+                    <a:p>
+                      <a:endParaRPr lang="zh-CN"/>
+                    </a:p>
+                  </a:txBody>
                   <a:tcPr/>
                 </a:tc>
               </a:tr>
@@ -10478,10 +11573,7 @@
                         </a:defRPr>
                       </a:pPr>
                       <a:r>
-                        <a:t>1.</a:t>
-                      </a:r>
-                      <a:r>
-                        <a:t>点击用户注册界面开始进行注册</a:t>
+                        <a:t>1.点击用户注册界面开始进行注册</a:t>
                       </a:r>
                     </a:p>
                     <a:p>
@@ -10498,23 +11590,34 @@
                         </a:defRPr>
                       </a:pPr>
                       <a:r>
-                        <a:t>2.</a:t>
-                      </a:r>
-                      <a:r>
-                        <a:t>输入相关信息完成注册</a:t>
+                        <a:t>2.输入相关信息完成注册</a:t>
                       </a:r>
                     </a:p>
                   </a:txBody>
-                  <a:tcPr marL="0" marR="0" marT="0" marB="0" anchor="t" anchorCtr="0" horzOverflow="overflow">
+                  <a:tcPr marL="0" marR="0" marT="0" marB="0" horzOverflow="overflow">
                     <a:solidFill>
                       <a:schemeClr val="accent1"/>
                     </a:solidFill>
                   </a:tcPr>
                 </a:tc>
                 <a:tc hMerge="1">
+                  <a:txBody>
+                    <a:bodyPr/>
+                    <a:lstStyle/>
+                    <a:p>
+                      <a:endParaRPr lang="zh-CN"/>
+                    </a:p>
+                  </a:txBody>
                   <a:tcPr/>
                 </a:tc>
                 <a:tc hMerge="1">
+                  <a:txBody>
+                    <a:bodyPr/>
+                    <a:lstStyle/>
+                    <a:p>
+                      <a:endParaRPr lang="zh-CN"/>
+                    </a:p>
+                  </a:txBody>
                   <a:tcPr/>
                 </a:tc>
               </a:tr>
@@ -10541,7 +11644,7 @@
                       </a:r>
                     </a:p>
                   </a:txBody>
-                  <a:tcPr marL="0" marR="0" marT="0" marB="0" anchor="t" anchorCtr="0" horzOverflow="overflow">
+                  <a:tcPr marL="0" marR="0" marT="0" marB="0" horzOverflow="overflow">
                     <a:solidFill>
                       <a:schemeClr val="accent1"/>
                     </a:solidFill>
@@ -10566,7 +11669,7 @@
                       </a:r>
                     </a:p>
                   </a:txBody>
-                  <a:tcPr marL="0" marR="0" marT="0" marB="0" anchor="t" anchorCtr="0" horzOverflow="overflow"/>
+                  <a:tcPr marL="0" marR="0" marT="0" marB="0" horzOverflow="overflow"/>
                 </a:tc>
                 <a:tc>
                   <a:txBody>
@@ -10587,7 +11690,7 @@
                       </a:r>
                     </a:p>
                   </a:txBody>
-                  <a:tcPr marL="0" marR="0" marT="0" marB="0" anchor="t" anchorCtr="0" horzOverflow="overflow"/>
+                  <a:tcPr marL="0" marR="0" marT="0" marB="0" horzOverflow="overflow"/>
                 </a:tc>
               </a:tr>
               <a:tr h="347333">
@@ -10613,7 +11716,7 @@
                       </a:r>
                     </a:p>
                   </a:txBody>
-                  <a:tcPr marL="0" marR="0" marT="0" marB="0" anchor="t" anchorCtr="0" horzOverflow="overflow">
+                  <a:tcPr marL="0" marR="0" marT="0" marB="0" horzOverflow="overflow">
                     <a:solidFill>
                       <a:schemeClr val="accent1"/>
                     </a:solidFill>
@@ -10638,7 +11741,7 @@
                       </a:r>
                     </a:p>
                   </a:txBody>
-                  <a:tcPr marL="0" marR="0" marT="0" marB="0" anchor="t" anchorCtr="0" horzOverflow="overflow"/>
+                  <a:tcPr marL="0" marR="0" marT="0" marB="0" horzOverflow="overflow"/>
                 </a:tc>
                 <a:tc>
                   <a:txBody>
@@ -10659,7 +11762,7 @@
                       </a:r>
                     </a:p>
                   </a:txBody>
-                  <a:tcPr marL="0" marR="0" marT="0" marB="0" anchor="t" anchorCtr="0" horzOverflow="overflow"/>
+                  <a:tcPr marL="0" marR="0" marT="0" marB="0" horzOverflow="overflow"/>
                 </a:tc>
               </a:tr>
               <a:tr h="347333">
@@ -10685,7 +11788,7 @@
                       </a:r>
                     </a:p>
                   </a:txBody>
-                  <a:tcPr marL="0" marR="0" marT="0" marB="0" anchor="t" anchorCtr="0" horzOverflow="overflow">
+                  <a:tcPr marL="0" marR="0" marT="0" marB="0" horzOverflow="overflow">
                     <a:solidFill>
                       <a:schemeClr val="accent1"/>
                     </a:solidFill>
@@ -10710,7 +11813,7 @@
                       </a:r>
                     </a:p>
                   </a:txBody>
-                  <a:tcPr marL="0" marR="0" marT="0" marB="0" anchor="t" anchorCtr="0" horzOverflow="overflow"/>
+                  <a:tcPr marL="0" marR="0" marT="0" marB="0" horzOverflow="overflow"/>
                 </a:tc>
                 <a:tc>
                   <a:txBody>
@@ -10731,7 +11834,7 @@
                       </a:r>
                     </a:p>
                   </a:txBody>
-                  <a:tcPr marL="0" marR="0" marT="0" marB="0" anchor="t" anchorCtr="0" horzOverflow="overflow"/>
+                  <a:tcPr marL="0" marR="0" marT="0" marB="0" horzOverflow="overflow"/>
                 </a:tc>
               </a:tr>
               <a:tr h="694666">
@@ -10757,7 +11860,7 @@
                       </a:r>
                     </a:p>
                   </a:txBody>
-                  <a:tcPr marL="0" marR="0" marT="0" marB="0" anchor="t" anchorCtr="0" horzOverflow="overflow">
+                  <a:tcPr marL="0" marR="0" marT="0" marB="0" horzOverflow="overflow">
                     <a:solidFill>
                       <a:schemeClr val="accent1"/>
                     </a:solidFill>
@@ -10778,17 +11881,11 @@
                         </a:defRPr>
                       </a:pPr>
                       <a:r>
-                        <a:t>提示：账号长度应在</a:t>
-                      </a:r>
-                      <a:r>
-                        <a:t>5-13</a:t>
-                      </a:r>
-                      <a:r>
-                        <a:t>位！</a:t>
+                        <a:t>提示：账号长度应在5-13位！</a:t>
                       </a:r>
                     </a:p>
                   </a:txBody>
-                  <a:tcPr marL="0" marR="0" marT="0" marB="0" anchor="t" anchorCtr="0" horzOverflow="overflow"/>
+                  <a:tcPr marL="0" marR="0" marT="0" marB="0" horzOverflow="overflow"/>
                 </a:tc>
                 <a:tc>
                   <a:txBody>
@@ -10805,17 +11902,11 @@
                         </a:defRPr>
                       </a:pPr>
                       <a:r>
-                        <a:t>提示：账号长度应在</a:t>
-                      </a:r>
-                      <a:r>
-                        <a:t>5-13</a:t>
-                      </a:r>
-                      <a:r>
-                        <a:t>位！</a:t>
+                        <a:t>提示：账号长度应在5-13位！</a:t>
                       </a:r>
                     </a:p>
                   </a:txBody>
-                  <a:tcPr marL="0" marR="0" marT="0" marB="0" anchor="t" anchorCtr="0" horzOverflow="overflow"/>
+                  <a:tcPr marL="0" marR="0" marT="0" marB="0" horzOverflow="overflow"/>
                 </a:tc>
               </a:tr>
               <a:tr h="347333">
@@ -10841,7 +11932,7 @@
                       </a:r>
                     </a:p>
                   </a:txBody>
-                  <a:tcPr marL="0" marR="0" marT="0" marB="0" anchor="t" anchorCtr="0" horzOverflow="overflow">
+                  <a:tcPr marL="0" marR="0" marT="0" marB="0" horzOverflow="overflow">
                     <a:solidFill>
                       <a:schemeClr val="accent1"/>
                     </a:solidFill>
@@ -10866,7 +11957,7 @@
                       </a:r>
                     </a:p>
                   </a:txBody>
-                  <a:tcPr marL="0" marR="0" marT="0" marB="0" anchor="t" anchorCtr="0" horzOverflow="overflow"/>
+                  <a:tcPr marL="0" marR="0" marT="0" marB="0" horzOverflow="overflow"/>
                 </a:tc>
                 <a:tc>
                   <a:txBody>
@@ -10887,7 +11978,7 @@
                       </a:r>
                     </a:p>
                   </a:txBody>
-                  <a:tcPr marL="0" marR="0" marT="0" marB="0" anchor="t" anchorCtr="0" horzOverflow="overflow"/>
+                  <a:tcPr marL="0" marR="0" marT="0" marB="0" horzOverflow="overflow"/>
                 </a:tc>
               </a:tr>
               <a:tr h="347333">
@@ -10913,7 +12004,7 @@
                       </a:r>
                     </a:p>
                   </a:txBody>
-                  <a:tcPr marL="0" marR="0" marT="0" marB="0" anchor="t" anchorCtr="0" horzOverflow="overflow">
+                  <a:tcPr marL="0" marR="0" marT="0" marB="0" horzOverflow="overflow">
                     <a:solidFill>
                       <a:schemeClr val="accent1"/>
                     </a:solidFill>
@@ -10934,17 +12025,11 @@
                         </a:defRPr>
                       </a:pPr>
                       <a:r>
-                        <a:t>提示：密码长度应在</a:t>
-                      </a:r>
-                      <a:r>
-                        <a:t>5-13</a:t>
-                      </a:r>
-                      <a:r>
-                        <a:t>位！</a:t>
+                        <a:t>提示：密码长度应在5-13位！</a:t>
                       </a:r>
                     </a:p>
                   </a:txBody>
-                  <a:tcPr marL="0" marR="0" marT="0" marB="0" anchor="t" anchorCtr="0" horzOverflow="overflow"/>
+                  <a:tcPr marL="0" marR="0" marT="0" marB="0" horzOverflow="overflow"/>
                 </a:tc>
                 <a:tc>
                   <a:txBody>
@@ -10961,17 +12046,11 @@
                         </a:defRPr>
                       </a:pPr>
                       <a:r>
-                        <a:t>提示：密码长度应在</a:t>
-                      </a:r>
-                      <a:r>
-                        <a:t>5-13</a:t>
-                      </a:r>
-                      <a:r>
-                        <a:t>位！</a:t>
+                        <a:t>提示：密码长度应在5-13位！</a:t>
                       </a:r>
                     </a:p>
                   </a:txBody>
-                  <a:tcPr marL="0" marR="0" marT="0" marB="0" anchor="t" anchorCtr="0" horzOverflow="overflow"/>
+                  <a:tcPr marL="0" marR="0" marT="0" marB="0" horzOverflow="overflow"/>
                 </a:tc>
               </a:tr>
               <a:tr h="347333">
@@ -10997,7 +12076,7 @@
                       </a:r>
                     </a:p>
                   </a:txBody>
-                  <a:tcPr marL="0" marR="0" marT="0" marB="0" anchor="t" anchorCtr="0" horzOverflow="overflow">
+                  <a:tcPr marL="0" marR="0" marT="0" marB="0" horzOverflow="overflow">
                     <a:solidFill>
                       <a:schemeClr val="accent1"/>
                     </a:solidFill>
@@ -11022,7 +12101,7 @@
                       </a:r>
                     </a:p>
                   </a:txBody>
-                  <a:tcPr marL="0" marR="0" marT="0" marB="0" anchor="t" anchorCtr="0" horzOverflow="overflow"/>
+                  <a:tcPr marL="0" marR="0" marT="0" marB="0" horzOverflow="overflow"/>
                 </a:tc>
                 <a:tc>
                   <a:txBody>
@@ -11043,7 +12122,7 @@
                       </a:r>
                     </a:p>
                   </a:txBody>
-                  <a:tcPr marL="0" marR="0" marT="0" marB="0" anchor="t" anchorCtr="0" horzOverflow="overflow"/>
+                  <a:tcPr marL="0" marR="0" marT="0" marB="0" horzOverflow="overflow"/>
                 </a:tc>
               </a:tr>
             </a:tbl>
@@ -11055,12 +12134,12 @@
   <p:clrMapOvr>
     <a:masterClrMapping/>
   </p:clrMapOvr>
-  <p:transition xmlns:p14="http://schemas.microsoft.com/office/powerpoint/2010/main" spd="med" advClick="1"/>
+  <p:transition spd="med"/>
 </p:sld>
 </file>
 
-<file path=ppt/slides/slide27.xml><?xml version="1.0" encoding="utf-8"?>
-<p:sld xmlns:a="http://schemas.openxmlformats.org/drawingml/2006/main" xmlns:r="http://schemas.openxmlformats.org/officeDocument/2006/relationships" xmlns:p="http://schemas.openxmlformats.org/presentationml/2006/main" xmlns:m="http://schemas.openxmlformats.org/officeDocument/2006/math" xmlns:a14="http://schemas.microsoft.com/office/drawing/2010/main" showMasterSp="1" showMasterPhAnim="1">
+<file path=ppt/slides/slide28.xml><?xml version="1.0" encoding="utf-8"?>
+<p:sld xmlns:a="http://schemas.openxmlformats.org/drawingml/2006/main" xmlns:r="http://schemas.openxmlformats.org/officeDocument/2006/relationships" xmlns:p="http://schemas.openxmlformats.org/presentationml/2006/main">
   <p:cSld>
     <p:spTree>
       <p:nvGrpSpPr>
@@ -11086,10 +12165,10 @@
           <a:off x="611560" y="404666"/>
           <a:ext cx="8208913" cy="6120679"/>
         </p:xfrm>
-        <a:graphic xmlns:a="http://schemas.openxmlformats.org/drawingml/2006/main">
+        <a:graphic>
           <a:graphicData uri="http://schemas.openxmlformats.org/drawingml/2006/table">
             <a:tbl>
-              <a:tblPr firstCol="0" firstRow="1" lastCol="0" lastRow="0" bandCol="0" bandRow="1" rtl="0">
+              <a:tblPr firstRow="1" bandRow="1">
                 <a:tableStyleId>{4C3C2611-4C71-4FC5-86AE-919BDF0F9419}</a:tableStyleId>
               </a:tblPr>
               <a:tblGrid>
@@ -11117,12 +12196,26 @@
                       </a:r>
                     </a:p>
                   </a:txBody>
-                  <a:tcPr marL="0" marR="0" marT="0" marB="0" anchor="t" anchorCtr="0" horzOverflow="overflow"/>
+                  <a:tcPr marL="0" marR="0" marT="0" marB="0" horzOverflow="overflow"/>
                 </a:tc>
                 <a:tc hMerge="1">
+                  <a:txBody>
+                    <a:bodyPr/>
+                    <a:lstStyle/>
+                    <a:p>
+                      <a:endParaRPr lang="zh-CN"/>
+                    </a:p>
+                  </a:txBody>
                   <a:tcPr/>
                 </a:tc>
                 <a:tc hMerge="1">
+                  <a:txBody>
+                    <a:bodyPr/>
+                    <a:lstStyle/>
+                    <a:p>
+                      <a:endParaRPr lang="zh-CN"/>
+                    </a:p>
+                  </a:txBody>
                   <a:tcPr/>
                 </a:tc>
               </a:tr>
@@ -11133,7 +12226,7 @@
                     <a:lstStyle/>
                     <a:p>
                       <a:pPr algn="just">
-                        <a:defRPr b="1" sz="1800">
+                        <a:defRPr sz="1800" b="1">
                           <a:solidFill>
                             <a:srgbClr val="FFFFFF"/>
                           </a:solidFill>
@@ -11145,23 +12238,34 @@
                         </a:defRPr>
                       </a:pPr>
                       <a:r>
-                        <a:t>标识符：</a:t>
-                      </a:r>
-                      <a:r>
-                        <a:t>2</a:t>
+                        <a:t>标识符：2</a:t>
                       </a:r>
                     </a:p>
                   </a:txBody>
-                  <a:tcPr marL="0" marR="0" marT="0" marB="0" anchor="t" anchorCtr="0" horzOverflow="overflow">
+                  <a:tcPr marL="0" marR="0" marT="0" marB="0" horzOverflow="overflow">
                     <a:solidFill>
                       <a:schemeClr val="accent1"/>
                     </a:solidFill>
                   </a:tcPr>
                 </a:tc>
                 <a:tc hMerge="1">
+                  <a:txBody>
+                    <a:bodyPr/>
+                    <a:lstStyle/>
+                    <a:p>
+                      <a:endParaRPr lang="zh-CN"/>
+                    </a:p>
+                  </a:txBody>
                   <a:tcPr/>
                 </a:tc>
                 <a:tc hMerge="1">
+                  <a:txBody>
+                    <a:bodyPr/>
+                    <a:lstStyle/>
+                    <a:p>
+                      <a:endParaRPr lang="zh-CN"/>
+                    </a:p>
+                  </a:txBody>
                   <a:tcPr/>
                 </a:tc>
               </a:tr>
@@ -11172,7 +12276,7 @@
                     <a:lstStyle/>
                     <a:p>
                       <a:pPr algn="just">
-                        <a:defRPr b="1" sz="1800">
+                        <a:defRPr sz="1800" b="1">
                           <a:solidFill>
                             <a:srgbClr val="FFFFFF"/>
                           </a:solidFill>
@@ -11188,16 +12292,30 @@
                       </a:r>
                     </a:p>
                   </a:txBody>
-                  <a:tcPr marL="0" marR="0" marT="0" marB="0" anchor="t" anchorCtr="0" horzOverflow="overflow">
+                  <a:tcPr marL="0" marR="0" marT="0" marB="0" horzOverflow="overflow">
                     <a:solidFill>
                       <a:schemeClr val="accent1"/>
                     </a:solidFill>
                   </a:tcPr>
                 </a:tc>
                 <a:tc hMerge="1">
+                  <a:txBody>
+                    <a:bodyPr/>
+                    <a:lstStyle/>
+                    <a:p>
+                      <a:endParaRPr lang="zh-CN"/>
+                    </a:p>
+                  </a:txBody>
                   <a:tcPr/>
                 </a:tc>
                 <a:tc hMerge="1">
+                  <a:txBody>
+                    <a:bodyPr/>
+                    <a:lstStyle/>
+                    <a:p>
+                      <a:endParaRPr lang="zh-CN"/>
+                    </a:p>
+                  </a:txBody>
                   <a:tcPr/>
                 </a:tc>
               </a:tr>
@@ -11208,7 +12326,7 @@
                     <a:lstStyle/>
                     <a:p>
                       <a:pPr algn="just">
-                        <a:defRPr b="1" sz="1800">
+                        <a:defRPr sz="1800" b="1">
                           <a:solidFill>
                             <a:srgbClr val="FFFFFF"/>
                           </a:solidFill>
@@ -11220,23 +12338,34 @@
                         </a:defRPr>
                       </a:pPr>
                       <a:r>
-                        <a:t>测试环境：</a:t>
-                      </a:r>
-                      <a:r>
-                        <a:t>Android8.0</a:t>
+                        <a:t>测试环境：Android8.0</a:t>
                       </a:r>
                     </a:p>
                   </a:txBody>
-                  <a:tcPr marL="0" marR="0" marT="0" marB="0" anchor="t" anchorCtr="0" horzOverflow="overflow">
+                  <a:tcPr marL="0" marR="0" marT="0" marB="0" horzOverflow="overflow">
                     <a:solidFill>
                       <a:schemeClr val="accent1"/>
                     </a:solidFill>
                   </a:tcPr>
                 </a:tc>
                 <a:tc hMerge="1">
+                  <a:txBody>
+                    <a:bodyPr/>
+                    <a:lstStyle/>
+                    <a:p>
+                      <a:endParaRPr lang="zh-CN"/>
+                    </a:p>
+                  </a:txBody>
                   <a:tcPr/>
                 </a:tc>
                 <a:tc hMerge="1">
+                  <a:txBody>
+                    <a:bodyPr/>
+                    <a:lstStyle/>
+                    <a:p>
+                      <a:endParaRPr lang="zh-CN"/>
+                    </a:p>
+                  </a:txBody>
                   <a:tcPr/>
                 </a:tc>
               </a:tr>
@@ -11247,7 +12376,7 @@
                     <a:lstStyle/>
                     <a:p>
                       <a:pPr algn="just">
-                        <a:defRPr b="1" sz="1800">
+                        <a:defRPr sz="1800" b="1">
                           <a:solidFill>
                             <a:srgbClr val="FFFFFF"/>
                           </a:solidFill>
@@ -11259,18 +12388,12 @@
                         </a:defRPr>
                       </a:pPr>
                       <a:r>
-                        <a:t>前置条件：</a:t>
-                      </a:r>
-                      <a:r>
-                        <a:t>APP</a:t>
-                      </a:r>
-                      <a:r>
-                        <a:t>相关数据库等其他运行环境正常</a:t>
+                        <a:t>前置条件：APP相关数据库等其他运行环境正常</a:t>
                       </a:r>
                     </a:p>
                     <a:p>
                       <a:pPr algn="just">
-                        <a:defRPr b="1" sz="1800">
+                        <a:defRPr sz="1800" b="1">
                           <a:solidFill>
                             <a:srgbClr val="FFFFFF"/>
                           </a:solidFill>
@@ -11286,16 +12409,30 @@
                       </a:r>
                     </a:p>
                   </a:txBody>
-                  <a:tcPr marL="0" marR="0" marT="0" marB="0" anchor="t" anchorCtr="0" horzOverflow="overflow">
+                  <a:tcPr marL="0" marR="0" marT="0" marB="0" horzOverflow="overflow">
                     <a:solidFill>
                       <a:schemeClr val="accent1"/>
                     </a:solidFill>
                   </a:tcPr>
                 </a:tc>
                 <a:tc hMerge="1">
+                  <a:txBody>
+                    <a:bodyPr/>
+                    <a:lstStyle/>
+                    <a:p>
+                      <a:endParaRPr lang="zh-CN"/>
+                    </a:p>
+                  </a:txBody>
                   <a:tcPr/>
                 </a:tc>
                 <a:tc hMerge="1">
+                  <a:txBody>
+                    <a:bodyPr/>
+                    <a:lstStyle/>
+                    <a:p>
+                      <a:endParaRPr lang="zh-CN"/>
+                    </a:p>
+                  </a:txBody>
                   <a:tcPr/>
                 </a:tc>
               </a:tr>
@@ -11306,7 +12443,7 @@
                     <a:lstStyle/>
                     <a:p>
                       <a:pPr algn="just">
-                        <a:defRPr b="1" sz="1800">
+                        <a:defRPr sz="1800" b="1">
                           <a:solidFill>
                             <a:srgbClr val="FFFFFF"/>
                           </a:solidFill>
@@ -11323,7 +12460,7 @@
                     </a:p>
                     <a:p>
                       <a:pPr algn="just">
-                        <a:defRPr b="1" sz="1800">
+                        <a:defRPr sz="1800" b="1">
                           <a:solidFill>
                             <a:srgbClr val="FFFFFF"/>
                           </a:solidFill>
@@ -11335,21 +12472,12 @@
                         </a:defRPr>
                       </a:pPr>
                       <a:r>
-                        <a:t>1.</a:t>
-                      </a:r>
-                      <a:r>
-                        <a:t>点击</a:t>
-                      </a:r>
-                      <a:r>
-                        <a:t>APP</a:t>
-                      </a:r>
-                      <a:r>
-                        <a:t>进入登录界面</a:t>
+                        <a:t>1.点击APP进入登录界面</a:t>
                       </a:r>
                     </a:p>
                     <a:p>
                       <a:pPr algn="just">
-                        <a:defRPr b="1" sz="1800">
+                        <a:defRPr sz="1800" b="1">
                           <a:solidFill>
                             <a:srgbClr val="FFFFFF"/>
                           </a:solidFill>
@@ -11361,23 +12489,34 @@
                         </a:defRPr>
                       </a:pPr>
                       <a:r>
-                        <a:t>2.</a:t>
-                      </a:r>
-                      <a:r>
-                        <a:t>输入相关信息完成登录</a:t>
+                        <a:t>2.输入相关信息完成登录</a:t>
                       </a:r>
                     </a:p>
                   </a:txBody>
-                  <a:tcPr marL="0" marR="0" marT="0" marB="0" anchor="t" anchorCtr="0" horzOverflow="overflow">
+                  <a:tcPr marL="0" marR="0" marT="0" marB="0" horzOverflow="overflow">
                     <a:solidFill>
                       <a:schemeClr val="accent1"/>
                     </a:solidFill>
                   </a:tcPr>
                 </a:tc>
                 <a:tc hMerge="1">
+                  <a:txBody>
+                    <a:bodyPr/>
+                    <a:lstStyle/>
+                    <a:p>
+                      <a:endParaRPr lang="zh-CN"/>
+                    </a:p>
+                  </a:txBody>
                   <a:tcPr/>
                 </a:tc>
                 <a:tc hMerge="1">
+                  <a:txBody>
+                    <a:bodyPr/>
+                    <a:lstStyle/>
+                    <a:p>
+                      <a:endParaRPr lang="zh-CN"/>
+                    </a:p>
+                  </a:txBody>
                   <a:tcPr/>
                 </a:tc>
               </a:tr>
@@ -11388,7 +12527,7 @@
                     <a:lstStyle/>
                     <a:p>
                       <a:pPr algn="just">
-                        <a:defRPr b="1" sz="1800">
+                        <a:defRPr sz="1800" b="1">
                           <a:solidFill>
                             <a:srgbClr val="FFFFFF"/>
                           </a:solidFill>
@@ -11404,7 +12543,7 @@
                       </a:r>
                     </a:p>
                   </a:txBody>
-                  <a:tcPr marL="0" marR="0" marT="0" marB="0" anchor="t" anchorCtr="0" horzOverflow="overflow">
+                  <a:tcPr marL="0" marR="0" marT="0" marB="0" horzOverflow="overflow">
                     <a:solidFill>
                       <a:schemeClr val="accent1"/>
                     </a:solidFill>
@@ -11429,7 +12568,7 @@
                       </a:r>
                     </a:p>
                   </a:txBody>
-                  <a:tcPr marL="0" marR="0" marT="0" marB="0" anchor="t" anchorCtr="0" horzOverflow="overflow"/>
+                  <a:tcPr marL="0" marR="0" marT="0" marB="0" horzOverflow="overflow"/>
                 </a:tc>
                 <a:tc>
                   <a:txBody>
@@ -11450,7 +12589,7 @@
                       </a:r>
                     </a:p>
                   </a:txBody>
-                  <a:tcPr marL="0" marR="0" marT="0" marB="0" anchor="t" anchorCtr="0" horzOverflow="overflow"/>
+                  <a:tcPr marL="0" marR="0" marT="0" marB="0" horzOverflow="overflow"/>
                 </a:tc>
               </a:tr>
               <a:tr h="408045">
@@ -11460,7 +12599,7 @@
                     <a:lstStyle/>
                     <a:p>
                       <a:pPr algn="just">
-                        <a:defRPr b="1" sz="1800">
+                        <a:defRPr sz="1800" b="1">
                           <a:solidFill>
                             <a:srgbClr val="FFFFFF"/>
                           </a:solidFill>
@@ -11476,7 +12615,7 @@
                       </a:r>
                     </a:p>
                   </a:txBody>
-                  <a:tcPr marL="0" marR="0" marT="0" marB="0" anchor="t" anchorCtr="0" horzOverflow="overflow">
+                  <a:tcPr marL="0" marR="0" marT="0" marB="0" horzOverflow="overflow">
                     <a:solidFill>
                       <a:schemeClr val="accent1"/>
                     </a:solidFill>
@@ -11501,7 +12640,7 @@
                       </a:r>
                     </a:p>
                   </a:txBody>
-                  <a:tcPr marL="0" marR="0" marT="0" marB="0" anchor="t" anchorCtr="0" horzOverflow="overflow"/>
+                  <a:tcPr marL="0" marR="0" marT="0" marB="0" horzOverflow="overflow"/>
                 </a:tc>
                 <a:tc>
                   <a:txBody>
@@ -11522,7 +12661,7 @@
                       </a:r>
                     </a:p>
                   </a:txBody>
-                  <a:tcPr marL="0" marR="0" marT="0" marB="0" anchor="t" anchorCtr="0" horzOverflow="overflow"/>
+                  <a:tcPr marL="0" marR="0" marT="0" marB="0" horzOverflow="overflow"/>
                 </a:tc>
               </a:tr>
               <a:tr h="408045">
@@ -11532,7 +12671,7 @@
                     <a:lstStyle/>
                     <a:p>
                       <a:pPr algn="just">
-                        <a:defRPr b="1" sz="1800">
+                        <a:defRPr sz="1800" b="1">
                           <a:solidFill>
                             <a:srgbClr val="FFFFFF"/>
                           </a:solidFill>
@@ -11548,7 +12687,7 @@
                       </a:r>
                     </a:p>
                   </a:txBody>
-                  <a:tcPr marL="0" marR="0" marT="0" marB="0" anchor="t" anchorCtr="0" horzOverflow="overflow">
+                  <a:tcPr marL="0" marR="0" marT="0" marB="0" horzOverflow="overflow">
                     <a:solidFill>
                       <a:schemeClr val="accent1"/>
                     </a:solidFill>
@@ -11569,14 +12708,11 @@
                         </a:defRPr>
                       </a:pPr>
                       <a:r>
-                        <a:t>提示：账号或密码错误</a:t>
-                      </a:r>
-                      <a:r>
-                        <a:t>!</a:t>
+                        <a:t>提示：账号或密码错误!</a:t>
                       </a:r>
                     </a:p>
                   </a:txBody>
-                  <a:tcPr marL="0" marR="0" marT="0" marB="0" anchor="t" anchorCtr="0" horzOverflow="overflow"/>
+                  <a:tcPr marL="0" marR="0" marT="0" marB="0" horzOverflow="overflow"/>
                 </a:tc>
                 <a:tc>
                   <a:txBody>
@@ -11597,7 +12733,7 @@
                       </a:r>
                     </a:p>
                   </a:txBody>
-                  <a:tcPr marL="0" marR="0" marT="0" marB="0" anchor="t" anchorCtr="0" horzOverflow="overflow"/>
+                  <a:tcPr marL="0" marR="0" marT="0" marB="0" horzOverflow="overflow"/>
                 </a:tc>
               </a:tr>
               <a:tr h="408045">
@@ -11607,7 +12743,7 @@
                     <a:lstStyle/>
                     <a:p>
                       <a:pPr algn="just">
-                        <a:defRPr b="1" sz="1800">
+                        <a:defRPr sz="1800" b="1">
                           <a:solidFill>
                             <a:srgbClr val="FFFFFF"/>
                           </a:solidFill>
@@ -11623,7 +12759,7 @@
                       </a:r>
                     </a:p>
                   </a:txBody>
-                  <a:tcPr marL="0" marR="0" marT="0" marB="0" anchor="t" anchorCtr="0" horzOverflow="overflow">
+                  <a:tcPr marL="0" marR="0" marT="0" marB="0" horzOverflow="overflow">
                     <a:solidFill>
                       <a:schemeClr val="accent1"/>
                     </a:solidFill>
@@ -11648,7 +12784,7 @@
                       </a:r>
                     </a:p>
                   </a:txBody>
-                  <a:tcPr marL="0" marR="0" marT="0" marB="0" anchor="t" anchorCtr="0" horzOverflow="overflow"/>
+                  <a:tcPr marL="0" marR="0" marT="0" marB="0" horzOverflow="overflow"/>
                 </a:tc>
                 <a:tc>
                   <a:txBody>
@@ -11669,7 +12805,7 @@
                       </a:r>
                     </a:p>
                   </a:txBody>
-                  <a:tcPr marL="0" marR="0" marT="0" marB="0" anchor="t" anchorCtr="0" horzOverflow="overflow"/>
+                  <a:tcPr marL="0" marR="0" marT="0" marB="0" horzOverflow="overflow"/>
                 </a:tc>
               </a:tr>
               <a:tr h="408045">
@@ -11679,7 +12815,7 @@
                     <a:lstStyle/>
                     <a:p>
                       <a:pPr algn="just">
-                        <a:defRPr b="1" sz="1800">
+                        <a:defRPr sz="1800" b="1">
                           <a:solidFill>
                             <a:srgbClr val="FFFFFF"/>
                           </a:solidFill>
@@ -11695,7 +12831,7 @@
                       </a:r>
                     </a:p>
                   </a:txBody>
-                  <a:tcPr marL="0" marR="0" marT="0" marB="0" anchor="t" anchorCtr="0" horzOverflow="overflow">
+                  <a:tcPr marL="0" marR="0" marT="0" marB="0" horzOverflow="overflow">
                     <a:solidFill>
                       <a:schemeClr val="accent1"/>
                     </a:solidFill>
@@ -11720,7 +12856,7 @@
                       </a:r>
                     </a:p>
                   </a:txBody>
-                  <a:tcPr marL="0" marR="0" marT="0" marB="0" anchor="t" anchorCtr="0" horzOverflow="overflow"/>
+                  <a:tcPr marL="0" marR="0" marT="0" marB="0" horzOverflow="overflow"/>
                 </a:tc>
                 <a:tc>
                   <a:txBody>
@@ -11741,7 +12877,7 @@
                       </a:r>
                     </a:p>
                   </a:txBody>
-                  <a:tcPr marL="0" marR="0" marT="0" marB="0" anchor="t" anchorCtr="0" horzOverflow="overflow"/>
+                  <a:tcPr marL="0" marR="0" marT="0" marB="0" horzOverflow="overflow"/>
                 </a:tc>
               </a:tr>
             </a:tbl>
@@ -11753,12 +12889,12 @@
   <p:clrMapOvr>
     <a:masterClrMapping/>
   </p:clrMapOvr>
-  <p:transition xmlns:p14="http://schemas.microsoft.com/office/powerpoint/2010/main" spd="med" advClick="1"/>
+  <p:transition spd="med"/>
 </p:sld>
 </file>
 
-<file path=ppt/slides/slide28.xml><?xml version="1.0" encoding="utf-8"?>
-<p:sld xmlns:a="http://schemas.openxmlformats.org/drawingml/2006/main" xmlns:r="http://schemas.openxmlformats.org/officeDocument/2006/relationships" xmlns:p="http://schemas.openxmlformats.org/presentationml/2006/main" xmlns:m="http://schemas.openxmlformats.org/officeDocument/2006/math" xmlns:a14="http://schemas.microsoft.com/office/drawing/2010/main" showMasterSp="1" showMasterPhAnim="1">
+<file path=ppt/slides/slide29.xml><?xml version="1.0" encoding="utf-8"?>
+<p:sld xmlns:a="http://schemas.openxmlformats.org/drawingml/2006/main" xmlns:r="http://schemas.openxmlformats.org/officeDocument/2006/relationships" xmlns:p="http://schemas.openxmlformats.org/presentationml/2006/main">
   <p:cSld>
     <p:spTree>
       <p:nvGrpSpPr>
@@ -11777,7 +12913,9 @@
       <p:sp>
         <p:nvSpPr>
           <p:cNvPr id="168" name="内容占位符 1"/>
-          <p:cNvSpPr txBox="1"/>
+          <p:cNvSpPr txBox="1">
+            <a:spLocks noGrp="1"/>
+          </p:cNvSpPr>
           <p:nvPr>
             <p:ph type="body" idx="1"/>
           </p:nvPr>
@@ -11791,52 +12929,31 @@
           <a:bodyPr/>
           <a:lstStyle/>
           <a:p>
-            <a:pPr/>
-            <a:r>
-              <a:t>1.</a:t>
-            </a:r>
-            <a:r>
-              <a:t>先对主控制模块进行测试，将存根程序代替所有直接附属与主控制模块的模块。</a:t>
-            </a:r>
-          </a:p>
-          <a:p>
-            <a:pPr/>
-            <a:r>
-              <a:t>2.</a:t>
-            </a:r>
-            <a:r>
-              <a:t>每次用一个实际模块代换一个存根程序。</a:t>
-            </a:r>
-          </a:p>
-          <a:p>
-            <a:pPr/>
-            <a:r>
-              <a:t>3.</a:t>
-            </a:r>
-            <a:r>
-              <a:t>在结合进一个模块的同时进行测试</a:t>
-            </a:r>
-          </a:p>
-          <a:p>
-            <a:pPr/>
-            <a:r>
-              <a:t>4.</a:t>
-            </a:r>
-            <a:r>
-              <a:t>在不断进行回归测试</a:t>
-            </a:r>
-          </a:p>
-          <a:p>
-            <a:pPr/>
-            <a:r>
-              <a:t>5.</a:t>
-            </a:r>
-            <a:r>
-              <a:t>重复以上步骤。</a:t>
-            </a:r>
-          </a:p>
-          <a:p>
-            <a:pPr/>
+            <a:r>
+              <a:t>1.先对主控制模块进行测试，将存根程序代替所有直接附属与主控制模块的模块。</a:t>
+            </a:r>
+          </a:p>
+          <a:p>
+            <a:r>
+              <a:t>2.每次用一个实际模块代换一个存根程序。</a:t>
+            </a:r>
+          </a:p>
+          <a:p>
+            <a:r>
+              <a:t>3.在结合进一个模块的同时进行测试</a:t>
+            </a:r>
+          </a:p>
+          <a:p>
+            <a:r>
+              <a:t>4.在不断进行回归测试</a:t>
+            </a:r>
+          </a:p>
+          <a:p>
+            <a:r>
+              <a:t>5.重复以上步骤。</a:t>
+            </a:r>
+          </a:p>
+          <a:p>
             <a:r>
               <a:t>未发现各模块借口间存在的问题</a:t>
             </a:r>
@@ -11846,7 +12963,9 @@
       <p:sp>
         <p:nvSpPr>
           <p:cNvPr id="169" name="标题 2"/>
-          <p:cNvSpPr txBox="1"/>
+          <p:cNvSpPr txBox="1">
+            <a:spLocks noGrp="1"/>
+          </p:cNvSpPr>
           <p:nvPr>
             <p:ph type="title"/>
           </p:nvPr>
@@ -11860,12 +12979,8 @@
           <a:bodyPr/>
           <a:lstStyle/>
           <a:p>
-            <a:pPr/>
-            <a:r>
-              <a:t>6.2</a:t>
-            </a:r>
-            <a:r>
-              <a:t>集成测试</a:t>
+            <a:r>
+              <a:t>6.2集成测试</a:t>
             </a:r>
           </a:p>
         </p:txBody>
@@ -11875,12 +12990,109 @@
   <p:clrMapOvr>
     <a:masterClrMapping/>
   </p:clrMapOvr>
-  <p:transition xmlns:p14="http://schemas.microsoft.com/office/powerpoint/2010/main" spd="med" advClick="1"/>
+  <p:transition spd="med"/>
 </p:sld>
 </file>
 
-<file path=ppt/slides/slide29.xml><?xml version="1.0" encoding="utf-8"?>
-<p:sld xmlns:a="http://schemas.openxmlformats.org/drawingml/2006/main" xmlns:r="http://schemas.openxmlformats.org/officeDocument/2006/relationships" xmlns:p="http://schemas.openxmlformats.org/presentationml/2006/main" xmlns:m="http://schemas.openxmlformats.org/officeDocument/2006/math" xmlns:a14="http://schemas.microsoft.com/office/drawing/2010/main" showMasterSp="1" showMasterPhAnim="1">
+<file path=ppt/slides/slide3.xml><?xml version="1.0" encoding="utf-8"?>
+<p:sld xmlns:a="http://schemas.openxmlformats.org/drawingml/2006/main" xmlns:r="http://schemas.openxmlformats.org/officeDocument/2006/relationships" xmlns:p="http://schemas.openxmlformats.org/presentationml/2006/main">
+  <p:cSld>
+    <p:spTree>
+      <p:nvGrpSpPr>
+        <p:cNvPr id="1" name=""/>
+        <p:cNvGrpSpPr/>
+        <p:nvPr/>
+      </p:nvGrpSpPr>
+      <p:grpSpPr>
+        <a:xfrm>
+          <a:off x="0" y="0"/>
+          <a:ext cx="0" cy="0"/>
+          <a:chOff x="0" y="0"/>
+          <a:chExt cx="0" cy="0"/>
+        </a:xfrm>
+      </p:grpSpPr>
+      <p:sp>
+        <p:nvSpPr>
+          <p:cNvPr id="107" name="内容占位符 1"/>
+          <p:cNvSpPr txBox="1">
+            <a:spLocks noGrp="1"/>
+          </p:cNvSpPr>
+          <p:nvPr>
+            <p:ph type="body" idx="1"/>
+          </p:nvPr>
+        </p:nvSpPr>
+        <p:spPr>
+          <a:prstGeom prst="rect">
+            <a:avLst/>
+          </a:prstGeom>
+        </p:spPr>
+        <p:txBody>
+          <a:bodyPr/>
+          <a:lstStyle/>
+          <a:p>
+            <a:pPr>
+              <a:defRPr b="1"/>
+            </a:pPr>
+            <a:r>
+              <a:t>1.1编写目的</a:t>
+            </a:r>
+          </a:p>
+          <a:p>
+            <a:r>
+              <a:t>	为那些想体验一下钓鱼或者偶尔钓一下鱼的人，提供一款游戏来缓解念想。</a:t>
+            </a:r>
+          </a:p>
+          <a:p>
+            <a:pPr>
+              <a:defRPr b="1"/>
+            </a:pPr>
+            <a:r>
+              <a:t>1.2项目背景</a:t>
+            </a:r>
+          </a:p>
+          <a:p>
+            <a:r>
+              <a:t>	钓鱼，作为一种悠闲自得的运动项目，在现在快节奏的生活下，便变成了难以实现的奢望。因此，我们希望为那些想体验一下钓鱼或者偶尔钓一下鱼的人，提供一款3D仿真钓鱼游戏，让他们在移动设备上体验钓鱼的乐趣。</a:t>
+            </a:r>
+          </a:p>
+        </p:txBody>
+      </p:sp>
+      <p:sp>
+        <p:nvSpPr>
+          <p:cNvPr id="108" name="标题 2"/>
+          <p:cNvSpPr txBox="1">
+            <a:spLocks noGrp="1"/>
+          </p:cNvSpPr>
+          <p:nvPr>
+            <p:ph type="title"/>
+          </p:nvPr>
+        </p:nvSpPr>
+        <p:spPr>
+          <a:prstGeom prst="rect">
+            <a:avLst/>
+          </a:prstGeom>
+        </p:spPr>
+        <p:txBody>
+          <a:bodyPr/>
+          <a:lstStyle/>
+          <a:p>
+            <a:r>
+              <a:t>一.引言</a:t>
+            </a:r>
+          </a:p>
+        </p:txBody>
+      </p:sp>
+    </p:spTree>
+  </p:cSld>
+  <p:clrMapOvr>
+    <a:masterClrMapping/>
+  </p:clrMapOvr>
+  <p:transition spd="med"/>
+</p:sld>
+</file>
+
+<file path=ppt/slides/slide30.xml><?xml version="1.0" encoding="utf-8"?>
+<p:sld xmlns:a="http://schemas.openxmlformats.org/drawingml/2006/main" xmlns:r="http://schemas.openxmlformats.org/officeDocument/2006/relationships" xmlns:p="http://schemas.openxmlformats.org/presentationml/2006/main">
   <p:cSld>
     <p:spTree>
       <p:nvGrpSpPr>
@@ -11899,7 +13111,9 @@
       <p:sp>
         <p:nvSpPr>
           <p:cNvPr id="171" name="内容占位符 1"/>
-          <p:cNvSpPr txBox="1"/>
+          <p:cNvSpPr txBox="1">
+            <a:spLocks noGrp="1"/>
+          </p:cNvSpPr>
           <p:nvPr>
             <p:ph type="body" idx="1"/>
           </p:nvPr>
@@ -11923,10 +13137,7 @@
               <a:defRPr sz="2208"/>
             </a:pPr>
             <a:r>
-              <a:t>时间：</a:t>
-            </a:r>
-            <a:r>
-              <a:t>2018.5.25</a:t>
+              <a:t>时间：2018.5.25</a:t>
             </a:r>
           </a:p>
           <a:p>
@@ -11940,10 +13151,7 @@
               <a:defRPr sz="2208"/>
             </a:pPr>
             <a:r>
-              <a:t>地点：寝室</a:t>
-            </a:r>
-            <a:r>
-              <a:t>604</a:t>
+              <a:t>地点：寝室604</a:t>
             </a:r>
           </a:p>
           <a:p>
@@ -11971,49 +13179,7 @@
               <a:defRPr sz="2208"/>
             </a:pPr>
             <a:r>
-              <a:t>测试结果：在三位开发人员的</a:t>
-            </a:r>
-            <a:r>
-              <a:t>“</a:t>
-            </a:r>
-            <a:r>
-              <a:t>指导下</a:t>
-            </a:r>
-            <a:r>
-              <a:t>”</a:t>
-            </a:r>
-            <a:r>
-              <a:t>，该同学对钓鱼</a:t>
-            </a:r>
-            <a:r>
-              <a:t>APP</a:t>
-            </a:r>
-            <a:r>
-              <a:t>的已开发功能用了一遍，同时仔细审核了一下自己原先的需求定义。认为该</a:t>
-            </a:r>
-            <a:r>
-              <a:t>App</a:t>
-            </a:r>
-            <a:r>
-              <a:t>与自己理想需求存在一定的差异。有如下差异：</a:t>
-            </a:r>
-            <a:r>
-              <a:t>1</a:t>
-            </a:r>
-            <a:r>
-              <a:t>、界面设计不够理想</a:t>
-            </a:r>
-            <a:r>
-              <a:t> 2</a:t>
-            </a:r>
-            <a:r>
-              <a:t>、玩法比较简单</a:t>
-            </a:r>
-            <a:r>
-              <a:t> 3</a:t>
-            </a:r>
-            <a:r>
-              <a:t>、仍然存在部分功能模块问题</a:t>
+              <a:t>测试结果：在三位开发人员的“指导下”，该同学对钓鱼APP的已开发功能用了一遍，同时仔细审核了一下自己原先的需求定义。认为该App与自己理想需求存在一定的差异。有如下差异：1、界面设计不够理想 2、玩法比较简单 3、仍然存在部分功能模块问题</a:t>
             </a:r>
           </a:p>
           <a:p>
@@ -12049,7 +13215,9 @@
       <p:sp>
         <p:nvSpPr>
           <p:cNvPr id="172" name="标题 2"/>
-          <p:cNvSpPr txBox="1"/>
+          <p:cNvSpPr txBox="1">
+            <a:spLocks noGrp="1"/>
+          </p:cNvSpPr>
           <p:nvPr>
             <p:ph type="title"/>
           </p:nvPr>
@@ -12063,12 +13231,8 @@
           <a:bodyPr/>
           <a:lstStyle/>
           <a:p>
-            <a:pPr/>
-            <a:r>
-              <a:t>6.3</a:t>
-            </a:r>
-            <a:r>
-              <a:t>确认测试</a:t>
+            <a:r>
+              <a:t>6.3确认测试</a:t>
             </a:r>
           </a:p>
         </p:txBody>
@@ -12078,129 +13242,12 @@
   <p:clrMapOvr>
     <a:masterClrMapping/>
   </p:clrMapOvr>
-  <p:transition xmlns:p14="http://schemas.microsoft.com/office/powerpoint/2010/main" spd="med" advClick="1"/>
+  <p:transition spd="med"/>
 </p:sld>
 </file>
 
-<file path=ppt/slides/slide3.xml><?xml version="1.0" encoding="utf-8"?>
-<p:sld xmlns:a="http://schemas.openxmlformats.org/drawingml/2006/main" xmlns:r="http://schemas.openxmlformats.org/officeDocument/2006/relationships" xmlns:p="http://schemas.openxmlformats.org/presentationml/2006/main" xmlns:m="http://schemas.openxmlformats.org/officeDocument/2006/math" xmlns:a14="http://schemas.microsoft.com/office/drawing/2010/main" showMasterSp="1" showMasterPhAnim="1">
-  <p:cSld>
-    <p:spTree>
-      <p:nvGrpSpPr>
-        <p:cNvPr id="1" name=""/>
-        <p:cNvGrpSpPr/>
-        <p:nvPr/>
-      </p:nvGrpSpPr>
-      <p:grpSpPr>
-        <a:xfrm>
-          <a:off x="0" y="0"/>
-          <a:ext cx="0" cy="0"/>
-          <a:chOff x="0" y="0"/>
-          <a:chExt cx="0" cy="0"/>
-        </a:xfrm>
-      </p:grpSpPr>
-      <p:sp>
-        <p:nvSpPr>
-          <p:cNvPr id="107" name="内容占位符 1"/>
-          <p:cNvSpPr txBox="1"/>
-          <p:nvPr>
-            <p:ph type="body" idx="1"/>
-          </p:nvPr>
-        </p:nvSpPr>
-        <p:spPr>
-          <a:prstGeom prst="rect">
-            <a:avLst/>
-          </a:prstGeom>
-        </p:spPr>
-        <p:txBody>
-          <a:bodyPr/>
-          <a:lstStyle/>
-          <a:p>
-            <a:pPr>
-              <a:defRPr b="1"/>
-            </a:pPr>
-            <a:r>
-              <a:t>1.1</a:t>
-            </a:r>
-            <a:r>
-              <a:t>编写目的</a:t>
-            </a:r>
-          </a:p>
-          <a:p>
-            <a:pPr/>
-            <a:r>
-              <a:t>	</a:t>
-            </a:r>
-            <a:r>
-              <a:t>为那些想体验一下钓鱼或者偶尔钓一下鱼的人，提供一款游戏来缓解念想。</a:t>
-            </a:r>
-          </a:p>
-          <a:p>
-            <a:pPr>
-              <a:defRPr b="1"/>
-            </a:pPr>
-            <a:r>
-              <a:t>1.2</a:t>
-            </a:r>
-            <a:r>
-              <a:t>项目背景</a:t>
-            </a:r>
-          </a:p>
-          <a:p>
-            <a:pPr/>
-            <a:r>
-              <a:t>	钓鱼，作为一种悠闲自得的运动项目，在现在快节奏的生活下，便变成了难以实现的奢望。因此，我们希望为那些想体验一下钓鱼或者偶尔钓一下鱼的人，提供一款</a:t>
-            </a:r>
-            <a:r>
-              <a:t>3D</a:t>
-            </a:r>
-            <a:r>
-              <a:t>仿真钓鱼游戏，让他们在移动设备上体验钓鱼的乐趣。</a:t>
-            </a:r>
-          </a:p>
-        </p:txBody>
-      </p:sp>
-      <p:sp>
-        <p:nvSpPr>
-          <p:cNvPr id="108" name="标题 2"/>
-          <p:cNvSpPr txBox="1"/>
-          <p:nvPr>
-            <p:ph type="title"/>
-          </p:nvPr>
-        </p:nvSpPr>
-        <p:spPr>
-          <a:prstGeom prst="rect">
-            <a:avLst/>
-          </a:prstGeom>
-        </p:spPr>
-        <p:txBody>
-          <a:bodyPr/>
-          <a:lstStyle/>
-          <a:p>
-            <a:pPr/>
-            <a:r>
-              <a:t>一</a:t>
-            </a:r>
-            <a:r>
-              <a:t>.</a:t>
-            </a:r>
-            <a:r>
-              <a:t>引言</a:t>
-            </a:r>
-          </a:p>
-        </p:txBody>
-      </p:sp>
-    </p:spTree>
-  </p:cSld>
-  <p:clrMapOvr>
-    <a:masterClrMapping/>
-  </p:clrMapOvr>
-  <p:transition xmlns:p14="http://schemas.microsoft.com/office/powerpoint/2010/main" spd="med" advClick="1"/>
-</p:sld>
-</file>
-
-<file path=ppt/slides/slide30.xml><?xml version="1.0" encoding="utf-8"?>
-<p:sld xmlns:a="http://schemas.openxmlformats.org/drawingml/2006/main" xmlns:r="http://schemas.openxmlformats.org/officeDocument/2006/relationships" xmlns:p="http://schemas.openxmlformats.org/presentationml/2006/main" xmlns:m="http://schemas.openxmlformats.org/officeDocument/2006/math" xmlns:a14="http://schemas.microsoft.com/office/drawing/2010/main" showMasterSp="1" showMasterPhAnim="1">
+<file path=ppt/slides/slide31.xml><?xml version="1.0" encoding="utf-8"?>
+<p:sld xmlns:a="http://schemas.openxmlformats.org/drawingml/2006/main" xmlns:r="http://schemas.openxmlformats.org/officeDocument/2006/relationships" xmlns:p="http://schemas.openxmlformats.org/presentationml/2006/main">
   <p:cSld>
     <p:spTree>
       <p:nvGrpSpPr>
@@ -12219,7 +13266,9 @@
       <p:sp>
         <p:nvSpPr>
           <p:cNvPr id="174" name="内容占位符 1"/>
-          <p:cNvSpPr txBox="1"/>
+          <p:cNvSpPr txBox="1">
+            <a:spLocks noGrp="1"/>
+          </p:cNvSpPr>
           <p:nvPr>
             <p:ph type="body" idx="1"/>
           </p:nvPr>
@@ -12257,10 +13306,7 @@
               <a:defRPr sz="1919"/>
             </a:pPr>
             <a:r>
-              <a:t>1</a:t>
-            </a:r>
-            <a:r>
-              <a:t>、直接安装：启动和功能点 </a:t>
+              <a:t>1、直接安装：启动和功能点 </a:t>
             </a:r>
           </a:p>
           <a:p>
@@ -12288,10 +13334,7 @@
               <a:defRPr sz="1919"/>
             </a:pPr>
             <a:r>
-              <a:t>2</a:t>
-            </a:r>
-            <a:r>
-              <a:t>、覆盖安装：新版本是否能继承老版本用户数据（比如用户资料、收藏、浏览历史等）</a:t>
+              <a:t>2、覆盖安装：新版本是否能继承老版本用户数据（比如用户资料、收藏、浏览历史等）</a:t>
             </a:r>
           </a:p>
           <a:p>
@@ -12319,10 +13362,7 @@
               <a:defRPr sz="1919"/>
             </a:pPr>
             <a:r>
-              <a:t>3</a:t>
-            </a:r>
-            <a:r>
-              <a:t>、卸载安装：是否能正常卸载，卸载成功后是否可以正常安装使用</a:t>
+              <a:t>3、卸载安装：是否能正常卸载，卸载成功后是否可以正常安装使用</a:t>
             </a:r>
           </a:p>
           <a:p>
@@ -12364,10 +13404,7 @@
               <a:defRPr sz="1919"/>
             </a:pPr>
             <a:r>
-              <a:t>1</a:t>
-            </a:r>
-            <a:r>
-              <a:t>、升级覆盖安装</a:t>
+              <a:t>1、升级覆盖安装</a:t>
             </a:r>
           </a:p>
           <a:p>
@@ -12381,10 +13418,7 @@
               <a:defRPr sz="1919"/>
             </a:pPr>
             <a:r>
-              <a:t>2</a:t>
-            </a:r>
-            <a:r>
-              <a:t>、下载后手动覆盖安装</a:t>
+              <a:t>2、下载后手动覆盖安装</a:t>
             </a:r>
           </a:p>
           <a:p>
@@ -12398,10 +13432,7 @@
               <a:defRPr sz="1919"/>
             </a:pPr>
             <a:r>
-              <a:t>3</a:t>
-            </a:r>
-            <a:r>
-              <a:t>、跨版本升级、升级后可以正常使用。</a:t>
+              <a:t>3、跨版本升级、升级后可以正常使用。</a:t>
             </a:r>
           </a:p>
           <a:p>
@@ -12423,7 +13454,9 @@
       <p:sp>
         <p:nvSpPr>
           <p:cNvPr id="175" name="标题 2"/>
-          <p:cNvSpPr txBox="1"/>
+          <p:cNvSpPr txBox="1">
+            <a:spLocks noGrp="1"/>
+          </p:cNvSpPr>
           <p:nvPr>
             <p:ph type="title"/>
           </p:nvPr>
@@ -12437,12 +13470,8 @@
           <a:bodyPr/>
           <a:lstStyle/>
           <a:p>
-            <a:pPr/>
-            <a:r>
-              <a:t>6.4</a:t>
-            </a:r>
-            <a:r>
-              <a:t>白盒测试</a:t>
+            <a:r>
+              <a:t>6.4白盒测试</a:t>
             </a:r>
           </a:p>
         </p:txBody>
@@ -12452,12 +13481,12 @@
   <p:clrMapOvr>
     <a:masterClrMapping/>
   </p:clrMapOvr>
-  <p:transition xmlns:p14="http://schemas.microsoft.com/office/powerpoint/2010/main" spd="med" advClick="1"/>
+  <p:transition spd="med"/>
 </p:sld>
 </file>
 
-<file path=ppt/slides/slide31.xml><?xml version="1.0" encoding="utf-8"?>
-<p:sld xmlns:a="http://schemas.openxmlformats.org/drawingml/2006/main" xmlns:r="http://schemas.openxmlformats.org/officeDocument/2006/relationships" xmlns:p="http://schemas.openxmlformats.org/presentationml/2006/main" xmlns:m="http://schemas.openxmlformats.org/officeDocument/2006/math" xmlns:a14="http://schemas.microsoft.com/office/drawing/2010/main" showMasterSp="1" showMasterPhAnim="1">
+<file path=ppt/slides/slide32.xml><?xml version="1.0" encoding="utf-8"?>
+<p:sld xmlns:a="http://schemas.openxmlformats.org/drawingml/2006/main" xmlns:r="http://schemas.openxmlformats.org/officeDocument/2006/relationships" xmlns:p="http://schemas.openxmlformats.org/presentationml/2006/main">
   <p:cSld>
     <p:spTree>
       <p:nvGrpSpPr>
@@ -12476,7 +13505,9 @@
       <p:sp>
         <p:nvSpPr>
           <p:cNvPr id="177" name="内容占位符 1"/>
-          <p:cNvSpPr txBox="1"/>
+          <p:cNvSpPr txBox="1">
+            <a:spLocks noGrp="1"/>
+          </p:cNvSpPr>
           <p:nvPr>
             <p:ph type="body" idx="1"/>
           </p:nvPr>
@@ -12513,10 +13544,7 @@
               <a:defRPr sz="2900"/>
             </a:pPr>
             <a:r>
-              <a:t>1</a:t>
-            </a:r>
-            <a:r>
-              <a:t>、功能点</a:t>
+              <a:t>1、功能点</a:t>
             </a:r>
             <a:endParaRPr sz="2400"/>
           </a:p>
@@ -12576,19 +13604,7 @@
               <a:defRPr sz="2900"/>
             </a:pPr>
             <a:r>
-              <a:t>如突然来电、短信弹出、闹钟、</a:t>
-            </a:r>
-            <a:r>
-              <a:t>QQ</a:t>
-            </a:r>
-            <a:r>
-              <a:t>聊天信息、微信、低电量等是</a:t>
-            </a:r>
-            <a:r>
-              <a:t>app</a:t>
-            </a:r>
-            <a:r>
-              <a:t>能否正常使用</a:t>
+              <a:t>如突然来电、短信弹出、闹钟、QQ聊天信息、微信、低电量等是app能否正常使用</a:t>
             </a:r>
             <a:endParaRPr sz="2400"/>
           </a:p>
@@ -12622,12 +13638,12 @@
   <p:clrMapOvr>
     <a:masterClrMapping/>
   </p:clrMapOvr>
-  <p:transition xmlns:p14="http://schemas.microsoft.com/office/powerpoint/2010/main" spd="med" advClick="1"/>
+  <p:transition spd="med"/>
 </p:sld>
 </file>
 
-<file path=ppt/slides/slide32.xml><?xml version="1.0" encoding="utf-8"?>
-<p:sld xmlns:a="http://schemas.openxmlformats.org/drawingml/2006/main" xmlns:r="http://schemas.openxmlformats.org/officeDocument/2006/relationships" xmlns:p="http://schemas.openxmlformats.org/presentationml/2006/main" xmlns:m="http://schemas.openxmlformats.org/officeDocument/2006/math" xmlns:a14="http://schemas.microsoft.com/office/drawing/2010/main" showMasterSp="1" showMasterPhAnim="1">
+<file path=ppt/slides/slide33.xml><?xml version="1.0" encoding="utf-8"?>
+<p:sld xmlns:a="http://schemas.openxmlformats.org/drawingml/2006/main" xmlns:r="http://schemas.openxmlformats.org/officeDocument/2006/relationships" xmlns:p="http://schemas.openxmlformats.org/presentationml/2006/main">
   <p:cSld>
     <p:spTree>
       <p:nvGrpSpPr>
@@ -12646,7 +13662,9 @@
       <p:sp>
         <p:nvSpPr>
           <p:cNvPr id="179" name="内容占位符 1"/>
-          <p:cNvSpPr txBox="1"/>
+          <p:cNvSpPr txBox="1">
+            <a:spLocks noGrp="1"/>
+          </p:cNvSpPr>
           <p:nvPr>
             <p:ph type="body" idx="1"/>
           </p:nvPr>
@@ -12668,39 +13686,7 @@
             </a:r>
             <a:r>
               <a:rPr sz="2400"/>
-              <a:t>1</a:t>
-            </a:r>
-            <a:r>
-              <a:rPr sz="2400"/>
-              <a:t>	刘国柱</a:t>
-            </a:r>
-            <a:r>
-              <a:rPr sz="2400"/>
-              <a:t>. Unity3D/2D </a:t>
-            </a:r>
-            <a:r>
-              <a:rPr sz="2400"/>
-              <a:t>游戏开发从</a:t>
-            </a:r>
-            <a:r>
-              <a:rPr sz="2400"/>
-              <a:t>0</a:t>
-            </a:r>
-            <a:r>
-              <a:rPr sz="2400"/>
-              <a:t>到</a:t>
-            </a:r>
-            <a:r>
-              <a:rPr sz="2400"/>
-              <a:t>1. </a:t>
-            </a:r>
-            <a:r>
-              <a:rPr sz="2400"/>
-              <a:t>北京：电子工艺出版社，</a:t>
-            </a:r>
-            <a:r>
-              <a:rPr sz="2400"/>
-              <a:t>2018</a:t>
+              <a:t>1	刘国柱. Unity3D/2D 游戏开发从0到1. 北京：电子工艺出版社，2018</a:t>
             </a:r>
           </a:p>
           <a:p>
@@ -12708,25 +13694,7 @@
               <a:defRPr sz="2400"/>
             </a:pPr>
             <a:r>
-              <a:t>	2	</a:t>
-            </a:r>
-            <a:r>
-              <a:t>张海藩，牟永敏</a:t>
-            </a:r>
-            <a:r>
-              <a:t>. </a:t>
-            </a:r>
-            <a:r>
-              <a:t>软件工程导论</a:t>
-            </a:r>
-            <a:r>
-              <a:t>. </a:t>
-            </a:r>
-            <a:r>
-              <a:t>北京：清华大学出版社，</a:t>
-            </a:r>
-            <a:r>
-              <a:t>2013 </a:t>
+              <a:t>	2	张海藩，牟永敏. 软件工程导论. 北京：清华大学出版社，2013 </a:t>
             </a:r>
           </a:p>
           <a:p>
@@ -12734,25 +13702,7 @@
               <a:defRPr sz="2400"/>
             </a:pPr>
             <a:r>
-              <a:t>	3	</a:t>
-            </a:r>
-            <a:r>
-              <a:t>   金玺曾</a:t>
-            </a:r>
-            <a:r>
-              <a:t>. Unity 3D/2D </a:t>
-            </a:r>
-            <a:r>
-              <a:t>手机游戏开发</a:t>
-            </a:r>
-            <a:r>
-              <a:t>. </a:t>
-            </a:r>
-            <a:r>
-              <a:t>北京：清华大学出版社，</a:t>
-            </a:r>
-            <a:r>
-              <a:t>2013</a:t>
+              <a:t>	3	   金玺曾. Unity 3D/2D 手机游戏开发. 北京：清华大学出版社，2013</a:t>
             </a:r>
           </a:p>
           <a:p>
@@ -12760,19 +13710,7 @@
               <a:defRPr sz="2400"/>
             </a:pPr>
             <a:r>
-              <a:t>	4	Unity3D</a:t>
-            </a:r>
-            <a:r>
-              <a:t>模型共享网 </a:t>
-            </a:r>
-            <a:r>
-              <a:t>URL</a:t>
-            </a:r>
-            <a:r>
-              <a:t>：     </a:t>
-            </a:r>
-            <a:r>
-              <a:t>http://www.aigei.com/unity3d/model/animal</a:t>
+              <a:t>	4	Unity3D模型共享网 URL：     http://www.aigei.com/unity3d/model/animal</a:t>
             </a:r>
           </a:p>
         </p:txBody>
@@ -12780,7 +13718,9 @@
       <p:sp>
         <p:nvSpPr>
           <p:cNvPr id="180" name="标题 2"/>
-          <p:cNvSpPr txBox="1"/>
+          <p:cNvSpPr txBox="1">
+            <a:spLocks noGrp="1"/>
+          </p:cNvSpPr>
           <p:nvPr>
             <p:ph type="title"/>
           </p:nvPr>
@@ -12794,7 +13734,6 @@
           <a:bodyPr/>
           <a:lstStyle/>
           <a:p>
-            <a:pPr/>
             <a:r>
               <a:t>参考资料</a:t>
             </a:r>
@@ -12806,12 +13745,12 @@
   <p:clrMapOvr>
     <a:masterClrMapping/>
   </p:clrMapOvr>
-  <p:transition xmlns:p14="http://schemas.microsoft.com/office/powerpoint/2010/main" spd="med" advClick="1"/>
+  <p:transition spd="med"/>
 </p:sld>
 </file>
 
-<file path=ppt/slides/slide33.xml><?xml version="1.0" encoding="utf-8"?>
-<p:sld xmlns:a="http://schemas.openxmlformats.org/drawingml/2006/main" xmlns:r="http://schemas.openxmlformats.org/officeDocument/2006/relationships" xmlns:p="http://schemas.openxmlformats.org/presentationml/2006/main" xmlns:m="http://schemas.openxmlformats.org/officeDocument/2006/math" xmlns:a14="http://schemas.microsoft.com/office/drawing/2010/main" showMasterSp="1" showMasterPhAnim="1">
+<file path=ppt/slides/slide34.xml><?xml version="1.0" encoding="utf-8"?>
+<p:sld xmlns:a="http://schemas.openxmlformats.org/drawingml/2006/main" xmlns:r="http://schemas.openxmlformats.org/officeDocument/2006/relationships" xmlns:p="http://schemas.openxmlformats.org/presentationml/2006/main">
   <p:cSld>
     <p:spTree>
       <p:nvGrpSpPr>
@@ -12830,7 +13769,9 @@
       <p:sp>
         <p:nvSpPr>
           <p:cNvPr id="182" name="内容占位符 1"/>
-          <p:cNvSpPr txBox="1"/>
+          <p:cNvSpPr txBox="1">
+            <a:spLocks noGrp="1"/>
+          </p:cNvSpPr>
           <p:nvPr>
             <p:ph type="body" idx="1"/>
           </p:nvPr>
@@ -12848,13 +13789,7 @@
               <a:defRPr sz="3600"/>
             </a:pPr>
             <a:r>
-              <a:t>郑鸿棣：钓鱼功能实现，游戏的一些细节功能  </a:t>
-            </a:r>
-            <a:r>
-              <a:t>9.3</a:t>
-            </a:r>
-            <a:r>
-              <a:t>分</a:t>
+              <a:t>郑鸿棣：钓鱼功能实现，游戏的一些细节功能  9.3分</a:t>
             </a:r>
           </a:p>
           <a:p>
@@ -12862,19 +13797,7 @@
               <a:defRPr sz="3600"/>
             </a:pPr>
             <a:r>
-              <a:t>徐余浩：钓鱼百科，背包设计，</a:t>
-            </a:r>
-            <a:r>
-              <a:t>word</a:t>
-            </a:r>
-            <a:r>
-              <a:t>制作 </a:t>
-            </a:r>
-            <a:r>
-              <a:t>9.2</a:t>
-            </a:r>
-            <a:r>
-              <a:t>分</a:t>
+              <a:t>徐余浩：钓鱼百科，背包设计，word制作 9.2分</a:t>
             </a:r>
           </a:p>
           <a:p>
@@ -12882,19 +13805,7 @@
               <a:defRPr sz="3600"/>
             </a:pPr>
             <a:r>
-              <a:t>陈瑜安：游戏界面制作，场景跳转，</a:t>
-            </a:r>
-            <a:r>
-              <a:t>PPT</a:t>
-            </a:r>
-            <a:r>
-              <a:t>制作 </a:t>
-            </a:r>
-            <a:r>
-              <a:t>9.1</a:t>
-            </a:r>
-            <a:r>
-              <a:t>分</a:t>
+              <a:t>陈瑜安：游戏界面制作，场景跳转，PPT制作 9.1分</a:t>
             </a:r>
           </a:p>
         </p:txBody>
@@ -12902,7 +13813,9 @@
       <p:sp>
         <p:nvSpPr>
           <p:cNvPr id="183" name="标题 2"/>
-          <p:cNvSpPr txBox="1"/>
+          <p:cNvSpPr txBox="1">
+            <a:spLocks noGrp="1"/>
+          </p:cNvSpPr>
           <p:nvPr>
             <p:ph type="title"/>
           </p:nvPr>
@@ -12916,7 +13829,7 @@
           <a:bodyPr/>
           <a:lstStyle>
             <a:lvl1pPr defTabSz="877823">
-              <a:defRPr spc="-96" sz="6335">
+              <a:defRPr sz="6335" spc="-96">
                 <a:ln w="2949">
                   <a:solidFill>
                     <a:srgbClr val="3C4421">
@@ -12928,7 +13841,6 @@
             </a:lvl1pPr>
           </a:lstStyle>
           <a:p>
-            <a:pPr/>
             <a:r>
               <a:t>组员分工</a:t>
             </a:r>
@@ -12940,12 +13852,12 @@
   <p:clrMapOvr>
     <a:masterClrMapping/>
   </p:clrMapOvr>
-  <p:transition xmlns:p14="http://schemas.microsoft.com/office/powerpoint/2010/main" spd="med" advClick="1"/>
+  <p:transition spd="med"/>
 </p:sld>
 </file>
 
-<file path=ppt/slides/slide34.xml><?xml version="1.0" encoding="utf-8"?>
-<p:sld xmlns:a="http://schemas.openxmlformats.org/drawingml/2006/main" xmlns:r="http://schemas.openxmlformats.org/officeDocument/2006/relationships" xmlns:p="http://schemas.openxmlformats.org/presentationml/2006/main" xmlns:m="http://schemas.openxmlformats.org/officeDocument/2006/math" xmlns:a14="http://schemas.microsoft.com/office/drawing/2010/main" showMasterSp="1" showMasterPhAnim="1">
+<file path=ppt/slides/slide35.xml><?xml version="1.0" encoding="utf-8"?>
+<p:sld xmlns:a="http://schemas.openxmlformats.org/drawingml/2006/main" xmlns:r="http://schemas.openxmlformats.org/officeDocument/2006/relationships" xmlns:p="http://schemas.openxmlformats.org/presentationml/2006/main">
   <p:cSld>
     <p:spTree>
       <p:nvGrpSpPr>
@@ -12964,7 +13876,9 @@
       <p:sp>
         <p:nvSpPr>
           <p:cNvPr id="185" name="内容占位符 1"/>
-          <p:cNvSpPr txBox="1"/>
+          <p:cNvSpPr txBox="1">
+            <a:spLocks noGrp="1"/>
+          </p:cNvSpPr>
           <p:nvPr>
             <p:ph type="body" idx="1"/>
           </p:nvPr>
@@ -13000,12 +13914,12 @@
   <p:clrMapOvr>
     <a:masterClrMapping/>
   </p:clrMapOvr>
-  <p:transition xmlns:p14="http://schemas.microsoft.com/office/powerpoint/2010/main" spd="med" advClick="1"/>
+  <p:transition spd="med"/>
 </p:sld>
 </file>
 
 <file path=ppt/slides/slide4.xml><?xml version="1.0" encoding="utf-8"?>
-<p:sld xmlns:a="http://schemas.openxmlformats.org/drawingml/2006/main" xmlns:r="http://schemas.openxmlformats.org/officeDocument/2006/relationships" xmlns:p="http://schemas.openxmlformats.org/presentationml/2006/main" xmlns:m="http://schemas.openxmlformats.org/officeDocument/2006/math" xmlns:a14="http://schemas.microsoft.com/office/drawing/2010/main" showMasterSp="1" showMasterPhAnim="1">
+<p:sld xmlns:a="http://schemas.openxmlformats.org/drawingml/2006/main" xmlns:r="http://schemas.openxmlformats.org/officeDocument/2006/relationships" xmlns:p="http://schemas.openxmlformats.org/presentationml/2006/main">
   <p:cSld>
     <p:spTree>
       <p:nvGrpSpPr>
@@ -13024,7 +13938,9 @@
       <p:sp>
         <p:nvSpPr>
           <p:cNvPr id="110" name="内容占位符 1"/>
-          <p:cNvSpPr txBox="1"/>
+          <p:cNvSpPr txBox="1">
+            <a:spLocks noGrp="1"/>
+          </p:cNvSpPr>
           <p:nvPr>
             <p:ph type="body" idx="1"/>
           </p:nvPr>
@@ -13045,16 +13961,10 @@
               <a:spcBef>
                 <a:spcPts val="500"/>
               </a:spcBef>
-              <a:defRPr b="1" sz="2574"/>
+              <a:defRPr sz="2574" b="1"/>
             </a:pPr>
             <a:r>
-              <a:t>2.1</a:t>
-            </a:r>
-            <a:r>
-              <a:t>程序</a:t>
-            </a:r>
-            <a:r>
-              <a:t>清单</a:t>
+              <a:t>2.1程序清单</a:t>
             </a:r>
           </a:p>
           <a:p>
@@ -13079,13 +13989,10 @@
               <a:spcBef>
                 <a:spcPts val="500"/>
               </a:spcBef>
-              <a:defRPr b="1" sz="2574"/>
+              <a:defRPr sz="2574" b="1"/>
             </a:pPr>
             <a:r>
-              <a:t>2.2</a:t>
-            </a:r>
-            <a:r>
-              <a:t>小组代码规范</a:t>
+              <a:t>2.2小组代码规范</a:t>
             </a:r>
           </a:p>
           <a:p>
@@ -13099,10 +14006,7 @@
               <a:defRPr sz="2574"/>
             </a:pPr>
             <a:r>
-              <a:t>1.</a:t>
-            </a:r>
-            <a:r>
-              <a:t>明确方法功能，精确（而不是近似）地实现方法设计。如果一个功能将在多处实现，即使只有两行代码，也应该编写方法实现。</a:t>
+              <a:t>1.明确方法功能，精确（而不是近似）地实现方法设计。如果一个功能将在多处实现，即使只有两行代码，也应该编写方法实现。</a:t>
             </a:r>
           </a:p>
           <a:p>
@@ -13124,7 +14028,9 @@
       <p:sp>
         <p:nvSpPr>
           <p:cNvPr id="111" name="标题 2"/>
-          <p:cNvSpPr txBox="1"/>
+          <p:cNvSpPr txBox="1">
+            <a:spLocks noGrp="1"/>
+          </p:cNvSpPr>
           <p:nvPr>
             <p:ph type="title"/>
           </p:nvPr>
@@ -13138,16 +14044,15 @@
           <a:bodyPr/>
           <a:lstStyle/>
           <a:p>
-            <a:pPr/>
-            <a:r>
-              <a:t>二</a:t>
-            </a:r>
-            <a:r>
-              <a:t>.</a:t>
-            </a:r>
-            <a:r>
+            <a:r>
+              <a:rPr dirty="0" err="1"/>
+              <a:t>二.</a:t>
+            </a:r>
+            <a:r>
+              <a:rPr dirty="0" err="1"/>
               <a:t>钓鱼游戏设计说明</a:t>
             </a:r>
+            <a:endParaRPr dirty="0"/>
           </a:p>
         </p:txBody>
       </p:sp>
@@ -13156,12 +14061,12 @@
   <p:clrMapOvr>
     <a:masterClrMapping/>
   </p:clrMapOvr>
-  <p:transition xmlns:p14="http://schemas.microsoft.com/office/powerpoint/2010/main" spd="med" advClick="1"/>
+  <p:transition spd="med"/>
 </p:sld>
 </file>
 
 <file path=ppt/slides/slide5.xml><?xml version="1.0" encoding="utf-8"?>
-<p:sld xmlns:a="http://schemas.openxmlformats.org/drawingml/2006/main" xmlns:r="http://schemas.openxmlformats.org/officeDocument/2006/relationships" xmlns:p="http://schemas.openxmlformats.org/presentationml/2006/main" xmlns:m="http://schemas.openxmlformats.org/officeDocument/2006/math" xmlns:a14="http://schemas.microsoft.com/office/drawing/2010/main" showMasterSp="1" showMasterPhAnim="1">
+<p:sld xmlns:a="http://schemas.openxmlformats.org/drawingml/2006/main" xmlns:r="http://schemas.openxmlformats.org/officeDocument/2006/relationships" xmlns:p="http://schemas.openxmlformats.org/presentationml/2006/main">
   <p:cSld>
     <p:spTree>
       <p:nvGrpSpPr>
@@ -13180,7 +14085,9 @@
       <p:sp>
         <p:nvSpPr>
           <p:cNvPr id="113" name="内容占位符 1"/>
-          <p:cNvSpPr txBox="1"/>
+          <p:cNvSpPr txBox="1">
+            <a:spLocks noGrp="1"/>
+          </p:cNvSpPr>
           <p:nvPr>
             <p:ph type="body" idx="1"/>
           </p:nvPr>
@@ -13205,10 +14112,7 @@
               <a:defRPr sz="2574"/>
             </a:pPr>
             <a:r>
-              <a:t>2.</a:t>
-            </a:r>
-            <a:r>
-              <a:t>应明确规定对接口方法参数的合法性检查应由方法的调用者负责还是由接口方法本身负责，缺省是由方法调用者负责。</a:t>
+              <a:t>2.应明确规定对接口方法参数的合法性检查应由方法的调用者负责还是由接口方法本身负责，缺省是由方法调用者负责。</a:t>
             </a:r>
           </a:p>
           <a:p>
@@ -13251,12 +14155,12 @@
   <p:clrMapOvr>
     <a:masterClrMapping/>
   </p:clrMapOvr>
-  <p:transition xmlns:p14="http://schemas.microsoft.com/office/powerpoint/2010/main" spd="med" advClick="1"/>
+  <p:transition spd="med"/>
 </p:sld>
 </file>
 
 <file path=ppt/slides/slide6.xml><?xml version="1.0" encoding="utf-8"?>
-<p:sld xmlns:a="http://schemas.openxmlformats.org/drawingml/2006/main" xmlns:r="http://schemas.openxmlformats.org/officeDocument/2006/relationships" xmlns:p="http://schemas.openxmlformats.org/presentationml/2006/main" xmlns:m="http://schemas.openxmlformats.org/officeDocument/2006/math" xmlns:a14="http://schemas.microsoft.com/office/drawing/2010/main" showMasterSp="1" showMasterPhAnim="1">
+<p:sld xmlns:a="http://schemas.openxmlformats.org/drawingml/2006/main" xmlns:r="http://schemas.openxmlformats.org/officeDocument/2006/relationships" xmlns:p="http://schemas.openxmlformats.org/presentationml/2006/main">
   <p:cSld>
     <p:spTree>
       <p:nvGrpSpPr>
@@ -13275,7 +14179,9 @@
       <p:sp>
         <p:nvSpPr>
           <p:cNvPr id="115" name="内容占位符 1"/>
-          <p:cNvSpPr txBox="1"/>
+          <p:cNvSpPr txBox="1">
+            <a:spLocks noGrp="1"/>
+          </p:cNvSpPr>
           <p:nvPr>
             <p:ph type="body" idx="1"/>
           </p:nvPr>
@@ -13300,10 +14206,7 @@
               <a:defRPr sz="2574"/>
             </a:pPr>
             <a:r>
-              <a:t>3.</a:t>
-            </a:r>
-            <a:r>
-              <a:t>明确类的功能，精确（而不是近似）地实现类的设计。一个类仅实现一组相近的功能。说明：划分类的时候，应该尽量把逻辑处理、数据和显示分离，实现类功能的单一性。</a:t>
+              <a:t>3.明确类的功能，精确（而不是近似）地实现类的设计。一个类仅实现一组相近的功能。说明：划分类的时候，应该尽量把逻辑处理、数据和显示分离，实现类功能的单一性。</a:t>
             </a:r>
           </a:p>
           <a:p>
@@ -13336,25 +14239,7 @@
               <a:defRPr sz="2574"/>
             </a:pPr>
             <a:r>
-              <a:t>4.</a:t>
-            </a:r>
-            <a:r>
-              <a:t>所有的数据类必须重载</a:t>
-            </a:r>
-            <a:r>
-              <a:t>toString() </a:t>
-            </a:r>
-            <a:r>
-              <a:t>方法，返回该类有意义的内容。说明：父类如果实现了比较合理的</a:t>
-            </a:r>
-            <a:r>
-              <a:t>toString() </a:t>
-            </a:r>
-            <a:r>
-              <a:t>， 子类可以继承不必再重写。</a:t>
-            </a:r>
-            <a:r>
-              <a:t> </a:t>
+              <a:t>4.所有的数据类必须重载toString() 方法，返回该类有意义的内容。说明：父类如果实现了比较合理的toString() ， 子类可以继承不必再重写。 </a:t>
             </a:r>
           </a:p>
           <a:p>
@@ -13365,40 +14250,7 @@
               <a:defRPr sz="2574"/>
             </a:pPr>
             <a:r>
-              <a:t>5.</a:t>
-            </a:r>
-            <a:r>
-              <a:t>数据库操作、</a:t>
-            </a:r>
-            <a:r>
-              <a:t>IO</a:t>
-            </a:r>
-            <a:r>
-              <a:t>操作等需要使用结束</a:t>
-            </a:r>
-            <a:r>
-              <a:t>close()</a:t>
-            </a:r>
-            <a:r>
-              <a:t>的对象必须在</a:t>
-            </a:r>
-            <a:r>
-              <a:t>try -catch-finally </a:t>
-            </a:r>
-            <a:r>
-              <a:t>的</a:t>
-            </a:r>
-            <a:r>
-              <a:t>finally</a:t>
-            </a:r>
-            <a:r>
-              <a:t>中</a:t>
-            </a:r>
-            <a:r>
-              <a:t>close()</a:t>
-            </a:r>
-            <a:r>
-              <a:t>。</a:t>
+              <a:t>5.数据库操作、IO操作等需要使用结束close()的对象必须在try -catch-finally 的finally中close()。</a:t>
             </a:r>
           </a:p>
         </p:txBody>
@@ -13408,12 +14260,12 @@
   <p:clrMapOvr>
     <a:masterClrMapping/>
   </p:clrMapOvr>
-  <p:transition xmlns:p14="http://schemas.microsoft.com/office/powerpoint/2010/main" spd="med" advClick="1"/>
+  <p:transition spd="med"/>
 </p:sld>
 </file>
 
 <file path=ppt/slides/slide7.xml><?xml version="1.0" encoding="utf-8"?>
-<p:sld xmlns:a="http://schemas.openxmlformats.org/drawingml/2006/main" xmlns:r="http://schemas.openxmlformats.org/officeDocument/2006/relationships" xmlns:p="http://schemas.openxmlformats.org/presentationml/2006/main" xmlns:m="http://schemas.openxmlformats.org/officeDocument/2006/math" xmlns:a14="http://schemas.microsoft.com/office/drawing/2010/main" showMasterSp="1" showMasterPhAnim="1">
+<p:sld xmlns:a="http://schemas.openxmlformats.org/drawingml/2006/main" xmlns:r="http://schemas.openxmlformats.org/officeDocument/2006/relationships" xmlns:p="http://schemas.openxmlformats.org/presentationml/2006/main">
   <p:cSld>
     <p:spTree>
       <p:nvGrpSpPr>
@@ -13432,7 +14284,9 @@
       <p:sp>
         <p:nvSpPr>
           <p:cNvPr id="117" name="内容占位符 1"/>
-          <p:cNvSpPr txBox="1"/>
+          <p:cNvSpPr txBox="1">
+            <a:spLocks noGrp="1"/>
+          </p:cNvSpPr>
           <p:nvPr>
             <p:ph type="body" idx="1"/>
           </p:nvPr>
@@ -13457,10 +14311,7 @@
               <a:defRPr sz="2112"/>
             </a:pPr>
             <a:r>
-              <a:t>6.</a:t>
-            </a:r>
-            <a:r>
-              <a:t>异常捕获后，如果不对该异常进行处理，则应该记录日志（针对后台）。</a:t>
+              <a:t>6.异常捕获后，如果不对该异常进行处理，则应该记录日志（针对后台）。</a:t>
             </a:r>
           </a:p>
           <a:p>
@@ -13493,10 +14344,7 @@
               <a:defRPr sz="2112"/>
             </a:pPr>
             <a:r>
-              <a:t>7.</a:t>
-            </a:r>
-            <a:r>
-              <a:t>自己抛出的异常必须要填写详细的描述信息。</a:t>
+              <a:t>7.自己抛出的异常必须要填写详细的描述信息。</a:t>
             </a:r>
           </a:p>
           <a:p>
@@ -13529,10 +14377,7 @@
               <a:defRPr sz="2112"/>
             </a:pPr>
             <a:r>
-              <a:t>8. </a:t>
-            </a:r>
-            <a:r>
-              <a:t>在程序中使用异常处理还是使用错误返回码处理，根据是否有利于程序结构来确定，并且异常和错误码不应该混合使用，推荐使用异常。说明：一个系统或者模块应该统一规划异常类型和返回码的含义。但是不能用异常来做一般流程处理的方式，不要过多地使用异常，异常的处理效率比条件分支低，而且异常的跳转流程难以预测。</a:t>
+              <a:t>8. 在程序中使用异常处理还是使用错误返回码处理，根据是否有利于程序结构来确定，并且异常和错误码不应该混合使用，推荐使用异常。说明：一个系统或者模块应该统一规划异常类型和返回码的含义。但是不能用异常来做一般流程处理的方式，不要过多地使用异常，异常的处理效率比条件分支低，而且异常的跳转流程难以预测。</a:t>
             </a:r>
           </a:p>
         </p:txBody>
@@ -13542,12 +14387,12 @@
   <p:clrMapOvr>
     <a:masterClrMapping/>
   </p:clrMapOvr>
-  <p:transition xmlns:p14="http://schemas.microsoft.com/office/powerpoint/2010/main" spd="med" advClick="1"/>
+  <p:transition spd="med"/>
 </p:sld>
 </file>
 
 <file path=ppt/slides/slide8.xml><?xml version="1.0" encoding="utf-8"?>
-<p:sld xmlns:a="http://schemas.openxmlformats.org/drawingml/2006/main" xmlns:r="http://schemas.openxmlformats.org/officeDocument/2006/relationships" xmlns:p="http://schemas.openxmlformats.org/presentationml/2006/main" xmlns:m="http://schemas.openxmlformats.org/officeDocument/2006/math" xmlns:a14="http://schemas.microsoft.com/office/drawing/2010/main" showMasterSp="1" showMasterPhAnim="1">
+<p:sld xmlns:a="http://schemas.openxmlformats.org/drawingml/2006/main" xmlns:r="http://schemas.openxmlformats.org/officeDocument/2006/relationships" xmlns:p="http://schemas.openxmlformats.org/presentationml/2006/main">
   <p:cSld>
     <p:spTree>
       <p:nvGrpSpPr>
@@ -13566,7 +14411,9 @@
       <p:sp>
         <p:nvSpPr>
           <p:cNvPr id="119" name="内容占位符 1"/>
-          <p:cNvSpPr txBox="1"/>
+          <p:cNvSpPr txBox="1">
+            <a:spLocks noGrp="1"/>
+          </p:cNvSpPr>
           <p:nvPr>
             <p:ph type="body" idx="1"/>
           </p:nvPr>
@@ -13594,10 +14441,7 @@
               <a:defRPr sz="2944"/>
             </a:pPr>
             <a:r>
-              <a:t>9.</a:t>
-            </a:r>
-            <a:r>
-              <a:t>避免使用不易理解的数字，用有意义的标识来替代。涉及物理状态或者含有物理意义的常量，不应直接使用数字，必须用有意义的静态变量来代替。</a:t>
+              <a:t>9.避免使用不易理解的数字，用有意义的标识来替代。涉及物理状态或者含有物理意义的常量，不应直接使用数字，必须用有意义的静态变量来代替。</a:t>
             </a:r>
           </a:p>
           <a:p>
@@ -13611,22 +14455,7 @@
               <a:defRPr sz="2944"/>
             </a:pPr>
             <a:r>
-              <a:t>10.</a:t>
-            </a:r>
-            <a:r>
-              <a:t>数组声明的时候使用</a:t>
-            </a:r>
-            <a:r>
-              <a:t> int[] index </a:t>
-            </a:r>
-            <a:r>
-              <a:t>，而不要使用</a:t>
-            </a:r>
-            <a:r>
-              <a:t> int index[] </a:t>
-            </a:r>
-            <a:r>
-              <a:t>。</a:t>
+              <a:t>10.数组声明的时候使用 int[] index ，而不要使用 int index[] 。</a:t>
             </a:r>
           </a:p>
           <a:p>
@@ -13640,16 +14469,7 @@
               <a:defRPr sz="2944"/>
             </a:pPr>
             <a:r>
-              <a:t> 11.</a:t>
-            </a:r>
-            <a:r>
-              <a:t>异常捕获尽量不要直接</a:t>
-            </a:r>
-            <a:r>
-              <a:t> catch (Exception ex) </a:t>
-            </a:r>
-            <a:r>
-              <a:t>，应该把异常细分处理。</a:t>
+              <a:t> 11.异常捕获尽量不要直接 catch (Exception ex) ，应该把异常细分处理。</a:t>
             </a:r>
           </a:p>
           <a:p>
@@ -13663,10 +14483,7 @@
               <a:defRPr sz="2944"/>
             </a:pPr>
             <a:r>
-              <a:t>12.</a:t>
-            </a:r>
-            <a:r>
-              <a:t>不要使用难懂的技巧性很高的语句，除非很有必要时。说明：高技巧语句不等于高效率的程序，实际上程序的效率关键在于算法。</a:t>
+              <a:t>12.不要使用难懂的技巧性很高的语句，除非很有必要时。说明：高技巧语句不等于高效率的程序，实际上程序的效率关键在于算法。</a:t>
             </a:r>
           </a:p>
         </p:txBody>
@@ -13676,12 +14493,12 @@
   <p:clrMapOvr>
     <a:masterClrMapping/>
   </p:clrMapOvr>
-  <p:transition xmlns:p14="http://schemas.microsoft.com/office/powerpoint/2010/main" spd="med" advClick="1"/>
+  <p:transition spd="med"/>
 </p:sld>
 </file>
 
 <file path=ppt/slides/slide9.xml><?xml version="1.0" encoding="utf-8"?>
-<p:sld xmlns:a="http://schemas.openxmlformats.org/drawingml/2006/main" xmlns:r="http://schemas.openxmlformats.org/officeDocument/2006/relationships" xmlns:p="http://schemas.openxmlformats.org/presentationml/2006/main" xmlns:m="http://schemas.openxmlformats.org/officeDocument/2006/math" xmlns:a14="http://schemas.microsoft.com/office/drawing/2010/main" showMasterSp="1" showMasterPhAnim="1">
+<p:sld xmlns:a="http://schemas.openxmlformats.org/drawingml/2006/main" xmlns:r="http://schemas.openxmlformats.org/officeDocument/2006/relationships" xmlns:p="http://schemas.openxmlformats.org/presentationml/2006/main">
   <p:cSld>
     <p:spTree>
       <p:nvGrpSpPr>
@@ -13700,7 +14517,9 @@
       <p:sp>
         <p:nvSpPr>
           <p:cNvPr id="121" name="内容占位符 1"/>
-          <p:cNvSpPr txBox="1"/>
+          <p:cNvSpPr txBox="1">
+            <a:spLocks noGrp="1"/>
+          </p:cNvSpPr>
           <p:nvPr>
             <p:ph type="body" idx="1"/>
           </p:nvPr>
@@ -13725,13 +14544,11 @@
               <a:spcBef>
                 <a:spcPts val="500"/>
               </a:spcBef>
-              <a:defRPr b="1" sz="1958"/>
+              <a:defRPr sz="1958" b="1"/>
             </a:pPr>
             <a:r>
-              <a:t>2.3</a:t>
-            </a:r>
-            <a:r>
-              <a:t>储存分配</a:t>
+              <a:rPr dirty="0"/>
+              <a:t>2.3储存分配</a:t>
             </a:r>
           </a:p>
           <a:p>
@@ -13745,7 +14562,12 @@
               <a:defRPr sz="1958"/>
             </a:pPr>
             <a:r>
-              <a:t>对于钓到的鱼的质量以及使用的渔具和鱼饵储存在用户的手机上，若有排行榜功能，我们则会建立一个服务器和数据库，使得数据储存在上面。</a:t>
+              <a:rPr dirty="0" err="1"/>
+              <a:t>对于钓到的鱼的质量以及使用的渔具和鱼饵储存在用户的手机上，若有排行榜功能，我们则会建立一个服务器和数据库，使得数据储存在上面</a:t>
+            </a:r>
+            <a:r>
+              <a:rPr dirty="0"/>
+              <a:t>。</a:t>
             </a:r>
           </a:p>
           <a:p>
@@ -13756,13 +14578,11 @@
               <a:spcBef>
                 <a:spcPts val="500"/>
               </a:spcBef>
-              <a:defRPr b="1" sz="1958"/>
+              <a:defRPr sz="1958" b="1"/>
             </a:pPr>
             <a:r>
-              <a:t>2.4</a:t>
-            </a:r>
-            <a:r>
-              <a:t>注释设计</a:t>
+              <a:rPr dirty="0"/>
+              <a:t>2.4注释设计</a:t>
             </a:r>
           </a:p>
           <a:p>
@@ -13776,55 +14596,8 @@
               <a:defRPr sz="1958"/>
             </a:pPr>
             <a:r>
-              <a:t>地图：用</a:t>
-            </a:r>
-            <a:r>
-              <a:t>unity3d</a:t>
-            </a:r>
-            <a:r>
-              <a:t>的</a:t>
-            </a:r>
-            <a:r>
-              <a:t>terrain</a:t>
-            </a:r>
-            <a:r>
-              <a:t>组件，点击</a:t>
-            </a:r>
-            <a:r>
-              <a:t>paint texture</a:t>
-            </a:r>
-            <a:r>
-              <a:t>按钮，给</a:t>
-            </a:r>
-            <a:r>
-              <a:t>“</a:t>
-            </a:r>
-            <a:r>
-              <a:t>白模</a:t>
-            </a:r>
-            <a:r>
-              <a:t>”</a:t>
-            </a:r>
-            <a:r>
-              <a:t>的地形系统绘制特定的地形贴图纹理，再通过抬高地形，往里面注入水体，来达到制作成河流、海水、湖泊等地形。最后用</a:t>
-            </a:r>
-            <a:r>
-              <a:t>trees</a:t>
-            </a:r>
-            <a:r>
-              <a:t>按钮，添加一些树木以及花草在上面。用碰撞体来创建一个</a:t>
-            </a:r>
-            <a:r>
-              <a:t>“</a:t>
-            </a:r>
-            <a:r>
-              <a:t>空气墙</a:t>
-            </a:r>
-            <a:r>
-              <a:t>”</a:t>
-            </a:r>
-            <a:r>
-              <a:t>，不让用户走出我们设定的范围。</a:t>
+              <a:rPr dirty="0"/>
+              <a:t>地图：用unity3d的terrain组件，点击paint texture按钮，给“白模”的地形系统绘制特定的地形贴图纹理，再通过抬高地形，往里面注入水体，来达到制作成河流、海水、湖泊等地形。最后用trees按钮，添加一些树木以及花草在上面。用碰撞体来创建一个“空气墙”，不让用户走出我们设定的范围。</a:t>
             </a:r>
           </a:p>
           <a:p>
@@ -13838,13 +14611,12 @@
               <a:defRPr sz="1958"/>
             </a:pPr>
             <a:r>
-              <a:t>人物：导入</a:t>
-            </a:r>
-            <a:r>
-              <a:t>characeters</a:t>
-            </a:r>
-            <a:r>
-              <a:t>角色包，选择第一人称，把主摄像机当作角色的眼睛。</a:t>
+              <a:rPr dirty="0" err="1"/>
+              <a:t>人物：导入characeters角色包，选择第一人称，把主摄像机当作角色的眼睛</a:t>
+            </a:r>
+            <a:r>
+              <a:rPr dirty="0"/>
+              <a:t>。</a:t>
             </a:r>
           </a:p>
           <a:p>
@@ -13858,8 +14630,10 @@
               <a:defRPr sz="1958"/>
             </a:pPr>
             <a:r>
+              <a:rPr dirty="0" err="1"/>
               <a:t>鱼竿、鱼饵、鱼类：在网上搜索各自的包，将他们导入，再自己建模来补充一些</a:t>
             </a:r>
+            <a:endParaRPr dirty="0"/>
           </a:p>
           <a:p>
             <a:pPr marL="244144" indent="-244144" defTabSz="813816">
@@ -13872,7 +14646,12 @@
               <a:defRPr sz="1958"/>
             </a:pPr>
             <a:r>
-              <a:t>钓鱼功能：用手机的平衡模拟器模拟甩杆，用点击来控制力度使其在最佳范围内。</a:t>
+              <a:rPr dirty="0" err="1"/>
+              <a:t>钓鱼功能：用手机的平衡模拟器模拟甩杆，用点击来控制力度使其在最佳范围内</a:t>
+            </a:r>
+            <a:r>
+              <a:rPr dirty="0"/>
+              <a:t>。</a:t>
             </a:r>
           </a:p>
           <a:p>
@@ -13886,53 +14665,42 @@
               <a:defRPr sz="1958"/>
             </a:pPr>
             <a:r>
-              <a:t>UI</a:t>
-            </a:r>
-            <a:r>
-              <a:t>界面：创建</a:t>
-            </a:r>
-            <a:r>
-              <a:t>UGUI</a:t>
-            </a:r>
-            <a:r>
-              <a:t>界面。再用</a:t>
-            </a:r>
-            <a:r>
-              <a:t>canvas</a:t>
-            </a:r>
-            <a:r>
-              <a:t>创建画布，用</a:t>
-            </a:r>
-            <a:r>
-              <a:t>eventsystem</a:t>
-            </a:r>
-            <a:r>
-              <a:t>（事件管理）、</a:t>
-            </a:r>
-            <a:r>
-              <a:t>panel</a:t>
-            </a:r>
-            <a:r>
-              <a:t>（整体移动）、</a:t>
-            </a:r>
-            <a:r>
-              <a:t>text</a:t>
-            </a:r>
-            <a:r>
-              <a:t>（文字）、</a:t>
-            </a:r>
-            <a:r>
-              <a:t>image</a:t>
-            </a:r>
-            <a:r>
-              <a:t>（图像）、</a:t>
-            </a:r>
-            <a:r>
-              <a:t>button</a:t>
-            </a:r>
-            <a:r>
-              <a:t>（按钮，使其动起来）控件完善</a:t>
-            </a:r>
+              <a:rPr dirty="0" err="1"/>
+              <a:t>UI界面：创建UGUI界面。再用canvas创建画布，用eventsystem（事件管理</a:t>
+            </a:r>
+            <a:r>
+              <a:rPr dirty="0"/>
+              <a:t>）、</a:t>
+            </a:r>
+            <a:r>
+              <a:rPr dirty="0" err="1"/>
+              <a:t>panel（整体移动</a:t>
+            </a:r>
+            <a:r>
+              <a:rPr dirty="0"/>
+              <a:t>）、</a:t>
+            </a:r>
+            <a:r>
+              <a:rPr dirty="0" err="1"/>
+              <a:t>text（文字</a:t>
+            </a:r>
+            <a:r>
+              <a:rPr dirty="0"/>
+              <a:t>）、</a:t>
+            </a:r>
+            <a:r>
+              <a:rPr dirty="0" err="1"/>
+              <a:t>image（图像</a:t>
+            </a:r>
+            <a:r>
+              <a:rPr dirty="0"/>
+              <a:t>）、</a:t>
+            </a:r>
+            <a:r>
+              <a:rPr dirty="0" err="1"/>
+              <a:t>button（按钮，使其动起来）控件完善</a:t>
+            </a:r>
+            <a:endParaRPr dirty="0"/>
           </a:p>
         </p:txBody>
       </p:sp>
@@ -13941,12 +14709,12 @@
   <p:clrMapOvr>
     <a:masterClrMapping/>
   </p:clrMapOvr>
-  <p:transition xmlns:p14="http://schemas.microsoft.com/office/powerpoint/2010/main" spd="med" advClick="1"/>
+  <p:transition spd="med"/>
 </p:sld>
 </file>
 
 <file path=ppt/theme/theme1.xml><?xml version="1.0" encoding="utf-8"?>
-<a:theme xmlns:a="http://schemas.openxmlformats.org/drawingml/2006/main" xmlns:r="http://schemas.openxmlformats.org/officeDocument/2006/relationships" name="纸张">
+<a:theme xmlns:a="http://schemas.openxmlformats.org/drawingml/2006/main" name="纸张">
   <a:themeElements>
     <a:clrScheme name="纸张">
       <a:dk1>
@@ -14072,7 +14840,7 @@
       <a:effectStyleLst>
         <a:effectStyle>
           <a:effectLst>
-            <a:outerShdw sx="100000" sy="100000" kx="0" ky="0" algn="b" rotWithShape="0" blurRad="88900" dist="0" dir="0">
+            <a:outerShdw blurRad="88900" rotWithShape="0">
               <a:srgbClr val="000000">
                 <a:alpha val="50000"/>
               </a:srgbClr>
@@ -14081,7 +14849,7 @@
         </a:effectStyle>
         <a:effectStyle>
           <a:effectLst>
-            <a:outerShdw sx="100000" sy="100000" kx="0" ky="0" algn="b" rotWithShape="0" blurRad="88900" dist="0" dir="0">
+            <a:outerShdw blurRad="88900" rotWithShape="0">
               <a:srgbClr val="000000">
                 <a:alpha val="50000"/>
               </a:srgbClr>
@@ -14090,7 +14858,7 @@
         </a:effectStyle>
         <a:effectStyle>
           <a:effectLst>
-            <a:outerShdw sx="100000" sy="100000" kx="0" ky="0" algn="b" rotWithShape="0" blurRad="88900" dist="0" dir="0">
+            <a:outerShdw blurRad="88900" rotWithShape="0">
               <a:srgbClr val="000000">
                 <a:alpha val="50000"/>
               </a:srgbClr>
@@ -14164,7 +14932,7 @@
           <a:round/>
         </a:ln>
         <a:effectLst>
-          <a:outerShdw sx="100000" sy="100000" kx="0" ky="0" algn="b" rotWithShape="0" blurRad="88900" dist="0" dir="0">
+          <a:outerShdw blurRad="88900" rotWithShape="0">
             <a:srgbClr val="000000">
               <a:alpha val="50000"/>
             </a:srgbClr>
@@ -14172,7 +14940,7 @@
         </a:effectLst>
         <a:sp3d/>
       </a:spPr>
-      <a:bodyPr rot="0" spcFirstLastPara="1" vertOverflow="overflow" horzOverflow="overflow" vert="horz" wrap="square" lIns="45719" tIns="45719" rIns="45719" bIns="45719" numCol="1" spcCol="38100" rtlCol="0" anchor="ctr" upright="0">
+      <a:bodyPr rot="0" spcFirstLastPara="1" vertOverflow="overflow" horzOverflow="overflow" vert="horz" wrap="square" lIns="45719" tIns="45719" rIns="45719" bIns="45719" numCol="1" spcCol="38100" rtlCol="0" anchor="ctr">
         <a:spAutoFit/>
       </a:bodyPr>
       <a:lstStyle>
@@ -14191,7 +14959,7 @@
           <a:buFontTx/>
           <a:buNone/>
           <a:tabLst/>
-          <a:defRPr b="0" baseline="0" cap="none" i="0" spc="0" strike="noStrike" sz="1800" u="none" kumimoji="0" normalizeH="0">
+          <a:defRPr kumimoji="0" sz="1800" b="0" i="0" u="none" strike="noStrike" cap="none" spc="0" normalizeH="0" baseline="0">
             <a:ln>
               <a:noFill/>
             </a:ln>
@@ -14221,7 +14989,7 @@
           <a:buFontTx/>
           <a:buNone/>
           <a:tabLst/>
-          <a:defRPr b="0" baseline="0" cap="none" i="0" spc="0" strike="noStrike" sz="1800" u="none" kumimoji="0" normalizeH="0">
+          <a:defRPr kumimoji="0" sz="1800" b="0" i="0" u="none" strike="noStrike" cap="none" spc="0" normalizeH="0" baseline="0">
             <a:ln>
               <a:noFill/>
             </a:ln>
@@ -14247,7 +15015,7 @@
           <a:buFontTx/>
           <a:buNone/>
           <a:tabLst/>
-          <a:defRPr b="0" baseline="0" cap="none" i="0" spc="0" strike="noStrike" sz="1800" u="none" kumimoji="0" normalizeH="0">
+          <a:defRPr kumimoji="0" sz="1800" b="0" i="0" u="none" strike="noStrike" cap="none" spc="0" normalizeH="0" baseline="0">
             <a:ln>
               <a:noFill/>
             </a:ln>
@@ -14273,7 +15041,7 @@
           <a:buFontTx/>
           <a:buNone/>
           <a:tabLst/>
-          <a:defRPr b="0" baseline="0" cap="none" i="0" spc="0" strike="noStrike" sz="1800" u="none" kumimoji="0" normalizeH="0">
+          <a:defRPr kumimoji="0" sz="1800" b="0" i="0" u="none" strike="noStrike" cap="none" spc="0" normalizeH="0" baseline="0">
             <a:ln>
               <a:noFill/>
             </a:ln>
@@ -14299,7 +15067,7 @@
           <a:buFontTx/>
           <a:buNone/>
           <a:tabLst/>
-          <a:defRPr b="0" baseline="0" cap="none" i="0" spc="0" strike="noStrike" sz="1800" u="none" kumimoji="0" normalizeH="0">
+          <a:defRPr kumimoji="0" sz="1800" b="0" i="0" u="none" strike="noStrike" cap="none" spc="0" normalizeH="0" baseline="0">
             <a:ln>
               <a:noFill/>
             </a:ln>
@@ -14325,7 +15093,7 @@
           <a:buFontTx/>
           <a:buNone/>
           <a:tabLst/>
-          <a:defRPr b="0" baseline="0" cap="none" i="0" spc="0" strike="noStrike" sz="1800" u="none" kumimoji="0" normalizeH="0">
+          <a:defRPr kumimoji="0" sz="1800" b="0" i="0" u="none" strike="noStrike" cap="none" spc="0" normalizeH="0" baseline="0">
             <a:ln>
               <a:noFill/>
             </a:ln>
@@ -14351,7 +15119,7 @@
           <a:buFontTx/>
           <a:buNone/>
           <a:tabLst/>
-          <a:defRPr b="0" baseline="0" cap="none" i="0" spc="0" strike="noStrike" sz="1800" u="none" kumimoji="0" normalizeH="0">
+          <a:defRPr kumimoji="0" sz="1800" b="0" i="0" u="none" strike="noStrike" cap="none" spc="0" normalizeH="0" baseline="0">
             <a:ln>
               <a:noFill/>
             </a:ln>
@@ -14377,7 +15145,7 @@
           <a:buFontTx/>
           <a:buNone/>
           <a:tabLst/>
-          <a:defRPr b="0" baseline="0" cap="none" i="0" spc="0" strike="noStrike" sz="1800" u="none" kumimoji="0" normalizeH="0">
+          <a:defRPr kumimoji="0" sz="1800" b="0" i="0" u="none" strike="noStrike" cap="none" spc="0" normalizeH="0" baseline="0">
             <a:ln>
               <a:noFill/>
             </a:ln>
@@ -14403,7 +15171,7 @@
           <a:buFontTx/>
           <a:buNone/>
           <a:tabLst/>
-          <a:defRPr b="0" baseline="0" cap="none" i="0" spc="0" strike="noStrike" sz="1800" u="none" kumimoji="0" normalizeH="0">
+          <a:defRPr kumimoji="0" sz="1800" b="0" i="0" u="none" strike="noStrike" cap="none" spc="0" normalizeH="0" baseline="0">
             <a:ln>
               <a:noFill/>
             </a:ln>
@@ -14429,7 +15197,7 @@
           <a:buFontTx/>
           <a:buNone/>
           <a:tabLst/>
-          <a:defRPr b="0" baseline="0" cap="none" i="0" spc="0" strike="noStrike" sz="1800" u="none" kumimoji="0" normalizeH="0">
+          <a:defRPr kumimoji="0" sz="1800" b="0" i="0" u="none" strike="noStrike" cap="none" spc="0" normalizeH="0" baseline="0">
             <a:ln>
               <a:noFill/>
             </a:ln>
@@ -14442,9 +15210,15 @@
         </a:lvl9pPr>
       </a:lstStyle>
       <a:style>
-        <a:lnRef idx="0"/>
-        <a:fillRef idx="0"/>
-        <a:effectRef idx="0"/>
+        <a:lnRef idx="0">
+          <a:scrgbClr r="0" g="0" b="0"/>
+        </a:lnRef>
+        <a:fillRef idx="0">
+          <a:scrgbClr r="0" g="0" b="0"/>
+        </a:fillRef>
+        <a:effectRef idx="0">
+          <a:scrgbClr r="0" g="0" b="0"/>
+        </a:effectRef>
         <a:fontRef idx="none"/>
       </a:style>
     </a:spDef>
@@ -14459,7 +15233,7 @@
           <a:round/>
         </a:ln>
         <a:effectLst>
-          <a:outerShdw sx="100000" sy="100000" kx="0" ky="0" algn="b" rotWithShape="0" blurRad="88900" dist="0" dir="0">
+          <a:outerShdw blurRad="88900" rotWithShape="0">
             <a:srgbClr val="000000">
               <a:alpha val="50000"/>
             </a:srgbClr>
@@ -14467,7 +15241,7 @@
         </a:effectLst>
         <a:sp3d/>
       </a:spPr>
-      <a:bodyPr rot="0" spcFirstLastPara="1" vertOverflow="overflow" horzOverflow="overflow" vert="horz" wrap="square" lIns="91439" tIns="45719" rIns="91439" bIns="45719" numCol="1" spcCol="38100" rtlCol="0" anchor="t" upright="0">
+      <a:bodyPr rot="0" spcFirstLastPara="1" vertOverflow="overflow" horzOverflow="overflow" vert="horz" wrap="square" lIns="91439" tIns="45719" rIns="91439" bIns="45719" numCol="1" spcCol="38100" rtlCol="0" anchor="t">
         <a:noAutofit/>
       </a:bodyPr>
       <a:lstStyle>
@@ -14486,7 +15260,7 @@
           <a:buFontTx/>
           <a:buNone/>
           <a:tabLst/>
-          <a:defRPr b="0" baseline="0" cap="none" i="0" spc="0" strike="noStrike" sz="1800" u="none" kumimoji="0" normalizeH="0">
+          <a:defRPr kumimoji="0" sz="1800" b="0" i="0" u="none" strike="noStrike" cap="none" spc="0" normalizeH="0" baseline="0">
             <a:ln>
               <a:noFill/>
             </a:ln>
@@ -14512,7 +15286,7 @@
           <a:buFontTx/>
           <a:buNone/>
           <a:tabLst/>
-          <a:defRPr b="0" baseline="0" cap="none" i="0" spc="0" strike="noStrike" sz="1800" u="none" kumimoji="0" normalizeH="0">
+          <a:defRPr kumimoji="0" sz="1800" b="0" i="0" u="none" strike="noStrike" cap="none" spc="0" normalizeH="0" baseline="0">
             <a:ln>
               <a:noFill/>
             </a:ln>
@@ -14538,7 +15312,7 @@
           <a:buFontTx/>
           <a:buNone/>
           <a:tabLst/>
-          <a:defRPr b="0" baseline="0" cap="none" i="0" spc="0" strike="noStrike" sz="1800" u="none" kumimoji="0" normalizeH="0">
+          <a:defRPr kumimoji="0" sz="1800" b="0" i="0" u="none" strike="noStrike" cap="none" spc="0" normalizeH="0" baseline="0">
             <a:ln>
               <a:noFill/>
             </a:ln>
@@ -14564,7 +15338,7 @@
           <a:buFontTx/>
           <a:buNone/>
           <a:tabLst/>
-          <a:defRPr b="0" baseline="0" cap="none" i="0" spc="0" strike="noStrike" sz="1800" u="none" kumimoji="0" normalizeH="0">
+          <a:defRPr kumimoji="0" sz="1800" b="0" i="0" u="none" strike="noStrike" cap="none" spc="0" normalizeH="0" baseline="0">
             <a:ln>
               <a:noFill/>
             </a:ln>
@@ -14590,7 +15364,7 @@
           <a:buFontTx/>
           <a:buNone/>
           <a:tabLst/>
-          <a:defRPr b="0" baseline="0" cap="none" i="0" spc="0" strike="noStrike" sz="1800" u="none" kumimoji="0" normalizeH="0">
+          <a:defRPr kumimoji="0" sz="1800" b="0" i="0" u="none" strike="noStrike" cap="none" spc="0" normalizeH="0" baseline="0">
             <a:ln>
               <a:noFill/>
             </a:ln>
@@ -14616,7 +15390,7 @@
           <a:buFontTx/>
           <a:buNone/>
           <a:tabLst/>
-          <a:defRPr b="0" baseline="0" cap="none" i="0" spc="0" strike="noStrike" sz="1800" u="none" kumimoji="0" normalizeH="0">
+          <a:defRPr kumimoji="0" sz="1800" b="0" i="0" u="none" strike="noStrike" cap="none" spc="0" normalizeH="0" baseline="0">
             <a:ln>
               <a:noFill/>
             </a:ln>
@@ -14642,7 +15416,7 @@
           <a:buFontTx/>
           <a:buNone/>
           <a:tabLst/>
-          <a:defRPr b="0" baseline="0" cap="none" i="0" spc="0" strike="noStrike" sz="1800" u="none" kumimoji="0" normalizeH="0">
+          <a:defRPr kumimoji="0" sz="1800" b="0" i="0" u="none" strike="noStrike" cap="none" spc="0" normalizeH="0" baseline="0">
             <a:ln>
               <a:noFill/>
             </a:ln>
@@ -14668,7 +15442,7 @@
           <a:buFontTx/>
           <a:buNone/>
           <a:tabLst/>
-          <a:defRPr b="0" baseline="0" cap="none" i="0" spc="0" strike="noStrike" sz="1800" u="none" kumimoji="0" normalizeH="0">
+          <a:defRPr kumimoji="0" sz="1800" b="0" i="0" u="none" strike="noStrike" cap="none" spc="0" normalizeH="0" baseline="0">
             <a:ln>
               <a:noFill/>
             </a:ln>
@@ -14694,7 +15468,7 @@
           <a:buFontTx/>
           <a:buNone/>
           <a:tabLst/>
-          <a:defRPr b="0" baseline="0" cap="none" i="0" spc="0" strike="noStrike" sz="1800" u="none" kumimoji="0" normalizeH="0">
+          <a:defRPr kumimoji="0" sz="1800" b="0" i="0" u="none" strike="noStrike" cap="none" spc="0" normalizeH="0" baseline="0">
             <a:ln>
               <a:noFill/>
             </a:ln>
@@ -14720,7 +15494,7 @@
           <a:buFontTx/>
           <a:buNone/>
           <a:tabLst/>
-          <a:defRPr b="0" baseline="0" cap="none" i="0" spc="0" strike="noStrike" sz="1800" u="none" kumimoji="0" normalizeH="0">
+          <a:defRPr kumimoji="0" sz="1800" b="0" i="0" u="none" strike="noStrike" cap="none" spc="0" normalizeH="0" baseline="0">
             <a:ln>
               <a:noFill/>
             </a:ln>
@@ -14733,9 +15507,15 @@
         </a:lvl9pPr>
       </a:lstStyle>
       <a:style>
-        <a:lnRef idx="0"/>
-        <a:fillRef idx="0"/>
-        <a:effectRef idx="0"/>
+        <a:lnRef idx="0">
+          <a:scrgbClr r="0" g="0" b="0"/>
+        </a:lnRef>
+        <a:fillRef idx="0">
+          <a:scrgbClr r="0" g="0" b="0"/>
+        </a:fillRef>
+        <a:effectRef idx="0">
+          <a:scrgbClr r="0" g="0" b="0"/>
+        </a:effectRef>
         <a:fontRef idx="none"/>
       </a:style>
     </a:lnDef>
@@ -14749,7 +15529,7 @@
         <a:effectLst/>
         <a:sp3d/>
       </a:spPr>
-      <a:bodyPr rot="0" spcFirstLastPara="1" vertOverflow="overflow" horzOverflow="overflow" vert="horz" wrap="square" lIns="45719" tIns="45719" rIns="45719" bIns="45719" numCol="1" spcCol="38100" rtlCol="0" anchor="t" upright="0">
+      <a:bodyPr rot="0" spcFirstLastPara="1" vertOverflow="overflow" horzOverflow="overflow" vert="horz" wrap="square" lIns="45719" tIns="45719" rIns="45719" bIns="45719" numCol="1" spcCol="38100" rtlCol="0" anchor="t">
         <a:spAutoFit/>
       </a:bodyPr>
       <a:lstStyle>
@@ -14768,7 +15548,7 @@
           <a:buFontTx/>
           <a:buNone/>
           <a:tabLst/>
-          <a:defRPr b="0" baseline="0" cap="none" i="0" spc="0" strike="noStrike" sz="1800" u="none" kumimoji="0" normalizeH="0">
+          <a:defRPr kumimoji="0" sz="1800" b="0" i="0" u="none" strike="noStrike" cap="none" spc="0" normalizeH="0" baseline="0">
             <a:ln>
               <a:noFill/>
             </a:ln>
@@ -14798,7 +15578,7 @@
           <a:buFontTx/>
           <a:buNone/>
           <a:tabLst/>
-          <a:defRPr b="0" baseline="0" cap="none" i="0" spc="0" strike="noStrike" sz="1800" u="none" kumimoji="0" normalizeH="0">
+          <a:defRPr kumimoji="0" sz="1800" b="0" i="0" u="none" strike="noStrike" cap="none" spc="0" normalizeH="0" baseline="0">
             <a:ln>
               <a:noFill/>
             </a:ln>
@@ -14824,7 +15604,7 @@
           <a:buFontTx/>
           <a:buNone/>
           <a:tabLst/>
-          <a:defRPr b="0" baseline="0" cap="none" i="0" spc="0" strike="noStrike" sz="1800" u="none" kumimoji="0" normalizeH="0">
+          <a:defRPr kumimoji="0" sz="1800" b="0" i="0" u="none" strike="noStrike" cap="none" spc="0" normalizeH="0" baseline="0">
             <a:ln>
               <a:noFill/>
             </a:ln>
@@ -14850,7 +15630,7 @@
           <a:buFontTx/>
           <a:buNone/>
           <a:tabLst/>
-          <a:defRPr b="0" baseline="0" cap="none" i="0" spc="0" strike="noStrike" sz="1800" u="none" kumimoji="0" normalizeH="0">
+          <a:defRPr kumimoji="0" sz="1800" b="0" i="0" u="none" strike="noStrike" cap="none" spc="0" normalizeH="0" baseline="0">
             <a:ln>
               <a:noFill/>
             </a:ln>
@@ -14876,7 +15656,7 @@
           <a:buFontTx/>
           <a:buNone/>
           <a:tabLst/>
-          <a:defRPr b="0" baseline="0" cap="none" i="0" spc="0" strike="noStrike" sz="1800" u="none" kumimoji="0" normalizeH="0">
+          <a:defRPr kumimoji="0" sz="1800" b="0" i="0" u="none" strike="noStrike" cap="none" spc="0" normalizeH="0" baseline="0">
             <a:ln>
               <a:noFill/>
             </a:ln>
@@ -14902,7 +15682,7 @@
           <a:buFontTx/>
           <a:buNone/>
           <a:tabLst/>
-          <a:defRPr b="0" baseline="0" cap="none" i="0" spc="0" strike="noStrike" sz="1800" u="none" kumimoji="0" normalizeH="0">
+          <a:defRPr kumimoji="0" sz="1800" b="0" i="0" u="none" strike="noStrike" cap="none" spc="0" normalizeH="0" baseline="0">
             <a:ln>
               <a:noFill/>
             </a:ln>
@@ -14928,7 +15708,7 @@
           <a:buFontTx/>
           <a:buNone/>
           <a:tabLst/>
-          <a:defRPr b="0" baseline="0" cap="none" i="0" spc="0" strike="noStrike" sz="1800" u="none" kumimoji="0" normalizeH="0">
+          <a:defRPr kumimoji="0" sz="1800" b="0" i="0" u="none" strike="noStrike" cap="none" spc="0" normalizeH="0" baseline="0">
             <a:ln>
               <a:noFill/>
             </a:ln>
@@ -14954,7 +15734,7 @@
           <a:buFontTx/>
           <a:buNone/>
           <a:tabLst/>
-          <a:defRPr b="0" baseline="0" cap="none" i="0" spc="0" strike="noStrike" sz="1800" u="none" kumimoji="0" normalizeH="0">
+          <a:defRPr kumimoji="0" sz="1800" b="0" i="0" u="none" strike="noStrike" cap="none" spc="0" normalizeH="0" baseline="0">
             <a:ln>
               <a:noFill/>
             </a:ln>
@@ -14980,7 +15760,7 @@
           <a:buFontTx/>
           <a:buNone/>
           <a:tabLst/>
-          <a:defRPr b="0" baseline="0" cap="none" i="0" spc="0" strike="noStrike" sz="1800" u="none" kumimoji="0" normalizeH="0">
+          <a:defRPr kumimoji="0" sz="1800" b="0" i="0" u="none" strike="noStrike" cap="none" spc="0" normalizeH="0" baseline="0">
             <a:ln>
               <a:noFill/>
             </a:ln>
@@ -15006,7 +15786,7 @@
           <a:buFontTx/>
           <a:buNone/>
           <a:tabLst/>
-          <a:defRPr b="0" baseline="0" cap="none" i="0" spc="0" strike="noStrike" sz="1800" u="none" kumimoji="0" normalizeH="0">
+          <a:defRPr kumimoji="0" sz="1800" b="0" i="0" u="none" strike="noStrike" cap="none" spc="0" normalizeH="0" baseline="0">
             <a:ln>
               <a:noFill/>
             </a:ln>
@@ -15019,18 +15799,25 @@
         </a:lvl9pPr>
       </a:lstStyle>
       <a:style>
-        <a:lnRef idx="0"/>
-        <a:fillRef idx="0"/>
-        <a:effectRef idx="0"/>
+        <a:lnRef idx="0">
+          <a:scrgbClr r="0" g="0" b="0"/>
+        </a:lnRef>
+        <a:fillRef idx="0">
+          <a:scrgbClr r="0" g="0" b="0"/>
+        </a:fillRef>
+        <a:effectRef idx="0">
+          <a:scrgbClr r="0" g="0" b="0"/>
+        </a:effectRef>
         <a:fontRef idx="none"/>
       </a:style>
     </a:txDef>
   </a:objectDefaults>
+  <a:extraClrSchemeLst/>
 </a:theme>
 </file>
 
 <file path=ppt/theme/theme2.xml><?xml version="1.0" encoding="utf-8"?>
-<a:theme xmlns:a="http://schemas.openxmlformats.org/drawingml/2006/main" xmlns:r="http://schemas.openxmlformats.org/officeDocument/2006/relationships" name="纸张">
+<a:theme xmlns:a="http://schemas.openxmlformats.org/drawingml/2006/main" name="纸张">
   <a:themeElements>
     <a:clrScheme name="纸张">
       <a:dk1>
@@ -15156,7 +15943,7 @@
       <a:effectStyleLst>
         <a:effectStyle>
           <a:effectLst>
-            <a:outerShdw sx="100000" sy="100000" kx="0" ky="0" algn="b" rotWithShape="0" blurRad="88900" dist="0" dir="0">
+            <a:outerShdw blurRad="88900" rotWithShape="0">
               <a:srgbClr val="000000">
                 <a:alpha val="50000"/>
               </a:srgbClr>
@@ -15165,7 +15952,7 @@
         </a:effectStyle>
         <a:effectStyle>
           <a:effectLst>
-            <a:outerShdw sx="100000" sy="100000" kx="0" ky="0" algn="b" rotWithShape="0" blurRad="88900" dist="0" dir="0">
+            <a:outerShdw blurRad="88900" rotWithShape="0">
               <a:srgbClr val="000000">
                 <a:alpha val="50000"/>
               </a:srgbClr>
@@ -15174,7 +15961,7 @@
         </a:effectStyle>
         <a:effectStyle>
           <a:effectLst>
-            <a:outerShdw sx="100000" sy="100000" kx="0" ky="0" algn="b" rotWithShape="0" blurRad="88900" dist="0" dir="0">
+            <a:outerShdw blurRad="88900" rotWithShape="0">
               <a:srgbClr val="000000">
                 <a:alpha val="50000"/>
               </a:srgbClr>
@@ -15248,7 +16035,7 @@
           <a:round/>
         </a:ln>
         <a:effectLst>
-          <a:outerShdw sx="100000" sy="100000" kx="0" ky="0" algn="b" rotWithShape="0" blurRad="88900" dist="0" dir="0">
+          <a:outerShdw blurRad="88900" rotWithShape="0">
             <a:srgbClr val="000000">
               <a:alpha val="50000"/>
             </a:srgbClr>
@@ -15256,7 +16043,7 @@
         </a:effectLst>
         <a:sp3d/>
       </a:spPr>
-      <a:bodyPr rot="0" spcFirstLastPara="1" vertOverflow="overflow" horzOverflow="overflow" vert="horz" wrap="square" lIns="45719" tIns="45719" rIns="45719" bIns="45719" numCol="1" spcCol="38100" rtlCol="0" anchor="ctr" upright="0">
+      <a:bodyPr rot="0" spcFirstLastPara="1" vertOverflow="overflow" horzOverflow="overflow" vert="horz" wrap="square" lIns="45719" tIns="45719" rIns="45719" bIns="45719" numCol="1" spcCol="38100" rtlCol="0" anchor="ctr">
         <a:spAutoFit/>
       </a:bodyPr>
       <a:lstStyle>
@@ -15275,7 +16062,7 @@
           <a:buFontTx/>
           <a:buNone/>
           <a:tabLst/>
-          <a:defRPr b="0" baseline="0" cap="none" i="0" spc="0" strike="noStrike" sz="1800" u="none" kumimoji="0" normalizeH="0">
+          <a:defRPr kumimoji="0" sz="1800" b="0" i="0" u="none" strike="noStrike" cap="none" spc="0" normalizeH="0" baseline="0">
             <a:ln>
               <a:noFill/>
             </a:ln>
@@ -15305,7 +16092,7 @@
           <a:buFontTx/>
           <a:buNone/>
           <a:tabLst/>
-          <a:defRPr b="0" baseline="0" cap="none" i="0" spc="0" strike="noStrike" sz="1800" u="none" kumimoji="0" normalizeH="0">
+          <a:defRPr kumimoji="0" sz="1800" b="0" i="0" u="none" strike="noStrike" cap="none" spc="0" normalizeH="0" baseline="0">
             <a:ln>
               <a:noFill/>
             </a:ln>
@@ -15331,7 +16118,7 @@
           <a:buFontTx/>
           <a:buNone/>
           <a:tabLst/>
-          <a:defRPr b="0" baseline="0" cap="none" i="0" spc="0" strike="noStrike" sz="1800" u="none" kumimoji="0" normalizeH="0">
+          <a:defRPr kumimoji="0" sz="1800" b="0" i="0" u="none" strike="noStrike" cap="none" spc="0" normalizeH="0" baseline="0">
             <a:ln>
               <a:noFill/>
             </a:ln>
@@ -15357,7 +16144,7 @@
           <a:buFontTx/>
           <a:buNone/>
           <a:tabLst/>
-          <a:defRPr b="0" baseline="0" cap="none" i="0" spc="0" strike="noStrike" sz="1800" u="none" kumimoji="0" normalizeH="0">
+          <a:defRPr kumimoji="0" sz="1800" b="0" i="0" u="none" strike="noStrike" cap="none" spc="0" normalizeH="0" baseline="0">
             <a:ln>
               <a:noFill/>
             </a:ln>
@@ -15383,7 +16170,7 @@
           <a:buFontTx/>
           <a:buNone/>
           <a:tabLst/>
-          <a:defRPr b="0" baseline="0" cap="none" i="0" spc="0" strike="noStrike" sz="1800" u="none" kumimoji="0" normalizeH="0">
+          <a:defRPr kumimoji="0" sz="1800" b="0" i="0" u="none" strike="noStrike" cap="none" spc="0" normalizeH="0" baseline="0">
             <a:ln>
               <a:noFill/>
             </a:ln>
@@ -15409,7 +16196,7 @@
           <a:buFontTx/>
           <a:buNone/>
           <a:tabLst/>
-          <a:defRPr b="0" baseline="0" cap="none" i="0" spc="0" strike="noStrike" sz="1800" u="none" kumimoji="0" normalizeH="0">
+          <a:defRPr kumimoji="0" sz="1800" b="0" i="0" u="none" strike="noStrike" cap="none" spc="0" normalizeH="0" baseline="0">
             <a:ln>
               <a:noFill/>
             </a:ln>
@@ -15435,7 +16222,7 @@
           <a:buFontTx/>
           <a:buNone/>
           <a:tabLst/>
-          <a:defRPr b="0" baseline="0" cap="none" i="0" spc="0" strike="noStrike" sz="1800" u="none" kumimoji="0" normalizeH="0">
+          <a:defRPr kumimoji="0" sz="1800" b="0" i="0" u="none" strike="noStrike" cap="none" spc="0" normalizeH="0" baseline="0">
             <a:ln>
               <a:noFill/>
             </a:ln>
@@ -15461,7 +16248,7 @@
           <a:buFontTx/>
           <a:buNone/>
           <a:tabLst/>
-          <a:defRPr b="0" baseline="0" cap="none" i="0" spc="0" strike="noStrike" sz="1800" u="none" kumimoji="0" normalizeH="0">
+          <a:defRPr kumimoji="0" sz="1800" b="0" i="0" u="none" strike="noStrike" cap="none" spc="0" normalizeH="0" baseline="0">
             <a:ln>
               <a:noFill/>
             </a:ln>
@@ -15487,7 +16274,7 @@
           <a:buFontTx/>
           <a:buNone/>
           <a:tabLst/>
-          <a:defRPr b="0" baseline="0" cap="none" i="0" spc="0" strike="noStrike" sz="1800" u="none" kumimoji="0" normalizeH="0">
+          <a:defRPr kumimoji="0" sz="1800" b="0" i="0" u="none" strike="noStrike" cap="none" spc="0" normalizeH="0" baseline="0">
             <a:ln>
               <a:noFill/>
             </a:ln>
@@ -15513,7 +16300,7 @@
           <a:buFontTx/>
           <a:buNone/>
           <a:tabLst/>
-          <a:defRPr b="0" baseline="0" cap="none" i="0" spc="0" strike="noStrike" sz="1800" u="none" kumimoji="0" normalizeH="0">
+          <a:defRPr kumimoji="0" sz="1800" b="0" i="0" u="none" strike="noStrike" cap="none" spc="0" normalizeH="0" baseline="0">
             <a:ln>
               <a:noFill/>
             </a:ln>
@@ -15526,9 +16313,15 @@
         </a:lvl9pPr>
       </a:lstStyle>
       <a:style>
-        <a:lnRef idx="0"/>
-        <a:fillRef idx="0"/>
-        <a:effectRef idx="0"/>
+        <a:lnRef idx="0">
+          <a:scrgbClr r="0" g="0" b="0"/>
+        </a:lnRef>
+        <a:fillRef idx="0">
+          <a:scrgbClr r="0" g="0" b="0"/>
+        </a:fillRef>
+        <a:effectRef idx="0">
+          <a:scrgbClr r="0" g="0" b="0"/>
+        </a:effectRef>
         <a:fontRef idx="none"/>
       </a:style>
     </a:spDef>
@@ -15543,7 +16336,7 @@
           <a:round/>
         </a:ln>
         <a:effectLst>
-          <a:outerShdw sx="100000" sy="100000" kx="0" ky="0" algn="b" rotWithShape="0" blurRad="88900" dist="0" dir="0">
+          <a:outerShdw blurRad="88900" rotWithShape="0">
             <a:srgbClr val="000000">
               <a:alpha val="50000"/>
             </a:srgbClr>
@@ -15551,7 +16344,7 @@
         </a:effectLst>
         <a:sp3d/>
       </a:spPr>
-      <a:bodyPr rot="0" spcFirstLastPara="1" vertOverflow="overflow" horzOverflow="overflow" vert="horz" wrap="square" lIns="91439" tIns="45719" rIns="91439" bIns="45719" numCol="1" spcCol="38100" rtlCol="0" anchor="t" upright="0">
+      <a:bodyPr rot="0" spcFirstLastPara="1" vertOverflow="overflow" horzOverflow="overflow" vert="horz" wrap="square" lIns="91439" tIns="45719" rIns="91439" bIns="45719" numCol="1" spcCol="38100" rtlCol="0" anchor="t">
         <a:noAutofit/>
       </a:bodyPr>
       <a:lstStyle>
@@ -15570,7 +16363,7 @@
           <a:buFontTx/>
           <a:buNone/>
           <a:tabLst/>
-          <a:defRPr b="0" baseline="0" cap="none" i="0" spc="0" strike="noStrike" sz="1800" u="none" kumimoji="0" normalizeH="0">
+          <a:defRPr kumimoji="0" sz="1800" b="0" i="0" u="none" strike="noStrike" cap="none" spc="0" normalizeH="0" baseline="0">
             <a:ln>
               <a:noFill/>
             </a:ln>
@@ -15596,7 +16389,7 @@
           <a:buFontTx/>
           <a:buNone/>
           <a:tabLst/>
-          <a:defRPr b="0" baseline="0" cap="none" i="0" spc="0" strike="noStrike" sz="1800" u="none" kumimoji="0" normalizeH="0">
+          <a:defRPr kumimoji="0" sz="1800" b="0" i="0" u="none" strike="noStrike" cap="none" spc="0" normalizeH="0" baseline="0">
             <a:ln>
               <a:noFill/>
             </a:ln>
@@ -15622,7 +16415,7 @@
           <a:buFontTx/>
           <a:buNone/>
           <a:tabLst/>
-          <a:defRPr b="0" baseline="0" cap="none" i="0" spc="0" strike="noStrike" sz="1800" u="none" kumimoji="0" normalizeH="0">
+          <a:defRPr kumimoji="0" sz="1800" b="0" i="0" u="none" strike="noStrike" cap="none" spc="0" normalizeH="0" baseline="0">
             <a:ln>
               <a:noFill/>
             </a:ln>
@@ -15648,7 +16441,7 @@
           <a:buFontTx/>
           <a:buNone/>
           <a:tabLst/>
-          <a:defRPr b="0" baseline="0" cap="none" i="0" spc="0" strike="noStrike" sz="1800" u="none" kumimoji="0" normalizeH="0">
+          <a:defRPr kumimoji="0" sz="1800" b="0" i="0" u="none" strike="noStrike" cap="none" spc="0" normalizeH="0" baseline="0">
             <a:ln>
               <a:noFill/>
             </a:ln>
@@ -15674,7 +16467,7 @@
           <a:buFontTx/>
           <a:buNone/>
           <a:tabLst/>
-          <a:defRPr b="0" baseline="0" cap="none" i="0" spc="0" strike="noStrike" sz="1800" u="none" kumimoji="0" normalizeH="0">
+          <a:defRPr kumimoji="0" sz="1800" b="0" i="0" u="none" strike="noStrike" cap="none" spc="0" normalizeH="0" baseline="0">
             <a:ln>
               <a:noFill/>
             </a:ln>
@@ -15700,7 +16493,7 @@
           <a:buFontTx/>
           <a:buNone/>
           <a:tabLst/>
-          <a:defRPr b="0" baseline="0" cap="none" i="0" spc="0" strike="noStrike" sz="1800" u="none" kumimoji="0" normalizeH="0">
+          <a:defRPr kumimoji="0" sz="1800" b="0" i="0" u="none" strike="noStrike" cap="none" spc="0" normalizeH="0" baseline="0">
             <a:ln>
               <a:noFill/>
             </a:ln>
@@ -15726,7 +16519,7 @@
           <a:buFontTx/>
           <a:buNone/>
           <a:tabLst/>
-          <a:defRPr b="0" baseline="0" cap="none" i="0" spc="0" strike="noStrike" sz="1800" u="none" kumimoji="0" normalizeH="0">
+          <a:defRPr kumimoji="0" sz="1800" b="0" i="0" u="none" strike="noStrike" cap="none" spc="0" normalizeH="0" baseline="0">
             <a:ln>
               <a:noFill/>
             </a:ln>
@@ -15752,7 +16545,7 @@
           <a:buFontTx/>
           <a:buNone/>
           <a:tabLst/>
-          <a:defRPr b="0" baseline="0" cap="none" i="0" spc="0" strike="noStrike" sz="1800" u="none" kumimoji="0" normalizeH="0">
+          <a:defRPr kumimoji="0" sz="1800" b="0" i="0" u="none" strike="noStrike" cap="none" spc="0" normalizeH="0" baseline="0">
             <a:ln>
               <a:noFill/>
             </a:ln>
@@ -15778,7 +16571,7 @@
           <a:buFontTx/>
           <a:buNone/>
           <a:tabLst/>
-          <a:defRPr b="0" baseline="0" cap="none" i="0" spc="0" strike="noStrike" sz="1800" u="none" kumimoji="0" normalizeH="0">
+          <a:defRPr kumimoji="0" sz="1800" b="0" i="0" u="none" strike="noStrike" cap="none" spc="0" normalizeH="0" baseline="0">
             <a:ln>
               <a:noFill/>
             </a:ln>
@@ -15804,7 +16597,7 @@
           <a:buFontTx/>
           <a:buNone/>
           <a:tabLst/>
-          <a:defRPr b="0" baseline="0" cap="none" i="0" spc="0" strike="noStrike" sz="1800" u="none" kumimoji="0" normalizeH="0">
+          <a:defRPr kumimoji="0" sz="1800" b="0" i="0" u="none" strike="noStrike" cap="none" spc="0" normalizeH="0" baseline="0">
             <a:ln>
               <a:noFill/>
             </a:ln>
@@ -15817,9 +16610,15 @@
         </a:lvl9pPr>
       </a:lstStyle>
       <a:style>
-        <a:lnRef idx="0"/>
-        <a:fillRef idx="0"/>
-        <a:effectRef idx="0"/>
+        <a:lnRef idx="0">
+          <a:scrgbClr r="0" g="0" b="0"/>
+        </a:lnRef>
+        <a:fillRef idx="0">
+          <a:scrgbClr r="0" g="0" b="0"/>
+        </a:fillRef>
+        <a:effectRef idx="0">
+          <a:scrgbClr r="0" g="0" b="0"/>
+        </a:effectRef>
         <a:fontRef idx="none"/>
       </a:style>
     </a:lnDef>
@@ -15833,7 +16632,7 @@
         <a:effectLst/>
         <a:sp3d/>
       </a:spPr>
-      <a:bodyPr rot="0" spcFirstLastPara="1" vertOverflow="overflow" horzOverflow="overflow" vert="horz" wrap="square" lIns="45719" tIns="45719" rIns="45719" bIns="45719" numCol="1" spcCol="38100" rtlCol="0" anchor="t" upright="0">
+      <a:bodyPr rot="0" spcFirstLastPara="1" vertOverflow="overflow" horzOverflow="overflow" vert="horz" wrap="square" lIns="45719" tIns="45719" rIns="45719" bIns="45719" numCol="1" spcCol="38100" rtlCol="0" anchor="t">
         <a:spAutoFit/>
       </a:bodyPr>
       <a:lstStyle>
@@ -15852,7 +16651,7 @@
           <a:buFontTx/>
           <a:buNone/>
           <a:tabLst/>
-          <a:defRPr b="0" baseline="0" cap="none" i="0" spc="0" strike="noStrike" sz="1800" u="none" kumimoji="0" normalizeH="0">
+          <a:defRPr kumimoji="0" sz="1800" b="0" i="0" u="none" strike="noStrike" cap="none" spc="0" normalizeH="0" baseline="0">
             <a:ln>
               <a:noFill/>
             </a:ln>
@@ -15882,7 +16681,7 @@
           <a:buFontTx/>
           <a:buNone/>
           <a:tabLst/>
-          <a:defRPr b="0" baseline="0" cap="none" i="0" spc="0" strike="noStrike" sz="1800" u="none" kumimoji="0" normalizeH="0">
+          <a:defRPr kumimoji="0" sz="1800" b="0" i="0" u="none" strike="noStrike" cap="none" spc="0" normalizeH="0" baseline="0">
             <a:ln>
               <a:noFill/>
             </a:ln>
@@ -15908,7 +16707,7 @@
           <a:buFontTx/>
           <a:buNone/>
           <a:tabLst/>
-          <a:defRPr b="0" baseline="0" cap="none" i="0" spc="0" strike="noStrike" sz="1800" u="none" kumimoji="0" normalizeH="0">
+          <a:defRPr kumimoji="0" sz="1800" b="0" i="0" u="none" strike="noStrike" cap="none" spc="0" normalizeH="0" baseline="0">
             <a:ln>
               <a:noFill/>
             </a:ln>
@@ -15934,7 +16733,7 @@
           <a:buFontTx/>
           <a:buNone/>
           <a:tabLst/>
-          <a:defRPr b="0" baseline="0" cap="none" i="0" spc="0" strike="noStrike" sz="1800" u="none" kumimoji="0" normalizeH="0">
+          <a:defRPr kumimoji="0" sz="1800" b="0" i="0" u="none" strike="noStrike" cap="none" spc="0" normalizeH="0" baseline="0">
             <a:ln>
               <a:noFill/>
             </a:ln>
@@ -15960,7 +16759,7 @@
           <a:buFontTx/>
           <a:buNone/>
           <a:tabLst/>
-          <a:defRPr b="0" baseline="0" cap="none" i="0" spc="0" strike="noStrike" sz="1800" u="none" kumimoji="0" normalizeH="0">
+          <a:defRPr kumimoji="0" sz="1800" b="0" i="0" u="none" strike="noStrike" cap="none" spc="0" normalizeH="0" baseline="0">
             <a:ln>
               <a:noFill/>
             </a:ln>
@@ -15986,7 +16785,7 @@
           <a:buFontTx/>
           <a:buNone/>
           <a:tabLst/>
-          <a:defRPr b="0" baseline="0" cap="none" i="0" spc="0" strike="noStrike" sz="1800" u="none" kumimoji="0" normalizeH="0">
+          <a:defRPr kumimoji="0" sz="1800" b="0" i="0" u="none" strike="noStrike" cap="none" spc="0" normalizeH="0" baseline="0">
             <a:ln>
               <a:noFill/>
             </a:ln>
@@ -16012,7 +16811,7 @@
           <a:buFontTx/>
           <a:buNone/>
           <a:tabLst/>
-          <a:defRPr b="0" baseline="0" cap="none" i="0" spc="0" strike="noStrike" sz="1800" u="none" kumimoji="0" normalizeH="0">
+          <a:defRPr kumimoji="0" sz="1800" b="0" i="0" u="none" strike="noStrike" cap="none" spc="0" normalizeH="0" baseline="0">
             <a:ln>
               <a:noFill/>
             </a:ln>
@@ -16038,7 +16837,7 @@
           <a:buFontTx/>
           <a:buNone/>
           <a:tabLst/>
-          <a:defRPr b="0" baseline="0" cap="none" i="0" spc="0" strike="noStrike" sz="1800" u="none" kumimoji="0" normalizeH="0">
+          <a:defRPr kumimoji="0" sz="1800" b="0" i="0" u="none" strike="noStrike" cap="none" spc="0" normalizeH="0" baseline="0">
             <a:ln>
               <a:noFill/>
             </a:ln>
@@ -16064,7 +16863,7 @@
           <a:buFontTx/>
           <a:buNone/>
           <a:tabLst/>
-          <a:defRPr b="0" baseline="0" cap="none" i="0" spc="0" strike="noStrike" sz="1800" u="none" kumimoji="0" normalizeH="0">
+          <a:defRPr kumimoji="0" sz="1800" b="0" i="0" u="none" strike="noStrike" cap="none" spc="0" normalizeH="0" baseline="0">
             <a:ln>
               <a:noFill/>
             </a:ln>
@@ -16090,7 +16889,7 @@
           <a:buFontTx/>
           <a:buNone/>
           <a:tabLst/>
-          <a:defRPr b="0" baseline="0" cap="none" i="0" spc="0" strike="noStrike" sz="1800" u="none" kumimoji="0" normalizeH="0">
+          <a:defRPr kumimoji="0" sz="1800" b="0" i="0" u="none" strike="noStrike" cap="none" spc="0" normalizeH="0" baseline="0">
             <a:ln>
               <a:noFill/>
             </a:ln>
@@ -16103,12 +16902,19 @@
         </a:lvl9pPr>
       </a:lstStyle>
       <a:style>
-        <a:lnRef idx="0"/>
-        <a:fillRef idx="0"/>
-        <a:effectRef idx="0"/>
+        <a:lnRef idx="0">
+          <a:scrgbClr r="0" g="0" b="0"/>
+        </a:lnRef>
+        <a:fillRef idx="0">
+          <a:scrgbClr r="0" g="0" b="0"/>
+        </a:fillRef>
+        <a:effectRef idx="0">
+          <a:scrgbClr r="0" g="0" b="0"/>
+        </a:effectRef>
         <a:fontRef idx="none"/>
       </a:style>
     </a:txDef>
   </a:objectDefaults>
+  <a:extraClrSchemeLst/>
 </a:theme>
 </file>
--- a/软件实现.pptx
+++ b/软件实现.pptx
@@ -2303,7 +2303,7 @@
           </a:ln>
           <a:extLst>
             <a:ext uri="{C572A759-6A51-4108-AA02-DFA0A04FC94B}">
-              <ma14:wrappingTextBoxFlag xmlns:ma14="http://schemas.microsoft.com/office/mac/drawingml/2011/main" xmlns:a14="http://schemas.microsoft.com/office/drawing/2010/main" xmlns:m="http://schemas.openxmlformats.org/officeDocument/2006/math" xmlns="" val="1"/>
+              <ma14:wrappingTextBoxFlag xmlns="" xmlns:m="http://schemas.openxmlformats.org/officeDocument/2006/math" xmlns:a14="http://schemas.microsoft.com/office/drawing/2010/main" xmlns:ma14="http://schemas.microsoft.com/office/mac/drawingml/2011/main" val="1"/>
             </a:ext>
           </a:extLst>
         </p:spPr>
@@ -2366,7 +2366,7 @@
           </a:ln>
           <a:extLst>
             <a:ext uri="{C572A759-6A51-4108-AA02-DFA0A04FC94B}">
-              <ma14:wrappingTextBoxFlag xmlns:ma14="http://schemas.microsoft.com/office/mac/drawingml/2011/main" xmlns:a14="http://schemas.microsoft.com/office/drawing/2010/main" xmlns:m="http://schemas.openxmlformats.org/officeDocument/2006/math" xmlns="" val="1"/>
+              <ma14:wrappingTextBoxFlag xmlns="" xmlns:m="http://schemas.openxmlformats.org/officeDocument/2006/math" xmlns:a14="http://schemas.microsoft.com/office/drawing/2010/main" xmlns:ma14="http://schemas.microsoft.com/office/mac/drawingml/2011/main" val="1"/>
             </a:ext>
           </a:extLst>
         </p:spPr>
@@ -11275,854 +11275,865 @@
       </p:grpSpPr>
       <p:graphicFrame>
         <p:nvGraphicFramePr>
-          <p:cNvPr id="164" name="内容占位符 5"/>
-          <p:cNvGraphicFramePr/>
-          <p:nvPr/>
+          <p:cNvPr id="2" name="表格 1"/>
+          <p:cNvGraphicFramePr>
+            <a:graphicFrameLocks noGrp="1"/>
+          </p:cNvGraphicFramePr>
+          <p:nvPr>
+            <p:extLst>
+              <p:ext uri="{D42A27DB-BD31-4B8C-83A1-F6EECF244321}">
+                <p14:modId xmlns:p14="http://schemas.microsoft.com/office/powerpoint/2010/main" val="4050619878"/>
+              </p:ext>
+            </p:extLst>
+          </p:nvPr>
         </p:nvGraphicFramePr>
         <p:xfrm>
-          <a:off x="755576" y="404662"/>
-          <a:ext cx="7704857" cy="5904661"/>
+          <a:off x="395536" y="476672"/>
+          <a:ext cx="8064896" cy="2689454"/>
         </p:xfrm>
         <a:graphic>
           <a:graphicData uri="http://schemas.openxmlformats.org/drawingml/2006/table">
             <a:tbl>
-              <a:tblPr firstRow="1" bandRow="1">
-                <a:tableStyleId>{4C3C2611-4C71-4FC5-86AE-919BDF0F9419}</a:tableStyleId>
+              <a:tblPr firstRow="1" firstCol="1" bandRow="1">
+                <a:tableStyleId>{5940675A-B579-460E-94D1-54222C63F5DA}</a:tableStyleId>
               </a:tblPr>
               <a:tblGrid>
-                <a:gridCol w="2567683"/>
-                <a:gridCol w="2568587"/>
-                <a:gridCol w="2568587"/>
+                <a:gridCol w="8064896"/>
               </a:tblGrid>
-              <a:tr h="347333">
-                <a:tc gridSpan="3">
-                  <a:txBody>
-                    <a:bodyPr/>
-                    <a:lstStyle/>
-                    <a:p>
-                      <a:pPr algn="just">
-                        <a:defRPr>
-                          <a:uFill>
-                            <a:solidFill>
-                              <a:srgbClr val="000000"/>
-                            </a:solidFill>
-                          </a:uFill>
-                        </a:defRPr>
-                      </a:pPr>
-                      <a:r>
-                        <a:t>测试模块：注册</a:t>
-                      </a:r>
-                    </a:p>
-                  </a:txBody>
-                  <a:tcPr marL="0" marR="0" marT="0" marB="0" horzOverflow="overflow"/>
-                </a:tc>
-                <a:tc hMerge="1">
-                  <a:txBody>
-                    <a:bodyPr/>
-                    <a:lstStyle/>
-                    <a:p>
-                      <a:endParaRPr lang="zh-CN"/>
-                    </a:p>
-                  </a:txBody>
-                  <a:tcPr/>
-                </a:tc>
-                <a:tc hMerge="1">
-                  <a:txBody>
-                    <a:bodyPr/>
-                    <a:lstStyle/>
-                    <a:p>
-                      <a:endParaRPr lang="zh-CN"/>
-                    </a:p>
-                  </a:txBody>
-                  <a:tcPr/>
-                </a:tc>
-              </a:tr>
-              <a:tr h="347333">
-                <a:tc gridSpan="3">
-                  <a:txBody>
-                    <a:bodyPr/>
-                    <a:lstStyle/>
-                    <a:p>
-                      <a:pPr algn="just">
-                        <a:defRPr b="1">
-                          <a:solidFill>
-                            <a:srgbClr val="FFFFFF"/>
-                          </a:solidFill>
-                          <a:uFill>
-                            <a:solidFill>
-                              <a:srgbClr val="000000"/>
-                            </a:solidFill>
-                          </a:uFill>
-                        </a:defRPr>
-                      </a:pPr>
-                      <a:r>
-                        <a:t>标识符：1</a:t>
-                      </a:r>
-                    </a:p>
-                  </a:txBody>
-                  <a:tcPr marL="0" marR="0" marT="0" marB="0" horzOverflow="overflow">
-                    <a:solidFill>
-                      <a:schemeClr val="accent1"/>
-                    </a:solidFill>
-                  </a:tcPr>
-                </a:tc>
-                <a:tc hMerge="1">
-                  <a:txBody>
-                    <a:bodyPr/>
-                    <a:lstStyle/>
-                    <a:p>
-                      <a:endParaRPr lang="zh-CN"/>
-                    </a:p>
-                  </a:txBody>
-                  <a:tcPr/>
-                </a:tc>
-                <a:tc hMerge="1">
-                  <a:txBody>
-                    <a:bodyPr/>
-                    <a:lstStyle/>
-                    <a:p>
-                      <a:endParaRPr lang="zh-CN"/>
-                    </a:p>
-                  </a:txBody>
-                  <a:tcPr/>
-                </a:tc>
-              </a:tr>
-              <a:tr h="694666">
-                <a:tc gridSpan="3">
-                  <a:txBody>
-                    <a:bodyPr/>
-                    <a:lstStyle/>
-                    <a:p>
-                      <a:pPr algn="just">
-                        <a:defRPr b="1">
-                          <a:solidFill>
-                            <a:srgbClr val="FFFFFF"/>
-                          </a:solidFill>
-                          <a:uFill>
-                            <a:solidFill>
-                              <a:srgbClr val="000000"/>
-                            </a:solidFill>
-                          </a:uFill>
-                        </a:defRPr>
-                      </a:pPr>
-                      <a:r>
-                        <a:t>测试项：用户在注册账号时分别输入：不存在且符合格式的用户名、存在的用户名、不存在但不符合格式的用户名、符合格式的密码、不符合格式的密码、两次输入不一致的密码</a:t>
-                      </a:r>
-                    </a:p>
-                  </a:txBody>
-                  <a:tcPr marL="0" marR="0" marT="0" marB="0" horzOverflow="overflow">
-                    <a:solidFill>
-                      <a:schemeClr val="accent1"/>
-                    </a:solidFill>
-                  </a:tcPr>
-                </a:tc>
-                <a:tc hMerge="1">
-                  <a:txBody>
-                    <a:bodyPr/>
-                    <a:lstStyle/>
-                    <a:p>
-                      <a:endParaRPr lang="zh-CN"/>
-                    </a:p>
-                  </a:txBody>
-                  <a:tcPr/>
-                </a:tc>
-                <a:tc hMerge="1">
-                  <a:txBody>
-                    <a:bodyPr/>
-                    <a:lstStyle/>
-                    <a:p>
-                      <a:endParaRPr lang="zh-CN"/>
-                    </a:p>
-                  </a:txBody>
-                  <a:tcPr/>
-                </a:tc>
-              </a:tr>
-              <a:tr h="347333">
-                <a:tc gridSpan="3">
-                  <a:txBody>
-                    <a:bodyPr/>
-                    <a:lstStyle/>
-                    <a:p>
-                      <a:pPr algn="just">
-                        <a:defRPr b="1">
-                          <a:solidFill>
-                            <a:srgbClr val="FFFFFF"/>
-                          </a:solidFill>
-                          <a:uFill>
-                            <a:solidFill>
-                              <a:srgbClr val="000000"/>
-                            </a:solidFill>
-                          </a:uFill>
-                        </a:defRPr>
-                      </a:pPr>
-                      <a:r>
-                        <a:t>测试环境：Windows10</a:t>
-                      </a:r>
-                    </a:p>
-                  </a:txBody>
-                  <a:tcPr marL="0" marR="0" marT="0" marB="0" horzOverflow="overflow">
-                    <a:solidFill>
-                      <a:schemeClr val="accent1"/>
-                    </a:solidFill>
-                  </a:tcPr>
-                </a:tc>
-                <a:tc hMerge="1">
-                  <a:txBody>
-                    <a:bodyPr/>
-                    <a:lstStyle/>
-                    <a:p>
-                      <a:endParaRPr lang="zh-CN"/>
-                    </a:p>
-                  </a:txBody>
-                  <a:tcPr/>
-                </a:tc>
-                <a:tc hMerge="1">
-                  <a:txBody>
-                    <a:bodyPr/>
-                    <a:lstStyle/>
-                    <a:p>
-                      <a:endParaRPr lang="zh-CN"/>
-                    </a:p>
-                  </a:txBody>
-                  <a:tcPr/>
-                </a:tc>
-              </a:tr>
-              <a:tr h="347333">
-                <a:tc gridSpan="3">
-                  <a:txBody>
-                    <a:bodyPr/>
-                    <a:lstStyle/>
-                    <a:p>
-                      <a:pPr algn="just">
-                        <a:defRPr b="1">
-                          <a:solidFill>
-                            <a:srgbClr val="FFFFFF"/>
-                          </a:solidFill>
-                          <a:uFill>
-                            <a:solidFill>
-                              <a:srgbClr val="000000"/>
-                            </a:solidFill>
-                          </a:uFill>
-                        </a:defRPr>
-                      </a:pPr>
-                      <a:r>
-                        <a:t>前置条件：APP相关数据库等其他运行环境正常</a:t>
-                      </a:r>
-                    </a:p>
-                  </a:txBody>
-                  <a:tcPr marL="0" marR="0" marT="0" marB="0" horzOverflow="overflow">
-                    <a:solidFill>
-                      <a:schemeClr val="accent1"/>
-                    </a:solidFill>
-                  </a:tcPr>
-                </a:tc>
-                <a:tc hMerge="1">
-                  <a:txBody>
-                    <a:bodyPr/>
-                    <a:lstStyle/>
-                    <a:p>
-                      <a:endParaRPr lang="zh-CN"/>
-                    </a:p>
-                  </a:txBody>
-                  <a:tcPr/>
-                </a:tc>
-                <a:tc hMerge="1">
-                  <a:txBody>
-                    <a:bodyPr/>
-                    <a:lstStyle/>
-                    <a:p>
-                      <a:endParaRPr lang="zh-CN"/>
-                    </a:p>
-                  </a:txBody>
-                  <a:tcPr/>
-                </a:tc>
-              </a:tr>
-              <a:tr h="1041998">
-                <a:tc gridSpan="3">
-                  <a:txBody>
-                    <a:bodyPr/>
-                    <a:lstStyle/>
-                    <a:p>
-                      <a:pPr algn="just">
-                        <a:defRPr b="1">
-                          <a:solidFill>
-                            <a:srgbClr val="FFFFFF"/>
-                          </a:solidFill>
-                          <a:uFill>
-                            <a:solidFill>
-                              <a:srgbClr val="000000"/>
-                            </a:solidFill>
-                          </a:uFill>
-                        </a:defRPr>
-                      </a:pPr>
-                      <a:r>
-                        <a:t>操作步骤：</a:t>
-                      </a:r>
-                    </a:p>
-                    <a:p>
-                      <a:pPr algn="just">
-                        <a:defRPr b="1">
-                          <a:solidFill>
-                            <a:srgbClr val="FFFFFF"/>
-                          </a:solidFill>
-                          <a:uFill>
-                            <a:solidFill>
-                              <a:srgbClr val="000000"/>
-                            </a:solidFill>
-                          </a:uFill>
-                        </a:defRPr>
-                      </a:pPr>
-                      <a:r>
-                        <a:t>1.点击用户注册界面开始进行注册</a:t>
-                      </a:r>
-                    </a:p>
-                    <a:p>
-                      <a:pPr algn="just">
-                        <a:defRPr b="1">
-                          <a:solidFill>
-                            <a:srgbClr val="FFFFFF"/>
-                          </a:solidFill>
-                          <a:uFill>
-                            <a:solidFill>
-                              <a:srgbClr val="000000"/>
-                            </a:solidFill>
-                          </a:uFill>
-                        </a:defRPr>
-                      </a:pPr>
-                      <a:r>
-                        <a:t>2.输入相关信息完成注册</a:t>
-                      </a:r>
-                    </a:p>
-                  </a:txBody>
-                  <a:tcPr marL="0" marR="0" marT="0" marB="0" horzOverflow="overflow">
-                    <a:solidFill>
-                      <a:schemeClr val="accent1"/>
-                    </a:solidFill>
-                  </a:tcPr>
-                </a:tc>
-                <a:tc hMerge="1">
-                  <a:txBody>
-                    <a:bodyPr/>
-                    <a:lstStyle/>
-                    <a:p>
-                      <a:endParaRPr lang="zh-CN"/>
-                    </a:p>
-                  </a:txBody>
-                  <a:tcPr/>
-                </a:tc>
-                <a:tc hMerge="1">
-                  <a:txBody>
-                    <a:bodyPr/>
-                    <a:lstStyle/>
-                    <a:p>
-                      <a:endParaRPr lang="zh-CN"/>
-                    </a:p>
-                  </a:txBody>
-                  <a:tcPr/>
-                </a:tc>
-              </a:tr>
-              <a:tr h="347333">
+              <a:tr h="350029">
                 <a:tc>
                   <a:txBody>
                     <a:bodyPr/>
                     <a:lstStyle/>
                     <a:p>
                       <a:pPr algn="just">
-                        <a:defRPr b="1">
+                        <a:spcAft>
+                          <a:spcPts val="0"/>
+                        </a:spcAft>
+                      </a:pPr>
+                      <a:r>
+                        <a:rPr lang="zh-TW" sz="1600" kern="100" dirty="0">
                           <a:solidFill>
-                            <a:srgbClr val="FFFFFF"/>
+                            <a:schemeClr val="bg1"/>
                           </a:solidFill>
+                          <a:effectLst/>
                           <a:uFill>
                             <a:solidFill>
                               <a:srgbClr val="000000"/>
                             </a:solidFill>
                           </a:uFill>
-                        </a:defRPr>
-                      </a:pPr>
-                      <a:r>
-                        <a:t>输入数据</a:t>
+                        </a:rPr>
+                        <a:t>测试模块：鱼类百科</a:t>
                       </a:r>
+                      <a:endParaRPr lang="zh-CN" sz="1600" kern="100" dirty="0">
+                        <a:solidFill>
+                          <a:schemeClr val="bg1"/>
+                        </a:solidFill>
+                        <a:effectLst/>
+                        <a:uFill>
+                          <a:solidFill>
+                            <a:srgbClr val="000000"/>
+                          </a:solidFill>
+                        </a:uFill>
+                        <a:latin typeface="Calibri"/>
+                        <a:ea typeface="Calibri"/>
+                      </a:endParaRPr>
                     </a:p>
                   </a:txBody>
-                  <a:tcPr marL="0" marR="0" marT="0" marB="0" horzOverflow="overflow">
-                    <a:solidFill>
-                      <a:schemeClr val="accent1"/>
-                    </a:solidFill>
-                  </a:tcPr>
+                  <a:tcPr marL="50800" marR="50800" marT="50800" marB="50800"/>
                 </a:tc>
+              </a:tr>
+              <a:tr h="350029">
                 <a:tc>
                   <a:txBody>
                     <a:bodyPr/>
                     <a:lstStyle/>
                     <a:p>
                       <a:pPr algn="just">
-                        <a:defRPr>
+                        <a:spcAft>
+                          <a:spcPts val="0"/>
+                        </a:spcAft>
+                      </a:pPr>
+                      <a:r>
+                        <a:rPr lang="zh-TW" sz="1600" kern="100">
+                          <a:solidFill>
+                            <a:schemeClr val="bg1"/>
+                          </a:solidFill>
+                          <a:effectLst/>
                           <a:uFill>
                             <a:solidFill>
                               <a:srgbClr val="000000"/>
                             </a:solidFill>
                           </a:uFill>
-                        </a:defRPr>
-                      </a:pPr>
+                        </a:rPr>
+                        <a:t>标识符：</a:t>
+                      </a:r>
                       <a:r>
-                        <a:t>期望输出</a:t>
+                        <a:rPr lang="en-US" sz="1600" kern="100">
+                          <a:solidFill>
+                            <a:schemeClr val="bg1"/>
+                          </a:solidFill>
+                          <a:effectLst/>
+                          <a:uFill>
+                            <a:solidFill>
+                              <a:srgbClr val="000000"/>
+                            </a:solidFill>
+                          </a:uFill>
+                        </a:rPr>
+                        <a:t>1</a:t>
                       </a:r>
+                      <a:endParaRPr lang="zh-CN" sz="1600" kern="100">
+                        <a:solidFill>
+                          <a:schemeClr val="bg1"/>
+                        </a:solidFill>
+                        <a:effectLst/>
+                        <a:uFill>
+                          <a:solidFill>
+                            <a:srgbClr val="000000"/>
+                          </a:solidFill>
+                        </a:uFill>
+                        <a:latin typeface="Calibri"/>
+                        <a:ea typeface="Calibri"/>
+                      </a:endParaRPr>
                     </a:p>
                   </a:txBody>
-                  <a:tcPr marL="0" marR="0" marT="0" marB="0" horzOverflow="overflow"/>
+                  <a:tcPr marL="50800" marR="50800" marT="50800" marB="50800"/>
                 </a:tc>
+              </a:tr>
+              <a:tr h="350029">
                 <a:tc>
                   <a:txBody>
                     <a:bodyPr/>
                     <a:lstStyle/>
                     <a:p>
                       <a:pPr algn="just">
-                        <a:defRPr>
+                        <a:spcAft>
+                          <a:spcPts val="0"/>
+                        </a:spcAft>
+                      </a:pPr>
+                      <a:r>
+                        <a:rPr lang="zh-TW" sz="1600" kern="100">
+                          <a:solidFill>
+                            <a:schemeClr val="bg1"/>
+                          </a:solidFill>
+                          <a:effectLst/>
                           <a:uFill>
                             <a:solidFill>
                               <a:srgbClr val="000000"/>
                             </a:solidFill>
                           </a:uFill>
-                        </a:defRPr>
-                      </a:pPr>
-                      <a:r>
-                        <a:t>实际结果</a:t>
+                        </a:rPr>
+                        <a:t>测试项：用户在点击鱼类百科中的按钮，跳出该鱼类的栖息地等等信息。</a:t>
                       </a:r>
+                      <a:endParaRPr lang="zh-CN" sz="1600" kern="100">
+                        <a:solidFill>
+                          <a:schemeClr val="bg1"/>
+                        </a:solidFill>
+                        <a:effectLst/>
+                        <a:uFill>
+                          <a:solidFill>
+                            <a:srgbClr val="000000"/>
+                          </a:solidFill>
+                        </a:uFill>
+                        <a:latin typeface="Calibri"/>
+                        <a:ea typeface="Calibri"/>
+                      </a:endParaRPr>
                     </a:p>
                   </a:txBody>
-                  <a:tcPr marL="0" marR="0" marT="0" marB="0" horzOverflow="overflow"/>
+                  <a:tcPr marL="50800" marR="50800" marT="50800" marB="50800"/>
                 </a:tc>
               </a:tr>
-              <a:tr h="347333">
+              <a:tr h="350029">
                 <a:tc>
                   <a:txBody>
                     <a:bodyPr/>
                     <a:lstStyle/>
                     <a:p>
                       <a:pPr algn="just">
-                        <a:defRPr b="1">
+                        <a:spcAft>
+                          <a:spcPts val="0"/>
+                        </a:spcAft>
+                      </a:pPr>
+                      <a:r>
+                        <a:rPr lang="zh-TW" sz="1600" kern="100">
                           <a:solidFill>
-                            <a:srgbClr val="FFFFFF"/>
+                            <a:schemeClr val="bg1"/>
                           </a:solidFill>
+                          <a:effectLst/>
                           <a:uFill>
                             <a:solidFill>
                               <a:srgbClr val="000000"/>
                             </a:solidFill>
                           </a:uFill>
-                        </a:defRPr>
-                      </a:pPr>
+                        </a:rPr>
+                        <a:t>测试环境</a:t>
+                      </a:r>
                       <a:r>
-                        <a:t>不存在且符合各式的用户名</a:t>
+                        <a:rPr lang="zh-CN" sz="1600" kern="100">
+                          <a:solidFill>
+                            <a:schemeClr val="bg1"/>
+                          </a:solidFill>
+                          <a:effectLst/>
+                          <a:uFill>
+                            <a:solidFill>
+                              <a:srgbClr val="000000"/>
+                            </a:solidFill>
+                          </a:uFill>
+                        </a:rPr>
+                        <a:t>：网易MUMU 安卓手机</a:t>
                       </a:r>
+                      <a:endParaRPr lang="zh-CN" sz="1600" kern="100">
+                        <a:solidFill>
+                          <a:schemeClr val="bg1"/>
+                        </a:solidFill>
+                        <a:effectLst/>
+                        <a:uFill>
+                          <a:solidFill>
+                            <a:srgbClr val="000000"/>
+                          </a:solidFill>
+                        </a:uFill>
+                        <a:latin typeface="Calibri"/>
+                        <a:ea typeface="Calibri"/>
+                      </a:endParaRPr>
                     </a:p>
                   </a:txBody>
-                  <a:tcPr marL="0" marR="0" marT="0" marB="0" horzOverflow="overflow">
-                    <a:solidFill>
-                      <a:schemeClr val="accent1"/>
-                    </a:solidFill>
-                  </a:tcPr>
+                  <a:tcPr marL="50800" marR="50800" marT="50800" marB="50800"/>
                 </a:tc>
+              </a:tr>
+              <a:tr h="350029">
                 <a:tc>
                   <a:txBody>
                     <a:bodyPr/>
                     <a:lstStyle/>
                     <a:p>
                       <a:pPr algn="just">
-                        <a:defRPr>
+                        <a:spcAft>
+                          <a:spcPts val="0"/>
+                        </a:spcAft>
+                      </a:pPr>
+                      <a:r>
+                        <a:rPr lang="zh-TW" sz="1600" kern="100" dirty="0">
+                          <a:solidFill>
+                            <a:schemeClr val="bg1"/>
+                          </a:solidFill>
+                          <a:effectLst/>
                           <a:uFill>
                             <a:solidFill>
                               <a:srgbClr val="000000"/>
                             </a:solidFill>
                           </a:uFill>
-                        </a:defRPr>
-                      </a:pPr>
+                        </a:rPr>
+                        <a:t>前置条件：</a:t>
+                      </a:r>
                       <a:r>
-                        <a:t>提示：该账号可用</a:t>
+                        <a:rPr lang="en-US" sz="1600" kern="100" dirty="0">
+                          <a:solidFill>
+                            <a:schemeClr val="bg1"/>
+                          </a:solidFill>
+                          <a:effectLst/>
+                          <a:uFill>
+                            <a:solidFill>
+                              <a:srgbClr val="000000"/>
+                            </a:solidFill>
+                          </a:uFill>
+                        </a:rPr>
+                        <a:t>APP</a:t>
                       </a:r>
+                      <a:r>
+                        <a:rPr lang="zh-TW" sz="1600" kern="100" dirty="0">
+                          <a:solidFill>
+                            <a:schemeClr val="bg1"/>
+                          </a:solidFill>
+                          <a:effectLst/>
+                          <a:uFill>
+                            <a:solidFill>
+                              <a:srgbClr val="000000"/>
+                            </a:solidFill>
+                          </a:uFill>
+                        </a:rPr>
+                        <a:t>相关数据库等其他</a:t>
+                      </a:r>
+                      <a:r>
+                        <a:rPr lang="zh-TW" sz="1600" kern="100" dirty="0" smtClean="0">
+                          <a:solidFill>
+                            <a:schemeClr val="bg1"/>
+                          </a:solidFill>
+                          <a:effectLst/>
+                          <a:uFill>
+                            <a:solidFill>
+                              <a:srgbClr val="000000"/>
+                            </a:solidFill>
+                          </a:uFill>
+                        </a:rPr>
+                        <a:t>运行</a:t>
+                      </a:r>
+                      <a:r>
+                        <a:rPr lang="zh-TW" sz="1600" kern="100" dirty="0">
+                          <a:solidFill>
+                            <a:schemeClr val="bg1"/>
+                          </a:solidFill>
+                          <a:effectLst/>
+                          <a:uFill>
+                            <a:solidFill>
+                              <a:srgbClr val="000000"/>
+                            </a:solidFill>
+                          </a:uFill>
+                        </a:rPr>
+                        <a:t>环境正常</a:t>
+                      </a:r>
+                      <a:endParaRPr lang="zh-CN" sz="1600" kern="100" dirty="0">
+                        <a:solidFill>
+                          <a:schemeClr val="bg1"/>
+                        </a:solidFill>
+                        <a:effectLst/>
+                        <a:uFill>
+                          <a:solidFill>
+                            <a:srgbClr val="000000"/>
+                          </a:solidFill>
+                        </a:uFill>
+                        <a:latin typeface="Calibri"/>
+                        <a:ea typeface="Calibri"/>
+                      </a:endParaRPr>
                     </a:p>
                   </a:txBody>
-                  <a:tcPr marL="0" marR="0" marT="0" marB="0" horzOverflow="overflow"/>
+                  <a:tcPr marL="50800" marR="50800" marT="50800" marB="50800"/>
                 </a:tc>
+              </a:tr>
+              <a:tr h="564124">
                 <a:tc>
                   <a:txBody>
                     <a:bodyPr/>
                     <a:lstStyle/>
                     <a:p>
                       <a:pPr algn="just">
-                        <a:defRPr>
+                        <a:spcAft>
+                          <a:spcPts val="0"/>
+                        </a:spcAft>
+                      </a:pPr>
+                      <a:r>
+                        <a:rPr lang="zh-TW" sz="1600" kern="100" dirty="0">
+                          <a:solidFill>
+                            <a:schemeClr val="bg1"/>
+                          </a:solidFill>
+                          <a:effectLst/>
                           <a:uFill>
                             <a:solidFill>
                               <a:srgbClr val="000000"/>
                             </a:solidFill>
                           </a:uFill>
-                        </a:defRPr>
+                        </a:rPr>
+                        <a:t>操作步骤：</a:t>
+                      </a:r>
+                      <a:endParaRPr lang="zh-CN" sz="1600" kern="100" dirty="0">
+                        <a:solidFill>
+                          <a:schemeClr val="bg1"/>
+                        </a:solidFill>
+                        <a:effectLst/>
+                        <a:uFill>
+                          <a:solidFill>
+                            <a:srgbClr val="000000"/>
+                          </a:solidFill>
+                        </a:uFill>
+                      </a:endParaRPr>
+                    </a:p>
+                    <a:p>
+                      <a:pPr algn="just">
+                        <a:spcAft>
+                          <a:spcPts val="0"/>
+                        </a:spcAft>
                       </a:pPr>
                       <a:r>
-                        <a:t>提示：该账号可用</a:t>
+                        <a:rPr lang="en-US" sz="1600" kern="100" dirty="0">
+                          <a:solidFill>
+                            <a:schemeClr val="bg1"/>
+                          </a:solidFill>
+                          <a:effectLst/>
+                          <a:uFill>
+                            <a:solidFill>
+                              <a:srgbClr val="000000"/>
+                            </a:solidFill>
+                          </a:uFill>
+                        </a:rPr>
+                        <a:t>1.</a:t>
                       </a:r>
+                      <a:r>
+                        <a:rPr lang="zh-TW" sz="1600" kern="100" dirty="0">
+                          <a:solidFill>
+                            <a:schemeClr val="bg1"/>
+                          </a:solidFill>
+                          <a:effectLst/>
+                          <a:uFill>
+                            <a:solidFill>
+                              <a:srgbClr val="000000"/>
+                            </a:solidFill>
+                          </a:uFill>
+                        </a:rPr>
+                        <a:t>点击鱼类百科中不同鱼的按钮</a:t>
+                      </a:r>
+                      <a:endParaRPr lang="zh-CN" sz="1600" kern="100" dirty="0">
+                        <a:solidFill>
+                          <a:schemeClr val="bg1"/>
+                        </a:solidFill>
+                        <a:effectLst/>
+                        <a:uFill>
+                          <a:solidFill>
+                            <a:srgbClr val="000000"/>
+                          </a:solidFill>
+                        </a:uFill>
+                        <a:latin typeface="Calibri"/>
+                        <a:ea typeface="Calibri"/>
+                      </a:endParaRPr>
                     </a:p>
                   </a:txBody>
-                  <a:tcPr marL="0" marR="0" marT="0" marB="0" horzOverflow="overflow"/>
+                  <a:tcPr marL="50800" marR="50800" marT="50800" marB="50800"/>
                 </a:tc>
               </a:tr>
-              <a:tr h="347333">
+              <a:tr h="350029">
                 <a:tc>
                   <a:txBody>
                     <a:bodyPr/>
                     <a:lstStyle/>
                     <a:p>
                       <a:pPr algn="just">
-                        <a:defRPr b="1">
+                        <a:spcAft>
+                          <a:spcPts val="0"/>
+                        </a:spcAft>
+                      </a:pPr>
+                      <a:r>
+                        <a:rPr lang="zh-TW" sz="1600" kern="100" dirty="0">
                           <a:solidFill>
-                            <a:srgbClr val="FFFFFF"/>
+                            <a:schemeClr val="bg1"/>
                           </a:solidFill>
+                          <a:effectLst/>
                           <a:uFill>
                             <a:solidFill>
                               <a:srgbClr val="000000"/>
                             </a:solidFill>
                           </a:uFill>
-                        </a:defRPr>
-                      </a:pPr>
-                      <a:r>
-                        <a:t>存在的用户名</a:t>
+                        </a:rPr>
+                        <a:t>测试结果：没有出现异常。</a:t>
                       </a:r>
+                      <a:endParaRPr lang="zh-CN" sz="1600" kern="100" dirty="0">
+                        <a:solidFill>
+                          <a:schemeClr val="bg1"/>
+                        </a:solidFill>
+                        <a:effectLst/>
+                        <a:uFill>
+                          <a:solidFill>
+                            <a:srgbClr val="000000"/>
+                          </a:solidFill>
+                        </a:uFill>
+                        <a:latin typeface="Calibri"/>
+                        <a:ea typeface="Calibri"/>
+                      </a:endParaRPr>
                     </a:p>
                   </a:txBody>
-                  <a:tcPr marL="0" marR="0" marT="0" marB="0" horzOverflow="overflow">
-                    <a:solidFill>
-                      <a:schemeClr val="accent1"/>
-                    </a:solidFill>
-                  </a:tcPr>
+                  <a:tcPr marL="50800" marR="50800" marT="50800" marB="50800"/>
                 </a:tc>
+              </a:tr>
+            </a:tbl>
+          </a:graphicData>
+        </a:graphic>
+      </p:graphicFrame>
+      <p:graphicFrame>
+        <p:nvGraphicFramePr>
+          <p:cNvPr id="3" name="表格 2"/>
+          <p:cNvGraphicFramePr>
+            <a:graphicFrameLocks noGrp="1"/>
+          </p:cNvGraphicFramePr>
+          <p:nvPr>
+            <p:extLst>
+              <p:ext uri="{D42A27DB-BD31-4B8C-83A1-F6EECF244321}">
+                <p14:modId xmlns:p14="http://schemas.microsoft.com/office/powerpoint/2010/main" val="3884634220"/>
+              </p:ext>
+            </p:extLst>
+          </p:nvPr>
+        </p:nvGraphicFramePr>
+        <p:xfrm>
+          <a:off x="395536" y="3284984"/>
+          <a:ext cx="8136904" cy="2952327"/>
+        </p:xfrm>
+        <a:graphic>
+          <a:graphicData uri="http://schemas.openxmlformats.org/drawingml/2006/table">
+            <a:tbl>
+              <a:tblPr firstRow="1" firstCol="1" bandRow="1">
+                <a:tableStyleId>{5940675A-B579-460E-94D1-54222C63F5DA}</a:tableStyleId>
+              </a:tblPr>
+              <a:tblGrid>
+                <a:gridCol w="8136904"/>
+              </a:tblGrid>
+              <a:tr h="446534">
                 <a:tc>
                   <a:txBody>
                     <a:bodyPr/>
                     <a:lstStyle/>
                     <a:p>
                       <a:pPr algn="just">
-                        <a:defRPr>
+                        <a:spcAft>
+                          <a:spcPts val="0"/>
+                        </a:spcAft>
+                      </a:pPr>
+                      <a:r>
+                        <a:rPr lang="zh-TW" sz="1600" kern="100" dirty="0">
+                          <a:solidFill>
+                            <a:schemeClr val="bg1"/>
+                          </a:solidFill>
+                          <a:effectLst/>
                           <a:uFill>
                             <a:solidFill>
                               <a:srgbClr val="000000"/>
                             </a:solidFill>
                           </a:uFill>
-                        </a:defRPr>
-                      </a:pPr>
-                      <a:r>
-                        <a:t>提示：该账号已存在</a:t>
+                        </a:rPr>
+                        <a:t>测试模块：钓鱼游戏运行</a:t>
                       </a:r>
+                      <a:endParaRPr lang="zh-CN" sz="1600" kern="100" dirty="0">
+                        <a:solidFill>
+                          <a:schemeClr val="bg1"/>
+                        </a:solidFill>
+                        <a:effectLst/>
+                        <a:uFill>
+                          <a:solidFill>
+                            <a:srgbClr val="000000"/>
+                          </a:solidFill>
+                        </a:uFill>
+                        <a:latin typeface="Calibri"/>
+                        <a:ea typeface="Calibri"/>
+                      </a:endParaRPr>
                     </a:p>
                   </a:txBody>
-                  <a:tcPr marL="0" marR="0" marT="0" marB="0" horzOverflow="overflow"/>
+                  <a:tcPr marL="50800" marR="50800" marT="50800" marB="50800"/>
                 </a:tc>
+              </a:tr>
+              <a:tr h="446534">
                 <a:tc>
                   <a:txBody>
                     <a:bodyPr/>
                     <a:lstStyle/>
                     <a:p>
                       <a:pPr algn="just">
-                        <a:defRPr>
+                        <a:spcAft>
+                          <a:spcPts val="0"/>
+                        </a:spcAft>
+                      </a:pPr>
+                      <a:r>
+                        <a:rPr lang="zh-TW" sz="1600" kern="100" dirty="0">
+                          <a:solidFill>
+                            <a:schemeClr val="bg1"/>
+                          </a:solidFill>
+                          <a:effectLst/>
                           <a:uFill>
                             <a:solidFill>
                               <a:srgbClr val="000000"/>
                             </a:solidFill>
                           </a:uFill>
-                        </a:defRPr>
-                      </a:pPr>
-                      <a:r>
-                        <a:t>提示：该账号已存在</a:t>
+                        </a:rPr>
+                        <a:t>测试项：用户在进入游戏之后的人物移动，钓鱼操作等</a:t>
                       </a:r>
+                      <a:endParaRPr lang="zh-CN" sz="1600" kern="100" dirty="0">
+                        <a:solidFill>
+                          <a:schemeClr val="bg1"/>
+                        </a:solidFill>
+                        <a:effectLst/>
+                        <a:uFill>
+                          <a:solidFill>
+                            <a:srgbClr val="000000"/>
+                          </a:solidFill>
+                        </a:uFill>
+                        <a:latin typeface="Calibri"/>
+                        <a:ea typeface="Calibri"/>
+                      </a:endParaRPr>
                     </a:p>
                   </a:txBody>
-                  <a:tcPr marL="0" marR="0" marT="0" marB="0" horzOverflow="overflow"/>
+                  <a:tcPr marL="50800" marR="50800" marT="50800" marB="50800"/>
                 </a:tc>
               </a:tr>
-              <a:tr h="694666">
+              <a:tr h="446534">
                 <a:tc>
                   <a:txBody>
                     <a:bodyPr/>
                     <a:lstStyle/>
                     <a:p>
                       <a:pPr algn="just">
-                        <a:defRPr b="1">
+                        <a:spcAft>
+                          <a:spcPts val="0"/>
+                        </a:spcAft>
+                      </a:pPr>
+                      <a:r>
+                        <a:rPr lang="zh-TW" sz="1600" kern="100" dirty="0">
                           <a:solidFill>
-                            <a:srgbClr val="FFFFFF"/>
+                            <a:schemeClr val="bg1"/>
                           </a:solidFill>
+                          <a:effectLst/>
                           <a:uFill>
                             <a:solidFill>
                               <a:srgbClr val="000000"/>
                             </a:solidFill>
                           </a:uFill>
-                        </a:defRPr>
-                      </a:pPr>
+                        </a:rPr>
+                        <a:t>测试环境：</a:t>
+                      </a:r>
                       <a:r>
-                        <a:t>不存在但不符合格式的用户名</a:t>
+                        <a:rPr lang="zh-CN" sz="1600" kern="100" dirty="0">
+                          <a:solidFill>
+                            <a:schemeClr val="bg1"/>
+                          </a:solidFill>
+                          <a:effectLst/>
+                          <a:uFill>
+                            <a:solidFill>
+                              <a:srgbClr val="000000"/>
+                            </a:solidFill>
+                          </a:uFill>
+                        </a:rPr>
+                        <a:t>网易MUMU 安卓手机</a:t>
                       </a:r>
+                      <a:endParaRPr lang="zh-CN" sz="1600" kern="100" dirty="0">
+                        <a:solidFill>
+                          <a:schemeClr val="bg1"/>
+                        </a:solidFill>
+                        <a:effectLst/>
+                        <a:uFill>
+                          <a:solidFill>
+                            <a:srgbClr val="000000"/>
+                          </a:solidFill>
+                        </a:uFill>
+                        <a:latin typeface="Calibri"/>
+                        <a:ea typeface="Calibri"/>
+                      </a:endParaRPr>
                     </a:p>
                   </a:txBody>
-                  <a:tcPr marL="0" marR="0" marT="0" marB="0" horzOverflow="overflow">
-                    <a:solidFill>
-                      <a:schemeClr val="accent1"/>
-                    </a:solidFill>
-                  </a:tcPr>
+                  <a:tcPr marL="50800" marR="50800" marT="50800" marB="50800"/>
                 </a:tc>
+              </a:tr>
+              <a:tr h="446534">
                 <a:tc>
                   <a:txBody>
                     <a:bodyPr/>
                     <a:lstStyle/>
                     <a:p>
                       <a:pPr algn="just">
-                        <a:defRPr>
+                        <a:spcAft>
+                          <a:spcPts val="0"/>
+                        </a:spcAft>
+                      </a:pPr>
+                      <a:r>
+                        <a:rPr lang="zh-TW" sz="1600" kern="100">
+                          <a:solidFill>
+                            <a:schemeClr val="bg1"/>
+                          </a:solidFill>
+                          <a:effectLst/>
                           <a:uFill>
                             <a:solidFill>
                               <a:srgbClr val="000000"/>
                             </a:solidFill>
                           </a:uFill>
-                        </a:defRPr>
-                      </a:pPr>
+                        </a:rPr>
+                        <a:t>前置条件：</a:t>
+                      </a:r>
                       <a:r>
-                        <a:t>提示：账号长度应在5-13位！</a:t>
+                        <a:rPr lang="en-US" sz="1600" kern="100">
+                          <a:solidFill>
+                            <a:schemeClr val="bg1"/>
+                          </a:solidFill>
+                          <a:effectLst/>
+                          <a:uFill>
+                            <a:solidFill>
+                              <a:srgbClr val="000000"/>
+                            </a:solidFill>
+                          </a:uFill>
+                        </a:rPr>
+                        <a:t>APP</a:t>
                       </a:r>
+                      <a:r>
+                        <a:rPr lang="zh-TW" sz="1600" kern="100">
+                          <a:solidFill>
+                            <a:schemeClr val="bg1"/>
+                          </a:solidFill>
+                          <a:effectLst/>
+                          <a:uFill>
+                            <a:solidFill>
+                              <a:srgbClr val="000000"/>
+                            </a:solidFill>
+                          </a:uFill>
+                        </a:rPr>
+                        <a:t>相关数据库等其他运行环境正常</a:t>
+                      </a:r>
+                      <a:endParaRPr lang="zh-CN" sz="1600" kern="100">
+                        <a:solidFill>
+                          <a:schemeClr val="bg1"/>
+                        </a:solidFill>
+                        <a:effectLst/>
+                        <a:uFill>
+                          <a:solidFill>
+                            <a:srgbClr val="000000"/>
+                          </a:solidFill>
+                        </a:uFill>
+                        <a:latin typeface="Calibri"/>
+                        <a:ea typeface="Calibri"/>
+                      </a:endParaRPr>
                     </a:p>
                   </a:txBody>
-                  <a:tcPr marL="0" marR="0" marT="0" marB="0" horzOverflow="overflow"/>
+                  <a:tcPr marL="50800" marR="50800" marT="50800" marB="50800"/>
                 </a:tc>
+              </a:tr>
+              <a:tr h="719657">
                 <a:tc>
                   <a:txBody>
                     <a:bodyPr/>
                     <a:lstStyle/>
                     <a:p>
                       <a:pPr algn="just">
-                        <a:defRPr>
+                        <a:spcAft>
+                          <a:spcPts val="0"/>
+                        </a:spcAft>
+                      </a:pPr>
+                      <a:r>
+                        <a:rPr lang="zh-TW" sz="1600" kern="100">
+                          <a:solidFill>
+                            <a:schemeClr val="bg1"/>
+                          </a:solidFill>
+                          <a:effectLst/>
                           <a:uFill>
                             <a:solidFill>
                               <a:srgbClr val="000000"/>
                             </a:solidFill>
                           </a:uFill>
-                        </a:defRPr>
+                        </a:rPr>
+                        <a:t>操作步骤：</a:t>
+                      </a:r>
+                      <a:endParaRPr lang="zh-CN" sz="1600" kern="100">
+                        <a:solidFill>
+                          <a:schemeClr val="bg1"/>
+                        </a:solidFill>
+                        <a:effectLst/>
+                        <a:uFill>
+                          <a:solidFill>
+                            <a:srgbClr val="000000"/>
+                          </a:solidFill>
+                        </a:uFill>
+                      </a:endParaRPr>
+                    </a:p>
+                    <a:p>
+                      <a:pPr algn="just">
+                        <a:spcAft>
+                          <a:spcPts val="0"/>
+                        </a:spcAft>
                       </a:pPr>
                       <a:r>
-                        <a:t>提示：账号长度应在5-13位！</a:t>
+                        <a:rPr lang="en-US" sz="1600" kern="100">
+                          <a:solidFill>
+                            <a:schemeClr val="bg1"/>
+                          </a:solidFill>
+                          <a:effectLst/>
+                          <a:uFill>
+                            <a:solidFill>
+                              <a:srgbClr val="000000"/>
+                            </a:solidFill>
+                          </a:uFill>
+                        </a:rPr>
+                        <a:t>1.</a:t>
                       </a:r>
+                      <a:r>
+                        <a:rPr lang="zh-TW" sz="1600" kern="100">
+                          <a:solidFill>
+                            <a:schemeClr val="bg1"/>
+                          </a:solidFill>
+                          <a:effectLst/>
+                          <a:uFill>
+                            <a:solidFill>
+                              <a:srgbClr val="000000"/>
+                            </a:solidFill>
+                          </a:uFill>
+                        </a:rPr>
+                        <a:t>进入</a:t>
+                      </a:r>
+                      <a:r>
+                        <a:rPr lang="en-US" sz="1600" kern="100">
+                          <a:solidFill>
+                            <a:schemeClr val="bg1"/>
+                          </a:solidFill>
+                          <a:effectLst/>
+                          <a:uFill>
+                            <a:solidFill>
+                              <a:srgbClr val="000000"/>
+                            </a:solidFill>
+                          </a:uFill>
+                        </a:rPr>
+                        <a:t>APP</a:t>
+                      </a:r>
+                      <a:r>
+                        <a:rPr lang="zh-TW" sz="1600" kern="100">
+                          <a:solidFill>
+                            <a:schemeClr val="bg1"/>
+                          </a:solidFill>
+                          <a:effectLst/>
+                          <a:uFill>
+                            <a:solidFill>
+                              <a:srgbClr val="000000"/>
+                            </a:solidFill>
+                          </a:uFill>
+                        </a:rPr>
+                        <a:t>点击开始游戏，在场景里进行移动，钓鱼等操作。</a:t>
+                      </a:r>
+                      <a:endParaRPr lang="zh-CN" sz="1600" kern="100">
+                        <a:solidFill>
+                          <a:schemeClr val="bg1"/>
+                        </a:solidFill>
+                        <a:effectLst/>
+                        <a:uFill>
+                          <a:solidFill>
+                            <a:srgbClr val="000000"/>
+                          </a:solidFill>
+                        </a:uFill>
+                        <a:latin typeface="Calibri"/>
+                        <a:ea typeface="Calibri"/>
+                      </a:endParaRPr>
                     </a:p>
                   </a:txBody>
-                  <a:tcPr marL="0" marR="0" marT="0" marB="0" horzOverflow="overflow"/>
+                  <a:tcPr marL="50800" marR="50800" marT="50800" marB="50800"/>
                 </a:tc>
               </a:tr>
-              <a:tr h="347333">
+              <a:tr h="446534">
                 <a:tc>
                   <a:txBody>
                     <a:bodyPr/>
                     <a:lstStyle/>
                     <a:p>
                       <a:pPr algn="just">
-                        <a:defRPr b="1">
+                        <a:spcAft>
+                          <a:spcPts val="0"/>
+                        </a:spcAft>
+                      </a:pPr>
+                      <a:r>
+                        <a:rPr lang="zh-TW" sz="1600" kern="100" dirty="0">
                           <a:solidFill>
-                            <a:srgbClr val="FFFFFF"/>
+                            <a:schemeClr val="bg1"/>
                           </a:solidFill>
+                          <a:effectLst/>
                           <a:uFill>
                             <a:solidFill>
                               <a:srgbClr val="000000"/>
                             </a:solidFill>
                           </a:uFill>
-                        </a:defRPr>
-                      </a:pPr>
-                      <a:r>
-                        <a:t>符合格式的密码</a:t>
+                        </a:rPr>
+                        <a:t>测试结果：没有出现异常。</a:t>
                       </a:r>
+                      <a:endParaRPr lang="zh-CN" sz="1600" kern="100" dirty="0">
+                        <a:solidFill>
+                          <a:schemeClr val="bg1"/>
+                        </a:solidFill>
+                        <a:effectLst/>
+                        <a:uFill>
+                          <a:solidFill>
+                            <a:srgbClr val="000000"/>
+                          </a:solidFill>
+                        </a:uFill>
+                        <a:latin typeface="Calibri"/>
+                        <a:ea typeface="Calibri"/>
+                      </a:endParaRPr>
                     </a:p>
                   </a:txBody>
-                  <a:tcPr marL="0" marR="0" marT="0" marB="0" horzOverflow="overflow">
-                    <a:solidFill>
-                      <a:schemeClr val="accent1"/>
-                    </a:solidFill>
-                  </a:tcPr>
-                </a:tc>
-                <a:tc>
-                  <a:txBody>
-                    <a:bodyPr/>
-                    <a:lstStyle/>
-                    <a:p>
-                      <a:pPr algn="just">
-                        <a:defRPr>
-                          <a:uFill>
-                            <a:solidFill>
-                              <a:srgbClr val="000000"/>
-                            </a:solidFill>
-                          </a:uFill>
-                        </a:defRPr>
-                      </a:pPr>
-                      <a:r>
-                        <a:t>提示：该密码可用</a:t>
-                      </a:r>
-                    </a:p>
-                  </a:txBody>
-                  <a:tcPr marL="0" marR="0" marT="0" marB="0" horzOverflow="overflow"/>
-                </a:tc>
-                <a:tc>
-                  <a:txBody>
-                    <a:bodyPr/>
-                    <a:lstStyle/>
-                    <a:p>
-                      <a:pPr algn="just">
-                        <a:defRPr>
-                          <a:uFill>
-                            <a:solidFill>
-                              <a:srgbClr val="000000"/>
-                            </a:solidFill>
-                          </a:uFill>
-                        </a:defRPr>
-                      </a:pPr>
-                      <a:r>
-                        <a:t>提示：该密码可用</a:t>
-                      </a:r>
-                    </a:p>
-                  </a:txBody>
-                  <a:tcPr marL="0" marR="0" marT="0" marB="0" horzOverflow="overflow"/>
-                </a:tc>
-              </a:tr>
-              <a:tr h="347333">
-                <a:tc>
-                  <a:txBody>
-                    <a:bodyPr/>
-                    <a:lstStyle/>
-                    <a:p>
-                      <a:pPr algn="just">
-                        <a:defRPr b="1">
-                          <a:solidFill>
-                            <a:srgbClr val="FFFFFF"/>
-                          </a:solidFill>
-                          <a:uFill>
-                            <a:solidFill>
-                              <a:srgbClr val="000000"/>
-                            </a:solidFill>
-                          </a:uFill>
-                        </a:defRPr>
-                      </a:pPr>
-                      <a:r>
-                        <a:t>不符合格式的密码</a:t>
-                      </a:r>
-                    </a:p>
-                  </a:txBody>
-                  <a:tcPr marL="0" marR="0" marT="0" marB="0" horzOverflow="overflow">
-                    <a:solidFill>
-                      <a:schemeClr val="accent1"/>
-                    </a:solidFill>
-                  </a:tcPr>
-                </a:tc>
-                <a:tc>
-                  <a:txBody>
-                    <a:bodyPr/>
-                    <a:lstStyle/>
-                    <a:p>
-                      <a:pPr algn="just">
-                        <a:defRPr>
-                          <a:uFill>
-                            <a:solidFill>
-                              <a:srgbClr val="000000"/>
-                            </a:solidFill>
-                          </a:uFill>
-                        </a:defRPr>
-                      </a:pPr>
-                      <a:r>
-                        <a:t>提示：密码长度应在5-13位！</a:t>
-                      </a:r>
-                    </a:p>
-                  </a:txBody>
-                  <a:tcPr marL="0" marR="0" marT="0" marB="0" horzOverflow="overflow"/>
-                </a:tc>
-                <a:tc>
-                  <a:txBody>
-                    <a:bodyPr/>
-                    <a:lstStyle/>
-                    <a:p>
-                      <a:pPr algn="just">
-                        <a:defRPr>
-                          <a:uFill>
-                            <a:solidFill>
-                              <a:srgbClr val="000000"/>
-                            </a:solidFill>
-                          </a:uFill>
-                        </a:defRPr>
-                      </a:pPr>
-                      <a:r>
-                        <a:t>提示：密码长度应在5-13位！</a:t>
-                      </a:r>
-                    </a:p>
-                  </a:txBody>
-                  <a:tcPr marL="0" marR="0" marT="0" marB="0" horzOverflow="overflow"/>
-                </a:tc>
-              </a:tr>
-              <a:tr h="347333">
-                <a:tc>
-                  <a:txBody>
-                    <a:bodyPr/>
-                    <a:lstStyle/>
-                    <a:p>
-                      <a:pPr algn="just">
-                        <a:defRPr b="1">
-                          <a:solidFill>
-                            <a:srgbClr val="FFFFFF"/>
-                          </a:solidFill>
-                          <a:uFill>
-                            <a:solidFill>
-                              <a:srgbClr val="000000"/>
-                            </a:solidFill>
-                          </a:uFill>
-                        </a:defRPr>
-                      </a:pPr>
-                      <a:r>
-                        <a:t>两次输入不一致的密码</a:t>
-                      </a:r>
-                    </a:p>
-                  </a:txBody>
-                  <a:tcPr marL="0" marR="0" marT="0" marB="0" horzOverflow="overflow">
-                    <a:solidFill>
-                      <a:schemeClr val="accent1"/>
-                    </a:solidFill>
-                  </a:tcPr>
-                </a:tc>
-                <a:tc>
-                  <a:txBody>
-                    <a:bodyPr/>
-                    <a:lstStyle/>
-                    <a:p>
-                      <a:pPr algn="just">
-                        <a:defRPr>
-                          <a:uFill>
-                            <a:solidFill>
-                              <a:srgbClr val="000000"/>
-                            </a:solidFill>
-                          </a:uFill>
-                        </a:defRPr>
-                      </a:pPr>
-                      <a:r>
-                        <a:t>提示：两次密码应该一致！</a:t>
-                      </a:r>
-                    </a:p>
-                  </a:txBody>
-                  <a:tcPr marL="0" marR="0" marT="0" marB="0" horzOverflow="overflow"/>
-                </a:tc>
-                <a:tc>
-                  <a:txBody>
-                    <a:bodyPr/>
-                    <a:lstStyle/>
-                    <a:p>
-                      <a:pPr algn="just">
-                        <a:defRPr>
-                          <a:uFill>
-                            <a:solidFill>
-                              <a:srgbClr val="000000"/>
-                            </a:solidFill>
-                          </a:uFill>
-                        </a:defRPr>
-                      </a:pPr>
-                      <a:r>
-                        <a:t>提示：两次密码应该一致！</a:t>
-                      </a:r>
-                    </a:p>
-                  </a:txBody>
-                  <a:tcPr marL="0" marR="0" marT="0" marB="0" horzOverflow="overflow"/>
+                  <a:tcPr marL="50800" marR="50800" marT="50800" marB="50800"/>
                 </a:tc>
               </a:tr>
             </a:tbl>
@@ -12157,727 +12168,446 @@
       </p:grpSpPr>
       <p:graphicFrame>
         <p:nvGraphicFramePr>
-          <p:cNvPr id="166" name="内容占位符 3"/>
-          <p:cNvGraphicFramePr/>
-          <p:nvPr/>
+          <p:cNvPr id="2" name="表格 1"/>
+          <p:cNvGraphicFramePr>
+            <a:graphicFrameLocks noGrp="1"/>
+          </p:cNvGraphicFramePr>
+          <p:nvPr>
+            <p:extLst>
+              <p:ext uri="{D42A27DB-BD31-4B8C-83A1-F6EECF244321}">
+                <p14:modId xmlns:p14="http://schemas.microsoft.com/office/powerpoint/2010/main" val="3164759852"/>
+              </p:ext>
+            </p:extLst>
+          </p:nvPr>
         </p:nvGraphicFramePr>
         <p:xfrm>
-          <a:off x="611560" y="404666"/>
-          <a:ext cx="8208913" cy="6120679"/>
+          <a:off x="1259632" y="1052733"/>
+          <a:ext cx="6192688" cy="3960442"/>
         </p:xfrm>
         <a:graphic>
           <a:graphicData uri="http://schemas.openxmlformats.org/drawingml/2006/table">
             <a:tbl>
-              <a:tblPr firstRow="1" bandRow="1">
-                <a:tableStyleId>{4C3C2611-4C71-4FC5-86AE-919BDF0F9419}</a:tableStyleId>
+              <a:tblPr firstRow="1" firstCol="1" bandRow="1">
+                <a:tableStyleId>{5940675A-B579-460E-94D1-54222C63F5DA}</a:tableStyleId>
               </a:tblPr>
               <a:tblGrid>
-                <a:gridCol w="2735662"/>
-                <a:gridCol w="2736625"/>
-                <a:gridCol w="2736625"/>
+                <a:gridCol w="6192688"/>
               </a:tblGrid>
-              <a:tr h="408045">
-                <a:tc gridSpan="3">
-                  <a:txBody>
-                    <a:bodyPr/>
-                    <a:lstStyle/>
-                    <a:p>
-                      <a:pPr algn="just">
-                        <a:defRPr sz="1800">
-                          <a:uFill>
-                            <a:solidFill>
-                              <a:srgbClr val="000000"/>
-                            </a:solidFill>
-                          </a:uFill>
-                        </a:defRPr>
-                      </a:pPr>
-                      <a:r>
-                        <a:t>测试模块：登录</a:t>
-                      </a:r>
-                    </a:p>
-                  </a:txBody>
-                  <a:tcPr marL="0" marR="0" marT="0" marB="0" horzOverflow="overflow"/>
-                </a:tc>
-                <a:tc hMerge="1">
-                  <a:txBody>
-                    <a:bodyPr/>
-                    <a:lstStyle/>
-                    <a:p>
-                      <a:endParaRPr lang="zh-CN"/>
-                    </a:p>
-                  </a:txBody>
-                  <a:tcPr/>
-                </a:tc>
-                <a:tc hMerge="1">
-                  <a:txBody>
-                    <a:bodyPr/>
-                    <a:lstStyle/>
-                    <a:p>
-                      <a:endParaRPr lang="zh-CN"/>
-                    </a:p>
-                  </a:txBody>
-                  <a:tcPr/>
-                </a:tc>
-              </a:tr>
-              <a:tr h="408045">
-                <a:tc gridSpan="3">
-                  <a:txBody>
-                    <a:bodyPr/>
-                    <a:lstStyle/>
-                    <a:p>
-                      <a:pPr algn="just">
-                        <a:defRPr sz="1800" b="1">
-                          <a:solidFill>
-                            <a:srgbClr val="FFFFFF"/>
-                          </a:solidFill>
-                          <a:uFill>
-                            <a:solidFill>
-                              <a:srgbClr val="000000"/>
-                            </a:solidFill>
-                          </a:uFill>
-                        </a:defRPr>
-                      </a:pPr>
-                      <a:r>
-                        <a:t>标识符：2</a:t>
-                      </a:r>
-                    </a:p>
-                  </a:txBody>
-                  <a:tcPr marL="0" marR="0" marT="0" marB="0" horzOverflow="overflow">
-                    <a:solidFill>
-                      <a:schemeClr val="accent1"/>
-                    </a:solidFill>
-                  </a:tcPr>
-                </a:tc>
-                <a:tc hMerge="1">
-                  <a:txBody>
-                    <a:bodyPr/>
-                    <a:lstStyle/>
-                    <a:p>
-                      <a:endParaRPr lang="zh-CN"/>
-                    </a:p>
-                  </a:txBody>
-                  <a:tcPr/>
-                </a:tc>
-                <a:tc hMerge="1">
-                  <a:txBody>
-                    <a:bodyPr/>
-                    <a:lstStyle/>
-                    <a:p>
-                      <a:endParaRPr lang="zh-CN"/>
-                    </a:p>
-                  </a:txBody>
-                  <a:tcPr/>
-                </a:tc>
-              </a:tr>
-              <a:tr h="816091">
-                <a:tc gridSpan="3">
-                  <a:txBody>
-                    <a:bodyPr/>
-                    <a:lstStyle/>
-                    <a:p>
-                      <a:pPr algn="just">
-                        <a:defRPr sz="1800" b="1">
-                          <a:solidFill>
-                            <a:srgbClr val="FFFFFF"/>
-                          </a:solidFill>
-                          <a:uFill>
-                            <a:solidFill>
-                              <a:srgbClr val="000000"/>
-                            </a:solidFill>
-                          </a:uFill>
-                        </a:defRPr>
-                      </a:pPr>
-                      <a:r>
-                        <a:t>测试项：用户在登录时分别输入：注册过且正确的账号密码、注册过但不正确的账号密码、空输入账号、空输入密码</a:t>
-                      </a:r>
-                    </a:p>
-                  </a:txBody>
-                  <a:tcPr marL="0" marR="0" marT="0" marB="0" horzOverflow="overflow">
-                    <a:solidFill>
-                      <a:schemeClr val="accent1"/>
-                    </a:solidFill>
-                  </a:tcPr>
-                </a:tc>
-                <a:tc hMerge="1">
-                  <a:txBody>
-                    <a:bodyPr/>
-                    <a:lstStyle/>
-                    <a:p>
-                      <a:endParaRPr lang="zh-CN"/>
-                    </a:p>
-                  </a:txBody>
-                  <a:tcPr/>
-                </a:tc>
-                <a:tc hMerge="1">
-                  <a:txBody>
-                    <a:bodyPr/>
-                    <a:lstStyle/>
-                    <a:p>
-                      <a:endParaRPr lang="zh-CN"/>
-                    </a:p>
-                  </a:txBody>
-                  <a:tcPr/>
-                </a:tc>
-              </a:tr>
-              <a:tr h="408045">
-                <a:tc gridSpan="3">
-                  <a:txBody>
-                    <a:bodyPr/>
-                    <a:lstStyle/>
-                    <a:p>
-                      <a:pPr algn="just">
-                        <a:defRPr sz="1800" b="1">
-                          <a:solidFill>
-                            <a:srgbClr val="FFFFFF"/>
-                          </a:solidFill>
-                          <a:uFill>
-                            <a:solidFill>
-                              <a:srgbClr val="000000"/>
-                            </a:solidFill>
-                          </a:uFill>
-                        </a:defRPr>
-                      </a:pPr>
-                      <a:r>
-                        <a:t>测试环境：Android8.0</a:t>
-                      </a:r>
-                    </a:p>
-                  </a:txBody>
-                  <a:tcPr marL="0" marR="0" marT="0" marB="0" horzOverflow="overflow">
-                    <a:solidFill>
-                      <a:schemeClr val="accent1"/>
-                    </a:solidFill>
-                  </a:tcPr>
-                </a:tc>
-                <a:tc hMerge="1">
-                  <a:txBody>
-                    <a:bodyPr/>
-                    <a:lstStyle/>
-                    <a:p>
-                      <a:endParaRPr lang="zh-CN"/>
-                    </a:p>
-                  </a:txBody>
-                  <a:tcPr/>
-                </a:tc>
-                <a:tc hMerge="1">
-                  <a:txBody>
-                    <a:bodyPr/>
-                    <a:lstStyle/>
-                    <a:p>
-                      <a:endParaRPr lang="zh-CN"/>
-                    </a:p>
-                  </a:txBody>
-                  <a:tcPr/>
-                </a:tc>
-              </a:tr>
-              <a:tr h="816091">
-                <a:tc gridSpan="3">
-                  <a:txBody>
-                    <a:bodyPr/>
-                    <a:lstStyle/>
-                    <a:p>
-                      <a:pPr algn="just">
-                        <a:defRPr sz="1800" b="1">
-                          <a:solidFill>
-                            <a:srgbClr val="FFFFFF"/>
-                          </a:solidFill>
-                          <a:uFill>
-                            <a:solidFill>
-                              <a:srgbClr val="000000"/>
-                            </a:solidFill>
-                          </a:uFill>
-                        </a:defRPr>
-                      </a:pPr>
-                      <a:r>
-                        <a:t>前置条件：APP相关数据库等其他运行环境正常</a:t>
-                      </a:r>
-                    </a:p>
-                    <a:p>
-                      <a:pPr algn="just">
-                        <a:defRPr sz="1800" b="1">
-                          <a:solidFill>
-                            <a:srgbClr val="FFFFFF"/>
-                          </a:solidFill>
-                          <a:uFill>
-                            <a:solidFill>
-                              <a:srgbClr val="000000"/>
-                            </a:solidFill>
-                          </a:uFill>
-                        </a:defRPr>
-                      </a:pPr>
-                      <a:r>
-                        <a:t>账号已完成相关注册</a:t>
-                      </a:r>
-                    </a:p>
-                  </a:txBody>
-                  <a:tcPr marL="0" marR="0" marT="0" marB="0" horzOverflow="overflow">
-                    <a:solidFill>
-                      <a:schemeClr val="accent1"/>
-                    </a:solidFill>
-                  </a:tcPr>
-                </a:tc>
-                <a:tc hMerge="1">
-                  <a:txBody>
-                    <a:bodyPr/>
-                    <a:lstStyle/>
-                    <a:p>
-                      <a:endParaRPr lang="zh-CN"/>
-                    </a:p>
-                  </a:txBody>
-                  <a:tcPr/>
-                </a:tc>
-                <a:tc hMerge="1">
-                  <a:txBody>
-                    <a:bodyPr/>
-                    <a:lstStyle/>
-                    <a:p>
-                      <a:endParaRPr lang="zh-CN"/>
-                    </a:p>
-                  </a:txBody>
-                  <a:tcPr/>
-                </a:tc>
-              </a:tr>
-              <a:tr h="1224136">
-                <a:tc gridSpan="3">
-                  <a:txBody>
-                    <a:bodyPr/>
-                    <a:lstStyle/>
-                    <a:p>
-                      <a:pPr algn="just">
-                        <a:defRPr sz="1800" b="1">
-                          <a:solidFill>
-                            <a:srgbClr val="FFFFFF"/>
-                          </a:solidFill>
-                          <a:uFill>
-                            <a:solidFill>
-                              <a:srgbClr val="000000"/>
-                            </a:solidFill>
-                          </a:uFill>
-                        </a:defRPr>
-                      </a:pPr>
-                      <a:r>
-                        <a:t>操作步骤：</a:t>
-                      </a:r>
-                    </a:p>
-                    <a:p>
-                      <a:pPr algn="just">
-                        <a:defRPr sz="1800" b="1">
-                          <a:solidFill>
-                            <a:srgbClr val="FFFFFF"/>
-                          </a:solidFill>
-                          <a:uFill>
-                            <a:solidFill>
-                              <a:srgbClr val="000000"/>
-                            </a:solidFill>
-                          </a:uFill>
-                        </a:defRPr>
-                      </a:pPr>
-                      <a:r>
-                        <a:t>1.点击APP进入登录界面</a:t>
-                      </a:r>
-                    </a:p>
-                    <a:p>
-                      <a:pPr algn="just">
-                        <a:defRPr sz="1800" b="1">
-                          <a:solidFill>
-                            <a:srgbClr val="FFFFFF"/>
-                          </a:solidFill>
-                          <a:uFill>
-                            <a:solidFill>
-                              <a:srgbClr val="000000"/>
-                            </a:solidFill>
-                          </a:uFill>
-                        </a:defRPr>
-                      </a:pPr>
-                      <a:r>
-                        <a:t>2.输入相关信息完成登录</a:t>
-                      </a:r>
-                    </a:p>
-                  </a:txBody>
-                  <a:tcPr marL="0" marR="0" marT="0" marB="0" horzOverflow="overflow">
-                    <a:solidFill>
-                      <a:schemeClr val="accent1"/>
-                    </a:solidFill>
-                  </a:tcPr>
-                </a:tc>
-                <a:tc hMerge="1">
-                  <a:txBody>
-                    <a:bodyPr/>
-                    <a:lstStyle/>
-                    <a:p>
-                      <a:endParaRPr lang="zh-CN"/>
-                    </a:p>
-                  </a:txBody>
-                  <a:tcPr/>
-                </a:tc>
-                <a:tc hMerge="1">
-                  <a:txBody>
-                    <a:bodyPr/>
-                    <a:lstStyle/>
-                    <a:p>
-                      <a:endParaRPr lang="zh-CN"/>
-                    </a:p>
-                  </a:txBody>
-                  <a:tcPr/>
-                </a:tc>
-              </a:tr>
-              <a:tr h="408045">
+              <a:tr h="489413">
                 <a:tc>
                   <a:txBody>
                     <a:bodyPr/>
                     <a:lstStyle/>
                     <a:p>
                       <a:pPr algn="just">
-                        <a:defRPr sz="1800" b="1">
+                        <a:spcAft>
+                          <a:spcPts val="0"/>
+                        </a:spcAft>
+                      </a:pPr>
+                      <a:r>
+                        <a:rPr lang="zh-TW" sz="1600" kern="100">
                           <a:solidFill>
-                            <a:srgbClr val="FFFFFF"/>
+                            <a:schemeClr val="bg1"/>
                           </a:solidFill>
+                          <a:effectLst/>
                           <a:uFill>
                             <a:solidFill>
                               <a:srgbClr val="000000"/>
                             </a:solidFill>
                           </a:uFill>
-                        </a:defRPr>
-                      </a:pPr>
-                      <a:r>
-                        <a:t>输入数据</a:t>
+                        </a:rPr>
+                        <a:t>测试模块：背包功能</a:t>
                       </a:r>
+                      <a:endParaRPr lang="zh-CN" sz="1600" kern="100">
+                        <a:solidFill>
+                          <a:schemeClr val="bg1"/>
+                        </a:solidFill>
+                        <a:effectLst/>
+                        <a:uFill>
+                          <a:solidFill>
+                            <a:srgbClr val="000000"/>
+                          </a:solidFill>
+                        </a:uFill>
+                        <a:latin typeface="Calibri"/>
+                        <a:ea typeface="Calibri"/>
+                      </a:endParaRPr>
                     </a:p>
                   </a:txBody>
-                  <a:tcPr marL="0" marR="0" marT="0" marB="0" horzOverflow="overflow">
-                    <a:solidFill>
-                      <a:schemeClr val="accent1"/>
-                    </a:solidFill>
-                  </a:tcPr>
+                  <a:tcPr marL="50800" marR="50800" marT="50800" marB="50800"/>
                 </a:tc>
+              </a:tr>
+              <a:tr h="489413">
                 <a:tc>
                   <a:txBody>
                     <a:bodyPr/>
                     <a:lstStyle/>
                     <a:p>
                       <a:pPr algn="just">
-                        <a:defRPr sz="1800">
+                        <a:spcAft>
+                          <a:spcPts val="0"/>
+                        </a:spcAft>
+                      </a:pPr>
+                      <a:r>
+                        <a:rPr lang="zh-TW" sz="1600" kern="100">
+                          <a:solidFill>
+                            <a:schemeClr val="bg1"/>
+                          </a:solidFill>
+                          <a:effectLst/>
                           <a:uFill>
                             <a:solidFill>
                               <a:srgbClr val="000000"/>
                             </a:solidFill>
                           </a:uFill>
-                        </a:defRPr>
-                      </a:pPr>
+                        </a:rPr>
+                        <a:t>标识符：</a:t>
+                      </a:r>
                       <a:r>
-                        <a:t>期望输出</a:t>
+                        <a:rPr lang="en-US" sz="1600" kern="100">
+                          <a:solidFill>
+                            <a:schemeClr val="bg1"/>
+                          </a:solidFill>
+                          <a:effectLst/>
+                          <a:uFill>
+                            <a:solidFill>
+                              <a:srgbClr val="000000"/>
+                            </a:solidFill>
+                          </a:uFill>
+                        </a:rPr>
+                        <a:t>1</a:t>
                       </a:r>
+                      <a:endParaRPr lang="zh-CN" sz="1600" kern="100">
+                        <a:solidFill>
+                          <a:schemeClr val="bg1"/>
+                        </a:solidFill>
+                        <a:effectLst/>
+                        <a:uFill>
+                          <a:solidFill>
+                            <a:srgbClr val="000000"/>
+                          </a:solidFill>
+                        </a:uFill>
+                        <a:latin typeface="Calibri"/>
+                        <a:ea typeface="Calibri"/>
+                      </a:endParaRPr>
                     </a:p>
                   </a:txBody>
-                  <a:tcPr marL="0" marR="0" marT="0" marB="0" horzOverflow="overflow"/>
+                  <a:tcPr marL="50800" marR="50800" marT="50800" marB="50800"/>
                 </a:tc>
+              </a:tr>
+              <a:tr h="724615">
                 <a:tc>
                   <a:txBody>
                     <a:bodyPr/>
                     <a:lstStyle/>
                     <a:p>
                       <a:pPr algn="just">
-                        <a:defRPr sz="1800">
+                        <a:spcAft>
+                          <a:spcPts val="0"/>
+                        </a:spcAft>
+                      </a:pPr>
+                      <a:r>
+                        <a:rPr lang="zh-TW" sz="1600" kern="100" dirty="0">
+                          <a:solidFill>
+                            <a:schemeClr val="bg1"/>
+                          </a:solidFill>
+                          <a:effectLst/>
                           <a:uFill>
                             <a:solidFill>
                               <a:srgbClr val="000000"/>
                             </a:solidFill>
                           </a:uFill>
-                        </a:defRPr>
-                      </a:pPr>
-                      <a:r>
-                        <a:t>实际结果</a:t>
+                        </a:rPr>
+                        <a:t>测试项：用户在点击游戏界面的背包按钮，看是否会出现道具以及一些之前捕捉到的鱼类。</a:t>
                       </a:r>
+                      <a:endParaRPr lang="zh-CN" sz="1600" kern="100" dirty="0">
+                        <a:solidFill>
+                          <a:schemeClr val="bg1"/>
+                        </a:solidFill>
+                        <a:effectLst/>
+                        <a:uFill>
+                          <a:solidFill>
+                            <a:srgbClr val="000000"/>
+                          </a:solidFill>
+                        </a:uFill>
+                        <a:latin typeface="Calibri"/>
+                        <a:ea typeface="Calibri"/>
+                      </a:endParaRPr>
                     </a:p>
                   </a:txBody>
-                  <a:tcPr marL="0" marR="0" marT="0" marB="0" horzOverflow="overflow"/>
+                  <a:tcPr marL="50800" marR="50800" marT="50800" marB="50800"/>
                 </a:tc>
               </a:tr>
-              <a:tr h="408045">
+              <a:tr h="489413">
                 <a:tc>
                   <a:txBody>
                     <a:bodyPr/>
                     <a:lstStyle/>
                     <a:p>
                       <a:pPr algn="just">
-                        <a:defRPr sz="1800" b="1">
+                        <a:spcAft>
+                          <a:spcPts val="0"/>
+                        </a:spcAft>
+                      </a:pPr>
+                      <a:r>
+                        <a:rPr lang="zh-TW" sz="1600" kern="100">
                           <a:solidFill>
-                            <a:srgbClr val="FFFFFF"/>
+                            <a:schemeClr val="bg1"/>
                           </a:solidFill>
+                          <a:effectLst/>
                           <a:uFill>
                             <a:solidFill>
                               <a:srgbClr val="000000"/>
                             </a:solidFill>
                           </a:uFill>
-                        </a:defRPr>
-                      </a:pPr>
+                        </a:rPr>
+                        <a:t>测试环境：</a:t>
+                      </a:r>
                       <a:r>
-                        <a:t>注册过且正确的账号密码</a:t>
+                        <a:rPr lang="zh-CN" sz="1600" kern="100">
+                          <a:solidFill>
+                            <a:schemeClr val="bg1"/>
+                          </a:solidFill>
+                          <a:effectLst/>
+                          <a:uFill>
+                            <a:solidFill>
+                              <a:srgbClr val="000000"/>
+                            </a:solidFill>
+                          </a:uFill>
+                        </a:rPr>
+                        <a:t>网易MUMU 安卓手机</a:t>
                       </a:r>
+                      <a:endParaRPr lang="zh-CN" sz="1600" kern="100">
+                        <a:solidFill>
+                          <a:schemeClr val="bg1"/>
+                        </a:solidFill>
+                        <a:effectLst/>
+                        <a:uFill>
+                          <a:solidFill>
+                            <a:srgbClr val="000000"/>
+                          </a:solidFill>
+                        </a:uFill>
+                        <a:latin typeface="Calibri"/>
+                        <a:ea typeface="Calibri"/>
+                      </a:endParaRPr>
                     </a:p>
                   </a:txBody>
-                  <a:tcPr marL="0" marR="0" marT="0" marB="0" horzOverflow="overflow">
-                    <a:solidFill>
-                      <a:schemeClr val="accent1"/>
-                    </a:solidFill>
-                  </a:tcPr>
+                  <a:tcPr marL="50800" marR="50800" marT="50800" marB="50800"/>
                 </a:tc>
+              </a:tr>
+              <a:tr h="489413">
                 <a:tc>
                   <a:txBody>
                     <a:bodyPr/>
                     <a:lstStyle/>
                     <a:p>
                       <a:pPr algn="just">
-                        <a:defRPr sz="1800">
+                        <a:spcAft>
+                          <a:spcPts val="0"/>
+                        </a:spcAft>
+                      </a:pPr>
+                      <a:r>
+                        <a:rPr lang="zh-TW" sz="1600" kern="100">
+                          <a:solidFill>
+                            <a:schemeClr val="bg1"/>
+                          </a:solidFill>
+                          <a:effectLst/>
                           <a:uFill>
                             <a:solidFill>
                               <a:srgbClr val="000000"/>
                             </a:solidFill>
                           </a:uFill>
-                        </a:defRPr>
-                      </a:pPr>
+                        </a:rPr>
+                        <a:t>前置条件：</a:t>
+                      </a:r>
                       <a:r>
-                        <a:t>提示：登录成功！</a:t>
+                        <a:rPr lang="en-US" sz="1600" kern="100">
+                          <a:solidFill>
+                            <a:schemeClr val="bg1"/>
+                          </a:solidFill>
+                          <a:effectLst/>
+                          <a:uFill>
+                            <a:solidFill>
+                              <a:srgbClr val="000000"/>
+                            </a:solidFill>
+                          </a:uFill>
+                        </a:rPr>
+                        <a:t>APP</a:t>
                       </a:r>
+                      <a:r>
+                        <a:rPr lang="zh-TW" sz="1600" kern="100">
+                          <a:solidFill>
+                            <a:schemeClr val="bg1"/>
+                          </a:solidFill>
+                          <a:effectLst/>
+                          <a:uFill>
+                            <a:solidFill>
+                              <a:srgbClr val="000000"/>
+                            </a:solidFill>
+                          </a:uFill>
+                        </a:rPr>
+                        <a:t>相关数据库等其他运行环境正常</a:t>
+                      </a:r>
+                      <a:endParaRPr lang="zh-CN" sz="1600" kern="100">
+                        <a:solidFill>
+                          <a:schemeClr val="bg1"/>
+                        </a:solidFill>
+                        <a:effectLst/>
+                        <a:uFill>
+                          <a:solidFill>
+                            <a:srgbClr val="000000"/>
+                          </a:solidFill>
+                        </a:uFill>
+                        <a:latin typeface="Calibri"/>
+                        <a:ea typeface="Calibri"/>
+                      </a:endParaRPr>
                     </a:p>
                   </a:txBody>
-                  <a:tcPr marL="0" marR="0" marT="0" marB="0" horzOverflow="overflow"/>
+                  <a:tcPr marL="50800" marR="50800" marT="50800" marB="50800"/>
                 </a:tc>
+              </a:tr>
+              <a:tr h="788762">
                 <a:tc>
                   <a:txBody>
                     <a:bodyPr/>
                     <a:lstStyle/>
                     <a:p>
                       <a:pPr algn="just">
-                        <a:defRPr sz="1800">
+                        <a:spcAft>
+                          <a:spcPts val="0"/>
+                        </a:spcAft>
+                      </a:pPr>
+                      <a:r>
+                        <a:rPr lang="zh-TW" sz="1600" kern="100">
+                          <a:solidFill>
+                            <a:schemeClr val="bg1"/>
+                          </a:solidFill>
+                          <a:effectLst/>
                           <a:uFill>
                             <a:solidFill>
                               <a:srgbClr val="000000"/>
                             </a:solidFill>
                           </a:uFill>
-                        </a:defRPr>
+                        </a:rPr>
+                        <a:t>操作步骤：</a:t>
+                      </a:r>
+                      <a:endParaRPr lang="zh-CN" sz="1600" kern="100">
+                        <a:solidFill>
+                          <a:schemeClr val="bg1"/>
+                        </a:solidFill>
+                        <a:effectLst/>
+                        <a:uFill>
+                          <a:solidFill>
+                            <a:srgbClr val="000000"/>
+                          </a:solidFill>
+                        </a:uFill>
+                      </a:endParaRPr>
+                    </a:p>
+                    <a:p>
+                      <a:pPr algn="just">
+                        <a:spcAft>
+                          <a:spcPts val="0"/>
+                        </a:spcAft>
                       </a:pPr>
                       <a:r>
-                        <a:t>提示：登录成功！</a:t>
+                        <a:rPr lang="en-US" sz="1600" kern="100">
+                          <a:solidFill>
+                            <a:schemeClr val="bg1"/>
+                          </a:solidFill>
+                          <a:effectLst/>
+                          <a:uFill>
+                            <a:solidFill>
+                              <a:srgbClr val="000000"/>
+                            </a:solidFill>
+                          </a:uFill>
+                        </a:rPr>
+                        <a:t>1.</a:t>
                       </a:r>
+                      <a:r>
+                        <a:rPr lang="zh-TW" sz="1600" kern="100">
+                          <a:solidFill>
+                            <a:schemeClr val="bg1"/>
+                          </a:solidFill>
+                          <a:effectLst/>
+                          <a:uFill>
+                            <a:solidFill>
+                              <a:srgbClr val="000000"/>
+                            </a:solidFill>
+                          </a:uFill>
+                        </a:rPr>
+                        <a:t>点击</a:t>
+                      </a:r>
+                      <a:r>
+                        <a:rPr lang="zh-CN" sz="1600" kern="100">
+                          <a:solidFill>
+                            <a:schemeClr val="bg1"/>
+                          </a:solidFill>
+                          <a:effectLst/>
+                          <a:uFill>
+                            <a:solidFill>
+                              <a:srgbClr val="000000"/>
+                            </a:solidFill>
+                          </a:uFill>
+                        </a:rPr>
+                        <a:t>背包中各种渔具</a:t>
+                      </a:r>
+                      <a:endParaRPr lang="zh-CN" sz="1600" kern="100">
+                        <a:solidFill>
+                          <a:schemeClr val="bg1"/>
+                        </a:solidFill>
+                        <a:effectLst/>
+                        <a:uFill>
+                          <a:solidFill>
+                            <a:srgbClr val="000000"/>
+                          </a:solidFill>
+                        </a:uFill>
+                        <a:latin typeface="Calibri"/>
+                        <a:ea typeface="Calibri"/>
+                      </a:endParaRPr>
                     </a:p>
                   </a:txBody>
-                  <a:tcPr marL="0" marR="0" marT="0" marB="0" horzOverflow="overflow"/>
+                  <a:tcPr marL="50800" marR="50800" marT="50800" marB="50800"/>
                 </a:tc>
               </a:tr>
-              <a:tr h="408045">
+              <a:tr h="489413">
                 <a:tc>
                   <a:txBody>
                     <a:bodyPr/>
                     <a:lstStyle/>
                     <a:p>
                       <a:pPr algn="just">
-                        <a:defRPr sz="1800" b="1">
+                        <a:spcAft>
+                          <a:spcPts val="0"/>
+                        </a:spcAft>
+                      </a:pPr>
+                      <a:r>
+                        <a:rPr lang="zh-TW" sz="1600" kern="100" dirty="0">
                           <a:solidFill>
-                            <a:srgbClr val="FFFFFF"/>
+                            <a:schemeClr val="bg1"/>
                           </a:solidFill>
+                          <a:effectLst/>
                           <a:uFill>
                             <a:solidFill>
                               <a:srgbClr val="000000"/>
                             </a:solidFill>
                           </a:uFill>
-                        </a:defRPr>
-                      </a:pPr>
-                      <a:r>
-                        <a:t>注册过但不正确的账号密码</a:t>
+                        </a:rPr>
+                        <a:t>测试结果：没有出现异常。</a:t>
                       </a:r>
+                      <a:endParaRPr lang="zh-CN" sz="1600" kern="100" dirty="0">
+                        <a:solidFill>
+                          <a:schemeClr val="bg1"/>
+                        </a:solidFill>
+                        <a:effectLst/>
+                        <a:uFill>
+                          <a:solidFill>
+                            <a:srgbClr val="000000"/>
+                          </a:solidFill>
+                        </a:uFill>
+                        <a:latin typeface="Calibri"/>
+                        <a:ea typeface="Calibri"/>
+                      </a:endParaRPr>
                     </a:p>
                   </a:txBody>
-                  <a:tcPr marL="0" marR="0" marT="0" marB="0" horzOverflow="overflow">
-                    <a:solidFill>
-                      <a:schemeClr val="accent1"/>
-                    </a:solidFill>
-                  </a:tcPr>
-                </a:tc>
-                <a:tc>
-                  <a:txBody>
-                    <a:bodyPr/>
-                    <a:lstStyle/>
-                    <a:p>
-                      <a:pPr algn="just">
-                        <a:defRPr sz="1800">
-                          <a:uFill>
-                            <a:solidFill>
-                              <a:srgbClr val="000000"/>
-                            </a:solidFill>
-                          </a:uFill>
-                        </a:defRPr>
-                      </a:pPr>
-                      <a:r>
-                        <a:t>提示：账号或密码错误!</a:t>
-                      </a:r>
-                    </a:p>
-                  </a:txBody>
-                  <a:tcPr marL="0" marR="0" marT="0" marB="0" horzOverflow="overflow"/>
-                </a:tc>
-                <a:tc>
-                  <a:txBody>
-                    <a:bodyPr/>
-                    <a:lstStyle/>
-                    <a:p>
-                      <a:pPr algn="just">
-                        <a:defRPr sz="1800">
-                          <a:uFill>
-                            <a:solidFill>
-                              <a:srgbClr val="000000"/>
-                            </a:solidFill>
-                          </a:uFill>
-                        </a:defRPr>
-                      </a:pPr>
-                      <a:r>
-                        <a:t>提示：账号或密码错误</a:t>
-                      </a:r>
-                    </a:p>
-                  </a:txBody>
-                  <a:tcPr marL="0" marR="0" marT="0" marB="0" horzOverflow="overflow"/>
-                </a:tc>
-              </a:tr>
-              <a:tr h="408045">
-                <a:tc>
-                  <a:txBody>
-                    <a:bodyPr/>
-                    <a:lstStyle/>
-                    <a:p>
-                      <a:pPr algn="just">
-                        <a:defRPr sz="1800" b="1">
-                          <a:solidFill>
-                            <a:srgbClr val="FFFFFF"/>
-                          </a:solidFill>
-                          <a:uFill>
-                            <a:solidFill>
-                              <a:srgbClr val="000000"/>
-                            </a:solidFill>
-                          </a:uFill>
-                        </a:defRPr>
-                      </a:pPr>
-                      <a:r>
-                        <a:t>空输入账号</a:t>
-                      </a:r>
-                    </a:p>
-                  </a:txBody>
-                  <a:tcPr marL="0" marR="0" marT="0" marB="0" horzOverflow="overflow">
-                    <a:solidFill>
-                      <a:schemeClr val="accent1"/>
-                    </a:solidFill>
-                  </a:tcPr>
-                </a:tc>
-                <a:tc>
-                  <a:txBody>
-                    <a:bodyPr/>
-                    <a:lstStyle/>
-                    <a:p>
-                      <a:pPr algn="just">
-                        <a:defRPr sz="1800">
-                          <a:uFill>
-                            <a:solidFill>
-                              <a:srgbClr val="000000"/>
-                            </a:solidFill>
-                          </a:uFill>
-                        </a:defRPr>
-                      </a:pPr>
-                      <a:r>
-                        <a:t>提示：账号密码不能为空！</a:t>
-                      </a:r>
-                    </a:p>
-                  </a:txBody>
-                  <a:tcPr marL="0" marR="0" marT="0" marB="0" horzOverflow="overflow"/>
-                </a:tc>
-                <a:tc>
-                  <a:txBody>
-                    <a:bodyPr/>
-                    <a:lstStyle/>
-                    <a:p>
-                      <a:pPr algn="just">
-                        <a:defRPr sz="1800">
-                          <a:uFill>
-                            <a:solidFill>
-                              <a:srgbClr val="000000"/>
-                            </a:solidFill>
-                          </a:uFill>
-                        </a:defRPr>
-                      </a:pPr>
-                      <a:r>
-                        <a:t>提示：账号密码不能为空！</a:t>
-                      </a:r>
-                    </a:p>
-                  </a:txBody>
-                  <a:tcPr marL="0" marR="0" marT="0" marB="0" horzOverflow="overflow"/>
-                </a:tc>
-              </a:tr>
-              <a:tr h="408045">
-                <a:tc>
-                  <a:txBody>
-                    <a:bodyPr/>
-                    <a:lstStyle/>
-                    <a:p>
-                      <a:pPr algn="just">
-                        <a:defRPr sz="1800" b="1">
-                          <a:solidFill>
-                            <a:srgbClr val="FFFFFF"/>
-                          </a:solidFill>
-                          <a:uFill>
-                            <a:solidFill>
-                              <a:srgbClr val="000000"/>
-                            </a:solidFill>
-                          </a:uFill>
-                        </a:defRPr>
-                      </a:pPr>
-                      <a:r>
-                        <a:t>空输入密码</a:t>
-                      </a:r>
-                    </a:p>
-                  </a:txBody>
-                  <a:tcPr marL="0" marR="0" marT="0" marB="0" horzOverflow="overflow">
-                    <a:solidFill>
-                      <a:schemeClr val="accent1"/>
-                    </a:solidFill>
-                  </a:tcPr>
-                </a:tc>
-                <a:tc>
-                  <a:txBody>
-                    <a:bodyPr/>
-                    <a:lstStyle/>
-                    <a:p>
-                      <a:pPr algn="just">
-                        <a:defRPr sz="1800">
-                          <a:uFill>
-                            <a:solidFill>
-                              <a:srgbClr val="000000"/>
-                            </a:solidFill>
-                          </a:uFill>
-                        </a:defRPr>
-                      </a:pPr>
-                      <a:r>
-                        <a:t>提示：账号密码不能为空！</a:t>
-                      </a:r>
-                    </a:p>
-                  </a:txBody>
-                  <a:tcPr marL="0" marR="0" marT="0" marB="0" horzOverflow="overflow"/>
-                </a:tc>
-                <a:tc>
-                  <a:txBody>
-                    <a:bodyPr/>
-                    <a:lstStyle/>
-                    <a:p>
-                      <a:pPr algn="just">
-                        <a:defRPr sz="1800">
-                          <a:uFill>
-                            <a:solidFill>
-                              <a:srgbClr val="000000"/>
-                            </a:solidFill>
-                          </a:uFill>
-                        </a:defRPr>
-                      </a:pPr>
-                      <a:r>
-                        <a:t>提示：账号密码不能为空！</a:t>
-                      </a:r>
-                    </a:p>
-                  </a:txBody>
-                  <a:tcPr marL="0" marR="0" marT="0" marB="0" horzOverflow="overflow"/>
+                  <a:tcPr marL="50800" marR="50800" marT="50800" marB="50800"/>
                 </a:tc>
               </a:tr>
             </a:tbl>
@@ -14046,11 +13776,7 @@
           <a:p>
             <a:r>
               <a:rPr dirty="0" err="1"/>
-              <a:t>二.</a:t>
-            </a:r>
-            <a:r>
-              <a:rPr dirty="0" err="1"/>
-              <a:t>钓鱼游戏设计说明</a:t>
+              <a:t>二.钓鱼游戏设计说明</a:t>
             </a:r>
             <a:endParaRPr dirty="0"/>
           </a:p>

--- a/软件实现.pptx
+++ b/软件实现.pptx
@@ -5,7 +5,7 @@
     <p:sldMasterId id="2147483648" r:id="rId1"/>
   </p:sldMasterIdLst>
   <p:notesMasterIdLst>
-    <p:notesMasterId r:id="rId37"/>
+    <p:notesMasterId r:id="rId36"/>
   </p:notesMasterIdLst>
   <p:sldIdLst>
     <p:sldId id="256" r:id="rId2"/>
@@ -36,13 +36,12 @@
     <p:sldId id="280" r:id="rId27"/>
     <p:sldId id="281" r:id="rId28"/>
     <p:sldId id="282" r:id="rId29"/>
-    <p:sldId id="283" r:id="rId30"/>
-    <p:sldId id="284" r:id="rId31"/>
-    <p:sldId id="285" r:id="rId32"/>
-    <p:sldId id="286" r:id="rId33"/>
-    <p:sldId id="287" r:id="rId34"/>
-    <p:sldId id="288" r:id="rId35"/>
-    <p:sldId id="289" r:id="rId36"/>
+    <p:sldId id="284" r:id="rId30"/>
+    <p:sldId id="285" r:id="rId31"/>
+    <p:sldId id="286" r:id="rId32"/>
+    <p:sldId id="287" r:id="rId33"/>
+    <p:sldId id="288" r:id="rId34"/>
+    <p:sldId id="289" r:id="rId35"/>
   </p:sldIdLst>
   <p:sldSz cx="9144000" cy="6858000" type="screen4x3"/>
   <p:notesSz cx="6858000" cy="9144000"/>
@@ -3429,7 +3428,7 @@
           <p:nvPr>
             <p:extLst>
               <p:ext uri="{D42A27DB-BD31-4B8C-83A1-F6EECF244321}">
-                <p14:modId xmlns:p14="http://schemas.microsoft.com/office/powerpoint/2010/main" val="1379195329"/>
+                <p14:modId xmlns:p14="http://schemas.microsoft.com/office/powerpoint/2010/main" val="1215285951"/>
               </p:ext>
             </p:extLst>
           </p:nvPr>
@@ -3465,6 +3464,9 @@
                       </a:pPr>
                       <a:r>
                         <a:rPr lang="zh-TW" sz="1600" kern="100" dirty="0">
+                          <a:solidFill>
+                            <a:schemeClr val="bg1"/>
+                          </a:solidFill>
                           <a:effectLst/>
                           <a:uFill>
                             <a:solidFill>
@@ -3476,7 +3478,7 @@
                       </a:r>
                       <a:endParaRPr lang="zh-CN" sz="1600" kern="100" dirty="0">
                         <a:solidFill>
-                          <a:srgbClr val="000000"/>
+                          <a:schemeClr val="bg1"/>
                         </a:solidFill>
                         <a:effectLst/>
                         <a:uFill>
@@ -3506,6 +3508,9 @@
                       </a:pPr>
                       <a:r>
                         <a:rPr lang="zh-TW" sz="1600" kern="100">
+                          <a:solidFill>
+                            <a:schemeClr val="bg1"/>
+                          </a:solidFill>
                           <a:effectLst/>
                           <a:uFill>
                             <a:solidFill>
@@ -3517,7 +3522,7 @@
                       </a:r>
                       <a:endParaRPr lang="zh-CN" sz="1600" kern="100">
                         <a:solidFill>
-                          <a:srgbClr val="000000"/>
+                          <a:schemeClr val="bg1"/>
                         </a:solidFill>
                         <a:effectLst/>
                         <a:uFill>
@@ -3548,7 +3553,7 @@
                       <a:r>
                         <a:rPr lang="zh-CN" altLang="en-US" sz="1600" kern="100" dirty="0" smtClean="0">
                           <a:solidFill>
-                            <a:srgbClr val="000000"/>
+                            <a:schemeClr val="bg1"/>
                           </a:solidFill>
                           <a:effectLst/>
                           <a:uFill>
@@ -3563,7 +3568,7 @@
                       </a:r>
                       <a:endParaRPr lang="zh-CN" sz="1600" kern="100" dirty="0">
                         <a:solidFill>
-                          <a:srgbClr val="000000"/>
+                          <a:schemeClr val="bg1"/>
                         </a:solidFill>
                         <a:effectLst/>
                         <a:uFill>
@@ -3594,7 +3599,10 @@
                         </a:spcAft>
                       </a:pPr>
                       <a:r>
-                        <a:rPr lang="zh-CN" sz="1600" kern="100">
+                        <a:rPr lang="zh-CN" sz="1600" kern="100" dirty="0">
+                          <a:solidFill>
+                            <a:schemeClr val="bg1"/>
+                          </a:solidFill>
                           <a:effectLst/>
                           <a:uFill>
                             <a:solidFill>
@@ -3604,9 +3612,9 @@
                         </a:rPr>
                         <a:t>徐余浩</a:t>
                       </a:r>
-                      <a:endParaRPr lang="zh-CN" sz="1600">
+                      <a:endParaRPr lang="zh-CN" sz="1600" dirty="0">
                         <a:solidFill>
-                          <a:srgbClr val="000000"/>
+                          <a:schemeClr val="bg1"/>
                         </a:solidFill>
                         <a:effectLst/>
                         <a:uFill>
@@ -3636,6 +3644,9 @@
                       </a:pPr>
                       <a:r>
                         <a:rPr lang="zh-TW" sz="1600" kern="100" dirty="0">
+                          <a:solidFill>
+                            <a:schemeClr val="bg1"/>
+                          </a:solidFill>
                           <a:effectLst/>
                           <a:uFill>
                             <a:solidFill>
@@ -3647,6 +3658,9 @@
                       </a:r>
                       <a:r>
                         <a:rPr lang="zh-TW" sz="1600" kern="100" dirty="0" smtClean="0">
+                          <a:solidFill>
+                            <a:schemeClr val="bg1"/>
+                          </a:solidFill>
                           <a:effectLst/>
                           <a:uFill>
                             <a:solidFill>
@@ -3658,7 +3672,7 @@
                       </a:r>
                       <a:endParaRPr lang="zh-CN" sz="1600" kern="100" dirty="0">
                         <a:solidFill>
-                          <a:srgbClr val="000000"/>
+                          <a:schemeClr val="bg1"/>
                         </a:solidFill>
                         <a:effectLst/>
                         <a:uFill>
@@ -3689,7 +3703,7 @@
                       <a:r>
                         <a:rPr lang="zh-CN" altLang="en-US" sz="1600" kern="100" dirty="0" smtClean="0">
                           <a:solidFill>
-                            <a:srgbClr val="000000"/>
+                            <a:schemeClr val="bg1"/>
                           </a:solidFill>
                           <a:effectLst/>
                           <a:uFill>
@@ -3700,7 +3714,7 @@
                           <a:latin typeface="Times New Roman"/>
                           <a:ea typeface="Times New Roman"/>
                         </a:rPr>
-                        <a:t>背包，鱼类百科，装备。</a:t>
+                        <a:t>设计背包，鱼类百科，装备。</a:t>
                       </a:r>
                       <a:r>
                         <a:rPr lang="zh-TW" altLang="zh-CN" sz="1600" b="0" i="0" u="none" strike="noStrike" cap="none" spc="0" baseline="0" dirty="0" smtClean="0">
@@ -3708,7 +3722,7 @@
                             <a:noFill/>
                           </a:ln>
                           <a:solidFill>
-                            <a:schemeClr val="tx1"/>
+                            <a:schemeClr val="bg1"/>
                           </a:solidFill>
                           <a:effectLst/>
                           <a:uFillTx/>
@@ -3721,7 +3735,7 @@
                       </a:r>
                       <a:endParaRPr lang="zh-CN" sz="1600" kern="100" dirty="0">
                         <a:solidFill>
-                          <a:srgbClr val="000000"/>
+                          <a:schemeClr val="bg1"/>
                         </a:solidFill>
                         <a:effectLst/>
                         <a:uFill>
@@ -3752,7 +3766,10 @@
                         </a:spcAft>
                       </a:pPr>
                       <a:r>
-                        <a:rPr lang="zh-CN" sz="1600" kern="100">
+                        <a:rPr lang="zh-CN" sz="1600" kern="100" dirty="0">
+                          <a:solidFill>
+                            <a:schemeClr val="bg1"/>
+                          </a:solidFill>
                           <a:effectLst/>
                           <a:uFill>
                             <a:solidFill>
@@ -3762,9 +3779,9 @@
                         </a:rPr>
                         <a:t>郑鸿棣</a:t>
                       </a:r>
-                      <a:endParaRPr lang="zh-CN" sz="1600">
+                      <a:endParaRPr lang="zh-CN" sz="1600" dirty="0">
                         <a:solidFill>
-                          <a:srgbClr val="000000"/>
+                          <a:schemeClr val="bg1"/>
                         </a:solidFill>
                         <a:effectLst/>
                         <a:uFill>
@@ -3803,6 +3820,9 @@
                       </a:pPr>
                       <a:r>
                         <a:rPr lang="zh-TW" sz="1600" kern="100" dirty="0">
+                          <a:solidFill>
+                            <a:schemeClr val="bg1"/>
+                          </a:solidFill>
                           <a:effectLst/>
                           <a:uFill>
                             <a:solidFill>
@@ -3814,6 +3834,9 @@
                       </a:r>
                       <a:r>
                         <a:rPr lang="zh-TW" sz="1600" kern="100" dirty="0" smtClean="0">
+                          <a:solidFill>
+                            <a:schemeClr val="bg1"/>
+                          </a:solidFill>
                           <a:effectLst/>
                           <a:uFill>
                             <a:solidFill>
@@ -3825,6 +3848,9 @@
                       </a:r>
                       <a:r>
                         <a:rPr lang="zh-CN" altLang="en-US" sz="1600" kern="100" dirty="0" smtClean="0">
+                          <a:solidFill>
+                            <a:schemeClr val="bg1"/>
+                          </a:solidFill>
                           <a:effectLst/>
                           <a:uFill>
                             <a:solidFill>
@@ -3836,6 +3862,9 @@
                       </a:r>
                       <a:r>
                         <a:rPr lang="zh-TW" altLang="zh-CN" sz="1600" kern="100" dirty="0" smtClean="0">
+                          <a:solidFill>
+                            <a:schemeClr val="bg1"/>
+                          </a:solidFill>
                           <a:effectLst/>
                           <a:uFill>
                             <a:solidFill>
@@ -3847,7 +3876,7 @@
                       </a:r>
                       <a:endParaRPr lang="zh-CN" altLang="zh-CN" sz="1600" kern="100" dirty="0" smtClean="0">
                         <a:solidFill>
-                          <a:srgbClr val="000000"/>
+                          <a:schemeClr val="bg1"/>
                         </a:solidFill>
                         <a:effectLst/>
                         <a:uFill>
@@ -3870,7 +3899,7 @@
                       </a:pPr>
                       <a:endParaRPr lang="zh-CN" sz="1600" kern="100" dirty="0">
                         <a:solidFill>
-                          <a:srgbClr val="000000"/>
+                          <a:schemeClr val="bg1"/>
                         </a:solidFill>
                         <a:effectLst/>
                         <a:uFill>
@@ -3901,7 +3930,7 @@
                       <a:r>
                         <a:rPr lang="zh-CN" altLang="en-US" sz="1600" kern="100" dirty="0" smtClean="0">
                           <a:solidFill>
-                            <a:srgbClr val="000000"/>
+                            <a:schemeClr val="bg1"/>
                           </a:solidFill>
                           <a:effectLst/>
                           <a:uFill>
@@ -3912,7 +3941,7 @@
                           <a:latin typeface="Times New Roman"/>
                           <a:ea typeface="Times New Roman"/>
                         </a:rPr>
-                        <a:t>出现杆，甩杆，长按，钓鱼功能。</a:t>
+                        <a:t>设计出现杆，甩杆，长按，钓鱼功能。</a:t>
                       </a:r>
                       <a:r>
                         <a:rPr lang="zh-TW" altLang="zh-CN" sz="1600" b="0" i="0" u="none" strike="noStrike" cap="none" spc="0" baseline="0" dirty="0" smtClean="0">
@@ -3920,7 +3949,7 @@
                             <a:noFill/>
                           </a:ln>
                           <a:solidFill>
-                            <a:schemeClr val="tx1"/>
+                            <a:schemeClr val="bg1"/>
                           </a:solidFill>
                           <a:effectLst/>
                           <a:uFillTx/>
@@ -3933,7 +3962,7 @@
                       </a:r>
                       <a:endParaRPr lang="zh-CN" sz="1600" kern="100" dirty="0">
                         <a:solidFill>
-                          <a:srgbClr val="000000"/>
+                          <a:schemeClr val="bg1"/>
                         </a:solidFill>
                         <a:effectLst/>
                         <a:uFill>
@@ -3965,6 +3994,9 @@
                       </a:pPr>
                       <a:r>
                         <a:rPr lang="zh-CN" sz="1600" kern="100">
+                          <a:solidFill>
+                            <a:schemeClr val="bg1"/>
+                          </a:solidFill>
                           <a:effectLst/>
                           <a:uFill>
                             <a:solidFill>
@@ -3976,7 +4008,7 @@
                       </a:r>
                       <a:endParaRPr lang="zh-CN" sz="1600">
                         <a:solidFill>
-                          <a:srgbClr val="000000"/>
+                          <a:schemeClr val="bg1"/>
                         </a:solidFill>
                         <a:effectLst/>
                         <a:uFill>
@@ -4006,6 +4038,9 @@
                       </a:pPr>
                       <a:r>
                         <a:rPr lang="zh-TW" sz="1600" kern="100" dirty="0" smtClean="0">
+                          <a:solidFill>
+                            <a:schemeClr val="bg1"/>
+                          </a:solidFill>
                           <a:effectLst/>
                           <a:uFill>
                             <a:solidFill>
@@ -4017,6 +4052,9 @@
                       </a:r>
                       <a:r>
                         <a:rPr lang="zh-TW" sz="1600" kern="100" dirty="0">
+                          <a:solidFill>
+                            <a:schemeClr val="bg1"/>
+                          </a:solidFill>
                           <a:effectLst/>
                           <a:uFill>
                             <a:solidFill>
@@ -4028,7 +4066,7 @@
                       </a:r>
                       <a:endParaRPr lang="zh-CN" sz="1600" kern="100" dirty="0">
                         <a:solidFill>
-                          <a:srgbClr val="000000"/>
+                          <a:schemeClr val="bg1"/>
                         </a:solidFill>
                         <a:effectLst/>
                         <a:uFill>
@@ -4059,7 +4097,7 @@
                       <a:r>
                         <a:rPr lang="zh-CN" altLang="en-US" sz="1600" kern="100" dirty="0" smtClean="0">
                           <a:solidFill>
-                            <a:srgbClr val="000000"/>
+                            <a:schemeClr val="bg1"/>
                           </a:solidFill>
                           <a:effectLst/>
                           <a:uFill>
@@ -4070,7 +4108,7 @@
                           <a:latin typeface="Times New Roman"/>
                           <a:ea typeface="Times New Roman"/>
                         </a:rPr>
-                        <a:t>场景转换，界面设计。</a:t>
+                        <a:t>设计场景转换，界面设计。</a:t>
                       </a:r>
                       <a:r>
                         <a:rPr lang="zh-TW" altLang="zh-CN" sz="1600" b="0" i="0" u="none" strike="noStrike" cap="none" spc="0" baseline="0" dirty="0" smtClean="0">
@@ -4078,7 +4116,7 @@
                             <a:noFill/>
                           </a:ln>
                           <a:solidFill>
-                            <a:schemeClr val="tx1"/>
+                            <a:schemeClr val="bg1"/>
                           </a:solidFill>
                           <a:effectLst/>
                           <a:uFillTx/>
@@ -4091,7 +4129,7 @@
                       </a:r>
                       <a:endParaRPr lang="zh-CN" sz="1600" kern="100" dirty="0">
                         <a:solidFill>
-                          <a:srgbClr val="000000"/>
+                          <a:schemeClr val="bg1"/>
                         </a:solidFill>
                         <a:effectLst/>
                         <a:uFill>
@@ -12642,7 +12680,7 @@
       </p:grpSpPr>
       <p:sp>
         <p:nvSpPr>
-          <p:cNvPr id="168" name="内容占位符 1"/>
+          <p:cNvPr id="171" name="内容占位符 1"/>
           <p:cNvSpPr txBox="1">
             <a:spLocks noGrp="1"/>
           </p:cNvSpPr>
@@ -12659,40 +12697,181 @@
           <a:bodyPr/>
           <a:lstStyle/>
           <a:p>
-            <a:r>
-              <a:t>1.先对主控制模块进行测试，将存根程序代替所有直接附属与主控制模块的模块。</a:t>
-            </a:r>
-          </a:p>
-          <a:p>
-            <a:r>
-              <a:t>2.每次用一个实际模块代换一个存根程序。</a:t>
-            </a:r>
-          </a:p>
-          <a:p>
-            <a:r>
-              <a:t>3.在结合进一个模块的同时进行测试</a:t>
-            </a:r>
-          </a:p>
-          <a:p>
-            <a:r>
-              <a:t>4.在不断进行回归测试</a:t>
-            </a:r>
-          </a:p>
-          <a:p>
-            <a:r>
-              <a:t>5.重复以上步骤。</a:t>
-            </a:r>
-          </a:p>
-          <a:p>
-            <a:r>
-              <a:t>未发现各模块借口间存在的问题</a:t>
-            </a:r>
+            <a:pPr marL="252374" indent="-252374" defTabSz="841247">
+              <a:lnSpc>
+                <a:spcPct val="80000"/>
+              </a:lnSpc>
+              <a:spcBef>
+                <a:spcPts val="500"/>
+              </a:spcBef>
+              <a:defRPr sz="2208"/>
+            </a:pPr>
+            <a:r>
+              <a:rPr dirty="0"/>
+              <a:t>时间：2018.5.25</a:t>
+            </a:r>
+          </a:p>
+          <a:p>
+            <a:pPr marL="252374" indent="-252374" defTabSz="841247">
+              <a:lnSpc>
+                <a:spcPct val="80000"/>
+              </a:lnSpc>
+              <a:spcBef>
+                <a:spcPts val="500"/>
+              </a:spcBef>
+              <a:defRPr sz="2208"/>
+            </a:pPr>
+            <a:r>
+              <a:rPr dirty="0"/>
+              <a:t>地点：</a:t>
+            </a:r>
+            <a:r>
+              <a:rPr dirty="0" smtClean="0"/>
+              <a:t>寝室</a:t>
+            </a:r>
+            <a:r>
+              <a:rPr lang="en-US" dirty="0" smtClean="0"/>
+              <a:t>533</a:t>
+            </a:r>
+            <a:endParaRPr dirty="0"/>
+          </a:p>
+          <a:p>
+            <a:pPr marL="252374" indent="-252374" defTabSz="841247">
+              <a:lnSpc>
+                <a:spcPct val="80000"/>
+              </a:lnSpc>
+              <a:spcBef>
+                <a:spcPts val="500"/>
+              </a:spcBef>
+              <a:defRPr sz="2208"/>
+            </a:pPr>
+            <a:r>
+              <a:rPr dirty="0" err="1"/>
+              <a:t>人员：陈云</a:t>
+            </a:r>
+            <a:endParaRPr dirty="0"/>
+          </a:p>
+          <a:p>
+            <a:pPr marL="252374" indent="-252374" defTabSz="841247">
+              <a:lnSpc>
+                <a:spcPct val="80000"/>
+              </a:lnSpc>
+              <a:spcBef>
+                <a:spcPts val="500"/>
+              </a:spcBef>
+              <a:defRPr sz="2208"/>
+            </a:pPr>
+            <a:r>
+              <a:rPr dirty="0" err="1"/>
+              <a:t>测试结果</a:t>
+            </a:r>
+            <a:r>
+              <a:rPr dirty="0" smtClean="0"/>
+              <a:t>：</a:t>
+            </a:r>
+            <a:r>
+              <a:rPr lang="zh-CN" altLang="en-US" dirty="0" smtClean="0"/>
+              <a:t>在我们的邀请下</a:t>
+            </a:r>
+            <a:r>
+              <a:rPr dirty="0" smtClean="0"/>
+              <a:t>，</a:t>
+            </a:r>
+            <a:r>
+              <a:rPr lang="zh-CN" altLang="en-US" dirty="0" smtClean="0"/>
+              <a:t>陈云同学尝试了我们的</a:t>
+            </a:r>
+            <a:r>
+              <a:rPr lang="en-US" altLang="zh-CN" dirty="0" smtClean="0"/>
+              <a:t>APP</a:t>
+            </a:r>
+            <a:r>
+              <a:rPr lang="zh-CN" altLang="en-US" dirty="0" smtClean="0"/>
+              <a:t>，</a:t>
+            </a:r>
+            <a:r>
+              <a:rPr dirty="0" smtClean="0"/>
+              <a:t>同时仔细审核了一下自己原先的需求定义</a:t>
+            </a:r>
+            <a:r>
+              <a:rPr dirty="0"/>
+              <a:t>。认为该App与自己理想需求存在一定的差异。有如下差异：1</a:t>
+            </a:r>
+            <a:r>
+              <a:rPr dirty="0" smtClean="0"/>
+              <a:t>、</a:t>
+            </a:r>
+            <a:r>
+              <a:rPr lang="zh-CN" altLang="en-US" dirty="0" smtClean="0"/>
+              <a:t>操作起来不是很顺畅</a:t>
+            </a:r>
+            <a:r>
+              <a:rPr dirty="0" smtClean="0"/>
+              <a:t> </a:t>
+            </a:r>
+            <a:r>
+              <a:rPr dirty="0"/>
+              <a:t>2、玩法比较简单 3、</a:t>
+            </a:r>
+            <a:r>
+              <a:rPr dirty="0" smtClean="0"/>
+              <a:t>仍然存在部分功能模块问题</a:t>
+            </a:r>
+            <a:r>
+              <a:rPr lang="zh-CN" altLang="en-US" dirty="0" smtClean="0"/>
+              <a:t>，比如说在点背包时会在界面上出现白色方框。</a:t>
+            </a:r>
+            <a:endParaRPr dirty="0"/>
+          </a:p>
+          <a:p>
+            <a:pPr marL="252374" indent="-252374" defTabSz="841247">
+              <a:lnSpc>
+                <a:spcPct val="80000"/>
+              </a:lnSpc>
+              <a:spcBef>
+                <a:spcPts val="500"/>
+              </a:spcBef>
+              <a:defRPr sz="2208"/>
+            </a:pPr>
+            <a:r>
+              <a:rPr dirty="0" err="1" smtClean="0"/>
+              <a:t>本软件已交付给陈云初步使用</a:t>
+            </a:r>
+            <a:r>
+              <a:rPr dirty="0" err="1"/>
+              <a:t>，他对基本功能的实现表示认同，但也提出了一些建议</a:t>
+            </a:r>
+            <a:r>
+              <a:rPr dirty="0" smtClean="0"/>
+              <a:t>，</a:t>
+            </a:r>
+            <a:r>
+              <a:rPr lang="zh-CN" altLang="en-US" dirty="0" smtClean="0"/>
+              <a:t>认为目前的</a:t>
+            </a:r>
+            <a:r>
+              <a:rPr lang="en-US" altLang="zh-CN" dirty="0" smtClean="0"/>
+              <a:t>APP</a:t>
+            </a:r>
+            <a:r>
+              <a:rPr lang="zh-CN" altLang="en-US" dirty="0" smtClean="0"/>
+              <a:t>无法让玩家体验钓鱼的紧张感，需要我们改进，</a:t>
+            </a:r>
+            <a:r>
+              <a:rPr dirty="0" err="1" smtClean="0"/>
+              <a:t>带来更好的游戏体验</a:t>
+            </a:r>
+            <a:r>
+              <a:rPr dirty="0" smtClean="0"/>
+              <a:t>。</a:t>
+            </a:r>
+            <a:endParaRPr dirty="0"/>
           </a:p>
         </p:txBody>
       </p:sp>
       <p:sp>
         <p:nvSpPr>
-          <p:cNvPr id="169" name="标题 2"/>
+          <p:cNvPr id="172" name="标题 2"/>
           <p:cNvSpPr txBox="1">
             <a:spLocks noGrp="1"/>
           </p:cNvSpPr>
@@ -12710,8 +12889,18 @@
           <a:lstStyle/>
           <a:p>
             <a:r>
-              <a:t>6.2集成测试</a:t>
-            </a:r>
+              <a:rPr dirty="0" smtClean="0"/>
+              <a:t>6.</a:t>
+            </a:r>
+            <a:r>
+              <a:rPr lang="en-US" dirty="0" smtClean="0"/>
+              <a:t>2</a:t>
+            </a:r>
+            <a:r>
+              <a:rPr dirty="0" smtClean="0"/>
+              <a:t>确认测试</a:t>
+            </a:r>
+            <a:endParaRPr dirty="0"/>
           </a:p>
         </p:txBody>
       </p:sp>
@@ -12840,161 +13029,6 @@
       </p:grpSpPr>
       <p:sp>
         <p:nvSpPr>
-          <p:cNvPr id="171" name="内容占位符 1"/>
-          <p:cNvSpPr txBox="1">
-            <a:spLocks noGrp="1"/>
-          </p:cNvSpPr>
-          <p:nvPr>
-            <p:ph type="body" idx="1"/>
-          </p:nvPr>
-        </p:nvSpPr>
-        <p:spPr>
-          <a:prstGeom prst="rect">
-            <a:avLst/>
-          </a:prstGeom>
-        </p:spPr>
-        <p:txBody>
-          <a:bodyPr/>
-          <a:lstStyle/>
-          <a:p>
-            <a:pPr marL="252374" indent="-252374" defTabSz="841247">
-              <a:lnSpc>
-                <a:spcPct val="80000"/>
-              </a:lnSpc>
-              <a:spcBef>
-                <a:spcPts val="500"/>
-              </a:spcBef>
-              <a:defRPr sz="2208"/>
-            </a:pPr>
-            <a:r>
-              <a:t>时间：2018.5.25</a:t>
-            </a:r>
-          </a:p>
-          <a:p>
-            <a:pPr marL="252374" indent="-252374" defTabSz="841247">
-              <a:lnSpc>
-                <a:spcPct val="80000"/>
-              </a:lnSpc>
-              <a:spcBef>
-                <a:spcPts val="500"/>
-              </a:spcBef>
-              <a:defRPr sz="2208"/>
-            </a:pPr>
-            <a:r>
-              <a:t>地点：寝室604</a:t>
-            </a:r>
-          </a:p>
-          <a:p>
-            <a:pPr marL="252374" indent="-252374" defTabSz="841247">
-              <a:lnSpc>
-                <a:spcPct val="80000"/>
-              </a:lnSpc>
-              <a:spcBef>
-                <a:spcPts val="500"/>
-              </a:spcBef>
-              <a:defRPr sz="2208"/>
-            </a:pPr>
-            <a:r>
-              <a:t>人员：陈云</a:t>
-            </a:r>
-          </a:p>
-          <a:p>
-            <a:pPr marL="252374" indent="-252374" defTabSz="841247">
-              <a:lnSpc>
-                <a:spcPct val="80000"/>
-              </a:lnSpc>
-              <a:spcBef>
-                <a:spcPts val="500"/>
-              </a:spcBef>
-              <a:defRPr sz="2208"/>
-            </a:pPr>
-            <a:r>
-              <a:t>测试结果：在三位开发人员的“指导下”，该同学对钓鱼APP的已开发功能用了一遍，同时仔细审核了一下自己原先的需求定义。认为该App与自己理想需求存在一定的差异。有如下差异：1、界面设计不够理想 2、玩法比较简单 3、仍然存在部分功能模块问题</a:t>
-            </a:r>
-          </a:p>
-          <a:p>
-            <a:pPr marL="252374" indent="-252374" defTabSz="841247">
-              <a:lnSpc>
-                <a:spcPct val="80000"/>
-              </a:lnSpc>
-              <a:spcBef>
-                <a:spcPts val="500"/>
-              </a:spcBef>
-              <a:defRPr sz="2208"/>
-            </a:pPr>
-            <a:r>
-              <a:t>在操作方面，该同学认为还算比较简单，难度不大。</a:t>
-            </a:r>
-          </a:p>
-          <a:p>
-            <a:pPr marL="252374" indent="-252374" defTabSz="841247">
-              <a:lnSpc>
-                <a:spcPct val="80000"/>
-              </a:lnSpc>
-              <a:spcBef>
-                <a:spcPts val="500"/>
-              </a:spcBef>
-              <a:defRPr sz="2208"/>
-            </a:pPr>
-            <a:r>
-              <a:t>本软件已交付给陈云初步使用，他对基本功能的实现表示认同，但也提出了一些建议，比如进一步的细化钓鱼的具体玩法，带来更好的游戏体验。这些功能有待进一步的完善与开发。</a:t>
-            </a:r>
-          </a:p>
-        </p:txBody>
-      </p:sp>
-      <p:sp>
-        <p:nvSpPr>
-          <p:cNvPr id="172" name="标题 2"/>
-          <p:cNvSpPr txBox="1">
-            <a:spLocks noGrp="1"/>
-          </p:cNvSpPr>
-          <p:nvPr>
-            <p:ph type="title"/>
-          </p:nvPr>
-        </p:nvSpPr>
-        <p:spPr>
-          <a:prstGeom prst="rect">
-            <a:avLst/>
-          </a:prstGeom>
-        </p:spPr>
-        <p:txBody>
-          <a:bodyPr/>
-          <a:lstStyle/>
-          <a:p>
-            <a:r>
-              <a:t>6.3确认测试</a:t>
-            </a:r>
-          </a:p>
-        </p:txBody>
-      </p:sp>
-    </p:spTree>
-  </p:cSld>
-  <p:clrMapOvr>
-    <a:masterClrMapping/>
-  </p:clrMapOvr>
-  <p:transition spd="med"/>
-</p:sld>
-</file>
-
-<file path=ppt/slides/slide31.xml><?xml version="1.0" encoding="utf-8"?>
-<p:sld xmlns:a="http://schemas.openxmlformats.org/drawingml/2006/main" xmlns:r="http://schemas.openxmlformats.org/officeDocument/2006/relationships" xmlns:p="http://schemas.openxmlformats.org/presentationml/2006/main">
-  <p:cSld>
-    <p:spTree>
-      <p:nvGrpSpPr>
-        <p:cNvPr id="1" name=""/>
-        <p:cNvGrpSpPr/>
-        <p:nvPr/>
-      </p:nvGrpSpPr>
-      <p:grpSpPr>
-        <a:xfrm>
-          <a:off x="0" y="0"/>
-          <a:ext cx="0" cy="0"/>
-          <a:chOff x="0" y="0"/>
-          <a:chExt cx="0" cy="0"/>
-        </a:xfrm>
-      </p:grpSpPr>
-      <p:sp>
-        <p:nvSpPr>
           <p:cNvPr id="174" name="内容占位符 1"/>
           <p:cNvSpPr txBox="1">
             <a:spLocks noGrp="1"/>
@@ -13201,8 +13235,18 @@
           <a:lstStyle/>
           <a:p>
             <a:r>
-              <a:t>6.4白盒测试</a:t>
-            </a:r>
+              <a:rPr dirty="0" smtClean="0"/>
+              <a:t>6.</a:t>
+            </a:r>
+            <a:r>
+              <a:rPr lang="en-US" dirty="0" smtClean="0"/>
+              <a:t>3</a:t>
+            </a:r>
+            <a:r>
+              <a:rPr dirty="0" smtClean="0"/>
+              <a:t>白盒测试</a:t>
+            </a:r>
+            <a:endParaRPr dirty="0"/>
           </a:p>
         </p:txBody>
       </p:sp>
@@ -13215,7 +13259,7 @@
 </p:sld>
 </file>
 
-<file path=ppt/slides/slide32.xml><?xml version="1.0" encoding="utf-8"?>
+<file path=ppt/slides/slide31.xml><?xml version="1.0" encoding="utf-8"?>
 <p:sld xmlns:a="http://schemas.openxmlformats.org/drawingml/2006/main" xmlns:r="http://schemas.openxmlformats.org/officeDocument/2006/relationships" xmlns:p="http://schemas.openxmlformats.org/presentationml/2006/main">
   <p:cSld>
     <p:spTree>
@@ -13372,7 +13416,7 @@
 </p:sld>
 </file>
 
-<file path=ppt/slides/slide33.xml><?xml version="1.0" encoding="utf-8"?>
+<file path=ppt/slides/slide32.xml><?xml version="1.0" encoding="utf-8"?>
 <p:sld xmlns:a="http://schemas.openxmlformats.org/drawingml/2006/main" xmlns:r="http://schemas.openxmlformats.org/officeDocument/2006/relationships" xmlns:p="http://schemas.openxmlformats.org/presentationml/2006/main">
   <p:cSld>
     <p:spTree>
@@ -13479,7 +13523,7 @@
 </p:sld>
 </file>
 
-<file path=ppt/slides/slide34.xml><?xml version="1.0" encoding="utf-8"?>
+<file path=ppt/slides/slide33.xml><?xml version="1.0" encoding="utf-8"?>
 <p:sld xmlns:a="http://schemas.openxmlformats.org/drawingml/2006/main" xmlns:r="http://schemas.openxmlformats.org/officeDocument/2006/relationships" xmlns:p="http://schemas.openxmlformats.org/presentationml/2006/main">
   <p:cSld>
     <p:spTree>
@@ -13586,7 +13630,7 @@
 </p:sld>
 </file>
 
-<file path=ppt/slides/slide35.xml><?xml version="1.0" encoding="utf-8"?>
+<file path=ppt/slides/slide34.xml><?xml version="1.0" encoding="utf-8"?>
 <p:sld xmlns:a="http://schemas.openxmlformats.org/drawingml/2006/main" xmlns:r="http://schemas.openxmlformats.org/officeDocument/2006/relationships" xmlns:p="http://schemas.openxmlformats.org/presentationml/2006/main">
   <p:cSld>
     <p:spTree>

--- a/软件实现.pptx
+++ b/软件实现.pptx
@@ -5,7 +5,7 @@
     <p:sldMasterId id="2147483648" r:id="rId1"/>
   </p:sldMasterIdLst>
   <p:notesMasterIdLst>
-    <p:notesMasterId r:id="rId37"/>
+    <p:notesMasterId r:id="rId36"/>
   </p:notesMasterIdLst>
   <p:sldIdLst>
     <p:sldId id="256" r:id="rId2"/>
@@ -36,13 +36,12 @@
     <p:sldId id="280" r:id="rId27"/>
     <p:sldId id="281" r:id="rId28"/>
     <p:sldId id="282" r:id="rId29"/>
-    <p:sldId id="283" r:id="rId30"/>
-    <p:sldId id="284" r:id="rId31"/>
-    <p:sldId id="285" r:id="rId32"/>
-    <p:sldId id="286" r:id="rId33"/>
-    <p:sldId id="287" r:id="rId34"/>
-    <p:sldId id="288" r:id="rId35"/>
-    <p:sldId id="289" r:id="rId36"/>
+    <p:sldId id="284" r:id="rId30"/>
+    <p:sldId id="285" r:id="rId31"/>
+    <p:sldId id="286" r:id="rId32"/>
+    <p:sldId id="287" r:id="rId33"/>
+    <p:sldId id="288" r:id="rId34"/>
+    <p:sldId id="289" r:id="rId35"/>
   </p:sldIdLst>
   <p:sldSz cx="9144000" cy="6858000" type="screen4x3"/>
   <p:notesSz cx="6858000" cy="9144000"/>
@@ -2303,7 +2302,7 @@
           </a:ln>
           <a:extLst>
             <a:ext uri="{C572A759-6A51-4108-AA02-DFA0A04FC94B}">
-              <ma14:wrappingTextBoxFlag xmlns:ma14="http://schemas.microsoft.com/office/mac/drawingml/2011/main" xmlns:a14="http://schemas.microsoft.com/office/drawing/2010/main" xmlns:m="http://schemas.openxmlformats.org/officeDocument/2006/math" xmlns="" val="1"/>
+              <ma14:wrappingTextBoxFlag xmlns="" xmlns:m="http://schemas.openxmlformats.org/officeDocument/2006/math" xmlns:a14="http://schemas.microsoft.com/office/drawing/2010/main" xmlns:ma14="http://schemas.microsoft.com/office/mac/drawingml/2011/main" val="1"/>
             </a:ext>
           </a:extLst>
         </p:spPr>
@@ -2366,7 +2365,7 @@
           </a:ln>
           <a:extLst>
             <a:ext uri="{C572A759-6A51-4108-AA02-DFA0A04FC94B}">
-              <ma14:wrappingTextBoxFlag xmlns:ma14="http://schemas.microsoft.com/office/mac/drawingml/2011/main" xmlns:a14="http://schemas.microsoft.com/office/drawing/2010/main" xmlns:m="http://schemas.openxmlformats.org/officeDocument/2006/math" xmlns="" val="1"/>
+              <ma14:wrappingTextBoxFlag xmlns="" xmlns:m="http://schemas.openxmlformats.org/officeDocument/2006/math" xmlns:a14="http://schemas.microsoft.com/office/drawing/2010/main" xmlns:ma14="http://schemas.microsoft.com/office/mac/drawingml/2011/main" val="1"/>
             </a:ext>
           </a:extLst>
         </p:spPr>
@@ -3429,7 +3428,7 @@
           <p:nvPr>
             <p:extLst>
               <p:ext uri="{D42A27DB-BD31-4B8C-83A1-F6EECF244321}">
-                <p14:modId xmlns:p14="http://schemas.microsoft.com/office/powerpoint/2010/main" val="1379195329"/>
+                <p14:modId xmlns:p14="http://schemas.microsoft.com/office/powerpoint/2010/main" val="1215285951"/>
               </p:ext>
             </p:extLst>
           </p:nvPr>
@@ -3465,6 +3464,9 @@
                       </a:pPr>
                       <a:r>
                         <a:rPr lang="zh-TW" sz="1600" kern="100" dirty="0">
+                          <a:solidFill>
+                            <a:schemeClr val="bg1"/>
+                          </a:solidFill>
                           <a:effectLst/>
                           <a:uFill>
                             <a:solidFill>
@@ -3476,7 +3478,7 @@
                       </a:r>
                       <a:endParaRPr lang="zh-CN" sz="1600" kern="100" dirty="0">
                         <a:solidFill>
-                          <a:srgbClr val="000000"/>
+                          <a:schemeClr val="bg1"/>
                         </a:solidFill>
                         <a:effectLst/>
                         <a:uFill>
@@ -3506,6 +3508,9 @@
                       </a:pPr>
                       <a:r>
                         <a:rPr lang="zh-TW" sz="1600" kern="100">
+                          <a:solidFill>
+                            <a:schemeClr val="bg1"/>
+                          </a:solidFill>
                           <a:effectLst/>
                           <a:uFill>
                             <a:solidFill>
@@ -3517,7 +3522,7 @@
                       </a:r>
                       <a:endParaRPr lang="zh-CN" sz="1600" kern="100">
                         <a:solidFill>
-                          <a:srgbClr val="000000"/>
+                          <a:schemeClr val="bg1"/>
                         </a:solidFill>
                         <a:effectLst/>
                         <a:uFill>
@@ -3548,7 +3553,7 @@
                       <a:r>
                         <a:rPr lang="zh-CN" altLang="en-US" sz="1600" kern="100" dirty="0" smtClean="0">
                           <a:solidFill>
-                            <a:srgbClr val="000000"/>
+                            <a:schemeClr val="bg1"/>
                           </a:solidFill>
                           <a:effectLst/>
                           <a:uFill>
@@ -3563,7 +3568,7 @@
                       </a:r>
                       <a:endParaRPr lang="zh-CN" sz="1600" kern="100" dirty="0">
                         <a:solidFill>
-                          <a:srgbClr val="000000"/>
+                          <a:schemeClr val="bg1"/>
                         </a:solidFill>
                         <a:effectLst/>
                         <a:uFill>
@@ -3594,7 +3599,10 @@
                         </a:spcAft>
                       </a:pPr>
                       <a:r>
-                        <a:rPr lang="zh-CN" sz="1600" kern="100">
+                        <a:rPr lang="zh-CN" sz="1600" kern="100" dirty="0">
+                          <a:solidFill>
+                            <a:schemeClr val="bg1"/>
+                          </a:solidFill>
                           <a:effectLst/>
                           <a:uFill>
                             <a:solidFill>
@@ -3604,9 +3612,9 @@
                         </a:rPr>
                         <a:t>徐余浩</a:t>
                       </a:r>
-                      <a:endParaRPr lang="zh-CN" sz="1600">
+                      <a:endParaRPr lang="zh-CN" sz="1600" dirty="0">
                         <a:solidFill>
-                          <a:srgbClr val="000000"/>
+                          <a:schemeClr val="bg1"/>
                         </a:solidFill>
                         <a:effectLst/>
                         <a:uFill>
@@ -3636,6 +3644,9 @@
                       </a:pPr>
                       <a:r>
                         <a:rPr lang="zh-TW" sz="1600" kern="100" dirty="0">
+                          <a:solidFill>
+                            <a:schemeClr val="bg1"/>
+                          </a:solidFill>
                           <a:effectLst/>
                           <a:uFill>
                             <a:solidFill>
@@ -3647,6 +3658,9 @@
                       </a:r>
                       <a:r>
                         <a:rPr lang="zh-TW" sz="1600" kern="100" dirty="0" smtClean="0">
+                          <a:solidFill>
+                            <a:schemeClr val="bg1"/>
+                          </a:solidFill>
                           <a:effectLst/>
                           <a:uFill>
                             <a:solidFill>
@@ -3658,7 +3672,7 @@
                       </a:r>
                       <a:endParaRPr lang="zh-CN" sz="1600" kern="100" dirty="0">
                         <a:solidFill>
-                          <a:srgbClr val="000000"/>
+                          <a:schemeClr val="bg1"/>
                         </a:solidFill>
                         <a:effectLst/>
                         <a:uFill>
@@ -3689,7 +3703,7 @@
                       <a:r>
                         <a:rPr lang="zh-CN" altLang="en-US" sz="1600" kern="100" dirty="0" smtClean="0">
                           <a:solidFill>
-                            <a:srgbClr val="000000"/>
+                            <a:schemeClr val="bg1"/>
                           </a:solidFill>
                           <a:effectLst/>
                           <a:uFill>
@@ -3700,7 +3714,7 @@
                           <a:latin typeface="Times New Roman"/>
                           <a:ea typeface="Times New Roman"/>
                         </a:rPr>
-                        <a:t>背包，鱼类百科，装备。</a:t>
+                        <a:t>设计背包，鱼类百科，装备。</a:t>
                       </a:r>
                       <a:r>
                         <a:rPr lang="zh-TW" altLang="zh-CN" sz="1600" b="0" i="0" u="none" strike="noStrike" cap="none" spc="0" baseline="0" dirty="0" smtClean="0">
@@ -3708,7 +3722,7 @@
                             <a:noFill/>
                           </a:ln>
                           <a:solidFill>
-                            <a:schemeClr val="tx1"/>
+                            <a:schemeClr val="bg1"/>
                           </a:solidFill>
                           <a:effectLst/>
                           <a:uFillTx/>
@@ -3721,7 +3735,7 @@
                       </a:r>
                       <a:endParaRPr lang="zh-CN" sz="1600" kern="100" dirty="0">
                         <a:solidFill>
-                          <a:srgbClr val="000000"/>
+                          <a:schemeClr val="bg1"/>
                         </a:solidFill>
                         <a:effectLst/>
                         <a:uFill>
@@ -3752,7 +3766,10 @@
                         </a:spcAft>
                       </a:pPr>
                       <a:r>
-                        <a:rPr lang="zh-CN" sz="1600" kern="100">
+                        <a:rPr lang="zh-CN" sz="1600" kern="100" dirty="0">
+                          <a:solidFill>
+                            <a:schemeClr val="bg1"/>
+                          </a:solidFill>
                           <a:effectLst/>
                           <a:uFill>
                             <a:solidFill>
@@ -3762,9 +3779,9 @@
                         </a:rPr>
                         <a:t>郑鸿棣</a:t>
                       </a:r>
-                      <a:endParaRPr lang="zh-CN" sz="1600">
+                      <a:endParaRPr lang="zh-CN" sz="1600" dirty="0">
                         <a:solidFill>
-                          <a:srgbClr val="000000"/>
+                          <a:schemeClr val="bg1"/>
                         </a:solidFill>
                         <a:effectLst/>
                         <a:uFill>
@@ -3803,6 +3820,9 @@
                       </a:pPr>
                       <a:r>
                         <a:rPr lang="zh-TW" sz="1600" kern="100" dirty="0">
+                          <a:solidFill>
+                            <a:schemeClr val="bg1"/>
+                          </a:solidFill>
                           <a:effectLst/>
                           <a:uFill>
                             <a:solidFill>
@@ -3814,6 +3834,9 @@
                       </a:r>
                       <a:r>
                         <a:rPr lang="zh-TW" sz="1600" kern="100" dirty="0" smtClean="0">
+                          <a:solidFill>
+                            <a:schemeClr val="bg1"/>
+                          </a:solidFill>
                           <a:effectLst/>
                           <a:uFill>
                             <a:solidFill>
@@ -3825,6 +3848,9 @@
                       </a:r>
                       <a:r>
                         <a:rPr lang="zh-CN" altLang="en-US" sz="1600" kern="100" dirty="0" smtClean="0">
+                          <a:solidFill>
+                            <a:schemeClr val="bg1"/>
+                          </a:solidFill>
                           <a:effectLst/>
                           <a:uFill>
                             <a:solidFill>
@@ -3836,6 +3862,9 @@
                       </a:r>
                       <a:r>
                         <a:rPr lang="zh-TW" altLang="zh-CN" sz="1600" kern="100" dirty="0" smtClean="0">
+                          <a:solidFill>
+                            <a:schemeClr val="bg1"/>
+                          </a:solidFill>
                           <a:effectLst/>
                           <a:uFill>
                             <a:solidFill>
@@ -3847,7 +3876,7 @@
                       </a:r>
                       <a:endParaRPr lang="zh-CN" altLang="zh-CN" sz="1600" kern="100" dirty="0" smtClean="0">
                         <a:solidFill>
-                          <a:srgbClr val="000000"/>
+                          <a:schemeClr val="bg1"/>
                         </a:solidFill>
                         <a:effectLst/>
                         <a:uFill>
@@ -3870,7 +3899,7 @@
                       </a:pPr>
                       <a:endParaRPr lang="zh-CN" sz="1600" kern="100" dirty="0">
                         <a:solidFill>
-                          <a:srgbClr val="000000"/>
+                          <a:schemeClr val="bg1"/>
                         </a:solidFill>
                         <a:effectLst/>
                         <a:uFill>
@@ -3901,7 +3930,7 @@
                       <a:r>
                         <a:rPr lang="zh-CN" altLang="en-US" sz="1600" kern="100" dirty="0" smtClean="0">
                           <a:solidFill>
-                            <a:srgbClr val="000000"/>
+                            <a:schemeClr val="bg1"/>
                           </a:solidFill>
                           <a:effectLst/>
                           <a:uFill>
@@ -3912,7 +3941,7 @@
                           <a:latin typeface="Times New Roman"/>
                           <a:ea typeface="Times New Roman"/>
                         </a:rPr>
-                        <a:t>出现杆，甩杆，长按，钓鱼功能。</a:t>
+                        <a:t>设计出现杆，甩杆，长按，钓鱼功能。</a:t>
                       </a:r>
                       <a:r>
                         <a:rPr lang="zh-TW" altLang="zh-CN" sz="1600" b="0" i="0" u="none" strike="noStrike" cap="none" spc="0" baseline="0" dirty="0" smtClean="0">
@@ -3920,7 +3949,7 @@
                             <a:noFill/>
                           </a:ln>
                           <a:solidFill>
-                            <a:schemeClr val="tx1"/>
+                            <a:schemeClr val="bg1"/>
                           </a:solidFill>
                           <a:effectLst/>
                           <a:uFillTx/>
@@ -3933,7 +3962,7 @@
                       </a:r>
                       <a:endParaRPr lang="zh-CN" sz="1600" kern="100" dirty="0">
                         <a:solidFill>
-                          <a:srgbClr val="000000"/>
+                          <a:schemeClr val="bg1"/>
                         </a:solidFill>
                         <a:effectLst/>
                         <a:uFill>
@@ -3965,6 +3994,9 @@
                       </a:pPr>
                       <a:r>
                         <a:rPr lang="zh-CN" sz="1600" kern="100">
+                          <a:solidFill>
+                            <a:schemeClr val="bg1"/>
+                          </a:solidFill>
                           <a:effectLst/>
                           <a:uFill>
                             <a:solidFill>
@@ -3976,7 +4008,7 @@
                       </a:r>
                       <a:endParaRPr lang="zh-CN" sz="1600">
                         <a:solidFill>
-                          <a:srgbClr val="000000"/>
+                          <a:schemeClr val="bg1"/>
                         </a:solidFill>
                         <a:effectLst/>
                         <a:uFill>
@@ -4006,6 +4038,9 @@
                       </a:pPr>
                       <a:r>
                         <a:rPr lang="zh-TW" sz="1600" kern="100" dirty="0" smtClean="0">
+                          <a:solidFill>
+                            <a:schemeClr val="bg1"/>
+                          </a:solidFill>
                           <a:effectLst/>
                           <a:uFill>
                             <a:solidFill>
@@ -4017,6 +4052,9 @@
                       </a:r>
                       <a:r>
                         <a:rPr lang="zh-TW" sz="1600" kern="100" dirty="0">
+                          <a:solidFill>
+                            <a:schemeClr val="bg1"/>
+                          </a:solidFill>
                           <a:effectLst/>
                           <a:uFill>
                             <a:solidFill>
@@ -4028,7 +4066,7 @@
                       </a:r>
                       <a:endParaRPr lang="zh-CN" sz="1600" kern="100" dirty="0">
                         <a:solidFill>
-                          <a:srgbClr val="000000"/>
+                          <a:schemeClr val="bg1"/>
                         </a:solidFill>
                         <a:effectLst/>
                         <a:uFill>
@@ -4059,7 +4097,7 @@
                       <a:r>
                         <a:rPr lang="zh-CN" altLang="en-US" sz="1600" kern="100" dirty="0" smtClean="0">
                           <a:solidFill>
-                            <a:srgbClr val="000000"/>
+                            <a:schemeClr val="bg1"/>
                           </a:solidFill>
                           <a:effectLst/>
                           <a:uFill>
@@ -4070,7 +4108,7 @@
                           <a:latin typeface="Times New Roman"/>
                           <a:ea typeface="Times New Roman"/>
                         </a:rPr>
-                        <a:t>场景转换，界面设计。</a:t>
+                        <a:t>设计场景转换，界面设计。</a:t>
                       </a:r>
                       <a:r>
                         <a:rPr lang="zh-TW" altLang="zh-CN" sz="1600" b="0" i="0" u="none" strike="noStrike" cap="none" spc="0" baseline="0" dirty="0" smtClean="0">
@@ -4078,7 +4116,7 @@
                             <a:noFill/>
                           </a:ln>
                           <a:solidFill>
-                            <a:schemeClr val="tx1"/>
+                            <a:schemeClr val="bg1"/>
                           </a:solidFill>
                           <a:effectLst/>
                           <a:uFillTx/>
@@ -4091,7 +4129,7 @@
                       </a:r>
                       <a:endParaRPr lang="zh-CN" sz="1600" kern="100" dirty="0">
                         <a:solidFill>
-                          <a:srgbClr val="000000"/>
+                          <a:schemeClr val="bg1"/>
                         </a:solidFill>
                         <a:effectLst/>
                         <a:uFill>
@@ -11275,854 +11313,865 @@
       </p:grpSpPr>
       <p:graphicFrame>
         <p:nvGraphicFramePr>
-          <p:cNvPr id="164" name="内容占位符 5"/>
-          <p:cNvGraphicFramePr/>
-          <p:nvPr/>
+          <p:cNvPr id="2" name="表格 1"/>
+          <p:cNvGraphicFramePr>
+            <a:graphicFrameLocks noGrp="1"/>
+          </p:cNvGraphicFramePr>
+          <p:nvPr>
+            <p:extLst>
+              <p:ext uri="{D42A27DB-BD31-4B8C-83A1-F6EECF244321}">
+                <p14:modId xmlns:p14="http://schemas.microsoft.com/office/powerpoint/2010/main" val="4050619878"/>
+              </p:ext>
+            </p:extLst>
+          </p:nvPr>
         </p:nvGraphicFramePr>
         <p:xfrm>
-          <a:off x="755576" y="404662"/>
-          <a:ext cx="7704857" cy="5904661"/>
+          <a:off x="395536" y="476672"/>
+          <a:ext cx="8064896" cy="2689454"/>
         </p:xfrm>
         <a:graphic>
           <a:graphicData uri="http://schemas.openxmlformats.org/drawingml/2006/table">
             <a:tbl>
-              <a:tblPr firstRow="1" bandRow="1">
-                <a:tableStyleId>{4C3C2611-4C71-4FC5-86AE-919BDF0F9419}</a:tableStyleId>
+              <a:tblPr firstRow="1" firstCol="1" bandRow="1">
+                <a:tableStyleId>{5940675A-B579-460E-94D1-54222C63F5DA}</a:tableStyleId>
               </a:tblPr>
               <a:tblGrid>
-                <a:gridCol w="2567683"/>
-                <a:gridCol w="2568587"/>
-                <a:gridCol w="2568587"/>
+                <a:gridCol w="8064896"/>
               </a:tblGrid>
-              <a:tr h="347333">
-                <a:tc gridSpan="3">
-                  <a:txBody>
-                    <a:bodyPr/>
-                    <a:lstStyle/>
-                    <a:p>
-                      <a:pPr algn="just">
-                        <a:defRPr>
-                          <a:uFill>
-                            <a:solidFill>
-                              <a:srgbClr val="000000"/>
-                            </a:solidFill>
-                          </a:uFill>
-                        </a:defRPr>
-                      </a:pPr>
-                      <a:r>
-                        <a:t>测试模块：注册</a:t>
-                      </a:r>
-                    </a:p>
-                  </a:txBody>
-                  <a:tcPr marL="0" marR="0" marT="0" marB="0" horzOverflow="overflow"/>
-                </a:tc>
-                <a:tc hMerge="1">
-                  <a:txBody>
-                    <a:bodyPr/>
-                    <a:lstStyle/>
-                    <a:p>
-                      <a:endParaRPr lang="zh-CN"/>
-                    </a:p>
-                  </a:txBody>
-                  <a:tcPr/>
-                </a:tc>
-                <a:tc hMerge="1">
-                  <a:txBody>
-                    <a:bodyPr/>
-                    <a:lstStyle/>
-                    <a:p>
-                      <a:endParaRPr lang="zh-CN"/>
-                    </a:p>
-                  </a:txBody>
-                  <a:tcPr/>
-                </a:tc>
-              </a:tr>
-              <a:tr h="347333">
-                <a:tc gridSpan="3">
-                  <a:txBody>
-                    <a:bodyPr/>
-                    <a:lstStyle/>
-                    <a:p>
-                      <a:pPr algn="just">
-                        <a:defRPr b="1">
-                          <a:solidFill>
-                            <a:srgbClr val="FFFFFF"/>
-                          </a:solidFill>
-                          <a:uFill>
-                            <a:solidFill>
-                              <a:srgbClr val="000000"/>
-                            </a:solidFill>
-                          </a:uFill>
-                        </a:defRPr>
-                      </a:pPr>
-                      <a:r>
-                        <a:t>标识符：1</a:t>
-                      </a:r>
-                    </a:p>
-                  </a:txBody>
-                  <a:tcPr marL="0" marR="0" marT="0" marB="0" horzOverflow="overflow">
-                    <a:solidFill>
-                      <a:schemeClr val="accent1"/>
-                    </a:solidFill>
-                  </a:tcPr>
-                </a:tc>
-                <a:tc hMerge="1">
-                  <a:txBody>
-                    <a:bodyPr/>
-                    <a:lstStyle/>
-                    <a:p>
-                      <a:endParaRPr lang="zh-CN"/>
-                    </a:p>
-                  </a:txBody>
-                  <a:tcPr/>
-                </a:tc>
-                <a:tc hMerge="1">
-                  <a:txBody>
-                    <a:bodyPr/>
-                    <a:lstStyle/>
-                    <a:p>
-                      <a:endParaRPr lang="zh-CN"/>
-                    </a:p>
-                  </a:txBody>
-                  <a:tcPr/>
-                </a:tc>
-              </a:tr>
-              <a:tr h="694666">
-                <a:tc gridSpan="3">
-                  <a:txBody>
-                    <a:bodyPr/>
-                    <a:lstStyle/>
-                    <a:p>
-                      <a:pPr algn="just">
-                        <a:defRPr b="1">
-                          <a:solidFill>
-                            <a:srgbClr val="FFFFFF"/>
-                          </a:solidFill>
-                          <a:uFill>
-                            <a:solidFill>
-                              <a:srgbClr val="000000"/>
-                            </a:solidFill>
-                          </a:uFill>
-                        </a:defRPr>
-                      </a:pPr>
-                      <a:r>
-                        <a:t>测试项：用户在注册账号时分别输入：不存在且符合格式的用户名、存在的用户名、不存在但不符合格式的用户名、符合格式的密码、不符合格式的密码、两次输入不一致的密码</a:t>
-                      </a:r>
-                    </a:p>
-                  </a:txBody>
-                  <a:tcPr marL="0" marR="0" marT="0" marB="0" horzOverflow="overflow">
-                    <a:solidFill>
-                      <a:schemeClr val="accent1"/>
-                    </a:solidFill>
-                  </a:tcPr>
-                </a:tc>
-                <a:tc hMerge="1">
-                  <a:txBody>
-                    <a:bodyPr/>
-                    <a:lstStyle/>
-                    <a:p>
-                      <a:endParaRPr lang="zh-CN"/>
-                    </a:p>
-                  </a:txBody>
-                  <a:tcPr/>
-                </a:tc>
-                <a:tc hMerge="1">
-                  <a:txBody>
-                    <a:bodyPr/>
-                    <a:lstStyle/>
-                    <a:p>
-                      <a:endParaRPr lang="zh-CN"/>
-                    </a:p>
-                  </a:txBody>
-                  <a:tcPr/>
-                </a:tc>
-              </a:tr>
-              <a:tr h="347333">
-                <a:tc gridSpan="3">
-                  <a:txBody>
-                    <a:bodyPr/>
-                    <a:lstStyle/>
-                    <a:p>
-                      <a:pPr algn="just">
-                        <a:defRPr b="1">
-                          <a:solidFill>
-                            <a:srgbClr val="FFFFFF"/>
-                          </a:solidFill>
-                          <a:uFill>
-                            <a:solidFill>
-                              <a:srgbClr val="000000"/>
-                            </a:solidFill>
-                          </a:uFill>
-                        </a:defRPr>
-                      </a:pPr>
-                      <a:r>
-                        <a:t>测试环境：Windows10</a:t>
-                      </a:r>
-                    </a:p>
-                  </a:txBody>
-                  <a:tcPr marL="0" marR="0" marT="0" marB="0" horzOverflow="overflow">
-                    <a:solidFill>
-                      <a:schemeClr val="accent1"/>
-                    </a:solidFill>
-                  </a:tcPr>
-                </a:tc>
-                <a:tc hMerge="1">
-                  <a:txBody>
-                    <a:bodyPr/>
-                    <a:lstStyle/>
-                    <a:p>
-                      <a:endParaRPr lang="zh-CN"/>
-                    </a:p>
-                  </a:txBody>
-                  <a:tcPr/>
-                </a:tc>
-                <a:tc hMerge="1">
-                  <a:txBody>
-                    <a:bodyPr/>
-                    <a:lstStyle/>
-                    <a:p>
-                      <a:endParaRPr lang="zh-CN"/>
-                    </a:p>
-                  </a:txBody>
-                  <a:tcPr/>
-                </a:tc>
-              </a:tr>
-              <a:tr h="347333">
-                <a:tc gridSpan="3">
-                  <a:txBody>
-                    <a:bodyPr/>
-                    <a:lstStyle/>
-                    <a:p>
-                      <a:pPr algn="just">
-                        <a:defRPr b="1">
-                          <a:solidFill>
-                            <a:srgbClr val="FFFFFF"/>
-                          </a:solidFill>
-                          <a:uFill>
-                            <a:solidFill>
-                              <a:srgbClr val="000000"/>
-                            </a:solidFill>
-                          </a:uFill>
-                        </a:defRPr>
-                      </a:pPr>
-                      <a:r>
-                        <a:t>前置条件：APP相关数据库等其他运行环境正常</a:t>
-                      </a:r>
-                    </a:p>
-                  </a:txBody>
-                  <a:tcPr marL="0" marR="0" marT="0" marB="0" horzOverflow="overflow">
-                    <a:solidFill>
-                      <a:schemeClr val="accent1"/>
-                    </a:solidFill>
-                  </a:tcPr>
-                </a:tc>
-                <a:tc hMerge="1">
-                  <a:txBody>
-                    <a:bodyPr/>
-                    <a:lstStyle/>
-                    <a:p>
-                      <a:endParaRPr lang="zh-CN"/>
-                    </a:p>
-                  </a:txBody>
-                  <a:tcPr/>
-                </a:tc>
-                <a:tc hMerge="1">
-                  <a:txBody>
-                    <a:bodyPr/>
-                    <a:lstStyle/>
-                    <a:p>
-                      <a:endParaRPr lang="zh-CN"/>
-                    </a:p>
-                  </a:txBody>
-                  <a:tcPr/>
-                </a:tc>
-              </a:tr>
-              <a:tr h="1041998">
-                <a:tc gridSpan="3">
-                  <a:txBody>
-                    <a:bodyPr/>
-                    <a:lstStyle/>
-                    <a:p>
-                      <a:pPr algn="just">
-                        <a:defRPr b="1">
-                          <a:solidFill>
-                            <a:srgbClr val="FFFFFF"/>
-                          </a:solidFill>
-                          <a:uFill>
-                            <a:solidFill>
-                              <a:srgbClr val="000000"/>
-                            </a:solidFill>
-                          </a:uFill>
-                        </a:defRPr>
-                      </a:pPr>
-                      <a:r>
-                        <a:t>操作步骤：</a:t>
-                      </a:r>
-                    </a:p>
-                    <a:p>
-                      <a:pPr algn="just">
-                        <a:defRPr b="1">
-                          <a:solidFill>
-                            <a:srgbClr val="FFFFFF"/>
-                          </a:solidFill>
-                          <a:uFill>
-                            <a:solidFill>
-                              <a:srgbClr val="000000"/>
-                            </a:solidFill>
-                          </a:uFill>
-                        </a:defRPr>
-                      </a:pPr>
-                      <a:r>
-                        <a:t>1.点击用户注册界面开始进行注册</a:t>
-                      </a:r>
-                    </a:p>
-                    <a:p>
-                      <a:pPr algn="just">
-                        <a:defRPr b="1">
-                          <a:solidFill>
-                            <a:srgbClr val="FFFFFF"/>
-                          </a:solidFill>
-                          <a:uFill>
-                            <a:solidFill>
-                              <a:srgbClr val="000000"/>
-                            </a:solidFill>
-                          </a:uFill>
-                        </a:defRPr>
-                      </a:pPr>
-                      <a:r>
-                        <a:t>2.输入相关信息完成注册</a:t>
-                      </a:r>
-                    </a:p>
-                  </a:txBody>
-                  <a:tcPr marL="0" marR="0" marT="0" marB="0" horzOverflow="overflow">
-                    <a:solidFill>
-                      <a:schemeClr val="accent1"/>
-                    </a:solidFill>
-                  </a:tcPr>
-                </a:tc>
-                <a:tc hMerge="1">
-                  <a:txBody>
-                    <a:bodyPr/>
-                    <a:lstStyle/>
-                    <a:p>
-                      <a:endParaRPr lang="zh-CN"/>
-                    </a:p>
-                  </a:txBody>
-                  <a:tcPr/>
-                </a:tc>
-                <a:tc hMerge="1">
-                  <a:txBody>
-                    <a:bodyPr/>
-                    <a:lstStyle/>
-                    <a:p>
-                      <a:endParaRPr lang="zh-CN"/>
-                    </a:p>
-                  </a:txBody>
-                  <a:tcPr/>
-                </a:tc>
-              </a:tr>
-              <a:tr h="347333">
+              <a:tr h="350029">
                 <a:tc>
                   <a:txBody>
                     <a:bodyPr/>
                     <a:lstStyle/>
                     <a:p>
                       <a:pPr algn="just">
-                        <a:defRPr b="1">
+                        <a:spcAft>
+                          <a:spcPts val="0"/>
+                        </a:spcAft>
+                      </a:pPr>
+                      <a:r>
+                        <a:rPr lang="zh-TW" sz="1600" kern="100" dirty="0">
                           <a:solidFill>
-                            <a:srgbClr val="FFFFFF"/>
+                            <a:schemeClr val="bg1"/>
                           </a:solidFill>
+                          <a:effectLst/>
                           <a:uFill>
                             <a:solidFill>
                               <a:srgbClr val="000000"/>
                             </a:solidFill>
                           </a:uFill>
-                        </a:defRPr>
-                      </a:pPr>
-                      <a:r>
-                        <a:t>输入数据</a:t>
+                        </a:rPr>
+                        <a:t>测试模块：鱼类百科</a:t>
                       </a:r>
+                      <a:endParaRPr lang="zh-CN" sz="1600" kern="100" dirty="0">
+                        <a:solidFill>
+                          <a:schemeClr val="bg1"/>
+                        </a:solidFill>
+                        <a:effectLst/>
+                        <a:uFill>
+                          <a:solidFill>
+                            <a:srgbClr val="000000"/>
+                          </a:solidFill>
+                        </a:uFill>
+                        <a:latin typeface="Calibri"/>
+                        <a:ea typeface="Calibri"/>
+                      </a:endParaRPr>
                     </a:p>
                   </a:txBody>
-                  <a:tcPr marL="0" marR="0" marT="0" marB="0" horzOverflow="overflow">
-                    <a:solidFill>
-                      <a:schemeClr val="accent1"/>
-                    </a:solidFill>
-                  </a:tcPr>
+                  <a:tcPr marL="50800" marR="50800" marT="50800" marB="50800"/>
                 </a:tc>
+              </a:tr>
+              <a:tr h="350029">
                 <a:tc>
                   <a:txBody>
                     <a:bodyPr/>
                     <a:lstStyle/>
                     <a:p>
                       <a:pPr algn="just">
-                        <a:defRPr>
+                        <a:spcAft>
+                          <a:spcPts val="0"/>
+                        </a:spcAft>
+                      </a:pPr>
+                      <a:r>
+                        <a:rPr lang="zh-TW" sz="1600" kern="100">
+                          <a:solidFill>
+                            <a:schemeClr val="bg1"/>
+                          </a:solidFill>
+                          <a:effectLst/>
                           <a:uFill>
                             <a:solidFill>
                               <a:srgbClr val="000000"/>
                             </a:solidFill>
                           </a:uFill>
-                        </a:defRPr>
-                      </a:pPr>
+                        </a:rPr>
+                        <a:t>标识符：</a:t>
+                      </a:r>
                       <a:r>
-                        <a:t>期望输出</a:t>
+                        <a:rPr lang="en-US" sz="1600" kern="100">
+                          <a:solidFill>
+                            <a:schemeClr val="bg1"/>
+                          </a:solidFill>
+                          <a:effectLst/>
+                          <a:uFill>
+                            <a:solidFill>
+                              <a:srgbClr val="000000"/>
+                            </a:solidFill>
+                          </a:uFill>
+                        </a:rPr>
+                        <a:t>1</a:t>
                       </a:r>
+                      <a:endParaRPr lang="zh-CN" sz="1600" kern="100">
+                        <a:solidFill>
+                          <a:schemeClr val="bg1"/>
+                        </a:solidFill>
+                        <a:effectLst/>
+                        <a:uFill>
+                          <a:solidFill>
+                            <a:srgbClr val="000000"/>
+                          </a:solidFill>
+                        </a:uFill>
+                        <a:latin typeface="Calibri"/>
+                        <a:ea typeface="Calibri"/>
+                      </a:endParaRPr>
                     </a:p>
                   </a:txBody>
-                  <a:tcPr marL="0" marR="0" marT="0" marB="0" horzOverflow="overflow"/>
+                  <a:tcPr marL="50800" marR="50800" marT="50800" marB="50800"/>
                 </a:tc>
+              </a:tr>
+              <a:tr h="350029">
                 <a:tc>
                   <a:txBody>
                     <a:bodyPr/>
                     <a:lstStyle/>
                     <a:p>
                       <a:pPr algn="just">
-                        <a:defRPr>
+                        <a:spcAft>
+                          <a:spcPts val="0"/>
+                        </a:spcAft>
+                      </a:pPr>
+                      <a:r>
+                        <a:rPr lang="zh-TW" sz="1600" kern="100">
+                          <a:solidFill>
+                            <a:schemeClr val="bg1"/>
+                          </a:solidFill>
+                          <a:effectLst/>
                           <a:uFill>
                             <a:solidFill>
                               <a:srgbClr val="000000"/>
                             </a:solidFill>
                           </a:uFill>
-                        </a:defRPr>
-                      </a:pPr>
-                      <a:r>
-                        <a:t>实际结果</a:t>
+                        </a:rPr>
+                        <a:t>测试项：用户在点击鱼类百科中的按钮，跳出该鱼类的栖息地等等信息。</a:t>
                       </a:r>
+                      <a:endParaRPr lang="zh-CN" sz="1600" kern="100">
+                        <a:solidFill>
+                          <a:schemeClr val="bg1"/>
+                        </a:solidFill>
+                        <a:effectLst/>
+                        <a:uFill>
+                          <a:solidFill>
+                            <a:srgbClr val="000000"/>
+                          </a:solidFill>
+                        </a:uFill>
+                        <a:latin typeface="Calibri"/>
+                        <a:ea typeface="Calibri"/>
+                      </a:endParaRPr>
                     </a:p>
                   </a:txBody>
-                  <a:tcPr marL="0" marR="0" marT="0" marB="0" horzOverflow="overflow"/>
+                  <a:tcPr marL="50800" marR="50800" marT="50800" marB="50800"/>
                 </a:tc>
               </a:tr>
-              <a:tr h="347333">
+              <a:tr h="350029">
                 <a:tc>
                   <a:txBody>
                     <a:bodyPr/>
                     <a:lstStyle/>
                     <a:p>
                       <a:pPr algn="just">
-                        <a:defRPr b="1">
+                        <a:spcAft>
+                          <a:spcPts val="0"/>
+                        </a:spcAft>
+                      </a:pPr>
+                      <a:r>
+                        <a:rPr lang="zh-TW" sz="1600" kern="100">
                           <a:solidFill>
-                            <a:srgbClr val="FFFFFF"/>
+                            <a:schemeClr val="bg1"/>
                           </a:solidFill>
+                          <a:effectLst/>
                           <a:uFill>
                             <a:solidFill>
                               <a:srgbClr val="000000"/>
                             </a:solidFill>
                           </a:uFill>
-                        </a:defRPr>
-                      </a:pPr>
+                        </a:rPr>
+                        <a:t>测试环境</a:t>
+                      </a:r>
                       <a:r>
-                        <a:t>不存在且符合各式的用户名</a:t>
+                        <a:rPr lang="zh-CN" sz="1600" kern="100">
+                          <a:solidFill>
+                            <a:schemeClr val="bg1"/>
+                          </a:solidFill>
+                          <a:effectLst/>
+                          <a:uFill>
+                            <a:solidFill>
+                              <a:srgbClr val="000000"/>
+                            </a:solidFill>
+                          </a:uFill>
+                        </a:rPr>
+                        <a:t>：网易MUMU 安卓手机</a:t>
                       </a:r>
+                      <a:endParaRPr lang="zh-CN" sz="1600" kern="100">
+                        <a:solidFill>
+                          <a:schemeClr val="bg1"/>
+                        </a:solidFill>
+                        <a:effectLst/>
+                        <a:uFill>
+                          <a:solidFill>
+                            <a:srgbClr val="000000"/>
+                          </a:solidFill>
+                        </a:uFill>
+                        <a:latin typeface="Calibri"/>
+                        <a:ea typeface="Calibri"/>
+                      </a:endParaRPr>
                     </a:p>
                   </a:txBody>
-                  <a:tcPr marL="0" marR="0" marT="0" marB="0" horzOverflow="overflow">
-                    <a:solidFill>
-                      <a:schemeClr val="accent1"/>
-                    </a:solidFill>
-                  </a:tcPr>
+                  <a:tcPr marL="50800" marR="50800" marT="50800" marB="50800"/>
                 </a:tc>
+              </a:tr>
+              <a:tr h="350029">
                 <a:tc>
                   <a:txBody>
                     <a:bodyPr/>
                     <a:lstStyle/>
                     <a:p>
                       <a:pPr algn="just">
-                        <a:defRPr>
+                        <a:spcAft>
+                          <a:spcPts val="0"/>
+                        </a:spcAft>
+                      </a:pPr>
+                      <a:r>
+                        <a:rPr lang="zh-TW" sz="1600" kern="100" dirty="0">
+                          <a:solidFill>
+                            <a:schemeClr val="bg1"/>
+                          </a:solidFill>
+                          <a:effectLst/>
                           <a:uFill>
                             <a:solidFill>
                               <a:srgbClr val="000000"/>
                             </a:solidFill>
                           </a:uFill>
-                        </a:defRPr>
-                      </a:pPr>
+                        </a:rPr>
+                        <a:t>前置条件：</a:t>
+                      </a:r>
                       <a:r>
-                        <a:t>提示：该账号可用</a:t>
+                        <a:rPr lang="en-US" sz="1600" kern="100" dirty="0">
+                          <a:solidFill>
+                            <a:schemeClr val="bg1"/>
+                          </a:solidFill>
+                          <a:effectLst/>
+                          <a:uFill>
+                            <a:solidFill>
+                              <a:srgbClr val="000000"/>
+                            </a:solidFill>
+                          </a:uFill>
+                        </a:rPr>
+                        <a:t>APP</a:t>
                       </a:r>
+                      <a:r>
+                        <a:rPr lang="zh-TW" sz="1600" kern="100" dirty="0">
+                          <a:solidFill>
+                            <a:schemeClr val="bg1"/>
+                          </a:solidFill>
+                          <a:effectLst/>
+                          <a:uFill>
+                            <a:solidFill>
+                              <a:srgbClr val="000000"/>
+                            </a:solidFill>
+                          </a:uFill>
+                        </a:rPr>
+                        <a:t>相关数据库等其他</a:t>
+                      </a:r>
+                      <a:r>
+                        <a:rPr lang="zh-TW" sz="1600" kern="100" dirty="0" smtClean="0">
+                          <a:solidFill>
+                            <a:schemeClr val="bg1"/>
+                          </a:solidFill>
+                          <a:effectLst/>
+                          <a:uFill>
+                            <a:solidFill>
+                              <a:srgbClr val="000000"/>
+                            </a:solidFill>
+                          </a:uFill>
+                        </a:rPr>
+                        <a:t>运行</a:t>
+                      </a:r>
+                      <a:r>
+                        <a:rPr lang="zh-TW" sz="1600" kern="100" dirty="0">
+                          <a:solidFill>
+                            <a:schemeClr val="bg1"/>
+                          </a:solidFill>
+                          <a:effectLst/>
+                          <a:uFill>
+                            <a:solidFill>
+                              <a:srgbClr val="000000"/>
+                            </a:solidFill>
+                          </a:uFill>
+                        </a:rPr>
+                        <a:t>环境正常</a:t>
+                      </a:r>
+                      <a:endParaRPr lang="zh-CN" sz="1600" kern="100" dirty="0">
+                        <a:solidFill>
+                          <a:schemeClr val="bg1"/>
+                        </a:solidFill>
+                        <a:effectLst/>
+                        <a:uFill>
+                          <a:solidFill>
+                            <a:srgbClr val="000000"/>
+                          </a:solidFill>
+                        </a:uFill>
+                        <a:latin typeface="Calibri"/>
+                        <a:ea typeface="Calibri"/>
+                      </a:endParaRPr>
                     </a:p>
                   </a:txBody>
-                  <a:tcPr marL="0" marR="0" marT="0" marB="0" horzOverflow="overflow"/>
+                  <a:tcPr marL="50800" marR="50800" marT="50800" marB="50800"/>
                 </a:tc>
+              </a:tr>
+              <a:tr h="564124">
                 <a:tc>
                   <a:txBody>
                     <a:bodyPr/>
                     <a:lstStyle/>
                     <a:p>
                       <a:pPr algn="just">
-                        <a:defRPr>
+                        <a:spcAft>
+                          <a:spcPts val="0"/>
+                        </a:spcAft>
+                      </a:pPr>
+                      <a:r>
+                        <a:rPr lang="zh-TW" sz="1600" kern="100" dirty="0">
+                          <a:solidFill>
+                            <a:schemeClr val="bg1"/>
+                          </a:solidFill>
+                          <a:effectLst/>
                           <a:uFill>
                             <a:solidFill>
                               <a:srgbClr val="000000"/>
                             </a:solidFill>
                           </a:uFill>
-                        </a:defRPr>
+                        </a:rPr>
+                        <a:t>操作步骤：</a:t>
+                      </a:r>
+                      <a:endParaRPr lang="zh-CN" sz="1600" kern="100" dirty="0">
+                        <a:solidFill>
+                          <a:schemeClr val="bg1"/>
+                        </a:solidFill>
+                        <a:effectLst/>
+                        <a:uFill>
+                          <a:solidFill>
+                            <a:srgbClr val="000000"/>
+                          </a:solidFill>
+                        </a:uFill>
+                      </a:endParaRPr>
+                    </a:p>
+                    <a:p>
+                      <a:pPr algn="just">
+                        <a:spcAft>
+                          <a:spcPts val="0"/>
+                        </a:spcAft>
                       </a:pPr>
                       <a:r>
-                        <a:t>提示：该账号可用</a:t>
+                        <a:rPr lang="en-US" sz="1600" kern="100" dirty="0">
+                          <a:solidFill>
+                            <a:schemeClr val="bg1"/>
+                          </a:solidFill>
+                          <a:effectLst/>
+                          <a:uFill>
+                            <a:solidFill>
+                              <a:srgbClr val="000000"/>
+                            </a:solidFill>
+                          </a:uFill>
+                        </a:rPr>
+                        <a:t>1.</a:t>
                       </a:r>
+                      <a:r>
+                        <a:rPr lang="zh-TW" sz="1600" kern="100" dirty="0">
+                          <a:solidFill>
+                            <a:schemeClr val="bg1"/>
+                          </a:solidFill>
+                          <a:effectLst/>
+                          <a:uFill>
+                            <a:solidFill>
+                              <a:srgbClr val="000000"/>
+                            </a:solidFill>
+                          </a:uFill>
+                        </a:rPr>
+                        <a:t>点击鱼类百科中不同鱼的按钮</a:t>
+                      </a:r>
+                      <a:endParaRPr lang="zh-CN" sz="1600" kern="100" dirty="0">
+                        <a:solidFill>
+                          <a:schemeClr val="bg1"/>
+                        </a:solidFill>
+                        <a:effectLst/>
+                        <a:uFill>
+                          <a:solidFill>
+                            <a:srgbClr val="000000"/>
+                          </a:solidFill>
+                        </a:uFill>
+                        <a:latin typeface="Calibri"/>
+                        <a:ea typeface="Calibri"/>
+                      </a:endParaRPr>
                     </a:p>
                   </a:txBody>
-                  <a:tcPr marL="0" marR="0" marT="0" marB="0" horzOverflow="overflow"/>
+                  <a:tcPr marL="50800" marR="50800" marT="50800" marB="50800"/>
                 </a:tc>
               </a:tr>
-              <a:tr h="347333">
+              <a:tr h="350029">
                 <a:tc>
                   <a:txBody>
                     <a:bodyPr/>
                     <a:lstStyle/>
                     <a:p>
                       <a:pPr algn="just">
-                        <a:defRPr b="1">
+                        <a:spcAft>
+                          <a:spcPts val="0"/>
+                        </a:spcAft>
+                      </a:pPr>
+                      <a:r>
+                        <a:rPr lang="zh-TW" sz="1600" kern="100" dirty="0">
                           <a:solidFill>
-                            <a:srgbClr val="FFFFFF"/>
+                            <a:schemeClr val="bg1"/>
                           </a:solidFill>
+                          <a:effectLst/>
                           <a:uFill>
                             <a:solidFill>
                               <a:srgbClr val="000000"/>
                             </a:solidFill>
                           </a:uFill>
-                        </a:defRPr>
-                      </a:pPr>
-                      <a:r>
-                        <a:t>存在的用户名</a:t>
+                        </a:rPr>
+                        <a:t>测试结果：没有出现异常。</a:t>
                       </a:r>
+                      <a:endParaRPr lang="zh-CN" sz="1600" kern="100" dirty="0">
+                        <a:solidFill>
+                          <a:schemeClr val="bg1"/>
+                        </a:solidFill>
+                        <a:effectLst/>
+                        <a:uFill>
+                          <a:solidFill>
+                            <a:srgbClr val="000000"/>
+                          </a:solidFill>
+                        </a:uFill>
+                        <a:latin typeface="Calibri"/>
+                        <a:ea typeface="Calibri"/>
+                      </a:endParaRPr>
                     </a:p>
                   </a:txBody>
-                  <a:tcPr marL="0" marR="0" marT="0" marB="0" horzOverflow="overflow">
-                    <a:solidFill>
-                      <a:schemeClr val="accent1"/>
-                    </a:solidFill>
-                  </a:tcPr>
+                  <a:tcPr marL="50800" marR="50800" marT="50800" marB="50800"/>
                 </a:tc>
+              </a:tr>
+            </a:tbl>
+          </a:graphicData>
+        </a:graphic>
+      </p:graphicFrame>
+      <p:graphicFrame>
+        <p:nvGraphicFramePr>
+          <p:cNvPr id="3" name="表格 2"/>
+          <p:cNvGraphicFramePr>
+            <a:graphicFrameLocks noGrp="1"/>
+          </p:cNvGraphicFramePr>
+          <p:nvPr>
+            <p:extLst>
+              <p:ext uri="{D42A27DB-BD31-4B8C-83A1-F6EECF244321}">
+                <p14:modId xmlns:p14="http://schemas.microsoft.com/office/powerpoint/2010/main" val="3884634220"/>
+              </p:ext>
+            </p:extLst>
+          </p:nvPr>
+        </p:nvGraphicFramePr>
+        <p:xfrm>
+          <a:off x="395536" y="3284984"/>
+          <a:ext cx="8136904" cy="2952327"/>
+        </p:xfrm>
+        <a:graphic>
+          <a:graphicData uri="http://schemas.openxmlformats.org/drawingml/2006/table">
+            <a:tbl>
+              <a:tblPr firstRow="1" firstCol="1" bandRow="1">
+                <a:tableStyleId>{5940675A-B579-460E-94D1-54222C63F5DA}</a:tableStyleId>
+              </a:tblPr>
+              <a:tblGrid>
+                <a:gridCol w="8136904"/>
+              </a:tblGrid>
+              <a:tr h="446534">
                 <a:tc>
                   <a:txBody>
                     <a:bodyPr/>
                     <a:lstStyle/>
                     <a:p>
                       <a:pPr algn="just">
-                        <a:defRPr>
+                        <a:spcAft>
+                          <a:spcPts val="0"/>
+                        </a:spcAft>
+                      </a:pPr>
+                      <a:r>
+                        <a:rPr lang="zh-TW" sz="1600" kern="100" dirty="0">
+                          <a:solidFill>
+                            <a:schemeClr val="bg1"/>
+                          </a:solidFill>
+                          <a:effectLst/>
                           <a:uFill>
                             <a:solidFill>
                               <a:srgbClr val="000000"/>
                             </a:solidFill>
                           </a:uFill>
-                        </a:defRPr>
-                      </a:pPr>
-                      <a:r>
-                        <a:t>提示：该账号已存在</a:t>
+                        </a:rPr>
+                        <a:t>测试模块：钓鱼游戏运行</a:t>
                       </a:r>
+                      <a:endParaRPr lang="zh-CN" sz="1600" kern="100" dirty="0">
+                        <a:solidFill>
+                          <a:schemeClr val="bg1"/>
+                        </a:solidFill>
+                        <a:effectLst/>
+                        <a:uFill>
+                          <a:solidFill>
+                            <a:srgbClr val="000000"/>
+                          </a:solidFill>
+                        </a:uFill>
+                        <a:latin typeface="Calibri"/>
+                        <a:ea typeface="Calibri"/>
+                      </a:endParaRPr>
                     </a:p>
                   </a:txBody>
-                  <a:tcPr marL="0" marR="0" marT="0" marB="0" horzOverflow="overflow"/>
+                  <a:tcPr marL="50800" marR="50800" marT="50800" marB="50800"/>
                 </a:tc>
+              </a:tr>
+              <a:tr h="446534">
                 <a:tc>
                   <a:txBody>
                     <a:bodyPr/>
                     <a:lstStyle/>
                     <a:p>
                       <a:pPr algn="just">
-                        <a:defRPr>
+                        <a:spcAft>
+                          <a:spcPts val="0"/>
+                        </a:spcAft>
+                      </a:pPr>
+                      <a:r>
+                        <a:rPr lang="zh-TW" sz="1600" kern="100" dirty="0">
+                          <a:solidFill>
+                            <a:schemeClr val="bg1"/>
+                          </a:solidFill>
+                          <a:effectLst/>
                           <a:uFill>
                             <a:solidFill>
                               <a:srgbClr val="000000"/>
                             </a:solidFill>
                           </a:uFill>
-                        </a:defRPr>
-                      </a:pPr>
-                      <a:r>
-                        <a:t>提示：该账号已存在</a:t>
+                        </a:rPr>
+                        <a:t>测试项：用户在进入游戏之后的人物移动，钓鱼操作等</a:t>
                       </a:r>
+                      <a:endParaRPr lang="zh-CN" sz="1600" kern="100" dirty="0">
+                        <a:solidFill>
+                          <a:schemeClr val="bg1"/>
+                        </a:solidFill>
+                        <a:effectLst/>
+                        <a:uFill>
+                          <a:solidFill>
+                            <a:srgbClr val="000000"/>
+                          </a:solidFill>
+                        </a:uFill>
+                        <a:latin typeface="Calibri"/>
+                        <a:ea typeface="Calibri"/>
+                      </a:endParaRPr>
                     </a:p>
                   </a:txBody>
-                  <a:tcPr marL="0" marR="0" marT="0" marB="0" horzOverflow="overflow"/>
+                  <a:tcPr marL="50800" marR="50800" marT="50800" marB="50800"/>
                 </a:tc>
               </a:tr>
-              <a:tr h="694666">
+              <a:tr h="446534">
                 <a:tc>
                   <a:txBody>
                     <a:bodyPr/>
                     <a:lstStyle/>
                     <a:p>
                       <a:pPr algn="just">
-                        <a:defRPr b="1">
+                        <a:spcAft>
+                          <a:spcPts val="0"/>
+                        </a:spcAft>
+                      </a:pPr>
+                      <a:r>
+                        <a:rPr lang="zh-TW" sz="1600" kern="100" dirty="0">
                           <a:solidFill>
-                            <a:srgbClr val="FFFFFF"/>
+                            <a:schemeClr val="bg1"/>
                           </a:solidFill>
+                          <a:effectLst/>
                           <a:uFill>
                             <a:solidFill>
                               <a:srgbClr val="000000"/>
                             </a:solidFill>
                           </a:uFill>
-                        </a:defRPr>
-                      </a:pPr>
+                        </a:rPr>
+                        <a:t>测试环境：</a:t>
+                      </a:r>
                       <a:r>
-                        <a:t>不存在但不符合格式的用户名</a:t>
+                        <a:rPr lang="zh-CN" sz="1600" kern="100" dirty="0">
+                          <a:solidFill>
+                            <a:schemeClr val="bg1"/>
+                          </a:solidFill>
+                          <a:effectLst/>
+                          <a:uFill>
+                            <a:solidFill>
+                              <a:srgbClr val="000000"/>
+                            </a:solidFill>
+                          </a:uFill>
+                        </a:rPr>
+                        <a:t>网易MUMU 安卓手机</a:t>
                       </a:r>
+                      <a:endParaRPr lang="zh-CN" sz="1600" kern="100" dirty="0">
+                        <a:solidFill>
+                          <a:schemeClr val="bg1"/>
+                        </a:solidFill>
+                        <a:effectLst/>
+                        <a:uFill>
+                          <a:solidFill>
+                            <a:srgbClr val="000000"/>
+                          </a:solidFill>
+                        </a:uFill>
+                        <a:latin typeface="Calibri"/>
+                        <a:ea typeface="Calibri"/>
+                      </a:endParaRPr>
                     </a:p>
                   </a:txBody>
-                  <a:tcPr marL="0" marR="0" marT="0" marB="0" horzOverflow="overflow">
-                    <a:solidFill>
-                      <a:schemeClr val="accent1"/>
-                    </a:solidFill>
-                  </a:tcPr>
+                  <a:tcPr marL="50800" marR="50800" marT="50800" marB="50800"/>
                 </a:tc>
+              </a:tr>
+              <a:tr h="446534">
                 <a:tc>
                   <a:txBody>
                     <a:bodyPr/>
                     <a:lstStyle/>
                     <a:p>
                       <a:pPr algn="just">
-                        <a:defRPr>
+                        <a:spcAft>
+                          <a:spcPts val="0"/>
+                        </a:spcAft>
+                      </a:pPr>
+                      <a:r>
+                        <a:rPr lang="zh-TW" sz="1600" kern="100">
+                          <a:solidFill>
+                            <a:schemeClr val="bg1"/>
+                          </a:solidFill>
+                          <a:effectLst/>
                           <a:uFill>
                             <a:solidFill>
                               <a:srgbClr val="000000"/>
                             </a:solidFill>
                           </a:uFill>
-                        </a:defRPr>
-                      </a:pPr>
+                        </a:rPr>
+                        <a:t>前置条件：</a:t>
+                      </a:r>
                       <a:r>
-                        <a:t>提示：账号长度应在5-13位！</a:t>
+                        <a:rPr lang="en-US" sz="1600" kern="100">
+                          <a:solidFill>
+                            <a:schemeClr val="bg1"/>
+                          </a:solidFill>
+                          <a:effectLst/>
+                          <a:uFill>
+                            <a:solidFill>
+                              <a:srgbClr val="000000"/>
+                            </a:solidFill>
+                          </a:uFill>
+                        </a:rPr>
+                        <a:t>APP</a:t>
                       </a:r>
+                      <a:r>
+                        <a:rPr lang="zh-TW" sz="1600" kern="100">
+                          <a:solidFill>
+                            <a:schemeClr val="bg1"/>
+                          </a:solidFill>
+                          <a:effectLst/>
+                          <a:uFill>
+                            <a:solidFill>
+                              <a:srgbClr val="000000"/>
+                            </a:solidFill>
+                          </a:uFill>
+                        </a:rPr>
+                        <a:t>相关数据库等其他运行环境正常</a:t>
+                      </a:r>
+                      <a:endParaRPr lang="zh-CN" sz="1600" kern="100">
+                        <a:solidFill>
+                          <a:schemeClr val="bg1"/>
+                        </a:solidFill>
+                        <a:effectLst/>
+                        <a:uFill>
+                          <a:solidFill>
+                            <a:srgbClr val="000000"/>
+                          </a:solidFill>
+                        </a:uFill>
+                        <a:latin typeface="Calibri"/>
+                        <a:ea typeface="Calibri"/>
+                      </a:endParaRPr>
                     </a:p>
                   </a:txBody>
-                  <a:tcPr marL="0" marR="0" marT="0" marB="0" horzOverflow="overflow"/>
+                  <a:tcPr marL="50800" marR="50800" marT="50800" marB="50800"/>
                 </a:tc>
+              </a:tr>
+              <a:tr h="719657">
                 <a:tc>
                   <a:txBody>
                     <a:bodyPr/>
                     <a:lstStyle/>
                     <a:p>
                       <a:pPr algn="just">
-                        <a:defRPr>
+                        <a:spcAft>
+                          <a:spcPts val="0"/>
+                        </a:spcAft>
+                      </a:pPr>
+                      <a:r>
+                        <a:rPr lang="zh-TW" sz="1600" kern="100">
+                          <a:solidFill>
+                            <a:schemeClr val="bg1"/>
+                          </a:solidFill>
+                          <a:effectLst/>
                           <a:uFill>
                             <a:solidFill>
                               <a:srgbClr val="000000"/>
                             </a:solidFill>
                           </a:uFill>
-                        </a:defRPr>
+                        </a:rPr>
+                        <a:t>操作步骤：</a:t>
+                      </a:r>
+                      <a:endParaRPr lang="zh-CN" sz="1600" kern="100">
+                        <a:solidFill>
+                          <a:schemeClr val="bg1"/>
+                        </a:solidFill>
+                        <a:effectLst/>
+                        <a:uFill>
+                          <a:solidFill>
+                            <a:srgbClr val="000000"/>
+                          </a:solidFill>
+                        </a:uFill>
+                      </a:endParaRPr>
+                    </a:p>
+                    <a:p>
+                      <a:pPr algn="just">
+                        <a:spcAft>
+                          <a:spcPts val="0"/>
+                        </a:spcAft>
                       </a:pPr>
                       <a:r>
-                        <a:t>提示：账号长度应在5-13位！</a:t>
+                        <a:rPr lang="en-US" sz="1600" kern="100">
+                          <a:solidFill>
+                            <a:schemeClr val="bg1"/>
+                          </a:solidFill>
+                          <a:effectLst/>
+                          <a:uFill>
+                            <a:solidFill>
+                              <a:srgbClr val="000000"/>
+                            </a:solidFill>
+                          </a:uFill>
+                        </a:rPr>
+                        <a:t>1.</a:t>
                       </a:r>
+                      <a:r>
+                        <a:rPr lang="zh-TW" sz="1600" kern="100">
+                          <a:solidFill>
+                            <a:schemeClr val="bg1"/>
+                          </a:solidFill>
+                          <a:effectLst/>
+                          <a:uFill>
+                            <a:solidFill>
+                              <a:srgbClr val="000000"/>
+                            </a:solidFill>
+                          </a:uFill>
+                        </a:rPr>
+                        <a:t>进入</a:t>
+                      </a:r>
+                      <a:r>
+                        <a:rPr lang="en-US" sz="1600" kern="100">
+                          <a:solidFill>
+                            <a:schemeClr val="bg1"/>
+                          </a:solidFill>
+                          <a:effectLst/>
+                          <a:uFill>
+                            <a:solidFill>
+                              <a:srgbClr val="000000"/>
+                            </a:solidFill>
+                          </a:uFill>
+                        </a:rPr>
+                        <a:t>APP</a:t>
+                      </a:r>
+                      <a:r>
+                        <a:rPr lang="zh-TW" sz="1600" kern="100">
+                          <a:solidFill>
+                            <a:schemeClr val="bg1"/>
+                          </a:solidFill>
+                          <a:effectLst/>
+                          <a:uFill>
+                            <a:solidFill>
+                              <a:srgbClr val="000000"/>
+                            </a:solidFill>
+                          </a:uFill>
+                        </a:rPr>
+                        <a:t>点击开始游戏，在场景里进行移动，钓鱼等操作。</a:t>
+                      </a:r>
+                      <a:endParaRPr lang="zh-CN" sz="1600" kern="100">
+                        <a:solidFill>
+                          <a:schemeClr val="bg1"/>
+                        </a:solidFill>
+                        <a:effectLst/>
+                        <a:uFill>
+                          <a:solidFill>
+                            <a:srgbClr val="000000"/>
+                          </a:solidFill>
+                        </a:uFill>
+                        <a:latin typeface="Calibri"/>
+                        <a:ea typeface="Calibri"/>
+                      </a:endParaRPr>
                     </a:p>
                   </a:txBody>
-                  <a:tcPr marL="0" marR="0" marT="0" marB="0" horzOverflow="overflow"/>
+                  <a:tcPr marL="50800" marR="50800" marT="50800" marB="50800"/>
                 </a:tc>
               </a:tr>
-              <a:tr h="347333">
+              <a:tr h="446534">
                 <a:tc>
                   <a:txBody>
                     <a:bodyPr/>
                     <a:lstStyle/>
                     <a:p>
                       <a:pPr algn="just">
-                        <a:defRPr b="1">
+                        <a:spcAft>
+                          <a:spcPts val="0"/>
+                        </a:spcAft>
+                      </a:pPr>
+                      <a:r>
+                        <a:rPr lang="zh-TW" sz="1600" kern="100" dirty="0">
                           <a:solidFill>
-                            <a:srgbClr val="FFFFFF"/>
+                            <a:schemeClr val="bg1"/>
                           </a:solidFill>
+                          <a:effectLst/>
                           <a:uFill>
                             <a:solidFill>
                               <a:srgbClr val="000000"/>
                             </a:solidFill>
                           </a:uFill>
-                        </a:defRPr>
-                      </a:pPr>
-                      <a:r>
-                        <a:t>符合格式的密码</a:t>
+                        </a:rPr>
+                        <a:t>测试结果：没有出现异常。</a:t>
                       </a:r>
+                      <a:endParaRPr lang="zh-CN" sz="1600" kern="100" dirty="0">
+                        <a:solidFill>
+                          <a:schemeClr val="bg1"/>
+                        </a:solidFill>
+                        <a:effectLst/>
+                        <a:uFill>
+                          <a:solidFill>
+                            <a:srgbClr val="000000"/>
+                          </a:solidFill>
+                        </a:uFill>
+                        <a:latin typeface="Calibri"/>
+                        <a:ea typeface="Calibri"/>
+                      </a:endParaRPr>
                     </a:p>
                   </a:txBody>
-                  <a:tcPr marL="0" marR="0" marT="0" marB="0" horzOverflow="overflow">
-                    <a:solidFill>
-                      <a:schemeClr val="accent1"/>
-                    </a:solidFill>
-                  </a:tcPr>
-                </a:tc>
-                <a:tc>
-                  <a:txBody>
-                    <a:bodyPr/>
-                    <a:lstStyle/>
-                    <a:p>
-                      <a:pPr algn="just">
-                        <a:defRPr>
-                          <a:uFill>
-                            <a:solidFill>
-                              <a:srgbClr val="000000"/>
-                            </a:solidFill>
-                          </a:uFill>
-                        </a:defRPr>
-                      </a:pPr>
-                      <a:r>
-                        <a:t>提示：该密码可用</a:t>
-                      </a:r>
-                    </a:p>
-                  </a:txBody>
-                  <a:tcPr marL="0" marR="0" marT="0" marB="0" horzOverflow="overflow"/>
-                </a:tc>
-                <a:tc>
-                  <a:txBody>
-                    <a:bodyPr/>
-                    <a:lstStyle/>
-                    <a:p>
-                      <a:pPr algn="just">
-                        <a:defRPr>
-                          <a:uFill>
-                            <a:solidFill>
-                              <a:srgbClr val="000000"/>
-                            </a:solidFill>
-                          </a:uFill>
-                        </a:defRPr>
-                      </a:pPr>
-                      <a:r>
-                        <a:t>提示：该密码可用</a:t>
-                      </a:r>
-                    </a:p>
-                  </a:txBody>
-                  <a:tcPr marL="0" marR="0" marT="0" marB="0" horzOverflow="overflow"/>
-                </a:tc>
-              </a:tr>
-              <a:tr h="347333">
-                <a:tc>
-                  <a:txBody>
-                    <a:bodyPr/>
-                    <a:lstStyle/>
-                    <a:p>
-                      <a:pPr algn="just">
-                        <a:defRPr b="1">
-                          <a:solidFill>
-                            <a:srgbClr val="FFFFFF"/>
-                          </a:solidFill>
-                          <a:uFill>
-                            <a:solidFill>
-                              <a:srgbClr val="000000"/>
-                            </a:solidFill>
-                          </a:uFill>
-                        </a:defRPr>
-                      </a:pPr>
-                      <a:r>
-                        <a:t>不符合格式的密码</a:t>
-                      </a:r>
-                    </a:p>
-                  </a:txBody>
-                  <a:tcPr marL="0" marR="0" marT="0" marB="0" horzOverflow="overflow">
-                    <a:solidFill>
-                      <a:schemeClr val="accent1"/>
-                    </a:solidFill>
-                  </a:tcPr>
-                </a:tc>
-                <a:tc>
-                  <a:txBody>
-                    <a:bodyPr/>
-                    <a:lstStyle/>
-                    <a:p>
-                      <a:pPr algn="just">
-                        <a:defRPr>
-                          <a:uFill>
-                            <a:solidFill>
-                              <a:srgbClr val="000000"/>
-                            </a:solidFill>
-                          </a:uFill>
-                        </a:defRPr>
-                      </a:pPr>
-                      <a:r>
-                        <a:t>提示：密码长度应在5-13位！</a:t>
-                      </a:r>
-                    </a:p>
-                  </a:txBody>
-                  <a:tcPr marL="0" marR="0" marT="0" marB="0" horzOverflow="overflow"/>
-                </a:tc>
-                <a:tc>
-                  <a:txBody>
-                    <a:bodyPr/>
-                    <a:lstStyle/>
-                    <a:p>
-                      <a:pPr algn="just">
-                        <a:defRPr>
-                          <a:uFill>
-                            <a:solidFill>
-                              <a:srgbClr val="000000"/>
-                            </a:solidFill>
-                          </a:uFill>
-                        </a:defRPr>
-                      </a:pPr>
-                      <a:r>
-                        <a:t>提示：密码长度应在5-13位！</a:t>
-                      </a:r>
-                    </a:p>
-                  </a:txBody>
-                  <a:tcPr marL="0" marR="0" marT="0" marB="0" horzOverflow="overflow"/>
-                </a:tc>
-              </a:tr>
-              <a:tr h="347333">
-                <a:tc>
-                  <a:txBody>
-                    <a:bodyPr/>
-                    <a:lstStyle/>
-                    <a:p>
-                      <a:pPr algn="just">
-                        <a:defRPr b="1">
-                          <a:solidFill>
-                            <a:srgbClr val="FFFFFF"/>
-                          </a:solidFill>
-                          <a:uFill>
-                            <a:solidFill>
-                              <a:srgbClr val="000000"/>
-                            </a:solidFill>
-                          </a:uFill>
-                        </a:defRPr>
-                      </a:pPr>
-                      <a:r>
-                        <a:t>两次输入不一致的密码</a:t>
-                      </a:r>
-                    </a:p>
-                  </a:txBody>
-                  <a:tcPr marL="0" marR="0" marT="0" marB="0" horzOverflow="overflow">
-                    <a:solidFill>
-                      <a:schemeClr val="accent1"/>
-                    </a:solidFill>
-                  </a:tcPr>
-                </a:tc>
-                <a:tc>
-                  <a:txBody>
-                    <a:bodyPr/>
-                    <a:lstStyle/>
-                    <a:p>
-                      <a:pPr algn="just">
-                        <a:defRPr>
-                          <a:uFill>
-                            <a:solidFill>
-                              <a:srgbClr val="000000"/>
-                            </a:solidFill>
-                          </a:uFill>
-                        </a:defRPr>
-                      </a:pPr>
-                      <a:r>
-                        <a:t>提示：两次密码应该一致！</a:t>
-                      </a:r>
-                    </a:p>
-                  </a:txBody>
-                  <a:tcPr marL="0" marR="0" marT="0" marB="0" horzOverflow="overflow"/>
-                </a:tc>
-                <a:tc>
-                  <a:txBody>
-                    <a:bodyPr/>
-                    <a:lstStyle/>
-                    <a:p>
-                      <a:pPr algn="just">
-                        <a:defRPr>
-                          <a:uFill>
-                            <a:solidFill>
-                              <a:srgbClr val="000000"/>
-                            </a:solidFill>
-                          </a:uFill>
-                        </a:defRPr>
-                      </a:pPr>
-                      <a:r>
-                        <a:t>提示：两次密码应该一致！</a:t>
-                      </a:r>
-                    </a:p>
-                  </a:txBody>
-                  <a:tcPr marL="0" marR="0" marT="0" marB="0" horzOverflow="overflow"/>
+                  <a:tcPr marL="50800" marR="50800" marT="50800" marB="50800"/>
                 </a:tc>
               </a:tr>
             </a:tbl>
@@ -12157,727 +12206,446 @@
       </p:grpSpPr>
       <p:graphicFrame>
         <p:nvGraphicFramePr>
-          <p:cNvPr id="166" name="内容占位符 3"/>
-          <p:cNvGraphicFramePr/>
-          <p:nvPr/>
+          <p:cNvPr id="2" name="表格 1"/>
+          <p:cNvGraphicFramePr>
+            <a:graphicFrameLocks noGrp="1"/>
+          </p:cNvGraphicFramePr>
+          <p:nvPr>
+            <p:extLst>
+              <p:ext uri="{D42A27DB-BD31-4B8C-83A1-F6EECF244321}">
+                <p14:modId xmlns:p14="http://schemas.microsoft.com/office/powerpoint/2010/main" val="3164759852"/>
+              </p:ext>
+            </p:extLst>
+          </p:nvPr>
         </p:nvGraphicFramePr>
         <p:xfrm>
-          <a:off x="611560" y="404666"/>
-          <a:ext cx="8208913" cy="6120679"/>
+          <a:off x="1259632" y="1052733"/>
+          <a:ext cx="6192688" cy="3960442"/>
         </p:xfrm>
         <a:graphic>
           <a:graphicData uri="http://schemas.openxmlformats.org/drawingml/2006/table">
             <a:tbl>
-              <a:tblPr firstRow="1" bandRow="1">
-                <a:tableStyleId>{4C3C2611-4C71-4FC5-86AE-919BDF0F9419}</a:tableStyleId>
+              <a:tblPr firstRow="1" firstCol="1" bandRow="1">
+                <a:tableStyleId>{5940675A-B579-460E-94D1-54222C63F5DA}</a:tableStyleId>
               </a:tblPr>
               <a:tblGrid>
-                <a:gridCol w="2735662"/>
-                <a:gridCol w="2736625"/>
-                <a:gridCol w="2736625"/>
+                <a:gridCol w="6192688"/>
               </a:tblGrid>
-              <a:tr h="408045">
-                <a:tc gridSpan="3">
-                  <a:txBody>
-                    <a:bodyPr/>
-                    <a:lstStyle/>
-                    <a:p>
-                      <a:pPr algn="just">
-                        <a:defRPr sz="1800">
-                          <a:uFill>
-                            <a:solidFill>
-                              <a:srgbClr val="000000"/>
-                            </a:solidFill>
-                          </a:uFill>
-                        </a:defRPr>
-                      </a:pPr>
-                      <a:r>
-                        <a:t>测试模块：登录</a:t>
-                      </a:r>
-                    </a:p>
-                  </a:txBody>
-                  <a:tcPr marL="0" marR="0" marT="0" marB="0" horzOverflow="overflow"/>
-                </a:tc>
-                <a:tc hMerge="1">
-                  <a:txBody>
-                    <a:bodyPr/>
-                    <a:lstStyle/>
-                    <a:p>
-                      <a:endParaRPr lang="zh-CN"/>
-                    </a:p>
-                  </a:txBody>
-                  <a:tcPr/>
-                </a:tc>
-                <a:tc hMerge="1">
-                  <a:txBody>
-                    <a:bodyPr/>
-                    <a:lstStyle/>
-                    <a:p>
-                      <a:endParaRPr lang="zh-CN"/>
-                    </a:p>
-                  </a:txBody>
-                  <a:tcPr/>
-                </a:tc>
-              </a:tr>
-              <a:tr h="408045">
-                <a:tc gridSpan="3">
-                  <a:txBody>
-                    <a:bodyPr/>
-                    <a:lstStyle/>
-                    <a:p>
-                      <a:pPr algn="just">
-                        <a:defRPr sz="1800" b="1">
-                          <a:solidFill>
-                            <a:srgbClr val="FFFFFF"/>
-                          </a:solidFill>
-                          <a:uFill>
-                            <a:solidFill>
-                              <a:srgbClr val="000000"/>
-                            </a:solidFill>
-                          </a:uFill>
-                        </a:defRPr>
-                      </a:pPr>
-                      <a:r>
-                        <a:t>标识符：2</a:t>
-                      </a:r>
-                    </a:p>
-                  </a:txBody>
-                  <a:tcPr marL="0" marR="0" marT="0" marB="0" horzOverflow="overflow">
-                    <a:solidFill>
-                      <a:schemeClr val="accent1"/>
-                    </a:solidFill>
-                  </a:tcPr>
-                </a:tc>
-                <a:tc hMerge="1">
-                  <a:txBody>
-                    <a:bodyPr/>
-                    <a:lstStyle/>
-                    <a:p>
-                      <a:endParaRPr lang="zh-CN"/>
-                    </a:p>
-                  </a:txBody>
-                  <a:tcPr/>
-                </a:tc>
-                <a:tc hMerge="1">
-                  <a:txBody>
-                    <a:bodyPr/>
-                    <a:lstStyle/>
-                    <a:p>
-                      <a:endParaRPr lang="zh-CN"/>
-                    </a:p>
-                  </a:txBody>
-                  <a:tcPr/>
-                </a:tc>
-              </a:tr>
-              <a:tr h="816091">
-                <a:tc gridSpan="3">
-                  <a:txBody>
-                    <a:bodyPr/>
-                    <a:lstStyle/>
-                    <a:p>
-                      <a:pPr algn="just">
-                        <a:defRPr sz="1800" b="1">
-                          <a:solidFill>
-                            <a:srgbClr val="FFFFFF"/>
-                          </a:solidFill>
-                          <a:uFill>
-                            <a:solidFill>
-                              <a:srgbClr val="000000"/>
-                            </a:solidFill>
-                          </a:uFill>
-                        </a:defRPr>
-                      </a:pPr>
-                      <a:r>
-                        <a:t>测试项：用户在登录时分别输入：注册过且正确的账号密码、注册过但不正确的账号密码、空输入账号、空输入密码</a:t>
-                      </a:r>
-                    </a:p>
-                  </a:txBody>
-                  <a:tcPr marL="0" marR="0" marT="0" marB="0" horzOverflow="overflow">
-                    <a:solidFill>
-                      <a:schemeClr val="accent1"/>
-                    </a:solidFill>
-                  </a:tcPr>
-                </a:tc>
-                <a:tc hMerge="1">
-                  <a:txBody>
-                    <a:bodyPr/>
-                    <a:lstStyle/>
-                    <a:p>
-                      <a:endParaRPr lang="zh-CN"/>
-                    </a:p>
-                  </a:txBody>
-                  <a:tcPr/>
-                </a:tc>
-                <a:tc hMerge="1">
-                  <a:txBody>
-                    <a:bodyPr/>
-                    <a:lstStyle/>
-                    <a:p>
-                      <a:endParaRPr lang="zh-CN"/>
-                    </a:p>
-                  </a:txBody>
-                  <a:tcPr/>
-                </a:tc>
-              </a:tr>
-              <a:tr h="408045">
-                <a:tc gridSpan="3">
-                  <a:txBody>
-                    <a:bodyPr/>
-                    <a:lstStyle/>
-                    <a:p>
-                      <a:pPr algn="just">
-                        <a:defRPr sz="1800" b="1">
-                          <a:solidFill>
-                            <a:srgbClr val="FFFFFF"/>
-                          </a:solidFill>
-                          <a:uFill>
-                            <a:solidFill>
-                              <a:srgbClr val="000000"/>
-                            </a:solidFill>
-                          </a:uFill>
-                        </a:defRPr>
-                      </a:pPr>
-                      <a:r>
-                        <a:t>测试环境：Android8.0</a:t>
-                      </a:r>
-                    </a:p>
-                  </a:txBody>
-                  <a:tcPr marL="0" marR="0" marT="0" marB="0" horzOverflow="overflow">
-                    <a:solidFill>
-                      <a:schemeClr val="accent1"/>
-                    </a:solidFill>
-                  </a:tcPr>
-                </a:tc>
-                <a:tc hMerge="1">
-                  <a:txBody>
-                    <a:bodyPr/>
-                    <a:lstStyle/>
-                    <a:p>
-                      <a:endParaRPr lang="zh-CN"/>
-                    </a:p>
-                  </a:txBody>
-                  <a:tcPr/>
-                </a:tc>
-                <a:tc hMerge="1">
-                  <a:txBody>
-                    <a:bodyPr/>
-                    <a:lstStyle/>
-                    <a:p>
-                      <a:endParaRPr lang="zh-CN"/>
-                    </a:p>
-                  </a:txBody>
-                  <a:tcPr/>
-                </a:tc>
-              </a:tr>
-              <a:tr h="816091">
-                <a:tc gridSpan="3">
-                  <a:txBody>
-                    <a:bodyPr/>
-                    <a:lstStyle/>
-                    <a:p>
-                      <a:pPr algn="just">
-                        <a:defRPr sz="1800" b="1">
-                          <a:solidFill>
-                            <a:srgbClr val="FFFFFF"/>
-                          </a:solidFill>
-                          <a:uFill>
-                            <a:solidFill>
-                              <a:srgbClr val="000000"/>
-                            </a:solidFill>
-                          </a:uFill>
-                        </a:defRPr>
-                      </a:pPr>
-                      <a:r>
-                        <a:t>前置条件：APP相关数据库等其他运行环境正常</a:t>
-                      </a:r>
-                    </a:p>
-                    <a:p>
-                      <a:pPr algn="just">
-                        <a:defRPr sz="1800" b="1">
-                          <a:solidFill>
-                            <a:srgbClr val="FFFFFF"/>
-                          </a:solidFill>
-                          <a:uFill>
-                            <a:solidFill>
-                              <a:srgbClr val="000000"/>
-                            </a:solidFill>
-                          </a:uFill>
-                        </a:defRPr>
-                      </a:pPr>
-                      <a:r>
-                        <a:t>账号已完成相关注册</a:t>
-                      </a:r>
-                    </a:p>
-                  </a:txBody>
-                  <a:tcPr marL="0" marR="0" marT="0" marB="0" horzOverflow="overflow">
-                    <a:solidFill>
-                      <a:schemeClr val="accent1"/>
-                    </a:solidFill>
-                  </a:tcPr>
-                </a:tc>
-                <a:tc hMerge="1">
-                  <a:txBody>
-                    <a:bodyPr/>
-                    <a:lstStyle/>
-                    <a:p>
-                      <a:endParaRPr lang="zh-CN"/>
-                    </a:p>
-                  </a:txBody>
-                  <a:tcPr/>
-                </a:tc>
-                <a:tc hMerge="1">
-                  <a:txBody>
-                    <a:bodyPr/>
-                    <a:lstStyle/>
-                    <a:p>
-                      <a:endParaRPr lang="zh-CN"/>
-                    </a:p>
-                  </a:txBody>
-                  <a:tcPr/>
-                </a:tc>
-              </a:tr>
-              <a:tr h="1224136">
-                <a:tc gridSpan="3">
-                  <a:txBody>
-                    <a:bodyPr/>
-                    <a:lstStyle/>
-                    <a:p>
-                      <a:pPr algn="just">
-                        <a:defRPr sz="1800" b="1">
-                          <a:solidFill>
-                            <a:srgbClr val="FFFFFF"/>
-                          </a:solidFill>
-                          <a:uFill>
-                            <a:solidFill>
-                              <a:srgbClr val="000000"/>
-                            </a:solidFill>
-                          </a:uFill>
-                        </a:defRPr>
-                      </a:pPr>
-                      <a:r>
-                        <a:t>操作步骤：</a:t>
-                      </a:r>
-                    </a:p>
-                    <a:p>
-                      <a:pPr algn="just">
-                        <a:defRPr sz="1800" b="1">
-                          <a:solidFill>
-                            <a:srgbClr val="FFFFFF"/>
-                          </a:solidFill>
-                          <a:uFill>
-                            <a:solidFill>
-                              <a:srgbClr val="000000"/>
-                            </a:solidFill>
-                          </a:uFill>
-                        </a:defRPr>
-                      </a:pPr>
-                      <a:r>
-                        <a:t>1.点击APP进入登录界面</a:t>
-                      </a:r>
-                    </a:p>
-                    <a:p>
-                      <a:pPr algn="just">
-                        <a:defRPr sz="1800" b="1">
-                          <a:solidFill>
-                            <a:srgbClr val="FFFFFF"/>
-                          </a:solidFill>
-                          <a:uFill>
-                            <a:solidFill>
-                              <a:srgbClr val="000000"/>
-                            </a:solidFill>
-                          </a:uFill>
-                        </a:defRPr>
-                      </a:pPr>
-                      <a:r>
-                        <a:t>2.输入相关信息完成登录</a:t>
-                      </a:r>
-                    </a:p>
-                  </a:txBody>
-                  <a:tcPr marL="0" marR="0" marT="0" marB="0" horzOverflow="overflow">
-                    <a:solidFill>
-                      <a:schemeClr val="accent1"/>
-                    </a:solidFill>
-                  </a:tcPr>
-                </a:tc>
-                <a:tc hMerge="1">
-                  <a:txBody>
-                    <a:bodyPr/>
-                    <a:lstStyle/>
-                    <a:p>
-                      <a:endParaRPr lang="zh-CN"/>
-                    </a:p>
-                  </a:txBody>
-                  <a:tcPr/>
-                </a:tc>
-                <a:tc hMerge="1">
-                  <a:txBody>
-                    <a:bodyPr/>
-                    <a:lstStyle/>
-                    <a:p>
-                      <a:endParaRPr lang="zh-CN"/>
-                    </a:p>
-                  </a:txBody>
-                  <a:tcPr/>
-                </a:tc>
-              </a:tr>
-              <a:tr h="408045">
+              <a:tr h="489413">
                 <a:tc>
                   <a:txBody>
                     <a:bodyPr/>
                     <a:lstStyle/>
                     <a:p>
                       <a:pPr algn="just">
-                        <a:defRPr sz="1800" b="1">
+                        <a:spcAft>
+                          <a:spcPts val="0"/>
+                        </a:spcAft>
+                      </a:pPr>
+                      <a:r>
+                        <a:rPr lang="zh-TW" sz="1600" kern="100">
                           <a:solidFill>
-                            <a:srgbClr val="FFFFFF"/>
+                            <a:schemeClr val="bg1"/>
                           </a:solidFill>
+                          <a:effectLst/>
                           <a:uFill>
                             <a:solidFill>
                               <a:srgbClr val="000000"/>
                             </a:solidFill>
                           </a:uFill>
-                        </a:defRPr>
-                      </a:pPr>
-                      <a:r>
-                        <a:t>输入数据</a:t>
+                        </a:rPr>
+                        <a:t>测试模块：背包功能</a:t>
                       </a:r>
+                      <a:endParaRPr lang="zh-CN" sz="1600" kern="100">
+                        <a:solidFill>
+                          <a:schemeClr val="bg1"/>
+                        </a:solidFill>
+                        <a:effectLst/>
+                        <a:uFill>
+                          <a:solidFill>
+                            <a:srgbClr val="000000"/>
+                          </a:solidFill>
+                        </a:uFill>
+                        <a:latin typeface="Calibri"/>
+                        <a:ea typeface="Calibri"/>
+                      </a:endParaRPr>
                     </a:p>
                   </a:txBody>
-                  <a:tcPr marL="0" marR="0" marT="0" marB="0" horzOverflow="overflow">
-                    <a:solidFill>
-                      <a:schemeClr val="accent1"/>
-                    </a:solidFill>
-                  </a:tcPr>
+                  <a:tcPr marL="50800" marR="50800" marT="50800" marB="50800"/>
                 </a:tc>
+              </a:tr>
+              <a:tr h="489413">
                 <a:tc>
                   <a:txBody>
                     <a:bodyPr/>
                     <a:lstStyle/>
                     <a:p>
                       <a:pPr algn="just">
-                        <a:defRPr sz="1800">
+                        <a:spcAft>
+                          <a:spcPts val="0"/>
+                        </a:spcAft>
+                      </a:pPr>
+                      <a:r>
+                        <a:rPr lang="zh-TW" sz="1600" kern="100">
+                          <a:solidFill>
+                            <a:schemeClr val="bg1"/>
+                          </a:solidFill>
+                          <a:effectLst/>
                           <a:uFill>
                             <a:solidFill>
                               <a:srgbClr val="000000"/>
                             </a:solidFill>
                           </a:uFill>
-                        </a:defRPr>
-                      </a:pPr>
+                        </a:rPr>
+                        <a:t>标识符：</a:t>
+                      </a:r>
                       <a:r>
-                        <a:t>期望输出</a:t>
+                        <a:rPr lang="en-US" sz="1600" kern="100">
+                          <a:solidFill>
+                            <a:schemeClr val="bg1"/>
+                          </a:solidFill>
+                          <a:effectLst/>
+                          <a:uFill>
+                            <a:solidFill>
+                              <a:srgbClr val="000000"/>
+                            </a:solidFill>
+                          </a:uFill>
+                        </a:rPr>
+                        <a:t>1</a:t>
                       </a:r>
+                      <a:endParaRPr lang="zh-CN" sz="1600" kern="100">
+                        <a:solidFill>
+                          <a:schemeClr val="bg1"/>
+                        </a:solidFill>
+                        <a:effectLst/>
+                        <a:uFill>
+                          <a:solidFill>
+                            <a:srgbClr val="000000"/>
+                          </a:solidFill>
+                        </a:uFill>
+                        <a:latin typeface="Calibri"/>
+                        <a:ea typeface="Calibri"/>
+                      </a:endParaRPr>
                     </a:p>
                   </a:txBody>
-                  <a:tcPr marL="0" marR="0" marT="0" marB="0" horzOverflow="overflow"/>
+                  <a:tcPr marL="50800" marR="50800" marT="50800" marB="50800"/>
                 </a:tc>
+              </a:tr>
+              <a:tr h="724615">
                 <a:tc>
                   <a:txBody>
                     <a:bodyPr/>
                     <a:lstStyle/>
                     <a:p>
                       <a:pPr algn="just">
-                        <a:defRPr sz="1800">
+                        <a:spcAft>
+                          <a:spcPts val="0"/>
+                        </a:spcAft>
+                      </a:pPr>
+                      <a:r>
+                        <a:rPr lang="zh-TW" sz="1600" kern="100" dirty="0">
+                          <a:solidFill>
+                            <a:schemeClr val="bg1"/>
+                          </a:solidFill>
+                          <a:effectLst/>
                           <a:uFill>
                             <a:solidFill>
                               <a:srgbClr val="000000"/>
                             </a:solidFill>
                           </a:uFill>
-                        </a:defRPr>
-                      </a:pPr>
-                      <a:r>
-                        <a:t>实际结果</a:t>
+                        </a:rPr>
+                        <a:t>测试项：用户在点击游戏界面的背包按钮，看是否会出现道具以及一些之前捕捉到的鱼类。</a:t>
                       </a:r>
+                      <a:endParaRPr lang="zh-CN" sz="1600" kern="100" dirty="0">
+                        <a:solidFill>
+                          <a:schemeClr val="bg1"/>
+                        </a:solidFill>
+                        <a:effectLst/>
+                        <a:uFill>
+                          <a:solidFill>
+                            <a:srgbClr val="000000"/>
+                          </a:solidFill>
+                        </a:uFill>
+                        <a:latin typeface="Calibri"/>
+                        <a:ea typeface="Calibri"/>
+                      </a:endParaRPr>
                     </a:p>
                   </a:txBody>
-                  <a:tcPr marL="0" marR="0" marT="0" marB="0" horzOverflow="overflow"/>
+                  <a:tcPr marL="50800" marR="50800" marT="50800" marB="50800"/>
                 </a:tc>
               </a:tr>
-              <a:tr h="408045">
+              <a:tr h="489413">
                 <a:tc>
                   <a:txBody>
                     <a:bodyPr/>
                     <a:lstStyle/>
                     <a:p>
                       <a:pPr algn="just">
-                        <a:defRPr sz="1800" b="1">
+                        <a:spcAft>
+                          <a:spcPts val="0"/>
+                        </a:spcAft>
+                      </a:pPr>
+                      <a:r>
+                        <a:rPr lang="zh-TW" sz="1600" kern="100">
                           <a:solidFill>
-                            <a:srgbClr val="FFFFFF"/>
+                            <a:schemeClr val="bg1"/>
                           </a:solidFill>
+                          <a:effectLst/>
                           <a:uFill>
                             <a:solidFill>
                               <a:srgbClr val="000000"/>
                             </a:solidFill>
                           </a:uFill>
-                        </a:defRPr>
-                      </a:pPr>
+                        </a:rPr>
+                        <a:t>测试环境：</a:t>
+                      </a:r>
                       <a:r>
-                        <a:t>注册过且正确的账号密码</a:t>
+                        <a:rPr lang="zh-CN" sz="1600" kern="100">
+                          <a:solidFill>
+                            <a:schemeClr val="bg1"/>
+                          </a:solidFill>
+                          <a:effectLst/>
+                          <a:uFill>
+                            <a:solidFill>
+                              <a:srgbClr val="000000"/>
+                            </a:solidFill>
+                          </a:uFill>
+                        </a:rPr>
+                        <a:t>网易MUMU 安卓手机</a:t>
                       </a:r>
+                      <a:endParaRPr lang="zh-CN" sz="1600" kern="100">
+                        <a:solidFill>
+                          <a:schemeClr val="bg1"/>
+                        </a:solidFill>
+                        <a:effectLst/>
+                        <a:uFill>
+                          <a:solidFill>
+                            <a:srgbClr val="000000"/>
+                          </a:solidFill>
+                        </a:uFill>
+                        <a:latin typeface="Calibri"/>
+                        <a:ea typeface="Calibri"/>
+                      </a:endParaRPr>
                     </a:p>
                   </a:txBody>
-                  <a:tcPr marL="0" marR="0" marT="0" marB="0" horzOverflow="overflow">
-                    <a:solidFill>
-                      <a:schemeClr val="accent1"/>
-                    </a:solidFill>
-                  </a:tcPr>
+                  <a:tcPr marL="50800" marR="50800" marT="50800" marB="50800"/>
                 </a:tc>
+              </a:tr>
+              <a:tr h="489413">
                 <a:tc>
                   <a:txBody>
                     <a:bodyPr/>
                     <a:lstStyle/>
                     <a:p>
                       <a:pPr algn="just">
-                        <a:defRPr sz="1800">
+                        <a:spcAft>
+                          <a:spcPts val="0"/>
+                        </a:spcAft>
+                      </a:pPr>
+                      <a:r>
+                        <a:rPr lang="zh-TW" sz="1600" kern="100">
+                          <a:solidFill>
+                            <a:schemeClr val="bg1"/>
+                          </a:solidFill>
+                          <a:effectLst/>
                           <a:uFill>
                             <a:solidFill>
                               <a:srgbClr val="000000"/>
                             </a:solidFill>
                           </a:uFill>
-                        </a:defRPr>
-                      </a:pPr>
+                        </a:rPr>
+                        <a:t>前置条件：</a:t>
+                      </a:r>
                       <a:r>
-                        <a:t>提示：登录成功！</a:t>
+                        <a:rPr lang="en-US" sz="1600" kern="100">
+                          <a:solidFill>
+                            <a:schemeClr val="bg1"/>
+                          </a:solidFill>
+                          <a:effectLst/>
+                          <a:uFill>
+                            <a:solidFill>
+                              <a:srgbClr val="000000"/>
+                            </a:solidFill>
+                          </a:uFill>
+                        </a:rPr>
+                        <a:t>APP</a:t>
                       </a:r>
+                      <a:r>
+                        <a:rPr lang="zh-TW" sz="1600" kern="100">
+                          <a:solidFill>
+                            <a:schemeClr val="bg1"/>
+                          </a:solidFill>
+                          <a:effectLst/>
+                          <a:uFill>
+                            <a:solidFill>
+                              <a:srgbClr val="000000"/>
+                            </a:solidFill>
+                          </a:uFill>
+                        </a:rPr>
+                        <a:t>相关数据库等其他运行环境正常</a:t>
+                      </a:r>
+                      <a:endParaRPr lang="zh-CN" sz="1600" kern="100">
+                        <a:solidFill>
+                          <a:schemeClr val="bg1"/>
+                        </a:solidFill>
+                        <a:effectLst/>
+                        <a:uFill>
+                          <a:solidFill>
+                            <a:srgbClr val="000000"/>
+                          </a:solidFill>
+                        </a:uFill>
+                        <a:latin typeface="Calibri"/>
+                        <a:ea typeface="Calibri"/>
+                      </a:endParaRPr>
                     </a:p>
                   </a:txBody>
-                  <a:tcPr marL="0" marR="0" marT="0" marB="0" horzOverflow="overflow"/>
+                  <a:tcPr marL="50800" marR="50800" marT="50800" marB="50800"/>
                 </a:tc>
+              </a:tr>
+              <a:tr h="788762">
                 <a:tc>
                   <a:txBody>
                     <a:bodyPr/>
                     <a:lstStyle/>
                     <a:p>
                       <a:pPr algn="just">
-                        <a:defRPr sz="1800">
+                        <a:spcAft>
+                          <a:spcPts val="0"/>
+                        </a:spcAft>
+                      </a:pPr>
+                      <a:r>
+                        <a:rPr lang="zh-TW" sz="1600" kern="100">
+                          <a:solidFill>
+                            <a:schemeClr val="bg1"/>
+                          </a:solidFill>
+                          <a:effectLst/>
                           <a:uFill>
                             <a:solidFill>
                               <a:srgbClr val="000000"/>
                             </a:solidFill>
                           </a:uFill>
-                        </a:defRPr>
+                        </a:rPr>
+                        <a:t>操作步骤：</a:t>
+                      </a:r>
+                      <a:endParaRPr lang="zh-CN" sz="1600" kern="100">
+                        <a:solidFill>
+                          <a:schemeClr val="bg1"/>
+                        </a:solidFill>
+                        <a:effectLst/>
+                        <a:uFill>
+                          <a:solidFill>
+                            <a:srgbClr val="000000"/>
+                          </a:solidFill>
+                        </a:uFill>
+                      </a:endParaRPr>
+                    </a:p>
+                    <a:p>
+                      <a:pPr algn="just">
+                        <a:spcAft>
+                          <a:spcPts val="0"/>
+                        </a:spcAft>
                       </a:pPr>
                       <a:r>
-                        <a:t>提示：登录成功！</a:t>
+                        <a:rPr lang="en-US" sz="1600" kern="100">
+                          <a:solidFill>
+                            <a:schemeClr val="bg1"/>
+                          </a:solidFill>
+                          <a:effectLst/>
+                          <a:uFill>
+                            <a:solidFill>
+                              <a:srgbClr val="000000"/>
+                            </a:solidFill>
+                          </a:uFill>
+                        </a:rPr>
+                        <a:t>1.</a:t>
                       </a:r>
+                      <a:r>
+                        <a:rPr lang="zh-TW" sz="1600" kern="100">
+                          <a:solidFill>
+                            <a:schemeClr val="bg1"/>
+                          </a:solidFill>
+                          <a:effectLst/>
+                          <a:uFill>
+                            <a:solidFill>
+                              <a:srgbClr val="000000"/>
+                            </a:solidFill>
+                          </a:uFill>
+                        </a:rPr>
+                        <a:t>点击</a:t>
+                      </a:r>
+                      <a:r>
+                        <a:rPr lang="zh-CN" sz="1600" kern="100">
+                          <a:solidFill>
+                            <a:schemeClr val="bg1"/>
+                          </a:solidFill>
+                          <a:effectLst/>
+                          <a:uFill>
+                            <a:solidFill>
+                              <a:srgbClr val="000000"/>
+                            </a:solidFill>
+                          </a:uFill>
+                        </a:rPr>
+                        <a:t>背包中各种渔具</a:t>
+                      </a:r>
+                      <a:endParaRPr lang="zh-CN" sz="1600" kern="100">
+                        <a:solidFill>
+                          <a:schemeClr val="bg1"/>
+                        </a:solidFill>
+                        <a:effectLst/>
+                        <a:uFill>
+                          <a:solidFill>
+                            <a:srgbClr val="000000"/>
+                          </a:solidFill>
+                        </a:uFill>
+                        <a:latin typeface="Calibri"/>
+                        <a:ea typeface="Calibri"/>
+                      </a:endParaRPr>
                     </a:p>
                   </a:txBody>
-                  <a:tcPr marL="0" marR="0" marT="0" marB="0" horzOverflow="overflow"/>
+                  <a:tcPr marL="50800" marR="50800" marT="50800" marB="50800"/>
                 </a:tc>
               </a:tr>
-              <a:tr h="408045">
+              <a:tr h="489413">
                 <a:tc>
                   <a:txBody>
                     <a:bodyPr/>
                     <a:lstStyle/>
                     <a:p>
                       <a:pPr algn="just">
-                        <a:defRPr sz="1800" b="1">
+                        <a:spcAft>
+                          <a:spcPts val="0"/>
+                        </a:spcAft>
+                      </a:pPr>
+                      <a:r>
+                        <a:rPr lang="zh-TW" sz="1600" kern="100" dirty="0">
                           <a:solidFill>
-                            <a:srgbClr val="FFFFFF"/>
+                            <a:schemeClr val="bg1"/>
                           </a:solidFill>
+                          <a:effectLst/>
                           <a:uFill>
                             <a:solidFill>
                               <a:srgbClr val="000000"/>
                             </a:solidFill>
                           </a:uFill>
-                        </a:defRPr>
-                      </a:pPr>
-                      <a:r>
-                        <a:t>注册过但不正确的账号密码</a:t>
+                        </a:rPr>
+                        <a:t>测试结果：没有出现异常。</a:t>
                       </a:r>
+                      <a:endParaRPr lang="zh-CN" sz="1600" kern="100" dirty="0">
+                        <a:solidFill>
+                          <a:schemeClr val="bg1"/>
+                        </a:solidFill>
+                        <a:effectLst/>
+                        <a:uFill>
+                          <a:solidFill>
+                            <a:srgbClr val="000000"/>
+                          </a:solidFill>
+                        </a:uFill>
+                        <a:latin typeface="Calibri"/>
+                        <a:ea typeface="Calibri"/>
+                      </a:endParaRPr>
                     </a:p>
                   </a:txBody>
-                  <a:tcPr marL="0" marR="0" marT="0" marB="0" horzOverflow="overflow">
-                    <a:solidFill>
-                      <a:schemeClr val="accent1"/>
-                    </a:solidFill>
-                  </a:tcPr>
-                </a:tc>
-                <a:tc>
-                  <a:txBody>
-                    <a:bodyPr/>
-                    <a:lstStyle/>
-                    <a:p>
-                      <a:pPr algn="just">
-                        <a:defRPr sz="1800">
-                          <a:uFill>
-                            <a:solidFill>
-                              <a:srgbClr val="000000"/>
-                            </a:solidFill>
-                          </a:uFill>
-                        </a:defRPr>
-                      </a:pPr>
-                      <a:r>
-                        <a:t>提示：账号或密码错误!</a:t>
-                      </a:r>
-                    </a:p>
-                  </a:txBody>
-                  <a:tcPr marL="0" marR="0" marT="0" marB="0" horzOverflow="overflow"/>
-                </a:tc>
-                <a:tc>
-                  <a:txBody>
-                    <a:bodyPr/>
-                    <a:lstStyle/>
-                    <a:p>
-                      <a:pPr algn="just">
-                        <a:defRPr sz="1800">
-                          <a:uFill>
-                            <a:solidFill>
-                              <a:srgbClr val="000000"/>
-                            </a:solidFill>
-                          </a:uFill>
-                        </a:defRPr>
-                      </a:pPr>
-                      <a:r>
-                        <a:t>提示：账号或密码错误</a:t>
-                      </a:r>
-                    </a:p>
-                  </a:txBody>
-                  <a:tcPr marL="0" marR="0" marT="0" marB="0" horzOverflow="overflow"/>
-                </a:tc>
-              </a:tr>
-              <a:tr h="408045">
-                <a:tc>
-                  <a:txBody>
-                    <a:bodyPr/>
-                    <a:lstStyle/>
-                    <a:p>
-                      <a:pPr algn="just">
-                        <a:defRPr sz="1800" b="1">
-                          <a:solidFill>
-                            <a:srgbClr val="FFFFFF"/>
-                          </a:solidFill>
-                          <a:uFill>
-                            <a:solidFill>
-                              <a:srgbClr val="000000"/>
-                            </a:solidFill>
-                          </a:uFill>
-                        </a:defRPr>
-                      </a:pPr>
-                      <a:r>
-                        <a:t>空输入账号</a:t>
-                      </a:r>
-                    </a:p>
-                  </a:txBody>
-                  <a:tcPr marL="0" marR="0" marT="0" marB="0" horzOverflow="overflow">
-                    <a:solidFill>
-                      <a:schemeClr val="accent1"/>
-                    </a:solidFill>
-                  </a:tcPr>
-                </a:tc>
-                <a:tc>
-                  <a:txBody>
-                    <a:bodyPr/>
-                    <a:lstStyle/>
-                    <a:p>
-                      <a:pPr algn="just">
-                        <a:defRPr sz="1800">
-                          <a:uFill>
-                            <a:solidFill>
-                              <a:srgbClr val="000000"/>
-                            </a:solidFill>
-                          </a:uFill>
-                        </a:defRPr>
-                      </a:pPr>
-                      <a:r>
-                        <a:t>提示：账号密码不能为空！</a:t>
-                      </a:r>
-                    </a:p>
-                  </a:txBody>
-                  <a:tcPr marL="0" marR="0" marT="0" marB="0" horzOverflow="overflow"/>
-                </a:tc>
-                <a:tc>
-                  <a:txBody>
-                    <a:bodyPr/>
-                    <a:lstStyle/>
-                    <a:p>
-                      <a:pPr algn="just">
-                        <a:defRPr sz="1800">
-                          <a:uFill>
-                            <a:solidFill>
-                              <a:srgbClr val="000000"/>
-                            </a:solidFill>
-                          </a:uFill>
-                        </a:defRPr>
-                      </a:pPr>
-                      <a:r>
-                        <a:t>提示：账号密码不能为空！</a:t>
-                      </a:r>
-                    </a:p>
-                  </a:txBody>
-                  <a:tcPr marL="0" marR="0" marT="0" marB="0" horzOverflow="overflow"/>
-                </a:tc>
-              </a:tr>
-              <a:tr h="408045">
-                <a:tc>
-                  <a:txBody>
-                    <a:bodyPr/>
-                    <a:lstStyle/>
-                    <a:p>
-                      <a:pPr algn="just">
-                        <a:defRPr sz="1800" b="1">
-                          <a:solidFill>
-                            <a:srgbClr val="FFFFFF"/>
-                          </a:solidFill>
-                          <a:uFill>
-                            <a:solidFill>
-                              <a:srgbClr val="000000"/>
-                            </a:solidFill>
-                          </a:uFill>
-                        </a:defRPr>
-                      </a:pPr>
-                      <a:r>
-                        <a:t>空输入密码</a:t>
-                      </a:r>
-                    </a:p>
-                  </a:txBody>
-                  <a:tcPr marL="0" marR="0" marT="0" marB="0" horzOverflow="overflow">
-                    <a:solidFill>
-                      <a:schemeClr val="accent1"/>
-                    </a:solidFill>
-                  </a:tcPr>
-                </a:tc>
-                <a:tc>
-                  <a:txBody>
-                    <a:bodyPr/>
-                    <a:lstStyle/>
-                    <a:p>
-                      <a:pPr algn="just">
-                        <a:defRPr sz="1800">
-                          <a:uFill>
-                            <a:solidFill>
-                              <a:srgbClr val="000000"/>
-                            </a:solidFill>
-                          </a:uFill>
-                        </a:defRPr>
-                      </a:pPr>
-                      <a:r>
-                        <a:t>提示：账号密码不能为空！</a:t>
-                      </a:r>
-                    </a:p>
-                  </a:txBody>
-                  <a:tcPr marL="0" marR="0" marT="0" marB="0" horzOverflow="overflow"/>
-                </a:tc>
-                <a:tc>
-                  <a:txBody>
-                    <a:bodyPr/>
-                    <a:lstStyle/>
-                    <a:p>
-                      <a:pPr algn="just">
-                        <a:defRPr sz="1800">
-                          <a:uFill>
-                            <a:solidFill>
-                              <a:srgbClr val="000000"/>
-                            </a:solidFill>
-                          </a:uFill>
-                        </a:defRPr>
-                      </a:pPr>
-                      <a:r>
-                        <a:t>提示：账号密码不能为空！</a:t>
-                      </a:r>
-                    </a:p>
-                  </a:txBody>
-                  <a:tcPr marL="0" marR="0" marT="0" marB="0" horzOverflow="overflow"/>
+                  <a:tcPr marL="50800" marR="50800" marT="50800" marB="50800"/>
                 </a:tc>
               </a:tr>
             </a:tbl>
@@ -12912,7 +12680,7 @@
       </p:grpSpPr>
       <p:sp>
         <p:nvSpPr>
-          <p:cNvPr id="168" name="内容占位符 1"/>
+          <p:cNvPr id="171" name="内容占位符 1"/>
           <p:cNvSpPr txBox="1">
             <a:spLocks noGrp="1"/>
           </p:cNvSpPr>
@@ -12929,40 +12697,181 @@
           <a:bodyPr/>
           <a:lstStyle/>
           <a:p>
-            <a:r>
-              <a:t>1.先对主控制模块进行测试，将存根程序代替所有直接附属与主控制模块的模块。</a:t>
-            </a:r>
-          </a:p>
-          <a:p>
-            <a:r>
-              <a:t>2.每次用一个实际模块代换一个存根程序。</a:t>
-            </a:r>
-          </a:p>
-          <a:p>
-            <a:r>
-              <a:t>3.在结合进一个模块的同时进行测试</a:t>
-            </a:r>
-          </a:p>
-          <a:p>
-            <a:r>
-              <a:t>4.在不断进行回归测试</a:t>
-            </a:r>
-          </a:p>
-          <a:p>
-            <a:r>
-              <a:t>5.重复以上步骤。</a:t>
-            </a:r>
-          </a:p>
-          <a:p>
-            <a:r>
-              <a:t>未发现各模块借口间存在的问题</a:t>
-            </a:r>
+            <a:pPr marL="252374" indent="-252374" defTabSz="841247">
+              <a:lnSpc>
+                <a:spcPct val="80000"/>
+              </a:lnSpc>
+              <a:spcBef>
+                <a:spcPts val="500"/>
+              </a:spcBef>
+              <a:defRPr sz="2208"/>
+            </a:pPr>
+            <a:r>
+              <a:rPr dirty="0"/>
+              <a:t>时间：2018.5.25</a:t>
+            </a:r>
+          </a:p>
+          <a:p>
+            <a:pPr marL="252374" indent="-252374" defTabSz="841247">
+              <a:lnSpc>
+                <a:spcPct val="80000"/>
+              </a:lnSpc>
+              <a:spcBef>
+                <a:spcPts val="500"/>
+              </a:spcBef>
+              <a:defRPr sz="2208"/>
+            </a:pPr>
+            <a:r>
+              <a:rPr dirty="0"/>
+              <a:t>地点：</a:t>
+            </a:r>
+            <a:r>
+              <a:rPr dirty="0" smtClean="0"/>
+              <a:t>寝室</a:t>
+            </a:r>
+            <a:r>
+              <a:rPr lang="en-US" dirty="0" smtClean="0"/>
+              <a:t>533</a:t>
+            </a:r>
+            <a:endParaRPr dirty="0"/>
+          </a:p>
+          <a:p>
+            <a:pPr marL="252374" indent="-252374" defTabSz="841247">
+              <a:lnSpc>
+                <a:spcPct val="80000"/>
+              </a:lnSpc>
+              <a:spcBef>
+                <a:spcPts val="500"/>
+              </a:spcBef>
+              <a:defRPr sz="2208"/>
+            </a:pPr>
+            <a:r>
+              <a:rPr dirty="0" err="1"/>
+              <a:t>人员：陈云</a:t>
+            </a:r>
+            <a:endParaRPr dirty="0"/>
+          </a:p>
+          <a:p>
+            <a:pPr marL="252374" indent="-252374" defTabSz="841247">
+              <a:lnSpc>
+                <a:spcPct val="80000"/>
+              </a:lnSpc>
+              <a:spcBef>
+                <a:spcPts val="500"/>
+              </a:spcBef>
+              <a:defRPr sz="2208"/>
+            </a:pPr>
+            <a:r>
+              <a:rPr dirty="0" err="1"/>
+              <a:t>测试结果</a:t>
+            </a:r>
+            <a:r>
+              <a:rPr dirty="0" smtClean="0"/>
+              <a:t>：</a:t>
+            </a:r>
+            <a:r>
+              <a:rPr lang="zh-CN" altLang="en-US" dirty="0" smtClean="0"/>
+              <a:t>在我们的邀请下</a:t>
+            </a:r>
+            <a:r>
+              <a:rPr dirty="0" smtClean="0"/>
+              <a:t>，</a:t>
+            </a:r>
+            <a:r>
+              <a:rPr lang="zh-CN" altLang="en-US" dirty="0" smtClean="0"/>
+              <a:t>陈云同学尝试了我们的</a:t>
+            </a:r>
+            <a:r>
+              <a:rPr lang="en-US" altLang="zh-CN" dirty="0" smtClean="0"/>
+              <a:t>APP</a:t>
+            </a:r>
+            <a:r>
+              <a:rPr lang="zh-CN" altLang="en-US" dirty="0" smtClean="0"/>
+              <a:t>，</a:t>
+            </a:r>
+            <a:r>
+              <a:rPr dirty="0" smtClean="0"/>
+              <a:t>同时仔细审核了一下自己原先的需求定义</a:t>
+            </a:r>
+            <a:r>
+              <a:rPr dirty="0"/>
+              <a:t>。认为该App与自己理想需求存在一定的差异。有如下差异：1</a:t>
+            </a:r>
+            <a:r>
+              <a:rPr dirty="0" smtClean="0"/>
+              <a:t>、</a:t>
+            </a:r>
+            <a:r>
+              <a:rPr lang="zh-CN" altLang="en-US" dirty="0" smtClean="0"/>
+              <a:t>操作起来不是很顺畅</a:t>
+            </a:r>
+            <a:r>
+              <a:rPr dirty="0" smtClean="0"/>
+              <a:t> </a:t>
+            </a:r>
+            <a:r>
+              <a:rPr dirty="0"/>
+              <a:t>2、玩法比较简单 3、</a:t>
+            </a:r>
+            <a:r>
+              <a:rPr dirty="0" smtClean="0"/>
+              <a:t>仍然存在部分功能模块问题</a:t>
+            </a:r>
+            <a:r>
+              <a:rPr lang="zh-CN" altLang="en-US" dirty="0" smtClean="0"/>
+              <a:t>，比如说在点背包时会在界面上出现白色方框。</a:t>
+            </a:r>
+            <a:endParaRPr dirty="0"/>
+          </a:p>
+          <a:p>
+            <a:pPr marL="252374" indent="-252374" defTabSz="841247">
+              <a:lnSpc>
+                <a:spcPct val="80000"/>
+              </a:lnSpc>
+              <a:spcBef>
+                <a:spcPts val="500"/>
+              </a:spcBef>
+              <a:defRPr sz="2208"/>
+            </a:pPr>
+            <a:r>
+              <a:rPr dirty="0" err="1" smtClean="0"/>
+              <a:t>本软件已交付给陈云初步使用</a:t>
+            </a:r>
+            <a:r>
+              <a:rPr dirty="0" err="1"/>
+              <a:t>，他对基本功能的实现表示认同，但也提出了一些建议</a:t>
+            </a:r>
+            <a:r>
+              <a:rPr dirty="0" smtClean="0"/>
+              <a:t>，</a:t>
+            </a:r>
+            <a:r>
+              <a:rPr lang="zh-CN" altLang="en-US" dirty="0" smtClean="0"/>
+              <a:t>认为目前的</a:t>
+            </a:r>
+            <a:r>
+              <a:rPr lang="en-US" altLang="zh-CN" dirty="0" smtClean="0"/>
+              <a:t>APP</a:t>
+            </a:r>
+            <a:r>
+              <a:rPr lang="zh-CN" altLang="en-US" dirty="0" smtClean="0"/>
+              <a:t>无法让玩家体验钓鱼的紧张感，需要我们改进，</a:t>
+            </a:r>
+            <a:r>
+              <a:rPr dirty="0" err="1" smtClean="0"/>
+              <a:t>带来更好的游戏体验</a:t>
+            </a:r>
+            <a:r>
+              <a:rPr dirty="0" smtClean="0"/>
+              <a:t>。</a:t>
+            </a:r>
+            <a:endParaRPr dirty="0"/>
           </a:p>
         </p:txBody>
       </p:sp>
       <p:sp>
         <p:nvSpPr>
-          <p:cNvPr id="169" name="标题 2"/>
+          <p:cNvPr id="172" name="标题 2"/>
           <p:cNvSpPr txBox="1">
             <a:spLocks noGrp="1"/>
           </p:cNvSpPr>
@@ -12980,8 +12889,18 @@
           <a:lstStyle/>
           <a:p>
             <a:r>
-              <a:t>6.2集成测试</a:t>
-            </a:r>
+              <a:rPr dirty="0" smtClean="0"/>
+              <a:t>6.</a:t>
+            </a:r>
+            <a:r>
+              <a:rPr lang="en-US" dirty="0" smtClean="0"/>
+              <a:t>2</a:t>
+            </a:r>
+            <a:r>
+              <a:rPr dirty="0" smtClean="0"/>
+              <a:t>确认测试</a:t>
+            </a:r>
+            <a:endParaRPr dirty="0"/>
           </a:p>
         </p:txBody>
       </p:sp>
@@ -13110,161 +13029,6 @@
       </p:grpSpPr>
       <p:sp>
         <p:nvSpPr>
-          <p:cNvPr id="171" name="内容占位符 1"/>
-          <p:cNvSpPr txBox="1">
-            <a:spLocks noGrp="1"/>
-          </p:cNvSpPr>
-          <p:nvPr>
-            <p:ph type="body" idx="1"/>
-          </p:nvPr>
-        </p:nvSpPr>
-        <p:spPr>
-          <a:prstGeom prst="rect">
-            <a:avLst/>
-          </a:prstGeom>
-        </p:spPr>
-        <p:txBody>
-          <a:bodyPr/>
-          <a:lstStyle/>
-          <a:p>
-            <a:pPr marL="252374" indent="-252374" defTabSz="841247">
-              <a:lnSpc>
-                <a:spcPct val="80000"/>
-              </a:lnSpc>
-              <a:spcBef>
-                <a:spcPts val="500"/>
-              </a:spcBef>
-              <a:defRPr sz="2208"/>
-            </a:pPr>
-            <a:r>
-              <a:t>时间：2018.5.25</a:t>
-            </a:r>
-          </a:p>
-          <a:p>
-            <a:pPr marL="252374" indent="-252374" defTabSz="841247">
-              <a:lnSpc>
-                <a:spcPct val="80000"/>
-              </a:lnSpc>
-              <a:spcBef>
-                <a:spcPts val="500"/>
-              </a:spcBef>
-              <a:defRPr sz="2208"/>
-            </a:pPr>
-            <a:r>
-              <a:t>地点：寝室604</a:t>
-            </a:r>
-          </a:p>
-          <a:p>
-            <a:pPr marL="252374" indent="-252374" defTabSz="841247">
-              <a:lnSpc>
-                <a:spcPct val="80000"/>
-              </a:lnSpc>
-              <a:spcBef>
-                <a:spcPts val="500"/>
-              </a:spcBef>
-              <a:defRPr sz="2208"/>
-            </a:pPr>
-            <a:r>
-              <a:t>人员：陈云</a:t>
-            </a:r>
-          </a:p>
-          <a:p>
-            <a:pPr marL="252374" indent="-252374" defTabSz="841247">
-              <a:lnSpc>
-                <a:spcPct val="80000"/>
-              </a:lnSpc>
-              <a:spcBef>
-                <a:spcPts val="500"/>
-              </a:spcBef>
-              <a:defRPr sz="2208"/>
-            </a:pPr>
-            <a:r>
-              <a:t>测试结果：在三位开发人员的“指导下”，该同学对钓鱼APP的已开发功能用了一遍，同时仔细审核了一下自己原先的需求定义。认为该App与自己理想需求存在一定的差异。有如下差异：1、界面设计不够理想 2、玩法比较简单 3、仍然存在部分功能模块问题</a:t>
-            </a:r>
-          </a:p>
-          <a:p>
-            <a:pPr marL="252374" indent="-252374" defTabSz="841247">
-              <a:lnSpc>
-                <a:spcPct val="80000"/>
-              </a:lnSpc>
-              <a:spcBef>
-                <a:spcPts val="500"/>
-              </a:spcBef>
-              <a:defRPr sz="2208"/>
-            </a:pPr>
-            <a:r>
-              <a:t>在操作方面，该同学认为还算比较简单，难度不大。</a:t>
-            </a:r>
-          </a:p>
-          <a:p>
-            <a:pPr marL="252374" indent="-252374" defTabSz="841247">
-              <a:lnSpc>
-                <a:spcPct val="80000"/>
-              </a:lnSpc>
-              <a:spcBef>
-                <a:spcPts val="500"/>
-              </a:spcBef>
-              <a:defRPr sz="2208"/>
-            </a:pPr>
-            <a:r>
-              <a:t>本软件已交付给陈云初步使用，他对基本功能的实现表示认同，但也提出了一些建议，比如进一步的细化钓鱼的具体玩法，带来更好的游戏体验。这些功能有待进一步的完善与开发。</a:t>
-            </a:r>
-          </a:p>
-        </p:txBody>
-      </p:sp>
-      <p:sp>
-        <p:nvSpPr>
-          <p:cNvPr id="172" name="标题 2"/>
-          <p:cNvSpPr txBox="1">
-            <a:spLocks noGrp="1"/>
-          </p:cNvSpPr>
-          <p:nvPr>
-            <p:ph type="title"/>
-          </p:nvPr>
-        </p:nvSpPr>
-        <p:spPr>
-          <a:prstGeom prst="rect">
-            <a:avLst/>
-          </a:prstGeom>
-        </p:spPr>
-        <p:txBody>
-          <a:bodyPr/>
-          <a:lstStyle/>
-          <a:p>
-            <a:r>
-              <a:t>6.3确认测试</a:t>
-            </a:r>
-          </a:p>
-        </p:txBody>
-      </p:sp>
-    </p:spTree>
-  </p:cSld>
-  <p:clrMapOvr>
-    <a:masterClrMapping/>
-  </p:clrMapOvr>
-  <p:transition spd="med"/>
-</p:sld>
-</file>
-
-<file path=ppt/slides/slide31.xml><?xml version="1.0" encoding="utf-8"?>
-<p:sld xmlns:a="http://schemas.openxmlformats.org/drawingml/2006/main" xmlns:r="http://schemas.openxmlformats.org/officeDocument/2006/relationships" xmlns:p="http://schemas.openxmlformats.org/presentationml/2006/main">
-  <p:cSld>
-    <p:spTree>
-      <p:nvGrpSpPr>
-        <p:cNvPr id="1" name=""/>
-        <p:cNvGrpSpPr/>
-        <p:nvPr/>
-      </p:nvGrpSpPr>
-      <p:grpSpPr>
-        <a:xfrm>
-          <a:off x="0" y="0"/>
-          <a:ext cx="0" cy="0"/>
-          <a:chOff x="0" y="0"/>
-          <a:chExt cx="0" cy="0"/>
-        </a:xfrm>
-      </p:grpSpPr>
-      <p:sp>
-        <p:nvSpPr>
           <p:cNvPr id="174" name="内容占位符 1"/>
           <p:cNvSpPr txBox="1">
             <a:spLocks noGrp="1"/>
@@ -13471,8 +13235,18 @@
           <a:lstStyle/>
           <a:p>
             <a:r>
-              <a:t>6.4白盒测试</a:t>
-            </a:r>
+              <a:rPr dirty="0" smtClean="0"/>
+              <a:t>6.</a:t>
+            </a:r>
+            <a:r>
+              <a:rPr lang="en-US" dirty="0" smtClean="0"/>
+              <a:t>3</a:t>
+            </a:r>
+            <a:r>
+              <a:rPr dirty="0" smtClean="0"/>
+              <a:t>白盒测试</a:t>
+            </a:r>
+            <a:endParaRPr dirty="0"/>
           </a:p>
         </p:txBody>
       </p:sp>
@@ -13485,7 +13259,7 @@
 </p:sld>
 </file>
 
-<file path=ppt/slides/slide32.xml><?xml version="1.0" encoding="utf-8"?>
+<file path=ppt/slides/slide31.xml><?xml version="1.0" encoding="utf-8"?>
 <p:sld xmlns:a="http://schemas.openxmlformats.org/drawingml/2006/main" xmlns:r="http://schemas.openxmlformats.org/officeDocument/2006/relationships" xmlns:p="http://schemas.openxmlformats.org/presentationml/2006/main">
   <p:cSld>
     <p:spTree>
@@ -13642,7 +13416,7 @@
 </p:sld>
 </file>
 
-<file path=ppt/slides/slide33.xml><?xml version="1.0" encoding="utf-8"?>
+<file path=ppt/slides/slide32.xml><?xml version="1.0" encoding="utf-8"?>
 <p:sld xmlns:a="http://schemas.openxmlformats.org/drawingml/2006/main" xmlns:r="http://schemas.openxmlformats.org/officeDocument/2006/relationships" xmlns:p="http://schemas.openxmlformats.org/presentationml/2006/main">
   <p:cSld>
     <p:spTree>
@@ -13749,7 +13523,7 @@
 </p:sld>
 </file>
 
-<file path=ppt/slides/slide34.xml><?xml version="1.0" encoding="utf-8"?>
+<file path=ppt/slides/slide33.xml><?xml version="1.0" encoding="utf-8"?>
 <p:sld xmlns:a="http://schemas.openxmlformats.org/drawingml/2006/main" xmlns:r="http://schemas.openxmlformats.org/officeDocument/2006/relationships" xmlns:p="http://schemas.openxmlformats.org/presentationml/2006/main">
   <p:cSld>
     <p:spTree>
@@ -13856,7 +13630,7 @@
 </p:sld>
 </file>
 
-<file path=ppt/slides/slide35.xml><?xml version="1.0" encoding="utf-8"?>
+<file path=ppt/slides/slide34.xml><?xml version="1.0" encoding="utf-8"?>
 <p:sld xmlns:a="http://schemas.openxmlformats.org/drawingml/2006/main" xmlns:r="http://schemas.openxmlformats.org/officeDocument/2006/relationships" xmlns:p="http://schemas.openxmlformats.org/presentationml/2006/main">
   <p:cSld>
     <p:spTree>
@@ -14046,11 +13820,7 @@
           <a:p>
             <a:r>
               <a:rPr dirty="0" err="1"/>
-              <a:t>二.</a:t>
-            </a:r>
-            <a:r>
-              <a:rPr dirty="0" err="1"/>
-              <a:t>钓鱼游戏设计说明</a:t>
+              <a:t>二.钓鱼游戏设计说明</a:t>
             </a:r>
             <a:endParaRPr dirty="0"/>
           </a:p>
